--- a/slides/graphs-basic.pptx
+++ b/slides/graphs-basic.pptx
@@ -5,10 +5,10 @@
     <p:sldMasterId id="2147483714" r:id="rId1"/>
   </p:sldMasterIdLst>
   <p:notesMasterIdLst>
-    <p:notesMasterId r:id="rId70"/>
+    <p:notesMasterId r:id="rId77"/>
   </p:notesMasterIdLst>
   <p:handoutMasterIdLst>
-    <p:handoutMasterId r:id="rId71"/>
+    <p:handoutMasterId r:id="rId78"/>
   </p:handoutMasterIdLst>
   <p:sldIdLst>
     <p:sldId id="377" r:id="rId2"/>
@@ -64,26 +64,33 @@
     <p:sldId id="454" r:id="rId52"/>
     <p:sldId id="455" r:id="rId53"/>
     <p:sldId id="420" r:id="rId54"/>
-    <p:sldId id="457" r:id="rId55"/>
-    <p:sldId id="428" r:id="rId56"/>
-    <p:sldId id="429" r:id="rId57"/>
-    <p:sldId id="430" r:id="rId58"/>
-    <p:sldId id="432" r:id="rId59"/>
-    <p:sldId id="459" r:id="rId60"/>
-    <p:sldId id="435" r:id="rId61"/>
-    <p:sldId id="326" r:id="rId62"/>
-    <p:sldId id="328" r:id="rId63"/>
-    <p:sldId id="329" r:id="rId64"/>
-    <p:sldId id="330" r:id="rId65"/>
-    <p:sldId id="331" r:id="rId66"/>
-    <p:sldId id="482" r:id="rId67"/>
-    <p:sldId id="458" r:id="rId68"/>
-    <p:sldId id="410" r:id="rId69"/>
+    <p:sldId id="483" r:id="rId55"/>
+    <p:sldId id="484" r:id="rId56"/>
+    <p:sldId id="485" r:id="rId57"/>
+    <p:sldId id="486" r:id="rId58"/>
+    <p:sldId id="487" r:id="rId59"/>
+    <p:sldId id="488" r:id="rId60"/>
+    <p:sldId id="489" r:id="rId61"/>
+    <p:sldId id="490" r:id="rId62"/>
+    <p:sldId id="491" r:id="rId63"/>
+    <p:sldId id="457" r:id="rId64"/>
+    <p:sldId id="428" r:id="rId65"/>
+    <p:sldId id="429" r:id="rId66"/>
+    <p:sldId id="430" r:id="rId67"/>
+    <p:sldId id="432" r:id="rId68"/>
+    <p:sldId id="459" r:id="rId69"/>
+    <p:sldId id="435" r:id="rId70"/>
+    <p:sldId id="328" r:id="rId71"/>
+    <p:sldId id="329" r:id="rId72"/>
+    <p:sldId id="331" r:id="rId73"/>
+    <p:sldId id="482" r:id="rId74"/>
+    <p:sldId id="458" r:id="rId75"/>
+    <p:sldId id="410" r:id="rId76"/>
   </p:sldIdLst>
   <p:sldSz cx="9144000" cy="6858000" type="screen4x3"/>
   <p:notesSz cx="7315200" cy="9601200"/>
   <p:custDataLst>
-    <p:tags r:id="rId72"/>
+    <p:tags r:id="rId79"/>
   </p:custDataLst>
   <p:defaultTextStyle>
     <a:defPPr>
@@ -973,14 +980,14 @@
           <a:ln/>
           <a:extLst>
             <a:ext uri="{909E8E84-426E-40dd-AFC4-6F175D3DCCD1}">
-              <a14:hiddenFill xmlns:a14="http://schemas.microsoft.com/office/drawing/2010/main" xmlns="">
+              <a14:hiddenFill xmlns="" xmlns:a14="http://schemas.microsoft.com/office/drawing/2010/main">
                 <a:solidFill>
                   <a:srgbClr val="FFFFFF"/>
                 </a:solidFill>
               </a14:hiddenFill>
             </a:ext>
             <a:ext uri="{91240B29-F687-4f45-9708-019B960494DF}">
-              <a14:hiddenLine xmlns:a14="http://schemas.microsoft.com/office/drawing/2010/main" xmlns="" w="9525">
+              <a14:hiddenLine xmlns="" xmlns:a14="http://schemas.microsoft.com/office/drawing/2010/main" w="9525">
                 <a:solidFill>
                   <a:srgbClr val="000000"/>
                 </a:solidFill>
@@ -1016,14 +1023,14 @@
           <a:ln/>
           <a:extLst>
             <a:ext uri="{909E8E84-426E-40dd-AFC4-6F175D3DCCD1}">
-              <a14:hiddenFill xmlns:a14="http://schemas.microsoft.com/office/drawing/2010/main" xmlns="">
+              <a14:hiddenFill xmlns="" xmlns:a14="http://schemas.microsoft.com/office/drawing/2010/main">
                 <a:solidFill>
                   <a:srgbClr val="FFFFFF"/>
                 </a:solidFill>
               </a14:hiddenFill>
             </a:ext>
             <a:ext uri="{91240B29-F687-4f45-9708-019B960494DF}">
-              <a14:hiddenLine xmlns:a14="http://schemas.microsoft.com/office/drawing/2010/main" xmlns="" w="9525">
+              <a14:hiddenLine xmlns="" xmlns:a14="http://schemas.microsoft.com/office/drawing/2010/main" w="9525">
                 <a:solidFill>
                   <a:srgbClr val="000000"/>
                 </a:solidFill>
@@ -1212,14 +1219,14 @@
           <a:ln/>
           <a:extLst>
             <a:ext uri="{909E8E84-426E-40dd-AFC4-6F175D3DCCD1}">
-              <a14:hiddenFill xmlns:a14="http://schemas.microsoft.com/office/drawing/2010/main" xmlns="">
+              <a14:hiddenFill xmlns="" xmlns:a14="http://schemas.microsoft.com/office/drawing/2010/main">
                 <a:solidFill>
                   <a:srgbClr val="FFFFFF"/>
                 </a:solidFill>
               </a14:hiddenFill>
             </a:ext>
             <a:ext uri="{91240B29-F687-4f45-9708-019B960494DF}">
-              <a14:hiddenLine xmlns:a14="http://schemas.microsoft.com/office/drawing/2010/main" xmlns="" w="9525">
+              <a14:hiddenLine xmlns="" xmlns:a14="http://schemas.microsoft.com/office/drawing/2010/main" w="9525">
                 <a:solidFill>
                   <a:srgbClr val="000000"/>
                 </a:solidFill>
@@ -1255,14 +1262,14 @@
           <a:ln/>
           <a:extLst>
             <a:ext uri="{909E8E84-426E-40dd-AFC4-6F175D3DCCD1}">
-              <a14:hiddenFill xmlns:a14="http://schemas.microsoft.com/office/drawing/2010/main" xmlns="">
+              <a14:hiddenFill xmlns="" xmlns:a14="http://schemas.microsoft.com/office/drawing/2010/main">
                 <a:solidFill>
                   <a:srgbClr val="FFFFFF"/>
                 </a:solidFill>
               </a14:hiddenFill>
             </a:ext>
             <a:ext uri="{91240B29-F687-4f45-9708-019B960494DF}">
-              <a14:hiddenLine xmlns:a14="http://schemas.microsoft.com/office/drawing/2010/main" xmlns="" w="9525">
+              <a14:hiddenLine xmlns="" xmlns:a14="http://schemas.microsoft.com/office/drawing/2010/main" w="9525">
                 <a:solidFill>
                   <a:srgbClr val="000000"/>
                 </a:solidFill>
@@ -1451,14 +1458,14 @@
           <a:ln/>
           <a:extLst>
             <a:ext uri="{909E8E84-426E-40dd-AFC4-6F175D3DCCD1}">
-              <a14:hiddenFill xmlns:a14="http://schemas.microsoft.com/office/drawing/2010/main" xmlns="">
+              <a14:hiddenFill xmlns="" xmlns:a14="http://schemas.microsoft.com/office/drawing/2010/main">
                 <a:solidFill>
                   <a:srgbClr val="FFFFFF"/>
                 </a:solidFill>
               </a14:hiddenFill>
             </a:ext>
             <a:ext uri="{91240B29-F687-4f45-9708-019B960494DF}">
-              <a14:hiddenLine xmlns:a14="http://schemas.microsoft.com/office/drawing/2010/main" xmlns="" w="9525">
+              <a14:hiddenLine xmlns="" xmlns:a14="http://schemas.microsoft.com/office/drawing/2010/main" w="9525">
                 <a:solidFill>
                   <a:srgbClr val="000000"/>
                 </a:solidFill>
@@ -1494,14 +1501,14 @@
           <a:ln/>
           <a:extLst>
             <a:ext uri="{909E8E84-426E-40dd-AFC4-6F175D3DCCD1}">
-              <a14:hiddenFill xmlns:a14="http://schemas.microsoft.com/office/drawing/2010/main" xmlns="">
+              <a14:hiddenFill xmlns="" xmlns:a14="http://schemas.microsoft.com/office/drawing/2010/main">
                 <a:solidFill>
                   <a:srgbClr val="FFFFFF"/>
                 </a:solidFill>
               </a14:hiddenFill>
             </a:ext>
             <a:ext uri="{91240B29-F687-4f45-9708-019B960494DF}">
-              <a14:hiddenLine xmlns:a14="http://schemas.microsoft.com/office/drawing/2010/main" xmlns="" w="9525">
+              <a14:hiddenLine xmlns="" xmlns:a14="http://schemas.microsoft.com/office/drawing/2010/main" w="9525">
                 <a:solidFill>
                   <a:srgbClr val="000000"/>
                 </a:solidFill>
@@ -1690,14 +1697,14 @@
           <a:ln/>
           <a:extLst>
             <a:ext uri="{909E8E84-426E-40dd-AFC4-6F175D3DCCD1}">
-              <a14:hiddenFill xmlns:a14="http://schemas.microsoft.com/office/drawing/2010/main" xmlns="">
+              <a14:hiddenFill xmlns="" xmlns:a14="http://schemas.microsoft.com/office/drawing/2010/main">
                 <a:solidFill>
                   <a:srgbClr val="FFFFFF"/>
                 </a:solidFill>
               </a14:hiddenFill>
             </a:ext>
             <a:ext uri="{91240B29-F687-4f45-9708-019B960494DF}">
-              <a14:hiddenLine xmlns:a14="http://schemas.microsoft.com/office/drawing/2010/main" xmlns="" w="9525">
+              <a14:hiddenLine xmlns="" xmlns:a14="http://schemas.microsoft.com/office/drawing/2010/main" w="9525">
                 <a:solidFill>
                   <a:srgbClr val="000000"/>
                 </a:solidFill>
@@ -1733,14 +1740,14 @@
           <a:ln/>
           <a:extLst>
             <a:ext uri="{909E8E84-426E-40dd-AFC4-6F175D3DCCD1}">
-              <a14:hiddenFill xmlns:a14="http://schemas.microsoft.com/office/drawing/2010/main" xmlns="">
+              <a14:hiddenFill xmlns="" xmlns:a14="http://schemas.microsoft.com/office/drawing/2010/main">
                 <a:solidFill>
                   <a:srgbClr val="FFFFFF"/>
                 </a:solidFill>
               </a14:hiddenFill>
             </a:ext>
             <a:ext uri="{91240B29-F687-4f45-9708-019B960494DF}">
-              <a14:hiddenLine xmlns:a14="http://schemas.microsoft.com/office/drawing/2010/main" xmlns="" w="9525">
+              <a14:hiddenLine xmlns="" xmlns:a14="http://schemas.microsoft.com/office/drawing/2010/main" w="9525">
                 <a:solidFill>
                   <a:srgbClr val="000000"/>
                 </a:solidFill>
@@ -1929,14 +1936,14 @@
           <a:ln/>
           <a:extLst>
             <a:ext uri="{909E8E84-426E-40dd-AFC4-6F175D3DCCD1}">
-              <a14:hiddenFill xmlns:a14="http://schemas.microsoft.com/office/drawing/2010/main" xmlns="">
+              <a14:hiddenFill xmlns="" xmlns:a14="http://schemas.microsoft.com/office/drawing/2010/main">
                 <a:solidFill>
                   <a:srgbClr val="FFFFFF"/>
                 </a:solidFill>
               </a14:hiddenFill>
             </a:ext>
             <a:ext uri="{91240B29-F687-4f45-9708-019B960494DF}">
-              <a14:hiddenLine xmlns:a14="http://schemas.microsoft.com/office/drawing/2010/main" xmlns="" w="9525">
+              <a14:hiddenLine xmlns="" xmlns:a14="http://schemas.microsoft.com/office/drawing/2010/main" w="9525">
                 <a:solidFill>
                   <a:srgbClr val="000000"/>
                 </a:solidFill>
@@ -1972,14 +1979,14 @@
           <a:ln/>
           <a:extLst>
             <a:ext uri="{909E8E84-426E-40dd-AFC4-6F175D3DCCD1}">
-              <a14:hiddenFill xmlns:a14="http://schemas.microsoft.com/office/drawing/2010/main" xmlns="">
+              <a14:hiddenFill xmlns="" xmlns:a14="http://schemas.microsoft.com/office/drawing/2010/main">
                 <a:solidFill>
                   <a:srgbClr val="FFFFFF"/>
                 </a:solidFill>
               </a14:hiddenFill>
             </a:ext>
             <a:ext uri="{91240B29-F687-4f45-9708-019B960494DF}">
-              <a14:hiddenLine xmlns:a14="http://schemas.microsoft.com/office/drawing/2010/main" xmlns="" w="9525">
+              <a14:hiddenLine xmlns="" xmlns:a14="http://schemas.microsoft.com/office/drawing/2010/main" w="9525">
                 <a:solidFill>
                   <a:srgbClr val="000000"/>
                 </a:solidFill>
@@ -2168,14 +2175,14 @@
           <a:ln/>
           <a:extLst>
             <a:ext uri="{909E8E84-426E-40dd-AFC4-6F175D3DCCD1}">
-              <a14:hiddenFill xmlns:a14="http://schemas.microsoft.com/office/drawing/2010/main" xmlns="">
+              <a14:hiddenFill xmlns="" xmlns:a14="http://schemas.microsoft.com/office/drawing/2010/main">
                 <a:solidFill>
                   <a:srgbClr val="FFFFFF"/>
                 </a:solidFill>
               </a14:hiddenFill>
             </a:ext>
             <a:ext uri="{91240B29-F687-4f45-9708-019B960494DF}">
-              <a14:hiddenLine xmlns:a14="http://schemas.microsoft.com/office/drawing/2010/main" xmlns="" w="9525">
+              <a14:hiddenLine xmlns="" xmlns:a14="http://schemas.microsoft.com/office/drawing/2010/main" w="9525">
                 <a:solidFill>
                   <a:srgbClr val="000000"/>
                 </a:solidFill>
@@ -2211,14 +2218,14 @@
           <a:ln/>
           <a:extLst>
             <a:ext uri="{909E8E84-426E-40dd-AFC4-6F175D3DCCD1}">
-              <a14:hiddenFill xmlns:a14="http://schemas.microsoft.com/office/drawing/2010/main" xmlns="">
+              <a14:hiddenFill xmlns="" xmlns:a14="http://schemas.microsoft.com/office/drawing/2010/main">
                 <a:solidFill>
                   <a:srgbClr val="FFFFFF"/>
                 </a:solidFill>
               </a14:hiddenFill>
             </a:ext>
             <a:ext uri="{91240B29-F687-4f45-9708-019B960494DF}">
-              <a14:hiddenLine xmlns:a14="http://schemas.microsoft.com/office/drawing/2010/main" xmlns="" w="9525">
+              <a14:hiddenLine xmlns="" xmlns:a14="http://schemas.microsoft.com/office/drawing/2010/main" w="9525">
                 <a:solidFill>
                   <a:srgbClr val="000000"/>
                 </a:solidFill>
@@ -2398,7 +2405,7 @@
             <a:fld id="{4E1D0E06-6B38-402A-80F4-A70DBD984D0C}" type="slidenum">
               <a:rPr lang="en-US" smtClean="0"/>
               <a:pPr/>
-              <a:t>58</a:t>
+              <a:t>67</a:t>
             </a:fld>
             <a:endParaRPr lang="en-US"/>
           </a:p>
@@ -2512,14 +2519,14 @@
           <a:ln/>
           <a:extLst>
             <a:ext uri="{909E8E84-426E-40dd-AFC4-6F175D3DCCD1}">
-              <a14:hiddenFill xmlns:a14="http://schemas.microsoft.com/office/drawing/2010/main" xmlns="">
+              <a14:hiddenFill xmlns="" xmlns:a14="http://schemas.microsoft.com/office/drawing/2010/main">
                 <a:solidFill>
                   <a:srgbClr val="FFFFFF"/>
                 </a:solidFill>
               </a14:hiddenFill>
             </a:ext>
             <a:ext uri="{91240B29-F687-4f45-9708-019B960494DF}">
-              <a14:hiddenLine xmlns:a14="http://schemas.microsoft.com/office/drawing/2010/main" xmlns="" w="9525">
+              <a14:hiddenLine xmlns="" xmlns:a14="http://schemas.microsoft.com/office/drawing/2010/main" w="9525">
                 <a:solidFill>
                   <a:srgbClr val="000000"/>
                 </a:solidFill>
@@ -2555,14 +2562,14 @@
           <a:ln/>
           <a:extLst>
             <a:ext uri="{909E8E84-426E-40dd-AFC4-6F175D3DCCD1}">
-              <a14:hiddenFill xmlns:a14="http://schemas.microsoft.com/office/drawing/2010/main" xmlns="">
+              <a14:hiddenFill xmlns="" xmlns:a14="http://schemas.microsoft.com/office/drawing/2010/main">
                 <a:solidFill>
                   <a:srgbClr val="FFFFFF"/>
                 </a:solidFill>
               </a14:hiddenFill>
             </a:ext>
             <a:ext uri="{91240B29-F687-4f45-9708-019B960494DF}">
-              <a14:hiddenLine xmlns:a14="http://schemas.microsoft.com/office/drawing/2010/main" xmlns="" w="9525">
+              <a14:hiddenLine xmlns="" xmlns:a14="http://schemas.microsoft.com/office/drawing/2010/main" w="9525">
                 <a:solidFill>
                   <a:srgbClr val="000000"/>
                 </a:solidFill>
@@ -2751,14 +2758,14 @@
           <a:ln/>
           <a:extLst>
             <a:ext uri="{909E8E84-426E-40dd-AFC4-6F175D3DCCD1}">
-              <a14:hiddenFill xmlns:a14="http://schemas.microsoft.com/office/drawing/2010/main" xmlns="">
+              <a14:hiddenFill xmlns="" xmlns:a14="http://schemas.microsoft.com/office/drawing/2010/main">
                 <a:solidFill>
                   <a:srgbClr val="FFFFFF"/>
                 </a:solidFill>
               </a14:hiddenFill>
             </a:ext>
             <a:ext uri="{91240B29-F687-4f45-9708-019B960494DF}">
-              <a14:hiddenLine xmlns:a14="http://schemas.microsoft.com/office/drawing/2010/main" xmlns="" w="9525">
+              <a14:hiddenLine xmlns="" xmlns:a14="http://schemas.microsoft.com/office/drawing/2010/main" w="9525">
                 <a:solidFill>
                   <a:srgbClr val="000000"/>
                 </a:solidFill>
@@ -2794,14 +2801,14 @@
           <a:ln/>
           <a:extLst>
             <a:ext uri="{909E8E84-426E-40dd-AFC4-6F175D3DCCD1}">
-              <a14:hiddenFill xmlns:a14="http://schemas.microsoft.com/office/drawing/2010/main" xmlns="">
+              <a14:hiddenFill xmlns="" xmlns:a14="http://schemas.microsoft.com/office/drawing/2010/main">
                 <a:solidFill>
                   <a:srgbClr val="FFFFFF"/>
                 </a:solidFill>
               </a14:hiddenFill>
             </a:ext>
             <a:ext uri="{91240B29-F687-4f45-9708-019B960494DF}">
-              <a14:hiddenLine xmlns:a14="http://schemas.microsoft.com/office/drawing/2010/main" xmlns="" w="9525">
+              <a14:hiddenLine xmlns="" xmlns:a14="http://schemas.microsoft.com/office/drawing/2010/main" w="9525">
                 <a:solidFill>
                   <a:srgbClr val="000000"/>
                 </a:solidFill>
@@ -2990,14 +2997,14 @@
           <a:ln/>
           <a:extLst>
             <a:ext uri="{909E8E84-426E-40dd-AFC4-6F175D3DCCD1}">
-              <a14:hiddenFill xmlns:a14="http://schemas.microsoft.com/office/drawing/2010/main" xmlns="">
+              <a14:hiddenFill xmlns="" xmlns:a14="http://schemas.microsoft.com/office/drawing/2010/main">
                 <a:solidFill>
                   <a:srgbClr val="FFFFFF"/>
                 </a:solidFill>
               </a14:hiddenFill>
             </a:ext>
             <a:ext uri="{91240B29-F687-4f45-9708-019B960494DF}">
-              <a14:hiddenLine xmlns:a14="http://schemas.microsoft.com/office/drawing/2010/main" xmlns="" w="9525">
+              <a14:hiddenLine xmlns="" xmlns:a14="http://schemas.microsoft.com/office/drawing/2010/main" w="9525">
                 <a:solidFill>
                   <a:srgbClr val="000000"/>
                 </a:solidFill>
@@ -3033,14 +3040,14 @@
           <a:ln/>
           <a:extLst>
             <a:ext uri="{909E8E84-426E-40dd-AFC4-6F175D3DCCD1}">
-              <a14:hiddenFill xmlns:a14="http://schemas.microsoft.com/office/drawing/2010/main" xmlns="">
+              <a14:hiddenFill xmlns="" xmlns:a14="http://schemas.microsoft.com/office/drawing/2010/main">
                 <a:solidFill>
                   <a:srgbClr val="FFFFFF"/>
                 </a:solidFill>
               </a14:hiddenFill>
             </a:ext>
             <a:ext uri="{91240B29-F687-4f45-9708-019B960494DF}">
-              <a14:hiddenLine xmlns:a14="http://schemas.microsoft.com/office/drawing/2010/main" xmlns="" w="9525">
+              <a14:hiddenLine xmlns="" xmlns:a14="http://schemas.microsoft.com/office/drawing/2010/main" w="9525">
                 <a:solidFill>
                   <a:srgbClr val="000000"/>
                 </a:solidFill>
@@ -3229,14 +3236,14 @@
           <a:ln/>
           <a:extLst>
             <a:ext uri="{909E8E84-426E-40dd-AFC4-6F175D3DCCD1}">
-              <a14:hiddenFill xmlns:a14="http://schemas.microsoft.com/office/drawing/2010/main" xmlns="">
+              <a14:hiddenFill xmlns="" xmlns:a14="http://schemas.microsoft.com/office/drawing/2010/main">
                 <a:solidFill>
                   <a:srgbClr val="FFFFFF"/>
                 </a:solidFill>
               </a14:hiddenFill>
             </a:ext>
             <a:ext uri="{91240B29-F687-4f45-9708-019B960494DF}">
-              <a14:hiddenLine xmlns:a14="http://schemas.microsoft.com/office/drawing/2010/main" xmlns="" w="9525">
+              <a14:hiddenLine xmlns="" xmlns:a14="http://schemas.microsoft.com/office/drawing/2010/main" w="9525">
                 <a:solidFill>
                   <a:srgbClr val="000000"/>
                 </a:solidFill>
@@ -3272,14 +3279,14 @@
           <a:ln/>
           <a:extLst>
             <a:ext uri="{909E8E84-426E-40dd-AFC4-6F175D3DCCD1}">
-              <a14:hiddenFill xmlns:a14="http://schemas.microsoft.com/office/drawing/2010/main" xmlns="">
+              <a14:hiddenFill xmlns="" xmlns:a14="http://schemas.microsoft.com/office/drawing/2010/main">
                 <a:solidFill>
                   <a:srgbClr val="FFFFFF"/>
                 </a:solidFill>
               </a14:hiddenFill>
             </a:ext>
             <a:ext uri="{91240B29-F687-4f45-9708-019B960494DF}">
-              <a14:hiddenLine xmlns:a14="http://schemas.microsoft.com/office/drawing/2010/main" xmlns="" w="9525">
+              <a14:hiddenLine xmlns="" xmlns:a14="http://schemas.microsoft.com/office/drawing/2010/main" w="9525">
                 <a:solidFill>
                   <a:srgbClr val="000000"/>
                 </a:solidFill>
@@ -3468,14 +3475,14 @@
           <a:ln/>
           <a:extLst>
             <a:ext uri="{909E8E84-426E-40dd-AFC4-6F175D3DCCD1}">
-              <a14:hiddenFill xmlns:a14="http://schemas.microsoft.com/office/drawing/2010/main" xmlns="">
+              <a14:hiddenFill xmlns="" xmlns:a14="http://schemas.microsoft.com/office/drawing/2010/main">
                 <a:solidFill>
                   <a:srgbClr val="FFFFFF"/>
                 </a:solidFill>
               </a14:hiddenFill>
             </a:ext>
             <a:ext uri="{91240B29-F687-4f45-9708-019B960494DF}">
-              <a14:hiddenLine xmlns:a14="http://schemas.microsoft.com/office/drawing/2010/main" xmlns="" w="9525">
+              <a14:hiddenLine xmlns="" xmlns:a14="http://schemas.microsoft.com/office/drawing/2010/main" w="9525">
                 <a:solidFill>
                   <a:srgbClr val="000000"/>
                 </a:solidFill>
@@ -3511,14 +3518,14 @@
           <a:ln/>
           <a:extLst>
             <a:ext uri="{909E8E84-426E-40dd-AFC4-6F175D3DCCD1}">
-              <a14:hiddenFill xmlns:a14="http://schemas.microsoft.com/office/drawing/2010/main" xmlns="">
+              <a14:hiddenFill xmlns="" xmlns:a14="http://schemas.microsoft.com/office/drawing/2010/main">
                 <a:solidFill>
                   <a:srgbClr val="FFFFFF"/>
                 </a:solidFill>
               </a14:hiddenFill>
             </a:ext>
             <a:ext uri="{91240B29-F687-4f45-9708-019B960494DF}">
-              <a14:hiddenLine xmlns:a14="http://schemas.microsoft.com/office/drawing/2010/main" xmlns="" w="9525">
+              <a14:hiddenLine xmlns="" xmlns:a14="http://schemas.microsoft.com/office/drawing/2010/main" w="9525">
                 <a:solidFill>
                   <a:srgbClr val="000000"/>
                 </a:solidFill>
@@ -3707,14 +3714,14 @@
           <a:ln/>
           <a:extLst>
             <a:ext uri="{909E8E84-426E-40dd-AFC4-6F175D3DCCD1}">
-              <a14:hiddenFill xmlns:a14="http://schemas.microsoft.com/office/drawing/2010/main" xmlns="">
+              <a14:hiddenFill xmlns="" xmlns:a14="http://schemas.microsoft.com/office/drawing/2010/main">
                 <a:solidFill>
                   <a:srgbClr val="FFFFFF"/>
                 </a:solidFill>
               </a14:hiddenFill>
             </a:ext>
             <a:ext uri="{91240B29-F687-4f45-9708-019B960494DF}">
-              <a14:hiddenLine xmlns:a14="http://schemas.microsoft.com/office/drawing/2010/main" xmlns="" w="9525">
+              <a14:hiddenLine xmlns="" xmlns:a14="http://schemas.microsoft.com/office/drawing/2010/main" w="9525">
                 <a:solidFill>
                   <a:srgbClr val="000000"/>
                 </a:solidFill>
@@ -3750,14 +3757,14 @@
           <a:ln/>
           <a:extLst>
             <a:ext uri="{909E8E84-426E-40dd-AFC4-6F175D3DCCD1}">
-              <a14:hiddenFill xmlns:a14="http://schemas.microsoft.com/office/drawing/2010/main" xmlns="">
+              <a14:hiddenFill xmlns="" xmlns:a14="http://schemas.microsoft.com/office/drawing/2010/main">
                 <a:solidFill>
                   <a:srgbClr val="FFFFFF"/>
                 </a:solidFill>
               </a14:hiddenFill>
             </a:ext>
             <a:ext uri="{91240B29-F687-4f45-9708-019B960494DF}">
-              <a14:hiddenLine xmlns:a14="http://schemas.microsoft.com/office/drawing/2010/main" xmlns="" w="9525">
+              <a14:hiddenLine xmlns="" xmlns:a14="http://schemas.microsoft.com/office/drawing/2010/main" w="9525">
                 <a:solidFill>
                   <a:srgbClr val="000000"/>
                 </a:solidFill>
@@ -3946,14 +3953,14 @@
           <a:ln/>
           <a:extLst>
             <a:ext uri="{909E8E84-426E-40dd-AFC4-6F175D3DCCD1}">
-              <a14:hiddenFill xmlns:a14="http://schemas.microsoft.com/office/drawing/2010/main" xmlns="">
+              <a14:hiddenFill xmlns="" xmlns:a14="http://schemas.microsoft.com/office/drawing/2010/main">
                 <a:solidFill>
                   <a:srgbClr val="FFFFFF"/>
                 </a:solidFill>
               </a14:hiddenFill>
             </a:ext>
             <a:ext uri="{91240B29-F687-4f45-9708-019B960494DF}">
-              <a14:hiddenLine xmlns:a14="http://schemas.microsoft.com/office/drawing/2010/main" xmlns="" w="9525">
+              <a14:hiddenLine xmlns="" xmlns:a14="http://schemas.microsoft.com/office/drawing/2010/main" w="9525">
                 <a:solidFill>
                   <a:srgbClr val="000000"/>
                 </a:solidFill>
@@ -3989,14 +3996,14 @@
           <a:ln/>
           <a:extLst>
             <a:ext uri="{909E8E84-426E-40dd-AFC4-6F175D3DCCD1}">
-              <a14:hiddenFill xmlns:a14="http://schemas.microsoft.com/office/drawing/2010/main" xmlns="">
+              <a14:hiddenFill xmlns="" xmlns:a14="http://schemas.microsoft.com/office/drawing/2010/main">
                 <a:solidFill>
                   <a:srgbClr val="FFFFFF"/>
                 </a:solidFill>
               </a14:hiddenFill>
             </a:ext>
             <a:ext uri="{91240B29-F687-4f45-9708-019B960494DF}">
-              <a14:hiddenLine xmlns:a14="http://schemas.microsoft.com/office/drawing/2010/main" xmlns="" w="9525">
+              <a14:hiddenLine xmlns="" xmlns:a14="http://schemas.microsoft.com/office/drawing/2010/main" w="9525">
                 <a:solidFill>
                   <a:srgbClr val="000000"/>
                 </a:solidFill>
@@ -4185,14 +4192,14 @@
           <a:ln/>
           <a:extLst>
             <a:ext uri="{909E8E84-426E-40dd-AFC4-6F175D3DCCD1}">
-              <a14:hiddenFill xmlns:a14="http://schemas.microsoft.com/office/drawing/2010/main" xmlns="">
+              <a14:hiddenFill xmlns="" xmlns:a14="http://schemas.microsoft.com/office/drawing/2010/main">
                 <a:solidFill>
                   <a:srgbClr val="FFFFFF"/>
                 </a:solidFill>
               </a14:hiddenFill>
             </a:ext>
             <a:ext uri="{91240B29-F687-4f45-9708-019B960494DF}">
-              <a14:hiddenLine xmlns:a14="http://schemas.microsoft.com/office/drawing/2010/main" xmlns="" w="9525">
+              <a14:hiddenLine xmlns="" xmlns:a14="http://schemas.microsoft.com/office/drawing/2010/main" w="9525">
                 <a:solidFill>
                   <a:srgbClr val="000000"/>
                 </a:solidFill>
@@ -4228,14 +4235,14 @@
           <a:ln/>
           <a:extLst>
             <a:ext uri="{909E8E84-426E-40dd-AFC4-6F175D3DCCD1}">
-              <a14:hiddenFill xmlns:a14="http://schemas.microsoft.com/office/drawing/2010/main" xmlns="">
+              <a14:hiddenFill xmlns="" xmlns:a14="http://schemas.microsoft.com/office/drawing/2010/main">
                 <a:solidFill>
                   <a:srgbClr val="FFFFFF"/>
                 </a:solidFill>
               </a14:hiddenFill>
             </a:ext>
             <a:ext uri="{91240B29-F687-4f45-9708-019B960494DF}">
-              <a14:hiddenLine xmlns:a14="http://schemas.microsoft.com/office/drawing/2010/main" xmlns="" w="9525">
+              <a14:hiddenLine xmlns="" xmlns:a14="http://schemas.microsoft.com/office/drawing/2010/main" w="9525">
                 <a:solidFill>
                   <a:srgbClr val="000000"/>
                 </a:solidFill>
@@ -13806,7 +13813,7 @@
 </file>
 
 <file path=ppt/slides/slide38.xml><?xml version="1.0" encoding="utf-8"?>
-<p:sld xmlns:a="http://schemas.openxmlformats.org/drawingml/2006/main" xmlns:r="http://schemas.openxmlformats.org/officeDocument/2006/relationships" xmlns:p="http://schemas.openxmlformats.org/presentationml/2006/main" show="0">
+<p:sld xmlns:a="http://schemas.openxmlformats.org/drawingml/2006/main" xmlns:r="http://schemas.openxmlformats.org/officeDocument/2006/relationships" xmlns:p="http://schemas.openxmlformats.org/presentationml/2006/main">
   <p:cSld>
     <p:spTree>
       <p:nvGrpSpPr>
@@ -13896,7 +13903,7 @@
 </file>
 
 <file path=ppt/slides/slide39.xml><?xml version="1.0" encoding="utf-8"?>
-<p:sld xmlns:a="http://schemas.openxmlformats.org/drawingml/2006/main" xmlns:r="http://schemas.openxmlformats.org/officeDocument/2006/relationships" xmlns:p="http://schemas.openxmlformats.org/presentationml/2006/main" show="0">
+<p:sld xmlns:a="http://schemas.openxmlformats.org/drawingml/2006/main" xmlns:r="http://schemas.openxmlformats.org/officeDocument/2006/relationships" xmlns:p="http://schemas.openxmlformats.org/presentationml/2006/main">
   <p:cSld>
     <p:spTree>
       <p:nvGrpSpPr>
@@ -14213,7 +14220,7 @@
 </file>
 
 <file path=ppt/slides/slide40.xml><?xml version="1.0" encoding="utf-8"?>
-<p:sld xmlns:a="http://schemas.openxmlformats.org/drawingml/2006/main" xmlns:r="http://schemas.openxmlformats.org/officeDocument/2006/relationships" xmlns:p="http://schemas.openxmlformats.org/presentationml/2006/main" show="0">
+<p:sld xmlns:a="http://schemas.openxmlformats.org/drawingml/2006/main" xmlns:r="http://schemas.openxmlformats.org/officeDocument/2006/relationships" xmlns:p="http://schemas.openxmlformats.org/presentationml/2006/main">
   <p:cSld>
     <p:spTree>
       <p:nvGrpSpPr>
@@ -14377,7 +14384,7 @@
 </file>
 
 <file path=ppt/slides/slide41.xml><?xml version="1.0" encoding="utf-8"?>
-<p:sld xmlns:a="http://schemas.openxmlformats.org/drawingml/2006/main" xmlns:r="http://schemas.openxmlformats.org/officeDocument/2006/relationships" xmlns:p="http://schemas.openxmlformats.org/presentationml/2006/main" show="0">
+<p:sld xmlns:a="http://schemas.openxmlformats.org/drawingml/2006/main" xmlns:r="http://schemas.openxmlformats.org/officeDocument/2006/relationships" xmlns:p="http://schemas.openxmlformats.org/presentationml/2006/main">
   <p:cSld>
     <p:spTree>
       <p:nvGrpSpPr>
@@ -14565,7 +14572,7 @@
 </file>
 
 <file path=ppt/slides/slide42.xml><?xml version="1.0" encoding="utf-8"?>
-<p:sld xmlns:a="http://schemas.openxmlformats.org/drawingml/2006/main" xmlns:r="http://schemas.openxmlformats.org/officeDocument/2006/relationships" xmlns:p="http://schemas.openxmlformats.org/presentationml/2006/main" show="0">
+<p:sld xmlns:a="http://schemas.openxmlformats.org/drawingml/2006/main" xmlns:r="http://schemas.openxmlformats.org/officeDocument/2006/relationships" xmlns:p="http://schemas.openxmlformats.org/presentationml/2006/main">
   <p:cSld>
     <p:spTree>
       <p:nvGrpSpPr>
@@ -14691,7 +14698,7 @@
 </file>
 
 <file path=ppt/slides/slide43.xml><?xml version="1.0" encoding="utf-8"?>
-<p:sld xmlns:a="http://schemas.openxmlformats.org/drawingml/2006/main" xmlns:r="http://schemas.openxmlformats.org/officeDocument/2006/relationships" xmlns:p="http://schemas.openxmlformats.org/presentationml/2006/main" show="0">
+<p:sld xmlns:a="http://schemas.openxmlformats.org/drawingml/2006/main" xmlns:r="http://schemas.openxmlformats.org/officeDocument/2006/relationships" xmlns:p="http://schemas.openxmlformats.org/presentationml/2006/main">
   <p:cSld>
     <p:spTree>
       <p:nvGrpSpPr>
@@ -14889,14 +14896,14 @@
           </a:ln>
           <a:extLst>
             <a:ext uri="{909E8E84-426E-40dd-AFC4-6F175D3DCCD1}">
-              <a14:hiddenFill xmlns:a14="http://schemas.microsoft.com/office/drawing/2010/main" xmlns="">
+              <a14:hiddenFill xmlns="" xmlns:a14="http://schemas.microsoft.com/office/drawing/2010/main">
                 <a:solidFill>
                   <a:srgbClr val="FFFFFF"/>
                 </a:solidFill>
               </a14:hiddenFill>
             </a:ext>
             <a:ext uri="{91240B29-F687-4f45-9708-019B960494DF}">
-              <a14:hiddenLine xmlns:a14="http://schemas.microsoft.com/office/drawing/2010/main" xmlns="" w="9525">
+              <a14:hiddenLine xmlns="" xmlns:a14="http://schemas.microsoft.com/office/drawing/2010/main" w="9525">
                 <a:solidFill>
                   <a:srgbClr val="000000"/>
                 </a:solidFill>
@@ -14943,14 +14950,14 @@
           </a:ln>
           <a:extLst>
             <a:ext uri="{909E8E84-426E-40dd-AFC4-6F175D3DCCD1}">
-              <a14:hiddenFill xmlns:a14="http://schemas.microsoft.com/office/drawing/2010/main" xmlns="">
+              <a14:hiddenFill xmlns="" xmlns:a14="http://schemas.microsoft.com/office/drawing/2010/main">
                 <a:solidFill>
                   <a:srgbClr val="FFFFFF"/>
                 </a:solidFill>
               </a14:hiddenFill>
             </a:ext>
             <a:ext uri="{91240B29-F687-4f45-9708-019B960494DF}">
-              <a14:hiddenLine xmlns:a14="http://schemas.microsoft.com/office/drawing/2010/main" xmlns="" w="9525">
+              <a14:hiddenLine xmlns="" xmlns:a14="http://schemas.microsoft.com/office/drawing/2010/main" w="9525">
                 <a:solidFill>
                   <a:srgbClr val="000000"/>
                 </a:solidFill>
@@ -14984,14 +14991,14 @@
           </a:ln>
           <a:extLst>
             <a:ext uri="{909E8E84-426E-40dd-AFC4-6F175D3DCCD1}">
-              <a14:hiddenFill xmlns:a14="http://schemas.microsoft.com/office/drawing/2010/main" xmlns="">
+              <a14:hiddenFill xmlns="" xmlns:a14="http://schemas.microsoft.com/office/drawing/2010/main">
                 <a:solidFill>
                   <a:srgbClr val="FFFFFF"/>
                 </a:solidFill>
               </a14:hiddenFill>
             </a:ext>
             <a:ext uri="{91240B29-F687-4f45-9708-019B960494DF}">
-              <a14:hiddenLine xmlns:a14="http://schemas.microsoft.com/office/drawing/2010/main" xmlns="" w="9525">
+              <a14:hiddenLine xmlns="" xmlns:a14="http://schemas.microsoft.com/office/drawing/2010/main" w="9525">
                 <a:solidFill>
                   <a:srgbClr val="000000"/>
                 </a:solidFill>
@@ -15145,14 +15152,14 @@
           </a:ln>
           <a:extLst>
             <a:ext uri="{909E8E84-426E-40dd-AFC4-6F175D3DCCD1}">
-              <a14:hiddenFill xmlns:a14="http://schemas.microsoft.com/office/drawing/2010/main" xmlns="">
+              <a14:hiddenFill xmlns="" xmlns:a14="http://schemas.microsoft.com/office/drawing/2010/main">
                 <a:solidFill>
                   <a:srgbClr val="FFFFFF"/>
                 </a:solidFill>
               </a14:hiddenFill>
             </a:ext>
             <a:ext uri="{91240B29-F687-4f45-9708-019B960494DF}">
-              <a14:hiddenLine xmlns:a14="http://schemas.microsoft.com/office/drawing/2010/main" xmlns="" w="9525">
+              <a14:hiddenLine xmlns="" xmlns:a14="http://schemas.microsoft.com/office/drawing/2010/main" w="9525">
                 <a:solidFill>
                   <a:srgbClr val="000000"/>
                 </a:solidFill>
@@ -15298,7 +15305,7 @@
 </file>
 
 <file path=ppt/slides/slide44.xml><?xml version="1.0" encoding="utf-8"?>
-<p:sld xmlns:a="http://schemas.openxmlformats.org/drawingml/2006/main" xmlns:r="http://schemas.openxmlformats.org/officeDocument/2006/relationships" xmlns:p="http://schemas.openxmlformats.org/presentationml/2006/main" show="0">
+<p:sld xmlns:a="http://schemas.openxmlformats.org/drawingml/2006/main" xmlns:r="http://schemas.openxmlformats.org/officeDocument/2006/relationships" xmlns:p="http://schemas.openxmlformats.org/presentationml/2006/main">
   <p:cSld>
     <p:spTree>
       <p:nvGrpSpPr>
@@ -15434,14 +15441,14 @@
           </a:ln>
           <a:extLst>
             <a:ext uri="{909E8E84-426E-40dd-AFC4-6F175D3DCCD1}">
-              <a14:hiddenFill xmlns:a14="http://schemas.microsoft.com/office/drawing/2010/main" xmlns="">
+              <a14:hiddenFill xmlns="" xmlns:a14="http://schemas.microsoft.com/office/drawing/2010/main">
                 <a:solidFill>
                   <a:srgbClr val="FFFFFF"/>
                 </a:solidFill>
               </a14:hiddenFill>
             </a:ext>
             <a:ext uri="{91240B29-F687-4f45-9708-019B960494DF}">
-              <a14:hiddenLine xmlns:a14="http://schemas.microsoft.com/office/drawing/2010/main" xmlns="" w="9525">
+              <a14:hiddenLine xmlns="" xmlns:a14="http://schemas.microsoft.com/office/drawing/2010/main" w="9525">
                 <a:solidFill>
                   <a:srgbClr val="000000"/>
                 </a:solidFill>
@@ -15467,7 +15474,7 @@
 </file>
 
 <file path=ppt/slides/slide45.xml><?xml version="1.0" encoding="utf-8"?>
-<p:sld xmlns:a="http://schemas.openxmlformats.org/drawingml/2006/main" xmlns:r="http://schemas.openxmlformats.org/officeDocument/2006/relationships" xmlns:p="http://schemas.openxmlformats.org/presentationml/2006/main" show="0">
+<p:sld xmlns:a="http://schemas.openxmlformats.org/drawingml/2006/main" xmlns:r="http://schemas.openxmlformats.org/officeDocument/2006/relationships" xmlns:p="http://schemas.openxmlformats.org/presentationml/2006/main">
   <p:cSld>
     <p:spTree>
       <p:nvGrpSpPr>
@@ -15518,14 +15525,14 @@
           </a:ln>
           <a:extLst>
             <a:ext uri="{909E8E84-426E-40dd-AFC4-6F175D3DCCD1}">
-              <a14:hiddenFill xmlns:a14="http://schemas.microsoft.com/office/drawing/2010/main" xmlns="">
+              <a14:hiddenFill xmlns="" xmlns:a14="http://schemas.microsoft.com/office/drawing/2010/main">
                 <a:solidFill>
                   <a:srgbClr val="FFFFFF"/>
                 </a:solidFill>
               </a14:hiddenFill>
             </a:ext>
             <a:ext uri="{91240B29-F687-4f45-9708-019B960494DF}">
-              <a14:hiddenLine xmlns:a14="http://schemas.microsoft.com/office/drawing/2010/main" xmlns="" w="9525">
+              <a14:hiddenLine xmlns="" xmlns:a14="http://schemas.microsoft.com/office/drawing/2010/main" w="9525">
                 <a:solidFill>
                   <a:srgbClr val="000000"/>
                 </a:solidFill>
@@ -15559,14 +15566,14 @@
           </a:ln>
           <a:extLst>
             <a:ext uri="{909E8E84-426E-40dd-AFC4-6F175D3DCCD1}">
-              <a14:hiddenFill xmlns:a14="http://schemas.microsoft.com/office/drawing/2010/main" xmlns="">
+              <a14:hiddenFill xmlns="" xmlns:a14="http://schemas.microsoft.com/office/drawing/2010/main">
                 <a:solidFill>
                   <a:srgbClr val="FFFFFF"/>
                 </a:solidFill>
               </a14:hiddenFill>
             </a:ext>
             <a:ext uri="{91240B29-F687-4f45-9708-019B960494DF}">
-              <a14:hiddenLine xmlns:a14="http://schemas.microsoft.com/office/drawing/2010/main" xmlns="" w="9525">
+              <a14:hiddenLine xmlns="" xmlns:a14="http://schemas.microsoft.com/office/drawing/2010/main" w="9525">
                 <a:solidFill>
                   <a:srgbClr val="000000"/>
                 </a:solidFill>
@@ -15713,7 +15720,7 @@
 </file>
 
 <file path=ppt/slides/slide46.xml><?xml version="1.0" encoding="utf-8"?>
-<p:sld xmlns:a="http://schemas.openxmlformats.org/drawingml/2006/main" xmlns:r="http://schemas.openxmlformats.org/officeDocument/2006/relationships" xmlns:p="http://schemas.openxmlformats.org/presentationml/2006/main" show="0">
+<p:sld xmlns:a="http://schemas.openxmlformats.org/drawingml/2006/main" xmlns:r="http://schemas.openxmlformats.org/officeDocument/2006/relationships" xmlns:p="http://schemas.openxmlformats.org/presentationml/2006/main">
   <p:cSld>
     <p:spTree>
       <p:nvGrpSpPr>
@@ -15764,14 +15771,14 @@
           </a:ln>
           <a:extLst>
             <a:ext uri="{909E8E84-426E-40dd-AFC4-6F175D3DCCD1}">
-              <a14:hiddenFill xmlns:a14="http://schemas.microsoft.com/office/drawing/2010/main" xmlns="">
+              <a14:hiddenFill xmlns="" xmlns:a14="http://schemas.microsoft.com/office/drawing/2010/main">
                 <a:solidFill>
                   <a:srgbClr val="FFFFFF"/>
                 </a:solidFill>
               </a14:hiddenFill>
             </a:ext>
             <a:ext uri="{91240B29-F687-4f45-9708-019B960494DF}">
-              <a14:hiddenLine xmlns:a14="http://schemas.microsoft.com/office/drawing/2010/main" xmlns="" w="9525">
+              <a14:hiddenLine xmlns="" xmlns:a14="http://schemas.microsoft.com/office/drawing/2010/main" w="9525">
                 <a:solidFill>
                   <a:srgbClr val="000000"/>
                 </a:solidFill>
@@ -15797,7 +15804,7 @@
 </file>
 
 <file path=ppt/slides/slide47.xml><?xml version="1.0" encoding="utf-8"?>
-<p:sld xmlns:a="http://schemas.openxmlformats.org/drawingml/2006/main" xmlns:r="http://schemas.openxmlformats.org/officeDocument/2006/relationships" xmlns:p="http://schemas.openxmlformats.org/presentationml/2006/main" show="0">
+<p:sld xmlns:a="http://schemas.openxmlformats.org/drawingml/2006/main" xmlns:r="http://schemas.openxmlformats.org/officeDocument/2006/relationships" xmlns:p="http://schemas.openxmlformats.org/presentationml/2006/main">
   <p:cSld>
     <p:spTree>
       <p:nvGrpSpPr>
@@ -15955,7 +15962,7 @@
 </file>
 
 <file path=ppt/slides/slide48.xml><?xml version="1.0" encoding="utf-8"?>
-<p:sld xmlns:a="http://schemas.openxmlformats.org/drawingml/2006/main" xmlns:r="http://schemas.openxmlformats.org/officeDocument/2006/relationships" xmlns:p="http://schemas.openxmlformats.org/presentationml/2006/main" show="0">
+<p:sld xmlns:a="http://schemas.openxmlformats.org/drawingml/2006/main" xmlns:r="http://schemas.openxmlformats.org/officeDocument/2006/relationships" xmlns:p="http://schemas.openxmlformats.org/presentationml/2006/main">
   <p:cSld>
     <p:spTree>
       <p:nvGrpSpPr>
@@ -16006,14 +16013,14 @@
           </a:ln>
           <a:extLst>
             <a:ext uri="{909E8E84-426E-40dd-AFC4-6F175D3DCCD1}">
-              <a14:hiddenFill xmlns:a14="http://schemas.microsoft.com/office/drawing/2010/main" xmlns="">
+              <a14:hiddenFill xmlns="" xmlns:a14="http://schemas.microsoft.com/office/drawing/2010/main">
                 <a:solidFill>
                   <a:srgbClr val="FFFFFF"/>
                 </a:solidFill>
               </a14:hiddenFill>
             </a:ext>
             <a:ext uri="{91240B29-F687-4f45-9708-019B960494DF}">
-              <a14:hiddenLine xmlns:a14="http://schemas.microsoft.com/office/drawing/2010/main" xmlns="" w="9525">
+              <a14:hiddenLine xmlns="" xmlns:a14="http://schemas.microsoft.com/office/drawing/2010/main" w="9525">
                 <a:solidFill>
                   <a:srgbClr val="000000"/>
                 </a:solidFill>
@@ -16047,14 +16054,14 @@
           </a:ln>
           <a:extLst>
             <a:ext uri="{909E8E84-426E-40dd-AFC4-6F175D3DCCD1}">
-              <a14:hiddenFill xmlns:a14="http://schemas.microsoft.com/office/drawing/2010/main" xmlns="">
+              <a14:hiddenFill xmlns="" xmlns:a14="http://schemas.microsoft.com/office/drawing/2010/main">
                 <a:solidFill>
                   <a:srgbClr val="FFFFFF"/>
                 </a:solidFill>
               </a14:hiddenFill>
             </a:ext>
             <a:ext uri="{91240B29-F687-4f45-9708-019B960494DF}">
-              <a14:hiddenLine xmlns:a14="http://schemas.microsoft.com/office/drawing/2010/main" xmlns="" w="9525">
+              <a14:hiddenLine xmlns="" xmlns:a14="http://schemas.microsoft.com/office/drawing/2010/main" w="9525">
                 <a:solidFill>
                   <a:srgbClr val="000000"/>
                 </a:solidFill>
@@ -16347,7 +16354,7 @@
 </file>
 
 <file path=ppt/slides/slide49.xml><?xml version="1.0" encoding="utf-8"?>
-<p:sld xmlns:a="http://schemas.openxmlformats.org/drawingml/2006/main" xmlns:r="http://schemas.openxmlformats.org/officeDocument/2006/relationships" xmlns:p="http://schemas.openxmlformats.org/presentationml/2006/main" show="0">
+<p:sld xmlns:a="http://schemas.openxmlformats.org/drawingml/2006/main" xmlns:r="http://schemas.openxmlformats.org/officeDocument/2006/relationships" xmlns:p="http://schemas.openxmlformats.org/presentationml/2006/main">
   <p:cSld>
     <p:spTree>
       <p:nvGrpSpPr>
@@ -16595,7 +16602,7 @@
 </file>
 
 <file path=ppt/slides/slide50.xml><?xml version="1.0" encoding="utf-8"?>
-<p:sld xmlns:a="http://schemas.openxmlformats.org/drawingml/2006/main" xmlns:r="http://schemas.openxmlformats.org/officeDocument/2006/relationships" xmlns:p="http://schemas.openxmlformats.org/presentationml/2006/main" show="0">
+<p:sld xmlns:a="http://schemas.openxmlformats.org/drawingml/2006/main" xmlns:r="http://schemas.openxmlformats.org/officeDocument/2006/relationships" xmlns:p="http://schemas.openxmlformats.org/presentationml/2006/main">
   <p:cSld>
     <p:spTree>
       <p:nvGrpSpPr>
@@ -16646,14 +16653,14 @@
           </a:ln>
           <a:extLst>
             <a:ext uri="{909E8E84-426E-40dd-AFC4-6F175D3DCCD1}">
-              <a14:hiddenFill xmlns:a14="http://schemas.microsoft.com/office/drawing/2010/main" xmlns="">
+              <a14:hiddenFill xmlns="" xmlns:a14="http://schemas.microsoft.com/office/drawing/2010/main">
                 <a:solidFill>
                   <a:srgbClr val="FFFFFF"/>
                 </a:solidFill>
               </a14:hiddenFill>
             </a:ext>
             <a:ext uri="{91240B29-F687-4f45-9708-019B960494DF}">
-              <a14:hiddenLine xmlns:a14="http://schemas.microsoft.com/office/drawing/2010/main" xmlns="" w="9525">
+              <a14:hiddenLine xmlns="" xmlns:a14="http://schemas.microsoft.com/office/drawing/2010/main" w="9525">
                 <a:solidFill>
                   <a:srgbClr val="000000"/>
                 </a:solidFill>
@@ -16679,7 +16686,7 @@
 </file>
 
 <file path=ppt/slides/slide51.xml><?xml version="1.0" encoding="utf-8"?>
-<p:sld xmlns:a="http://schemas.openxmlformats.org/drawingml/2006/main" xmlns:r="http://schemas.openxmlformats.org/officeDocument/2006/relationships" xmlns:p="http://schemas.openxmlformats.org/presentationml/2006/main" show="0">
+<p:sld xmlns:a="http://schemas.openxmlformats.org/drawingml/2006/main" xmlns:r="http://schemas.openxmlformats.org/officeDocument/2006/relationships" xmlns:p="http://schemas.openxmlformats.org/presentationml/2006/main">
   <p:cSld>
     <p:spTree>
       <p:nvGrpSpPr>
@@ -16826,7 +16833,7 @@
 </file>
 
 <file path=ppt/slides/slide52.xml><?xml version="1.0" encoding="utf-8"?>
-<p:sld xmlns:a="http://schemas.openxmlformats.org/drawingml/2006/main" xmlns:r="http://schemas.openxmlformats.org/officeDocument/2006/relationships" xmlns:p="http://schemas.openxmlformats.org/presentationml/2006/main" show="0">
+<p:sld xmlns:a="http://schemas.openxmlformats.org/drawingml/2006/main" xmlns:r="http://schemas.openxmlformats.org/officeDocument/2006/relationships" xmlns:p="http://schemas.openxmlformats.org/presentationml/2006/main">
   <p:cSld>
     <p:spTree>
       <p:nvGrpSpPr>
@@ -17086,7 +17093,7 @@
       </p:grpSpPr>
       <p:sp>
         <p:nvSpPr>
-          <p:cNvPr id="5" name="Title 4"/>
+          <p:cNvPr id="35842" name="Title 1"/>
           <p:cNvSpPr>
             <a:spLocks noGrp="1"/>
           </p:cNvSpPr>
@@ -17101,19 +17108,19 @@
           <a:p>
             <a:r>
               <a:rPr lang="en-US" dirty="0"/>
-              <a:t>Dijkstra’s Algorithm</a:t>
-            </a:r>
-          </a:p>
-        </p:txBody>
-      </p:sp>
-      <p:sp>
-        <p:nvSpPr>
-          <p:cNvPr id="6" name="Text Placeholder 5"/>
+              <a:t>Topological Sort</a:t>
+            </a:r>
+          </a:p>
+        </p:txBody>
+      </p:sp>
+      <p:sp>
+        <p:nvSpPr>
+          <p:cNvPr id="4" name="Slide Number Placeholder 3"/>
           <p:cNvSpPr>
             <a:spLocks noGrp="1"/>
           </p:cNvSpPr>
           <p:nvPr>
-            <p:ph type="body" idx="1"/>
+            <p:ph type="sldNum" sz="quarter" idx="12"/>
           </p:nvPr>
         </p:nvSpPr>
         <p:spPr/>
@@ -17121,26 +17128,7 @@
           <a:bodyPr/>
           <a:lstStyle/>
           <a:p>
-            <a:endParaRPr lang="en-US"/>
-          </a:p>
-        </p:txBody>
-      </p:sp>
-      <p:sp>
-        <p:nvSpPr>
-          <p:cNvPr id="4" name="Slide Number Placeholder 3"/>
-          <p:cNvSpPr>
-            <a:spLocks noGrp="1"/>
-          </p:cNvSpPr>
-          <p:nvPr>
-            <p:ph type="sldNum" sz="quarter" idx="12"/>
-          </p:nvPr>
-        </p:nvSpPr>
-        <p:spPr/>
-        <p:txBody>
-          <a:bodyPr/>
-          <a:lstStyle/>
-          <a:p>
-            <a:fld id="{030EE116-056E-4288-B7F7-411CB7E437A9}" type="slidenum">
+            <a:fld id="{DACC1BBE-66B1-403A-8C7E-C57A0F3A107F}" type="slidenum">
               <a:rPr lang="en-US" smtClean="0"/>
               <a:pPr/>
               <a:t>54</a:t>
@@ -17149,10 +17137,136 @@
           </a:p>
         </p:txBody>
       </p:sp>
+      <p:sp>
+        <p:nvSpPr>
+          <p:cNvPr id="35843" name="Content Placeholder 2"/>
+          <p:cNvSpPr>
+            <a:spLocks noGrp="1"/>
+          </p:cNvSpPr>
+          <p:nvPr>
+            <p:ph sz="quarter" idx="1"/>
+          </p:nvPr>
+        </p:nvSpPr>
+        <p:spPr>
+          <a:xfrm>
+            <a:off x="457200" y="1219200"/>
+            <a:ext cx="8229600" cy="2133600"/>
+          </a:xfrm>
+        </p:spPr>
+        <p:txBody>
+          <a:bodyPr/>
+          <a:lstStyle/>
+          <a:p>
+            <a:r>
+              <a:rPr lang="en-US" dirty="0"/>
+              <a:t>Given a </a:t>
+            </a:r>
+            <a:r>
+              <a:rPr lang="en-US" b="1" i="1" dirty="0"/>
+              <a:t>directed acyclic graph</a:t>
+            </a:r>
+            <a:r>
+              <a:rPr lang="en-US" dirty="0"/>
+              <a:t>, construct an ordering of the vertices such that if there is a patch from v</a:t>
+            </a:r>
+            <a:r>
+              <a:rPr lang="en-US" baseline="-25000" dirty="0"/>
+              <a:t>i</a:t>
+            </a:r>
+            <a:r>
+              <a:rPr lang="en-US" dirty="0"/>
+              <a:t> to </a:t>
+            </a:r>
+            <a:r>
+              <a:rPr lang="en-US" dirty="0" err="1"/>
+              <a:t>v</a:t>
+            </a:r>
+            <a:r>
+              <a:rPr lang="en-US" baseline="-25000" dirty="0" err="1"/>
+              <a:t>j</a:t>
+            </a:r>
+            <a:r>
+              <a:rPr lang="en-US" dirty="0"/>
+              <a:t>, then </a:t>
+            </a:r>
+            <a:r>
+              <a:rPr lang="en-US" dirty="0" err="1"/>
+              <a:t>v</a:t>
+            </a:r>
+            <a:r>
+              <a:rPr lang="en-US" baseline="-25000" dirty="0" err="1"/>
+              <a:t>j</a:t>
+            </a:r>
+            <a:r>
+              <a:rPr lang="en-US" dirty="0"/>
+              <a:t> appears after v</a:t>
+            </a:r>
+            <a:r>
+              <a:rPr lang="en-US" baseline="-25000" dirty="0"/>
+              <a:t>i</a:t>
+            </a:r>
+            <a:r>
+              <a:rPr lang="en-US" dirty="0"/>
+              <a:t> in the ordering.</a:t>
+            </a:r>
+          </a:p>
+          <a:p>
+            <a:r>
+              <a:rPr lang="en-US" dirty="0"/>
+              <a:t>Uses </a:t>
+            </a:r>
+            <a:r>
+              <a:rPr lang="en-US" b="1" i="1" u="sng" dirty="0"/>
+              <a:t>in-degree</a:t>
+            </a:r>
+            <a:r>
+              <a:rPr lang="en-US" dirty="0"/>
+              <a:t>: Number of incoming edges to a node</a:t>
+            </a:r>
+          </a:p>
+          <a:p>
+            <a:pPr lvl="3"/>
+            <a:endParaRPr lang="en-US" dirty="0"/>
+          </a:p>
+          <a:p>
+            <a:endParaRPr lang="en-US" dirty="0"/>
+          </a:p>
+        </p:txBody>
+      </p:sp>
+      <p:pic>
+        <p:nvPicPr>
+          <p:cNvPr id="2" name="Picture 1">
+            <a:extLst>
+              <a:ext uri="{FF2B5EF4-FFF2-40B4-BE49-F238E27FC236}">
+                <a16:creationId xmlns:a16="http://schemas.microsoft.com/office/drawing/2014/main" id="{646012BD-CA83-BB43-B90E-C5E6FCFDA9B3}"/>
+              </a:ext>
+            </a:extLst>
+          </p:cNvPr>
+          <p:cNvPicPr>
+            <a:picLocks noChangeAspect="1"/>
+          </p:cNvPicPr>
+          <p:nvPr/>
+        </p:nvPicPr>
+        <p:blipFill>
+          <a:blip r:embed="rId2"/>
+          <a:stretch>
+            <a:fillRect/>
+          </a:stretch>
+        </p:blipFill>
+        <p:spPr>
+          <a:xfrm>
+            <a:off x="2362200" y="3212408"/>
+            <a:ext cx="3806952" cy="3128702"/>
+          </a:xfrm>
+          <a:prstGeom prst="rect">
+            <a:avLst/>
+          </a:prstGeom>
+        </p:spPr>
+      </p:pic>
     </p:spTree>
     <p:extLst>
       <p:ext uri="{BB962C8B-B14F-4D97-AF65-F5344CB8AC3E}">
-        <p14:creationId xmlns:p14="http://schemas.microsoft.com/office/powerpoint/2010/main" val="871031785"/>
+        <p14:creationId xmlns:p14="http://schemas.microsoft.com/office/powerpoint/2010/main" val="3813266376"/>
       </p:ext>
     </p:extLst>
   </p:cSld>
@@ -17181,7 +17295,680 @@
       </p:grpSpPr>
       <p:sp>
         <p:nvSpPr>
-          <p:cNvPr id="34818" name="Rectangle 2"/>
+          <p:cNvPr id="35842" name="Title 1"/>
+          <p:cNvSpPr>
+            <a:spLocks noGrp="1"/>
+          </p:cNvSpPr>
+          <p:nvPr>
+            <p:ph type="title"/>
+          </p:nvPr>
+        </p:nvSpPr>
+        <p:spPr/>
+        <p:txBody>
+          <a:bodyPr/>
+          <a:lstStyle/>
+          <a:p>
+            <a:r>
+              <a:rPr lang="en-US" dirty="0"/>
+              <a:t>Topological Sort</a:t>
+            </a:r>
+          </a:p>
+        </p:txBody>
+      </p:sp>
+      <p:sp>
+        <p:nvSpPr>
+          <p:cNvPr id="4" name="Slide Number Placeholder 3"/>
+          <p:cNvSpPr>
+            <a:spLocks noGrp="1"/>
+          </p:cNvSpPr>
+          <p:nvPr>
+            <p:ph type="sldNum" sz="quarter" idx="12"/>
+          </p:nvPr>
+        </p:nvSpPr>
+        <p:spPr/>
+        <p:txBody>
+          <a:bodyPr/>
+          <a:lstStyle/>
+          <a:p>
+            <a:fld id="{DACC1BBE-66B1-403A-8C7E-C57A0F3A107F}" type="slidenum">
+              <a:rPr lang="en-US" smtClean="0"/>
+              <a:pPr/>
+              <a:t>55</a:t>
+            </a:fld>
+            <a:endParaRPr lang="en-US"/>
+          </a:p>
+        </p:txBody>
+      </p:sp>
+      <p:pic>
+        <p:nvPicPr>
+          <p:cNvPr id="2" name="Picture 1">
+            <a:extLst>
+              <a:ext uri="{FF2B5EF4-FFF2-40B4-BE49-F238E27FC236}">
+                <a16:creationId xmlns:a16="http://schemas.microsoft.com/office/drawing/2014/main" id="{646012BD-CA83-BB43-B90E-C5E6FCFDA9B3}"/>
+              </a:ext>
+            </a:extLst>
+          </p:cNvPr>
+          <p:cNvPicPr>
+            <a:picLocks noChangeAspect="1"/>
+          </p:cNvPicPr>
+          <p:nvPr/>
+        </p:nvPicPr>
+        <p:blipFill>
+          <a:blip r:embed="rId2"/>
+          <a:stretch>
+            <a:fillRect/>
+          </a:stretch>
+        </p:blipFill>
+        <p:spPr>
+          <a:xfrm>
+            <a:off x="2286000" y="2133600"/>
+            <a:ext cx="3806952" cy="3128702"/>
+          </a:xfrm>
+          <a:prstGeom prst="rect">
+            <a:avLst/>
+          </a:prstGeom>
+        </p:spPr>
+      </p:pic>
+    </p:spTree>
+    <p:extLst>
+      <p:ext uri="{BB962C8B-B14F-4D97-AF65-F5344CB8AC3E}">
+        <p14:creationId xmlns:p14="http://schemas.microsoft.com/office/powerpoint/2010/main" val="2747224620"/>
+      </p:ext>
+    </p:extLst>
+  </p:cSld>
+  <p:clrMapOvr>
+    <a:masterClrMapping/>
+  </p:clrMapOvr>
+</p:sld>
+</file>
+
+<file path=ppt/slides/slide56.xml><?xml version="1.0" encoding="utf-8"?>
+<p:sld xmlns:a="http://schemas.openxmlformats.org/drawingml/2006/main" xmlns:r="http://schemas.openxmlformats.org/officeDocument/2006/relationships" xmlns:p="http://schemas.openxmlformats.org/presentationml/2006/main">
+  <p:cSld>
+    <p:spTree>
+      <p:nvGrpSpPr>
+        <p:cNvPr id="1" name=""/>
+        <p:cNvGrpSpPr/>
+        <p:nvPr/>
+      </p:nvGrpSpPr>
+      <p:grpSpPr>
+        <a:xfrm>
+          <a:off x="0" y="0"/>
+          <a:ext cx="0" cy="0"/>
+          <a:chOff x="0" y="0"/>
+          <a:chExt cx="0" cy="0"/>
+        </a:xfrm>
+      </p:grpSpPr>
+      <p:sp>
+        <p:nvSpPr>
+          <p:cNvPr id="35842" name="Title 1"/>
+          <p:cNvSpPr>
+            <a:spLocks noGrp="1"/>
+          </p:cNvSpPr>
+          <p:nvPr>
+            <p:ph type="title"/>
+          </p:nvPr>
+        </p:nvSpPr>
+        <p:spPr/>
+        <p:txBody>
+          <a:bodyPr/>
+          <a:lstStyle/>
+          <a:p>
+            <a:r>
+              <a:rPr lang="en-US" dirty="0"/>
+              <a:t>Topological Sort</a:t>
+            </a:r>
+          </a:p>
+        </p:txBody>
+      </p:sp>
+      <p:sp>
+        <p:nvSpPr>
+          <p:cNvPr id="4" name="Slide Number Placeholder 3"/>
+          <p:cNvSpPr>
+            <a:spLocks noGrp="1"/>
+          </p:cNvSpPr>
+          <p:nvPr>
+            <p:ph type="sldNum" sz="quarter" idx="12"/>
+          </p:nvPr>
+        </p:nvSpPr>
+        <p:spPr/>
+        <p:txBody>
+          <a:bodyPr/>
+          <a:lstStyle/>
+          <a:p>
+            <a:fld id="{DACC1BBE-66B1-403A-8C7E-C57A0F3A107F}" type="slidenum">
+              <a:rPr lang="en-US" smtClean="0"/>
+              <a:pPr/>
+              <a:t>56</a:t>
+            </a:fld>
+            <a:endParaRPr lang="en-US"/>
+          </a:p>
+        </p:txBody>
+      </p:sp>
+      <p:sp>
+        <p:nvSpPr>
+          <p:cNvPr id="35843" name="Content Placeholder 2"/>
+          <p:cNvSpPr>
+            <a:spLocks noGrp="1"/>
+          </p:cNvSpPr>
+          <p:nvPr>
+            <p:ph sz="quarter" idx="1"/>
+          </p:nvPr>
+        </p:nvSpPr>
+        <p:spPr>
+          <a:xfrm>
+            <a:off x="457200" y="1219200"/>
+            <a:ext cx="8229600" cy="2133600"/>
+          </a:xfrm>
+        </p:spPr>
+        <p:txBody>
+          <a:bodyPr/>
+          <a:lstStyle/>
+          <a:p>
+            <a:r>
+              <a:rPr lang="en-US" dirty="0"/>
+              <a:t>One valid topological sort is:</a:t>
+            </a:r>
+          </a:p>
+          <a:p>
+            <a:pPr lvl="1"/>
+            <a:r>
+              <a:rPr lang="en-US" dirty="0"/>
+              <a:t>V1  V6  V8  V3  V2  V7  V4  V5</a:t>
+            </a:r>
+          </a:p>
+          <a:p>
+            <a:pPr lvl="3"/>
+            <a:endParaRPr lang="en-US" dirty="0"/>
+          </a:p>
+          <a:p>
+            <a:endParaRPr lang="en-US" dirty="0"/>
+          </a:p>
+        </p:txBody>
+      </p:sp>
+      <p:pic>
+        <p:nvPicPr>
+          <p:cNvPr id="2" name="Picture 1">
+            <a:extLst>
+              <a:ext uri="{FF2B5EF4-FFF2-40B4-BE49-F238E27FC236}">
+                <a16:creationId xmlns:a16="http://schemas.microsoft.com/office/drawing/2014/main" id="{646012BD-CA83-BB43-B90E-C5E6FCFDA9B3}"/>
+              </a:ext>
+            </a:extLst>
+          </p:cNvPr>
+          <p:cNvPicPr>
+            <a:picLocks noChangeAspect="1"/>
+          </p:cNvPicPr>
+          <p:nvPr/>
+        </p:nvPicPr>
+        <p:blipFill>
+          <a:blip r:embed="rId2"/>
+          <a:stretch>
+            <a:fillRect/>
+          </a:stretch>
+        </p:blipFill>
+        <p:spPr>
+          <a:xfrm>
+            <a:off x="2362200" y="3212408"/>
+            <a:ext cx="3806952" cy="3128702"/>
+          </a:xfrm>
+          <a:prstGeom prst="rect">
+            <a:avLst/>
+          </a:prstGeom>
+        </p:spPr>
+      </p:pic>
+    </p:spTree>
+    <p:extLst>
+      <p:ext uri="{BB962C8B-B14F-4D97-AF65-F5344CB8AC3E}">
+        <p14:creationId xmlns:p14="http://schemas.microsoft.com/office/powerpoint/2010/main" val="806022776"/>
+      </p:ext>
+    </p:extLst>
+  </p:cSld>
+  <p:clrMapOvr>
+    <a:masterClrMapping/>
+  </p:clrMapOvr>
+</p:sld>
+</file>
+
+<file path=ppt/slides/slide57.xml><?xml version="1.0" encoding="utf-8"?>
+<p:sld xmlns:a="http://schemas.openxmlformats.org/drawingml/2006/main" xmlns:r="http://schemas.openxmlformats.org/officeDocument/2006/relationships" xmlns:p="http://schemas.openxmlformats.org/presentationml/2006/main">
+  <p:cSld>
+    <p:spTree>
+      <p:nvGrpSpPr>
+        <p:cNvPr id="1" name=""/>
+        <p:cNvGrpSpPr/>
+        <p:nvPr/>
+      </p:nvGrpSpPr>
+      <p:grpSpPr>
+        <a:xfrm>
+          <a:off x="0" y="0"/>
+          <a:ext cx="0" cy="0"/>
+          <a:chOff x="0" y="0"/>
+          <a:chExt cx="0" cy="0"/>
+        </a:xfrm>
+      </p:grpSpPr>
+      <p:sp>
+        <p:nvSpPr>
+          <p:cNvPr id="35842" name="Title 1"/>
+          <p:cNvSpPr>
+            <a:spLocks noGrp="1"/>
+          </p:cNvSpPr>
+          <p:nvPr>
+            <p:ph type="title"/>
+          </p:nvPr>
+        </p:nvSpPr>
+        <p:spPr/>
+        <p:txBody>
+          <a:bodyPr/>
+          <a:lstStyle/>
+          <a:p>
+            <a:r>
+              <a:rPr lang="en-US" dirty="0"/>
+              <a:t>Topological Sort</a:t>
+            </a:r>
+          </a:p>
+        </p:txBody>
+      </p:sp>
+      <p:sp>
+        <p:nvSpPr>
+          <p:cNvPr id="4" name="Slide Number Placeholder 3"/>
+          <p:cNvSpPr>
+            <a:spLocks noGrp="1"/>
+          </p:cNvSpPr>
+          <p:nvPr>
+            <p:ph type="sldNum" sz="quarter" idx="12"/>
+          </p:nvPr>
+        </p:nvSpPr>
+        <p:spPr/>
+        <p:txBody>
+          <a:bodyPr/>
+          <a:lstStyle/>
+          <a:p>
+            <a:fld id="{DACC1BBE-66B1-403A-8C7E-C57A0F3A107F}" type="slidenum">
+              <a:rPr lang="en-US" smtClean="0"/>
+              <a:pPr/>
+              <a:t>57</a:t>
+            </a:fld>
+            <a:endParaRPr lang="en-US"/>
+          </a:p>
+        </p:txBody>
+      </p:sp>
+      <p:sp>
+        <p:nvSpPr>
+          <p:cNvPr id="35843" name="Content Placeholder 2"/>
+          <p:cNvSpPr>
+            <a:spLocks noGrp="1"/>
+          </p:cNvSpPr>
+          <p:nvPr>
+            <p:ph sz="quarter" idx="1"/>
+          </p:nvPr>
+        </p:nvSpPr>
+        <p:spPr>
+          <a:xfrm>
+            <a:off x="457200" y="1219200"/>
+            <a:ext cx="8229600" cy="2133600"/>
+          </a:xfrm>
+        </p:spPr>
+        <p:txBody>
+          <a:bodyPr/>
+          <a:lstStyle/>
+          <a:p>
+            <a:r>
+              <a:rPr lang="en-US" dirty="0"/>
+              <a:t>What is the topological sort?</a:t>
+            </a:r>
+          </a:p>
+          <a:p>
+            <a:pPr lvl="3"/>
+            <a:endParaRPr lang="en-US" dirty="0"/>
+          </a:p>
+          <a:p>
+            <a:endParaRPr lang="en-US" dirty="0"/>
+          </a:p>
+        </p:txBody>
+      </p:sp>
+      <p:pic>
+        <p:nvPicPr>
+          <p:cNvPr id="3" name="Picture 2">
+            <a:extLst>
+              <a:ext uri="{FF2B5EF4-FFF2-40B4-BE49-F238E27FC236}">
+                <a16:creationId xmlns:a16="http://schemas.microsoft.com/office/drawing/2014/main" id="{D49273A6-CCF1-0940-B2D4-C8E51CCFDE78}"/>
+              </a:ext>
+            </a:extLst>
+          </p:cNvPr>
+          <p:cNvPicPr>
+            <a:picLocks noChangeAspect="1"/>
+          </p:cNvPicPr>
+          <p:nvPr/>
+        </p:nvPicPr>
+        <p:blipFill>
+          <a:blip r:embed="rId2"/>
+          <a:stretch>
+            <a:fillRect/>
+          </a:stretch>
+        </p:blipFill>
+        <p:spPr>
+          <a:xfrm>
+            <a:off x="3581400" y="1981200"/>
+            <a:ext cx="2109280" cy="4019034"/>
+          </a:xfrm>
+          <a:prstGeom prst="rect">
+            <a:avLst/>
+          </a:prstGeom>
+        </p:spPr>
+      </p:pic>
+    </p:spTree>
+    <p:extLst>
+      <p:ext uri="{BB962C8B-B14F-4D97-AF65-F5344CB8AC3E}">
+        <p14:creationId xmlns:p14="http://schemas.microsoft.com/office/powerpoint/2010/main" val="2679496135"/>
+      </p:ext>
+    </p:extLst>
+  </p:cSld>
+  <p:clrMapOvr>
+    <a:masterClrMapping/>
+  </p:clrMapOvr>
+</p:sld>
+</file>
+
+<file path=ppt/slides/slide58.xml><?xml version="1.0" encoding="utf-8"?>
+<p:sld xmlns:a="http://schemas.openxmlformats.org/drawingml/2006/main" xmlns:r="http://schemas.openxmlformats.org/officeDocument/2006/relationships" xmlns:p="http://schemas.openxmlformats.org/presentationml/2006/main">
+  <p:cSld>
+    <p:spTree>
+      <p:nvGrpSpPr>
+        <p:cNvPr id="1" name=""/>
+        <p:cNvGrpSpPr/>
+        <p:nvPr/>
+      </p:nvGrpSpPr>
+      <p:grpSpPr>
+        <a:xfrm>
+          <a:off x="0" y="0"/>
+          <a:ext cx="0" cy="0"/>
+          <a:chOff x="0" y="0"/>
+          <a:chExt cx="0" cy="0"/>
+        </a:xfrm>
+      </p:grpSpPr>
+      <p:sp>
+        <p:nvSpPr>
+          <p:cNvPr id="35842" name="Title 1"/>
+          <p:cNvSpPr>
+            <a:spLocks noGrp="1"/>
+          </p:cNvSpPr>
+          <p:nvPr>
+            <p:ph type="title"/>
+          </p:nvPr>
+        </p:nvSpPr>
+        <p:spPr/>
+        <p:txBody>
+          <a:bodyPr/>
+          <a:lstStyle/>
+          <a:p>
+            <a:r>
+              <a:rPr lang="en-US" dirty="0"/>
+              <a:t>Topological Sort</a:t>
+            </a:r>
+          </a:p>
+        </p:txBody>
+      </p:sp>
+      <p:sp>
+        <p:nvSpPr>
+          <p:cNvPr id="4" name="Slide Number Placeholder 3"/>
+          <p:cNvSpPr>
+            <a:spLocks noGrp="1"/>
+          </p:cNvSpPr>
+          <p:nvPr>
+            <p:ph type="sldNum" sz="quarter" idx="12"/>
+          </p:nvPr>
+        </p:nvSpPr>
+        <p:spPr/>
+        <p:txBody>
+          <a:bodyPr/>
+          <a:lstStyle/>
+          <a:p>
+            <a:fld id="{DACC1BBE-66B1-403A-8C7E-C57A0F3A107F}" type="slidenum">
+              <a:rPr lang="en-US" smtClean="0"/>
+              <a:pPr/>
+              <a:t>58</a:t>
+            </a:fld>
+            <a:endParaRPr lang="en-US"/>
+          </a:p>
+        </p:txBody>
+      </p:sp>
+      <p:sp>
+        <p:nvSpPr>
+          <p:cNvPr id="35843" name="Content Placeholder 2"/>
+          <p:cNvSpPr>
+            <a:spLocks noGrp="1"/>
+          </p:cNvSpPr>
+          <p:nvPr>
+            <p:ph sz="quarter" idx="1"/>
+          </p:nvPr>
+        </p:nvSpPr>
+        <p:spPr>
+          <a:xfrm>
+            <a:off x="457200" y="1219200"/>
+            <a:ext cx="8229600" cy="2133600"/>
+          </a:xfrm>
+        </p:spPr>
+        <p:txBody>
+          <a:bodyPr/>
+          <a:lstStyle/>
+          <a:p>
+            <a:r>
+              <a:rPr lang="en-US" dirty="0"/>
+              <a:t>What is the topological sort?</a:t>
+            </a:r>
+          </a:p>
+          <a:p>
+            <a:pPr lvl="3"/>
+            <a:endParaRPr lang="en-US" dirty="0"/>
+          </a:p>
+          <a:p>
+            <a:endParaRPr lang="en-US" dirty="0"/>
+          </a:p>
+        </p:txBody>
+      </p:sp>
+      <p:pic>
+        <p:nvPicPr>
+          <p:cNvPr id="2" name="Picture 1">
+            <a:extLst>
+              <a:ext uri="{FF2B5EF4-FFF2-40B4-BE49-F238E27FC236}">
+                <a16:creationId xmlns:a16="http://schemas.microsoft.com/office/drawing/2014/main" id="{D25530FF-D78B-4343-8552-515AA9638D66}"/>
+              </a:ext>
+            </a:extLst>
+          </p:cNvPr>
+          <p:cNvPicPr>
+            <a:picLocks noChangeAspect="1"/>
+          </p:cNvPicPr>
+          <p:nvPr/>
+        </p:nvPicPr>
+        <p:blipFill>
+          <a:blip r:embed="rId2"/>
+          <a:stretch>
+            <a:fillRect/>
+          </a:stretch>
+        </p:blipFill>
+        <p:spPr>
+          <a:xfrm>
+            <a:off x="3582924" y="2133600"/>
+            <a:ext cx="1978152" cy="3769182"/>
+          </a:xfrm>
+          <a:prstGeom prst="rect">
+            <a:avLst/>
+          </a:prstGeom>
+        </p:spPr>
+      </p:pic>
+    </p:spTree>
+    <p:extLst>
+      <p:ext uri="{BB962C8B-B14F-4D97-AF65-F5344CB8AC3E}">
+        <p14:creationId xmlns:p14="http://schemas.microsoft.com/office/powerpoint/2010/main" val="910308050"/>
+      </p:ext>
+    </p:extLst>
+  </p:cSld>
+  <p:clrMapOvr>
+    <a:masterClrMapping/>
+  </p:clrMapOvr>
+</p:sld>
+</file>
+
+<file path=ppt/slides/slide59.xml><?xml version="1.0" encoding="utf-8"?>
+<p:sld xmlns:a="http://schemas.openxmlformats.org/drawingml/2006/main" xmlns:r="http://schemas.openxmlformats.org/officeDocument/2006/relationships" xmlns:p="http://schemas.openxmlformats.org/presentationml/2006/main">
+  <p:cSld>
+    <p:spTree>
+      <p:nvGrpSpPr>
+        <p:cNvPr id="1" name=""/>
+        <p:cNvGrpSpPr/>
+        <p:nvPr/>
+      </p:nvGrpSpPr>
+      <p:grpSpPr>
+        <a:xfrm>
+          <a:off x="0" y="0"/>
+          <a:ext cx="0" cy="0"/>
+          <a:chOff x="0" y="0"/>
+          <a:chExt cx="0" cy="0"/>
+        </a:xfrm>
+      </p:grpSpPr>
+      <p:sp>
+        <p:nvSpPr>
+          <p:cNvPr id="35842" name="Title 1"/>
+          <p:cNvSpPr>
+            <a:spLocks noGrp="1"/>
+          </p:cNvSpPr>
+          <p:nvPr>
+            <p:ph type="title"/>
+          </p:nvPr>
+        </p:nvSpPr>
+        <p:spPr/>
+        <p:txBody>
+          <a:bodyPr/>
+          <a:lstStyle/>
+          <a:p>
+            <a:r>
+              <a:rPr lang="en-US" dirty="0"/>
+              <a:t>Topological Sort</a:t>
+            </a:r>
+          </a:p>
+        </p:txBody>
+      </p:sp>
+      <p:sp>
+        <p:nvSpPr>
+          <p:cNvPr id="4" name="Slide Number Placeholder 3"/>
+          <p:cNvSpPr>
+            <a:spLocks noGrp="1"/>
+          </p:cNvSpPr>
+          <p:nvPr>
+            <p:ph type="sldNum" sz="quarter" idx="12"/>
+          </p:nvPr>
+        </p:nvSpPr>
+        <p:spPr/>
+        <p:txBody>
+          <a:bodyPr/>
+          <a:lstStyle/>
+          <a:p>
+            <a:fld id="{DACC1BBE-66B1-403A-8C7E-C57A0F3A107F}" type="slidenum">
+              <a:rPr lang="en-US" smtClean="0"/>
+              <a:pPr/>
+              <a:t>59</a:t>
+            </a:fld>
+            <a:endParaRPr lang="en-US"/>
+          </a:p>
+        </p:txBody>
+      </p:sp>
+      <p:sp>
+        <p:nvSpPr>
+          <p:cNvPr id="35843" name="Content Placeholder 2"/>
+          <p:cNvSpPr>
+            <a:spLocks noGrp="1"/>
+          </p:cNvSpPr>
+          <p:nvPr>
+            <p:ph sz="quarter" idx="1"/>
+          </p:nvPr>
+        </p:nvSpPr>
+        <p:spPr>
+          <a:xfrm>
+            <a:off x="457200" y="1219200"/>
+            <a:ext cx="8229600" cy="2133600"/>
+          </a:xfrm>
+        </p:spPr>
+        <p:txBody>
+          <a:bodyPr/>
+          <a:lstStyle/>
+          <a:p>
+            <a:r>
+              <a:rPr lang="en-US" dirty="0"/>
+              <a:t>This is already topologically sorted!</a:t>
+            </a:r>
+          </a:p>
+          <a:p>
+            <a:pPr lvl="3"/>
+            <a:endParaRPr lang="en-US" dirty="0"/>
+          </a:p>
+          <a:p>
+            <a:endParaRPr lang="en-US" dirty="0"/>
+          </a:p>
+        </p:txBody>
+      </p:sp>
+      <p:pic>
+        <p:nvPicPr>
+          <p:cNvPr id="3" name="Picture 2">
+            <a:extLst>
+              <a:ext uri="{FF2B5EF4-FFF2-40B4-BE49-F238E27FC236}">
+                <a16:creationId xmlns:a16="http://schemas.microsoft.com/office/drawing/2014/main" id="{75724808-DD0A-F143-B700-3E7145A52D51}"/>
+              </a:ext>
+            </a:extLst>
+          </p:cNvPr>
+          <p:cNvPicPr>
+            <a:picLocks noChangeAspect="1"/>
+          </p:cNvPicPr>
+          <p:nvPr/>
+        </p:nvPicPr>
+        <p:blipFill>
+          <a:blip r:embed="rId2"/>
+          <a:stretch>
+            <a:fillRect/>
+          </a:stretch>
+        </p:blipFill>
+        <p:spPr>
+          <a:xfrm>
+            <a:off x="2514600" y="1905000"/>
+            <a:ext cx="4191000" cy="4242423"/>
+          </a:xfrm>
+          <a:prstGeom prst="rect">
+            <a:avLst/>
+          </a:prstGeom>
+        </p:spPr>
+      </p:pic>
+    </p:spTree>
+    <p:extLst>
+      <p:ext uri="{BB962C8B-B14F-4D97-AF65-F5344CB8AC3E}">
+        <p14:creationId xmlns:p14="http://schemas.microsoft.com/office/powerpoint/2010/main" val="410809951"/>
+      </p:ext>
+    </p:extLst>
+  </p:cSld>
+  <p:clrMapOvr>
+    <a:masterClrMapping/>
+  </p:clrMapOvr>
+</p:sld>
+</file>
+
+<file path=ppt/slides/slide6.xml><?xml version="1.0" encoding="utf-8"?>
+<p:sld xmlns:a="http://schemas.openxmlformats.org/drawingml/2006/main" xmlns:r="http://schemas.openxmlformats.org/officeDocument/2006/relationships" xmlns:p="http://schemas.openxmlformats.org/presentationml/2006/main">
+  <p:cSld>
+    <p:spTree>
+      <p:nvGrpSpPr>
+        <p:cNvPr id="1" name=""/>
+        <p:cNvGrpSpPr/>
+        <p:nvPr/>
+      </p:nvGrpSpPr>
+      <p:grpSpPr>
+        <a:xfrm>
+          <a:off x="0" y="0"/>
+          <a:ext cx="0" cy="0"/>
+          <a:chOff x="0" y="0"/>
+          <a:chExt cx="0" cy="0"/>
+        </a:xfrm>
+      </p:grpSpPr>
+      <p:sp>
+        <p:nvSpPr>
+          <p:cNvPr id="19458" name="Rectangle 2"/>
           <p:cNvSpPr>
             <a:spLocks noGrp="1" noChangeArrowheads="1"/>
           </p:cNvSpPr>
@@ -17197,17 +17984,115 @@
           <a:bodyPr/>
           <a:lstStyle/>
           <a:p>
-            <a:pPr eaLnBrk="1" hangingPunct="1"/>
             <a:r>
               <a:rPr lang="en-US"/>
-              <a:t>Weighted Shortest Path</a:t>
-            </a:r>
-          </a:p>
-        </p:txBody>
-      </p:sp>
-      <p:sp>
-        <p:nvSpPr>
-          <p:cNvPr id="18" name="Slide Number Placeholder 17"/>
+              <a:t>Problems: e.g. Computer Networks</a:t>
+            </a:r>
+          </a:p>
+        </p:txBody>
+      </p:sp>
+      <p:sp>
+        <p:nvSpPr>
+          <p:cNvPr id="4" name="Slide Number Placeholder 3"/>
+          <p:cNvSpPr>
+            <a:spLocks noGrp="1"/>
+          </p:cNvSpPr>
+          <p:nvPr>
+            <p:ph type="sldNum" sz="quarter" idx="12"/>
+          </p:nvPr>
+        </p:nvSpPr>
+        <p:spPr/>
+        <p:txBody>
+          <a:bodyPr/>
+          <a:lstStyle/>
+          <a:p>
+            <a:fld id="{030EE116-056E-4288-B7F7-411CB7E437A9}" type="slidenum">
+              <a:rPr lang="en-US" smtClean="0"/>
+              <a:pPr/>
+              <a:t>6</a:t>
+            </a:fld>
+            <a:endParaRPr lang="en-US"/>
+          </a:p>
+        </p:txBody>
+      </p:sp>
+      <p:pic>
+        <p:nvPicPr>
+          <p:cNvPr id="19459" name="Picture 4" descr="fig7"/>
+          <p:cNvPicPr>
+            <a:picLocks noGrp="1" noChangeAspect="1" noChangeArrowheads="1"/>
+          </p:cNvPicPr>
+          <p:nvPr>
+            <p:ph sz="quarter" idx="1"/>
+            <p:custDataLst>
+              <p:tags r:id="rId2"/>
+            </p:custDataLst>
+          </p:nvPr>
+        </p:nvPicPr>
+        <p:blipFill>
+          <a:blip r:embed="rId4"/>
+          <a:srcRect l="1846" t="5531" r="5846" b="13843"/>
+          <a:stretch>
+            <a:fillRect/>
+          </a:stretch>
+        </p:blipFill>
+        <p:spPr>
+          <a:xfrm>
+            <a:off x="0" y="1219200"/>
+            <a:ext cx="9144000" cy="5303838"/>
+          </a:xfrm>
+          <a:noFill/>
+        </p:spPr>
+      </p:pic>
+    </p:spTree>
+  </p:cSld>
+  <p:clrMapOvr>
+    <a:masterClrMapping/>
+  </p:clrMapOvr>
+</p:sld>
+</file>
+
+<file path=ppt/slides/slide60.xml><?xml version="1.0" encoding="utf-8"?>
+<p:sld xmlns:a="http://schemas.openxmlformats.org/drawingml/2006/main" xmlns:r="http://schemas.openxmlformats.org/officeDocument/2006/relationships" xmlns:p="http://schemas.openxmlformats.org/presentationml/2006/main">
+  <p:cSld>
+    <p:spTree>
+      <p:nvGrpSpPr>
+        <p:cNvPr id="1" name=""/>
+        <p:cNvGrpSpPr/>
+        <p:nvPr/>
+      </p:nvGrpSpPr>
+      <p:grpSpPr>
+        <a:xfrm>
+          <a:off x="0" y="0"/>
+          <a:ext cx="0" cy="0"/>
+          <a:chOff x="0" y="0"/>
+          <a:chExt cx="0" cy="0"/>
+        </a:xfrm>
+      </p:grpSpPr>
+      <p:sp>
+        <p:nvSpPr>
+          <p:cNvPr id="35842" name="Title 1"/>
+          <p:cNvSpPr>
+            <a:spLocks noGrp="1"/>
+          </p:cNvSpPr>
+          <p:nvPr>
+            <p:ph type="title"/>
+          </p:nvPr>
+        </p:nvSpPr>
+        <p:spPr/>
+        <p:txBody>
+          <a:bodyPr/>
+          <a:lstStyle/>
+          <a:p>
+            <a:r>
+              <a:rPr lang="en-US" dirty="0"/>
+              <a:t>Topological Sort</a:t>
+            </a:r>
+          </a:p>
+        </p:txBody>
+      </p:sp>
+      <p:sp>
+        <p:nvSpPr>
+          <p:cNvPr id="4" name="Slide Number Placeholder 3"/>
           <p:cNvSpPr>
             <a:spLocks noGrp="1"/>
           </p:cNvSpPr>
@@ -17223,7 +18108,478 @@
             <a:fld id="{DACC1BBE-66B1-403A-8C7E-C57A0F3A107F}" type="slidenum">
               <a:rPr lang="en-US" smtClean="0"/>
               <a:pPr/>
-              <a:t>55</a:t>
+              <a:t>60</a:t>
+            </a:fld>
+            <a:endParaRPr lang="en-US"/>
+          </a:p>
+        </p:txBody>
+      </p:sp>
+      <p:pic>
+        <p:nvPicPr>
+          <p:cNvPr id="5" name="Content Placeholder 4">
+            <a:extLst>
+              <a:ext uri="{FF2B5EF4-FFF2-40B4-BE49-F238E27FC236}">
+                <a16:creationId xmlns:a16="http://schemas.microsoft.com/office/drawing/2014/main" id="{E90D02AF-F7BA-B840-ACDC-36D898E98926}"/>
+              </a:ext>
+            </a:extLst>
+          </p:cNvPr>
+          <p:cNvPicPr>
+            <a:picLocks noGrp="1" noChangeAspect="1"/>
+          </p:cNvPicPr>
+          <p:nvPr>
+            <p:ph sz="quarter" idx="1"/>
+          </p:nvPr>
+        </p:nvPicPr>
+        <p:blipFill>
+          <a:blip r:embed="rId2"/>
+          <a:stretch>
+            <a:fillRect/>
+          </a:stretch>
+        </p:blipFill>
+        <p:spPr>
+          <a:xfrm>
+            <a:off x="990600" y="1341105"/>
+            <a:ext cx="7239000" cy="4754895"/>
+          </a:xfrm>
+        </p:spPr>
+      </p:pic>
+    </p:spTree>
+    <p:extLst>
+      <p:ext uri="{BB962C8B-B14F-4D97-AF65-F5344CB8AC3E}">
+        <p14:creationId xmlns:p14="http://schemas.microsoft.com/office/powerpoint/2010/main" val="538486413"/>
+      </p:ext>
+    </p:extLst>
+  </p:cSld>
+  <p:clrMapOvr>
+    <a:masterClrMapping/>
+  </p:clrMapOvr>
+</p:sld>
+</file>
+
+<file path=ppt/slides/slide61.xml><?xml version="1.0" encoding="utf-8"?>
+<p:sld xmlns:a="http://schemas.openxmlformats.org/drawingml/2006/main" xmlns:r="http://schemas.openxmlformats.org/officeDocument/2006/relationships" xmlns:p="http://schemas.openxmlformats.org/presentationml/2006/main">
+  <p:cSld>
+    <p:spTree>
+      <p:nvGrpSpPr>
+        <p:cNvPr id="1" name=""/>
+        <p:cNvGrpSpPr/>
+        <p:nvPr/>
+      </p:nvGrpSpPr>
+      <p:grpSpPr>
+        <a:xfrm>
+          <a:off x="0" y="0"/>
+          <a:ext cx="0" cy="0"/>
+          <a:chOff x="0" y="0"/>
+          <a:chExt cx="0" cy="0"/>
+        </a:xfrm>
+      </p:grpSpPr>
+      <p:sp>
+        <p:nvSpPr>
+          <p:cNvPr id="35842" name="Title 1"/>
+          <p:cNvSpPr>
+            <a:spLocks noGrp="1"/>
+          </p:cNvSpPr>
+          <p:nvPr>
+            <p:ph type="title"/>
+          </p:nvPr>
+        </p:nvSpPr>
+        <p:spPr/>
+        <p:txBody>
+          <a:bodyPr/>
+          <a:lstStyle/>
+          <a:p>
+            <a:r>
+              <a:rPr lang="en-US" dirty="0"/>
+              <a:t>Topological Sort</a:t>
+            </a:r>
+          </a:p>
+        </p:txBody>
+      </p:sp>
+      <p:sp>
+        <p:nvSpPr>
+          <p:cNvPr id="4" name="Slide Number Placeholder 3"/>
+          <p:cNvSpPr>
+            <a:spLocks noGrp="1"/>
+          </p:cNvSpPr>
+          <p:nvPr>
+            <p:ph type="sldNum" sz="quarter" idx="12"/>
+          </p:nvPr>
+        </p:nvSpPr>
+        <p:spPr/>
+        <p:txBody>
+          <a:bodyPr/>
+          <a:lstStyle/>
+          <a:p>
+            <a:fld id="{DACC1BBE-66B1-403A-8C7E-C57A0F3A107F}" type="slidenum">
+              <a:rPr lang="en-US" smtClean="0"/>
+              <a:pPr/>
+              <a:t>61</a:t>
+            </a:fld>
+            <a:endParaRPr lang="en-US"/>
+          </a:p>
+        </p:txBody>
+      </p:sp>
+      <p:sp>
+        <p:nvSpPr>
+          <p:cNvPr id="35843" name="Content Placeholder 2"/>
+          <p:cNvSpPr>
+            <a:spLocks noGrp="1"/>
+          </p:cNvSpPr>
+          <p:nvPr>
+            <p:ph sz="quarter" idx="1"/>
+          </p:nvPr>
+        </p:nvSpPr>
+        <p:spPr>
+          <a:xfrm>
+            <a:off x="457200" y="1219200"/>
+            <a:ext cx="8229600" cy="2133600"/>
+          </a:xfrm>
+        </p:spPr>
+        <p:txBody>
+          <a:bodyPr/>
+          <a:lstStyle/>
+          <a:p>
+            <a:r>
+              <a:rPr lang="en-US" dirty="0"/>
+              <a:t>Runtime of topological sort?</a:t>
+            </a:r>
+          </a:p>
+          <a:p>
+            <a:pPr lvl="1"/>
+            <a:r>
+              <a:rPr lang="en-US" dirty="0"/>
+              <a:t>Each edge processed once total in inner loop</a:t>
+            </a:r>
+          </a:p>
+          <a:p>
+            <a:pPr lvl="1"/>
+            <a:r>
+              <a:rPr lang="en-US" dirty="0"/>
+              <a:t>Each node processed once total in outer loop</a:t>
+            </a:r>
+          </a:p>
+          <a:p>
+            <a:pPr lvl="1"/>
+            <a:r>
+              <a:rPr lang="en-US" dirty="0"/>
+              <a:t>Theta(V + E)</a:t>
+            </a:r>
+          </a:p>
+          <a:p>
+            <a:pPr lvl="3"/>
+            <a:endParaRPr lang="en-US" dirty="0"/>
+          </a:p>
+          <a:p>
+            <a:endParaRPr lang="en-US" dirty="0"/>
+          </a:p>
+        </p:txBody>
+      </p:sp>
+      <p:pic>
+        <p:nvPicPr>
+          <p:cNvPr id="7" name="Picture 6">
+            <a:extLst>
+              <a:ext uri="{FF2B5EF4-FFF2-40B4-BE49-F238E27FC236}">
+                <a16:creationId xmlns:a16="http://schemas.microsoft.com/office/drawing/2014/main" id="{CCC482D6-46A7-6747-820E-11EBB778086F}"/>
+              </a:ext>
+            </a:extLst>
+          </p:cNvPr>
+          <p:cNvPicPr>
+            <a:picLocks noChangeAspect="1"/>
+          </p:cNvPicPr>
+          <p:nvPr/>
+        </p:nvPicPr>
+        <p:blipFill>
+          <a:blip r:embed="rId2"/>
+          <a:stretch>
+            <a:fillRect/>
+          </a:stretch>
+        </p:blipFill>
+        <p:spPr>
+          <a:xfrm>
+            <a:off x="2819400" y="2590800"/>
+            <a:ext cx="4038600" cy="4141102"/>
+          </a:xfrm>
+          <a:prstGeom prst="rect">
+            <a:avLst/>
+          </a:prstGeom>
+        </p:spPr>
+      </p:pic>
+    </p:spTree>
+    <p:extLst>
+      <p:ext uri="{BB962C8B-B14F-4D97-AF65-F5344CB8AC3E}">
+        <p14:creationId xmlns:p14="http://schemas.microsoft.com/office/powerpoint/2010/main" val="739899143"/>
+      </p:ext>
+    </p:extLst>
+  </p:cSld>
+  <p:clrMapOvr>
+    <a:masterClrMapping/>
+  </p:clrMapOvr>
+</p:sld>
+</file>
+
+<file path=ppt/slides/slide62.xml><?xml version="1.0" encoding="utf-8"?>
+<p:sld xmlns:a="http://schemas.openxmlformats.org/drawingml/2006/main" xmlns:r="http://schemas.openxmlformats.org/officeDocument/2006/relationships" xmlns:p="http://schemas.openxmlformats.org/presentationml/2006/main">
+  <p:cSld>
+    <p:spTree>
+      <p:nvGrpSpPr>
+        <p:cNvPr id="1" name=""/>
+        <p:cNvGrpSpPr/>
+        <p:nvPr/>
+      </p:nvGrpSpPr>
+      <p:grpSpPr>
+        <a:xfrm>
+          <a:off x="0" y="0"/>
+          <a:ext cx="0" cy="0"/>
+          <a:chOff x="0" y="0"/>
+          <a:chExt cx="0" cy="0"/>
+        </a:xfrm>
+      </p:grpSpPr>
+      <p:sp>
+        <p:nvSpPr>
+          <p:cNvPr id="35842" name="Title 1"/>
+          <p:cNvSpPr>
+            <a:spLocks noGrp="1"/>
+          </p:cNvSpPr>
+          <p:nvPr>
+            <p:ph type="title"/>
+          </p:nvPr>
+        </p:nvSpPr>
+        <p:spPr/>
+        <p:txBody>
+          <a:bodyPr/>
+          <a:lstStyle/>
+          <a:p>
+            <a:r>
+              <a:rPr lang="en-US" dirty="0"/>
+              <a:t>Topological Sort: One more example</a:t>
+            </a:r>
+          </a:p>
+        </p:txBody>
+      </p:sp>
+      <p:sp>
+        <p:nvSpPr>
+          <p:cNvPr id="4" name="Slide Number Placeholder 3"/>
+          <p:cNvSpPr>
+            <a:spLocks noGrp="1"/>
+          </p:cNvSpPr>
+          <p:nvPr>
+            <p:ph type="sldNum" sz="quarter" idx="12"/>
+          </p:nvPr>
+        </p:nvSpPr>
+        <p:spPr/>
+        <p:txBody>
+          <a:bodyPr/>
+          <a:lstStyle/>
+          <a:p>
+            <a:fld id="{DACC1BBE-66B1-403A-8C7E-C57A0F3A107F}" type="slidenum">
+              <a:rPr lang="en-US" smtClean="0"/>
+              <a:pPr/>
+              <a:t>62</a:t>
+            </a:fld>
+            <a:endParaRPr lang="en-US"/>
+          </a:p>
+        </p:txBody>
+      </p:sp>
+      <p:pic>
+        <p:nvPicPr>
+          <p:cNvPr id="7" name="Picture 6">
+            <a:extLst>
+              <a:ext uri="{FF2B5EF4-FFF2-40B4-BE49-F238E27FC236}">
+                <a16:creationId xmlns:a16="http://schemas.microsoft.com/office/drawing/2014/main" id="{CCC482D6-46A7-6747-820E-11EBB778086F}"/>
+              </a:ext>
+            </a:extLst>
+          </p:cNvPr>
+          <p:cNvPicPr>
+            <a:picLocks noChangeAspect="1"/>
+          </p:cNvPicPr>
+          <p:nvPr/>
+        </p:nvPicPr>
+        <p:blipFill>
+          <a:blip r:embed="rId2"/>
+          <a:stretch>
+            <a:fillRect/>
+          </a:stretch>
+        </p:blipFill>
+        <p:spPr>
+          <a:xfrm>
+            <a:off x="1905000" y="1247454"/>
+            <a:ext cx="5181600" cy="5313112"/>
+          </a:xfrm>
+          <a:prstGeom prst="rect">
+            <a:avLst/>
+          </a:prstGeom>
+        </p:spPr>
+      </p:pic>
+    </p:spTree>
+    <p:extLst>
+      <p:ext uri="{BB962C8B-B14F-4D97-AF65-F5344CB8AC3E}">
+        <p14:creationId xmlns:p14="http://schemas.microsoft.com/office/powerpoint/2010/main" val="1106885125"/>
+      </p:ext>
+    </p:extLst>
+  </p:cSld>
+  <p:clrMapOvr>
+    <a:masterClrMapping/>
+  </p:clrMapOvr>
+</p:sld>
+</file>
+
+<file path=ppt/slides/slide63.xml><?xml version="1.0" encoding="utf-8"?>
+<p:sld xmlns:a="http://schemas.openxmlformats.org/drawingml/2006/main" xmlns:r="http://schemas.openxmlformats.org/officeDocument/2006/relationships" xmlns:p="http://schemas.openxmlformats.org/presentationml/2006/main">
+  <p:cSld>
+    <p:spTree>
+      <p:nvGrpSpPr>
+        <p:cNvPr id="1" name=""/>
+        <p:cNvGrpSpPr/>
+        <p:nvPr/>
+      </p:nvGrpSpPr>
+      <p:grpSpPr>
+        <a:xfrm>
+          <a:off x="0" y="0"/>
+          <a:ext cx="0" cy="0"/>
+          <a:chOff x="0" y="0"/>
+          <a:chExt cx="0" cy="0"/>
+        </a:xfrm>
+      </p:grpSpPr>
+      <p:sp>
+        <p:nvSpPr>
+          <p:cNvPr id="5" name="Title 4"/>
+          <p:cNvSpPr>
+            <a:spLocks noGrp="1"/>
+          </p:cNvSpPr>
+          <p:nvPr>
+            <p:ph type="title"/>
+          </p:nvPr>
+        </p:nvSpPr>
+        <p:spPr/>
+        <p:txBody>
+          <a:bodyPr/>
+          <a:lstStyle/>
+          <a:p>
+            <a:r>
+              <a:rPr lang="en-US" dirty="0"/>
+              <a:t>Dijkstra’s Algorithm</a:t>
+            </a:r>
+          </a:p>
+        </p:txBody>
+      </p:sp>
+      <p:sp>
+        <p:nvSpPr>
+          <p:cNvPr id="6" name="Text Placeholder 5"/>
+          <p:cNvSpPr>
+            <a:spLocks noGrp="1"/>
+          </p:cNvSpPr>
+          <p:nvPr>
+            <p:ph type="body" idx="1"/>
+          </p:nvPr>
+        </p:nvSpPr>
+        <p:spPr/>
+        <p:txBody>
+          <a:bodyPr/>
+          <a:lstStyle/>
+          <a:p>
+            <a:endParaRPr lang="en-US"/>
+          </a:p>
+        </p:txBody>
+      </p:sp>
+      <p:sp>
+        <p:nvSpPr>
+          <p:cNvPr id="4" name="Slide Number Placeholder 3"/>
+          <p:cNvSpPr>
+            <a:spLocks noGrp="1"/>
+          </p:cNvSpPr>
+          <p:nvPr>
+            <p:ph type="sldNum" sz="quarter" idx="12"/>
+          </p:nvPr>
+        </p:nvSpPr>
+        <p:spPr/>
+        <p:txBody>
+          <a:bodyPr/>
+          <a:lstStyle/>
+          <a:p>
+            <a:fld id="{030EE116-056E-4288-B7F7-411CB7E437A9}" type="slidenum">
+              <a:rPr lang="en-US" smtClean="0"/>
+              <a:pPr/>
+              <a:t>63</a:t>
+            </a:fld>
+            <a:endParaRPr lang="en-US"/>
+          </a:p>
+        </p:txBody>
+      </p:sp>
+    </p:spTree>
+    <p:extLst>
+      <p:ext uri="{BB962C8B-B14F-4D97-AF65-F5344CB8AC3E}">
+        <p14:creationId xmlns:p14="http://schemas.microsoft.com/office/powerpoint/2010/main" val="871031785"/>
+      </p:ext>
+    </p:extLst>
+  </p:cSld>
+  <p:clrMapOvr>
+    <a:masterClrMapping/>
+  </p:clrMapOvr>
+</p:sld>
+</file>
+
+<file path=ppt/slides/slide64.xml><?xml version="1.0" encoding="utf-8"?>
+<p:sld xmlns:a="http://schemas.openxmlformats.org/drawingml/2006/main" xmlns:r="http://schemas.openxmlformats.org/officeDocument/2006/relationships" xmlns:p="http://schemas.openxmlformats.org/presentationml/2006/main">
+  <p:cSld>
+    <p:spTree>
+      <p:nvGrpSpPr>
+        <p:cNvPr id="1" name=""/>
+        <p:cNvGrpSpPr/>
+        <p:nvPr/>
+      </p:nvGrpSpPr>
+      <p:grpSpPr>
+        <a:xfrm>
+          <a:off x="0" y="0"/>
+          <a:ext cx="0" cy="0"/>
+          <a:chOff x="0" y="0"/>
+          <a:chExt cx="0" cy="0"/>
+        </a:xfrm>
+      </p:grpSpPr>
+      <p:sp>
+        <p:nvSpPr>
+          <p:cNvPr id="34818" name="Rectangle 2"/>
+          <p:cNvSpPr>
+            <a:spLocks noGrp="1" noChangeArrowheads="1"/>
+          </p:cNvSpPr>
+          <p:nvPr>
+            <p:ph type="title"/>
+            <p:custDataLst>
+              <p:tags r:id="rId1"/>
+            </p:custDataLst>
+          </p:nvPr>
+        </p:nvSpPr>
+        <p:spPr/>
+        <p:txBody>
+          <a:bodyPr/>
+          <a:lstStyle/>
+          <a:p>
+            <a:pPr eaLnBrk="1" hangingPunct="1"/>
+            <a:r>
+              <a:rPr lang="en-US"/>
+              <a:t>Weighted Shortest Path</a:t>
+            </a:r>
+          </a:p>
+        </p:txBody>
+      </p:sp>
+      <p:sp>
+        <p:nvSpPr>
+          <p:cNvPr id="18" name="Slide Number Placeholder 17"/>
+          <p:cNvSpPr>
+            <a:spLocks noGrp="1"/>
+          </p:cNvSpPr>
+          <p:nvPr>
+            <p:ph type="sldNum" sz="quarter" idx="12"/>
+          </p:nvPr>
+        </p:nvSpPr>
+        <p:spPr/>
+        <p:txBody>
+          <a:bodyPr/>
+          <a:lstStyle/>
+          <a:p>
+            <a:fld id="{DACC1BBE-66B1-403A-8C7E-C57A0F3A107F}" type="slidenum">
+              <a:rPr lang="en-US" smtClean="0"/>
+              <a:pPr/>
+              <a:t>64</a:t>
             </a:fld>
             <a:endParaRPr lang="en-US"/>
           </a:p>
@@ -18893,7 +20249,7 @@
 </p:sld>
 </file>
 
-<file path=ppt/slides/slide56.xml><?xml version="1.0" encoding="utf-8"?>
+<file path=ppt/slides/slide65.xml><?xml version="1.0" encoding="utf-8"?>
 <p:sld xmlns:a="http://schemas.openxmlformats.org/drawingml/2006/main" xmlns:r="http://schemas.openxmlformats.org/officeDocument/2006/relationships" xmlns:p="http://schemas.openxmlformats.org/presentationml/2006/main">
   <p:cSld>
     <p:spTree>
@@ -18950,7 +20306,7 @@
             <a:fld id="{DACC1BBE-66B1-403A-8C7E-C57A0F3A107F}" type="slidenum">
               <a:rPr lang="en-US" smtClean="0"/>
               <a:pPr/>
-              <a:t>56</a:t>
+              <a:t>65</a:t>
             </a:fld>
             <a:endParaRPr lang="en-US"/>
           </a:p>
@@ -19127,7 +20483,7 @@
 </p:sld>
 </file>
 
-<file path=ppt/slides/slide57.xml><?xml version="1.0" encoding="utf-8"?>
+<file path=ppt/slides/slide66.xml><?xml version="1.0" encoding="utf-8"?>
 <p:sld xmlns:a="http://schemas.openxmlformats.org/drawingml/2006/main" xmlns:r="http://schemas.openxmlformats.org/officeDocument/2006/relationships" xmlns:p="http://schemas.openxmlformats.org/presentationml/2006/main">
   <p:cSld>
     <p:spTree>
@@ -23198,7 +24554,7 @@
 </p:sld>
 </file>
 
-<file path=ppt/slides/slide58.xml><?xml version="1.0" encoding="utf-8"?>
+<file path=ppt/slides/slide67.xml><?xml version="1.0" encoding="utf-8"?>
 <p:sld xmlns:a="http://schemas.openxmlformats.org/drawingml/2006/main" xmlns:r="http://schemas.openxmlformats.org/officeDocument/2006/relationships" xmlns:p="http://schemas.openxmlformats.org/presentationml/2006/main">
   <p:cSld>
     <p:spTree>
@@ -23233,7 +24589,7 @@
             <a:fld id="{DACC1BBE-66B1-403A-8C7E-C57A0F3A107F}" type="slidenum">
               <a:rPr lang="en-US" smtClean="0"/>
               <a:pPr/>
-              <a:t>58</a:t>
+              <a:t>67</a:t>
             </a:fld>
             <a:endParaRPr lang="en-US"/>
           </a:p>
@@ -23539,7 +24895,7 @@
 </p:sld>
 </file>
 
-<file path=ppt/slides/slide59.xml><?xml version="1.0" encoding="utf-8"?>
+<file path=ppt/slides/slide68.xml><?xml version="1.0" encoding="utf-8"?>
 <p:sld xmlns:a="http://schemas.openxmlformats.org/drawingml/2006/main" xmlns:r="http://schemas.openxmlformats.org/officeDocument/2006/relationships" xmlns:p="http://schemas.openxmlformats.org/presentationml/2006/main">
   <p:cSld>
     <p:spTree>
@@ -23599,7 +24955,7 @@
             <a:fld id="{DACC1BBE-66B1-403A-8C7E-C57A0F3A107F}" type="slidenum">
               <a:rPr lang="en-US" smtClean="0"/>
               <a:pPr/>
-              <a:t>59</a:t>
+              <a:t>68</a:t>
             </a:fld>
             <a:endParaRPr lang="en-US"/>
           </a:p>
@@ -23965,7 +25321,7 @@
 </p:sld>
 </file>
 
-<file path=ppt/slides/slide6.xml><?xml version="1.0" encoding="utf-8"?>
+<file path=ppt/slides/slide69.xml><?xml version="1.0" encoding="utf-8"?>
 <p:sld xmlns:a="http://schemas.openxmlformats.org/drawingml/2006/main" xmlns:r="http://schemas.openxmlformats.org/officeDocument/2006/relationships" xmlns:p="http://schemas.openxmlformats.org/presentationml/2006/main">
   <p:cSld>
     <p:spTree>
@@ -23984,7 +25340,7 @@
       </p:grpSpPr>
       <p:sp>
         <p:nvSpPr>
-          <p:cNvPr id="19458" name="Rectangle 2"/>
+          <p:cNvPr id="40962" name="Rectangle 2"/>
           <p:cNvSpPr>
             <a:spLocks noGrp="1" noChangeArrowheads="1"/>
           </p:cNvSpPr>
@@ -24002,108 +25358,6 @@
           <a:p>
             <a:r>
               <a:rPr lang="en-US"/>
-              <a:t>Problems: e.g. Computer Networks</a:t>
-            </a:r>
-          </a:p>
-        </p:txBody>
-      </p:sp>
-      <p:sp>
-        <p:nvSpPr>
-          <p:cNvPr id="4" name="Slide Number Placeholder 3"/>
-          <p:cNvSpPr>
-            <a:spLocks noGrp="1"/>
-          </p:cNvSpPr>
-          <p:nvPr>
-            <p:ph type="sldNum" sz="quarter" idx="12"/>
-          </p:nvPr>
-        </p:nvSpPr>
-        <p:spPr/>
-        <p:txBody>
-          <a:bodyPr/>
-          <a:lstStyle/>
-          <a:p>
-            <a:fld id="{030EE116-056E-4288-B7F7-411CB7E437A9}" type="slidenum">
-              <a:rPr lang="en-US" smtClean="0"/>
-              <a:pPr/>
-              <a:t>6</a:t>
-            </a:fld>
-            <a:endParaRPr lang="en-US"/>
-          </a:p>
-        </p:txBody>
-      </p:sp>
-      <p:pic>
-        <p:nvPicPr>
-          <p:cNvPr id="19459" name="Picture 4" descr="fig7"/>
-          <p:cNvPicPr>
-            <a:picLocks noGrp="1" noChangeAspect="1" noChangeArrowheads="1"/>
-          </p:cNvPicPr>
-          <p:nvPr>
-            <p:ph sz="quarter" idx="1"/>
-            <p:custDataLst>
-              <p:tags r:id="rId2"/>
-            </p:custDataLst>
-          </p:nvPr>
-        </p:nvPicPr>
-        <p:blipFill>
-          <a:blip r:embed="rId4"/>
-          <a:srcRect l="1846" t="5531" r="5846" b="13843"/>
-          <a:stretch>
-            <a:fillRect/>
-          </a:stretch>
-        </p:blipFill>
-        <p:spPr>
-          <a:xfrm>
-            <a:off x="0" y="1219200"/>
-            <a:ext cx="9144000" cy="5303838"/>
-          </a:xfrm>
-          <a:noFill/>
-        </p:spPr>
-      </p:pic>
-    </p:spTree>
-  </p:cSld>
-  <p:clrMapOvr>
-    <a:masterClrMapping/>
-  </p:clrMapOvr>
-</p:sld>
-</file>
-
-<file path=ppt/slides/slide60.xml><?xml version="1.0" encoding="utf-8"?>
-<p:sld xmlns:a="http://schemas.openxmlformats.org/drawingml/2006/main" xmlns:r="http://schemas.openxmlformats.org/officeDocument/2006/relationships" xmlns:p="http://schemas.openxmlformats.org/presentationml/2006/main">
-  <p:cSld>
-    <p:spTree>
-      <p:nvGrpSpPr>
-        <p:cNvPr id="1" name=""/>
-        <p:cNvGrpSpPr/>
-        <p:nvPr/>
-      </p:nvGrpSpPr>
-      <p:grpSpPr>
-        <a:xfrm>
-          <a:off x="0" y="0"/>
-          <a:ext cx="0" cy="0"/>
-          <a:chOff x="0" y="0"/>
-          <a:chExt cx="0" cy="0"/>
-        </a:xfrm>
-      </p:grpSpPr>
-      <p:sp>
-        <p:nvSpPr>
-          <p:cNvPr id="40962" name="Rectangle 2"/>
-          <p:cNvSpPr>
-            <a:spLocks noGrp="1" noChangeArrowheads="1"/>
-          </p:cNvSpPr>
-          <p:nvPr>
-            <p:ph type="title"/>
-            <p:custDataLst>
-              <p:tags r:id="rId1"/>
-            </p:custDataLst>
-          </p:nvPr>
-        </p:nvSpPr>
-        <p:spPr/>
-        <p:txBody>
-          <a:bodyPr/>
-          <a:lstStyle/>
-          <a:p>
-            <a:r>
-              <a:rPr lang="en-US"/>
               <a:t>Negative Cost Edges?</a:t>
             </a:r>
           </a:p>
@@ -24127,7 +25381,7 @@
             <a:fld id="{DACC1BBE-66B1-403A-8C7E-C57A0F3A107F}" type="slidenum">
               <a:rPr lang="en-US" smtClean="0"/>
               <a:pPr/>
-              <a:t>60</a:t>
+              <a:t>69</a:t>
             </a:fld>
             <a:endParaRPr lang="en-US"/>
           </a:p>
@@ -24366,2164 +25620,6 @@
 </p:sld>
 </file>
 
-<file path=ppt/slides/slide61.xml><?xml version="1.0" encoding="utf-8"?>
-<p:sld xmlns:a="http://schemas.openxmlformats.org/drawingml/2006/main" xmlns:r="http://schemas.openxmlformats.org/officeDocument/2006/relationships" xmlns:p="http://schemas.openxmlformats.org/presentationml/2006/main">
-  <p:cSld>
-    <p:spTree>
-      <p:nvGrpSpPr>
-        <p:cNvPr id="1" name=""/>
-        <p:cNvGrpSpPr/>
-        <p:nvPr/>
-      </p:nvGrpSpPr>
-      <p:grpSpPr>
-        <a:xfrm>
-          <a:off x="0" y="0"/>
-          <a:ext cx="0" cy="0"/>
-          <a:chOff x="0" y="0"/>
-          <a:chExt cx="0" cy="0"/>
-        </a:xfrm>
-      </p:grpSpPr>
-      <p:sp>
-        <p:nvSpPr>
-          <p:cNvPr id="83971" name="Rectangle 2"/>
-          <p:cNvSpPr>
-            <a:spLocks noGrp="1" noChangeArrowheads="1"/>
-          </p:cNvSpPr>
-          <p:nvPr>
-            <p:ph type="title"/>
-            <p:custDataLst>
-              <p:tags r:id="rId1"/>
-            </p:custDataLst>
-          </p:nvPr>
-        </p:nvSpPr>
-        <p:spPr/>
-        <p:txBody>
-          <a:bodyPr/>
-          <a:lstStyle/>
-          <a:p>
-            <a:r>
-              <a:rPr lang="en-US"/>
-              <a:t>Dijkstra’s Shortest Path Algorithm</a:t>
-            </a:r>
-          </a:p>
-        </p:txBody>
-      </p:sp>
-      <p:sp>
-        <p:nvSpPr>
-          <p:cNvPr id="4" name="Slide Number Placeholder 3"/>
-          <p:cNvSpPr>
-            <a:spLocks noGrp="1"/>
-          </p:cNvSpPr>
-          <p:nvPr>
-            <p:ph type="sldNum" sz="quarter" idx="12"/>
-          </p:nvPr>
-        </p:nvSpPr>
-        <p:spPr/>
-        <p:txBody>
-          <a:bodyPr/>
-          <a:lstStyle/>
-          <a:p>
-            <a:fld id="{DACC1BBE-66B1-403A-8C7E-C57A0F3A107F}" type="slidenum">
-              <a:rPr lang="en-US" smtClean="0"/>
-              <a:pPr/>
-              <a:t>61</a:t>
-            </a:fld>
-            <a:endParaRPr lang="en-US"/>
-          </a:p>
-        </p:txBody>
-      </p:sp>
-      <p:sp>
-        <p:nvSpPr>
-          <p:cNvPr id="83972" name="Rectangle 3"/>
-          <p:cNvSpPr>
-            <a:spLocks noGrp="1" noChangeArrowheads="1"/>
-          </p:cNvSpPr>
-          <p:nvPr>
-            <p:ph sz="quarter" idx="1"/>
-            <p:custDataLst>
-              <p:tags r:id="rId2"/>
-            </p:custDataLst>
-          </p:nvPr>
-        </p:nvSpPr>
-        <p:spPr/>
-        <p:txBody>
-          <a:bodyPr>
-            <a:normAutofit lnSpcReduction="10000"/>
-          </a:bodyPr>
-          <a:lstStyle/>
-          <a:p>
-            <a:r>
-              <a:rPr lang="en-US" dirty="0"/>
-              <a:t>Identical </a:t>
-            </a:r>
-            <a:r>
-              <a:rPr lang="en-US" i="1" dirty="0"/>
-              <a:t>in structure </a:t>
-            </a:r>
-            <a:r>
-              <a:rPr lang="en-US" dirty="0"/>
-              <a:t>to Prim’s MST algorithm</a:t>
-            </a:r>
-          </a:p>
-          <a:p>
-            <a:pPr lvl="1"/>
-            <a:r>
-              <a:rPr lang="en-US" dirty="0"/>
-              <a:t>Of course it solves a different problem!</a:t>
-            </a:r>
-          </a:p>
-          <a:p>
-            <a:pPr lvl="1"/>
-            <a:r>
-              <a:rPr lang="en-US" dirty="0"/>
-              <a:t>Same time complexity</a:t>
-            </a:r>
-          </a:p>
-          <a:p>
-            <a:r>
-              <a:rPr lang="en-US" dirty="0"/>
-              <a:t>Additional input parameter(s)</a:t>
-            </a:r>
-          </a:p>
-          <a:p>
-            <a:pPr lvl="1"/>
-            <a:r>
-              <a:rPr lang="en-US" dirty="0"/>
-              <a:t>Start node v</a:t>
-            </a:r>
-          </a:p>
-          <a:p>
-            <a:pPr lvl="1"/>
-            <a:r>
-              <a:rPr lang="en-US" dirty="0"/>
-              <a:t>Destination node w (if needed)</a:t>
-            </a:r>
-          </a:p>
-          <a:p>
-            <a:r>
-              <a:rPr lang="en-US" dirty="0"/>
-              <a:t>Different output: a path from v to w and a cost (or sets of paths and costs)</a:t>
-            </a:r>
-          </a:p>
-          <a:p>
-            <a:pPr lvl="1"/>
-            <a:r>
-              <a:rPr lang="en-US" dirty="0"/>
-              <a:t>The tree is the sets of shortest paths to nodes</a:t>
-            </a:r>
-          </a:p>
-          <a:p>
-            <a:r>
-              <a:rPr lang="en-US" dirty="0"/>
-              <a:t>Different greedy strategy:</a:t>
-            </a:r>
-          </a:p>
-          <a:p>
-            <a:pPr lvl="1"/>
-            <a:r>
-              <a:rPr lang="en-US" dirty="0"/>
-              <a:t>Store shortest paths to fringe-nodes in priority queue</a:t>
-            </a:r>
-          </a:p>
-          <a:p>
-            <a:pPr lvl="1"/>
-            <a:r>
-              <a:rPr lang="en-US" dirty="0"/>
-              <a:t>Store path-distance to node, not just the one edge-weight</a:t>
-            </a:r>
-          </a:p>
-        </p:txBody>
-      </p:sp>
-    </p:spTree>
-    <p:extLst>
-      <p:ext uri="{BB962C8B-B14F-4D97-AF65-F5344CB8AC3E}">
-        <p14:creationId xmlns:p14="http://schemas.microsoft.com/office/powerpoint/2010/main" val="1764380607"/>
-      </p:ext>
-    </p:extLst>
-  </p:cSld>
-  <p:clrMapOvr>
-    <a:masterClrMapping/>
-  </p:clrMapOvr>
-</p:sld>
-</file>
-
-<file path=ppt/slides/slide62.xml><?xml version="1.0" encoding="utf-8"?>
-<p:sld xmlns:a="http://schemas.openxmlformats.org/drawingml/2006/main" xmlns:r="http://schemas.openxmlformats.org/officeDocument/2006/relationships" xmlns:p="http://schemas.openxmlformats.org/presentationml/2006/main">
-  <p:cSld>
-    <p:spTree>
-      <p:nvGrpSpPr>
-        <p:cNvPr id="1" name=""/>
-        <p:cNvGrpSpPr/>
-        <p:nvPr/>
-      </p:nvGrpSpPr>
-      <p:grpSpPr>
-        <a:xfrm>
-          <a:off x="0" y="0"/>
-          <a:ext cx="0" cy="0"/>
-          <a:chOff x="0" y="0"/>
-          <a:chExt cx="0" cy="0"/>
-        </a:xfrm>
-      </p:grpSpPr>
-      <p:sp>
-        <p:nvSpPr>
-          <p:cNvPr id="86020" name="Rectangle 3"/>
-          <p:cNvSpPr>
-            <a:spLocks noGrp="1" noChangeArrowheads="1"/>
-          </p:cNvSpPr>
-          <p:nvPr>
-            <p:ph type="title"/>
-            <p:custDataLst>
-              <p:tags r:id="rId1"/>
-            </p:custDataLst>
-          </p:nvPr>
-        </p:nvSpPr>
-        <p:spPr/>
-        <p:txBody>
-          <a:bodyPr/>
-          <a:lstStyle/>
-          <a:p>
-            <a:r>
-              <a:rPr lang="en-US"/>
-              <a:t>Dijkstra' Algorithm</a:t>
-            </a:r>
-          </a:p>
-        </p:txBody>
-      </p:sp>
-      <p:sp>
-        <p:nvSpPr>
-          <p:cNvPr id="4" name="Slide Number Placeholder 3"/>
-          <p:cNvSpPr>
-            <a:spLocks noGrp="1"/>
-          </p:cNvSpPr>
-          <p:nvPr>
-            <p:ph type="sldNum" sz="quarter" idx="12"/>
-          </p:nvPr>
-        </p:nvSpPr>
-        <p:spPr/>
-        <p:txBody>
-          <a:bodyPr/>
-          <a:lstStyle/>
-          <a:p>
-            <a:fld id="{DACC1BBE-66B1-403A-8C7E-C57A0F3A107F}" type="slidenum">
-              <a:rPr lang="en-US" smtClean="0"/>
-              <a:pPr/>
-              <a:t>62</a:t>
-            </a:fld>
-            <a:endParaRPr lang="en-US"/>
-          </a:p>
-        </p:txBody>
-      </p:sp>
-      <p:sp>
-        <p:nvSpPr>
-          <p:cNvPr id="86019" name="Rectangle 2"/>
-          <p:cNvSpPr>
-            <a:spLocks noGrp="1" noChangeArrowheads="1"/>
-          </p:cNvSpPr>
-          <p:nvPr>
-            <p:ph sz="quarter" idx="1"/>
-            <p:custDataLst>
-              <p:tags r:id="rId2"/>
-            </p:custDataLst>
-          </p:nvPr>
-        </p:nvSpPr>
-        <p:spPr>
-          <a:xfrm>
-            <a:off x="457200" y="1219200"/>
-            <a:ext cx="8229600" cy="5334000"/>
-          </a:xfrm>
-        </p:spPr>
-        <p:txBody>
-          <a:bodyPr>
-            <a:noAutofit/>
-          </a:bodyPr>
-          <a:lstStyle/>
-          <a:p>
-            <a:pPr>
-              <a:lnSpc>
-                <a:spcPct val="80000"/>
-              </a:lnSpc>
-              <a:buFont typeface="Monotype Sorts" charset="2"/>
-              <a:buNone/>
-            </a:pPr>
-            <a:r>
-              <a:rPr lang="en-US" sz="2000" b="1" dirty="0" err="1">
-                <a:latin typeface="Courier New" pitchFamily="49" charset="0"/>
-              </a:rPr>
-              <a:t>dijkstra</a:t>
-            </a:r>
-            <a:r>
-              <a:rPr lang="en-US" sz="2000" b="1" dirty="0">
-                <a:latin typeface="Courier New" pitchFamily="49" charset="0"/>
-              </a:rPr>
-              <a:t>(G, wt,</a:t>
-            </a:r>
-            <a:r>
-              <a:rPr lang="en-US" sz="2000" b="1" dirty="0">
-                <a:solidFill>
-                  <a:schemeClr val="accent1"/>
-                </a:solidFill>
-                <a:latin typeface="Courier New" pitchFamily="49" charset="0"/>
-              </a:rPr>
-              <a:t> s</a:t>
-            </a:r>
-            <a:r>
-              <a:rPr lang="en-US" sz="2000" b="1" dirty="0">
-                <a:latin typeface="Courier New" pitchFamily="49" charset="0"/>
-              </a:rPr>
-              <a:t>)</a:t>
-            </a:r>
-          </a:p>
-          <a:p>
-            <a:pPr>
-              <a:lnSpc>
-                <a:spcPct val="80000"/>
-              </a:lnSpc>
-              <a:buFont typeface="Monotype Sorts" charset="2"/>
-              <a:buNone/>
-            </a:pPr>
-            <a:r>
-              <a:rPr lang="en-US" sz="2000" b="1" dirty="0">
-                <a:latin typeface="Courier New" pitchFamily="49" charset="0"/>
-              </a:rPr>
-              <a:t> init PQ to be empty;</a:t>
-            </a:r>
-          </a:p>
-          <a:p>
-            <a:pPr>
-              <a:lnSpc>
-                <a:spcPct val="80000"/>
-              </a:lnSpc>
-              <a:buFont typeface="Monotype Sorts" charset="2"/>
-              <a:buNone/>
-            </a:pPr>
-            <a:r>
-              <a:rPr lang="en-US" sz="2000" b="1" dirty="0">
-                <a:latin typeface="Courier New" pitchFamily="49" charset="0"/>
-              </a:rPr>
-              <a:t> </a:t>
-            </a:r>
-            <a:r>
-              <a:rPr lang="en-US" sz="2000" b="1" dirty="0" err="1">
-                <a:latin typeface="Courier New" pitchFamily="49" charset="0"/>
-              </a:rPr>
-              <a:t>PQ.Insert</a:t>
-            </a:r>
-            <a:r>
-              <a:rPr lang="en-US" sz="2000" b="1" dirty="0">
-                <a:latin typeface="Courier New" pitchFamily="49" charset="0"/>
-              </a:rPr>
-              <a:t>(s, </a:t>
-            </a:r>
-            <a:r>
-              <a:rPr lang="en-US" sz="2000" b="1" dirty="0">
-                <a:solidFill>
-                  <a:schemeClr val="accent1"/>
-                </a:solidFill>
-                <a:latin typeface="Courier New" pitchFamily="49" charset="0"/>
-              </a:rPr>
-              <a:t>dist=0</a:t>
-            </a:r>
-            <a:r>
-              <a:rPr lang="en-US" sz="2000" b="1" dirty="0">
-                <a:latin typeface="Courier New" pitchFamily="49" charset="0"/>
-              </a:rPr>
-              <a:t>);</a:t>
-            </a:r>
-          </a:p>
-          <a:p>
-            <a:pPr>
-              <a:lnSpc>
-                <a:spcPct val="80000"/>
-              </a:lnSpc>
-              <a:buFont typeface="Monotype Sorts" charset="2"/>
-              <a:buNone/>
-            </a:pPr>
-            <a:r>
-              <a:rPr lang="en-US" sz="2000" b="1" dirty="0">
-                <a:latin typeface="Courier New" pitchFamily="49" charset="0"/>
-                <a:sym typeface="Symbol" pitchFamily="18" charset="2"/>
-              </a:rPr>
-              <a:t> parent[s] = NULL; </a:t>
-            </a:r>
-            <a:r>
-              <a:rPr lang="en-US" sz="2000" b="1" dirty="0">
-                <a:solidFill>
-                  <a:schemeClr val="accent1"/>
-                </a:solidFill>
-                <a:latin typeface="Courier New" pitchFamily="49" charset="0"/>
-                <a:sym typeface="Symbol" pitchFamily="18" charset="2"/>
-              </a:rPr>
-              <a:t>dist[s] = 0</a:t>
-            </a:r>
-            <a:r>
-              <a:rPr lang="en-US" sz="2000" b="1" dirty="0">
-                <a:latin typeface="Courier New" pitchFamily="49" charset="0"/>
-                <a:sym typeface="Symbol" pitchFamily="18" charset="2"/>
-              </a:rPr>
-              <a:t>;</a:t>
-            </a:r>
-          </a:p>
-          <a:p>
-            <a:pPr>
-              <a:lnSpc>
-                <a:spcPct val="80000"/>
-              </a:lnSpc>
-              <a:buFont typeface="Monotype Sorts" charset="2"/>
-              <a:buNone/>
-            </a:pPr>
-            <a:r>
-              <a:rPr lang="en-US" sz="2000" b="1" dirty="0">
-                <a:latin typeface="Courier New" pitchFamily="49" charset="0"/>
-                <a:sym typeface="Symbol" pitchFamily="18" charset="2"/>
-              </a:rPr>
-              <a:t> while (PQ not empty)</a:t>
-            </a:r>
-          </a:p>
-          <a:p>
-            <a:pPr>
-              <a:lnSpc>
-                <a:spcPct val="80000"/>
-              </a:lnSpc>
-              <a:buFont typeface="Monotype Sorts" charset="2"/>
-              <a:buNone/>
-            </a:pPr>
-            <a:r>
-              <a:rPr lang="en-US" sz="2000" b="1" dirty="0">
-                <a:latin typeface="Courier New" pitchFamily="49" charset="0"/>
-                <a:sym typeface="Symbol" pitchFamily="18" charset="2"/>
-              </a:rPr>
-              <a:t>   v = </a:t>
-            </a:r>
-            <a:r>
-              <a:rPr lang="en-US" sz="2000" b="1" dirty="0" err="1">
-                <a:latin typeface="Courier New" pitchFamily="49" charset="0"/>
-                <a:sym typeface="Symbol" pitchFamily="18" charset="2"/>
-              </a:rPr>
-              <a:t>PQ.ExtractMin</a:t>
-            </a:r>
-            <a:r>
-              <a:rPr lang="en-US" sz="2000" b="1" dirty="0">
-                <a:latin typeface="Courier New" pitchFamily="49" charset="0"/>
-                <a:sym typeface="Symbol" pitchFamily="18" charset="2"/>
-              </a:rPr>
-              <a:t>();</a:t>
-            </a:r>
-          </a:p>
-          <a:p>
-            <a:pPr>
-              <a:lnSpc>
-                <a:spcPct val="80000"/>
-              </a:lnSpc>
-              <a:buFont typeface="Monotype Sorts" charset="2"/>
-              <a:buNone/>
-            </a:pPr>
-            <a:r>
-              <a:rPr lang="en-US" sz="2000" b="1" dirty="0">
-                <a:latin typeface="Courier New" pitchFamily="49" charset="0"/>
-                <a:sym typeface="Symbol" pitchFamily="18" charset="2"/>
-              </a:rPr>
-              <a:t>   for each </a:t>
-            </a:r>
-            <a:r>
-              <a:rPr lang="en-US" sz="2000" b="1" i="1" dirty="0">
-                <a:latin typeface="Courier New" pitchFamily="49" charset="0"/>
-                <a:sym typeface="Symbol" pitchFamily="18" charset="2"/>
-              </a:rPr>
-              <a:t>w</a:t>
-            </a:r>
-            <a:r>
-              <a:rPr lang="en-US" sz="2000" b="1" dirty="0">
-                <a:latin typeface="Courier New" pitchFamily="49" charset="0"/>
-              </a:rPr>
-              <a:t> </a:t>
-            </a:r>
-            <a:r>
-              <a:rPr lang="en-US" sz="2000" b="1" dirty="0" err="1">
-                <a:latin typeface="Courier New" pitchFamily="49" charset="0"/>
-                <a:sym typeface="Symbol" pitchFamily="18" charset="2"/>
-              </a:rPr>
-              <a:t>adj</a:t>
-            </a:r>
-            <a:r>
-              <a:rPr lang="en-US" sz="2000" b="1" dirty="0">
-                <a:latin typeface="Courier New" pitchFamily="49" charset="0"/>
-                <a:sym typeface="Symbol" pitchFamily="18" charset="2"/>
-              </a:rPr>
-              <a:t> to v</a:t>
-            </a:r>
-          </a:p>
-          <a:p>
-            <a:pPr>
-              <a:lnSpc>
-                <a:spcPct val="80000"/>
-              </a:lnSpc>
-              <a:buFont typeface="Monotype Sorts" charset="2"/>
-              <a:buNone/>
-            </a:pPr>
-            <a:r>
-              <a:rPr lang="en-US" sz="2000" b="1" dirty="0">
-                <a:latin typeface="Courier New" pitchFamily="49" charset="0"/>
-                <a:sym typeface="Symbol" pitchFamily="18" charset="2"/>
-              </a:rPr>
-              <a:t>     if (w</a:t>
-            </a:r>
-            <a:r>
-              <a:rPr lang="en-US" sz="2000" b="1" dirty="0">
-                <a:latin typeface="Courier New" pitchFamily="49" charset="0"/>
-              </a:rPr>
-              <a:t> </a:t>
-            </a:r>
-            <a:r>
-              <a:rPr lang="en-US" sz="2000" b="1" dirty="0">
-                <a:latin typeface="Courier New" pitchFamily="49" charset="0"/>
-                <a:sym typeface="Symbol" pitchFamily="18" charset="2"/>
-              </a:rPr>
-              <a:t>is unseen) {</a:t>
-            </a:r>
-          </a:p>
-          <a:p>
-            <a:pPr>
-              <a:lnSpc>
-                <a:spcPct val="80000"/>
-              </a:lnSpc>
-              <a:buFont typeface="Monotype Sorts" charset="2"/>
-              <a:buNone/>
-            </a:pPr>
-            <a:r>
-              <a:rPr lang="en-US" sz="2000" b="1" dirty="0">
-                <a:latin typeface="Courier New" pitchFamily="49" charset="0"/>
-                <a:sym typeface="Symbol" pitchFamily="18" charset="2"/>
-              </a:rPr>
-              <a:t>        </a:t>
-            </a:r>
-            <a:r>
-              <a:rPr lang="en-US" sz="2000" b="1" dirty="0">
-                <a:solidFill>
-                  <a:schemeClr val="accent1"/>
-                </a:solidFill>
-                <a:latin typeface="Courier New" pitchFamily="49" charset="0"/>
-                <a:sym typeface="Symbol" pitchFamily="18" charset="2"/>
-              </a:rPr>
-              <a:t>dist[w] =</a:t>
-            </a:r>
-            <a:r>
-              <a:rPr lang="en-US" sz="2000" b="1" dirty="0">
-                <a:latin typeface="Courier New" pitchFamily="49" charset="0"/>
-                <a:sym typeface="Symbol" pitchFamily="18" charset="2"/>
-              </a:rPr>
-              <a:t> </a:t>
-            </a:r>
-            <a:r>
-              <a:rPr lang="en-US" sz="2000" b="1" dirty="0">
-                <a:solidFill>
-                  <a:schemeClr val="accent1"/>
-                </a:solidFill>
-                <a:latin typeface="Courier New" pitchFamily="49" charset="0"/>
-                <a:sym typeface="Symbol" pitchFamily="18" charset="2"/>
-              </a:rPr>
-              <a:t>dist[v] + wt(</a:t>
-            </a:r>
-            <a:r>
-              <a:rPr lang="en-US" sz="2000" b="1" dirty="0" err="1">
-                <a:solidFill>
-                  <a:schemeClr val="accent1"/>
-                </a:solidFill>
-                <a:latin typeface="Courier New" pitchFamily="49" charset="0"/>
-                <a:sym typeface="Symbol" pitchFamily="18" charset="2"/>
-              </a:rPr>
-              <a:t>v,w</a:t>
-            </a:r>
-            <a:r>
-              <a:rPr lang="en-US" sz="2000" b="1" dirty="0">
-                <a:solidFill>
-                  <a:schemeClr val="accent1"/>
-                </a:solidFill>
-                <a:latin typeface="Courier New" pitchFamily="49" charset="0"/>
-                <a:sym typeface="Symbol" pitchFamily="18" charset="2"/>
-              </a:rPr>
-              <a:t>)</a:t>
-            </a:r>
-            <a:r>
-              <a:rPr lang="en-US" sz="2000" b="1" dirty="0">
-                <a:latin typeface="Courier New" pitchFamily="49" charset="0"/>
-                <a:sym typeface="Symbol" pitchFamily="18" charset="2"/>
-              </a:rPr>
-              <a:t> </a:t>
-            </a:r>
-          </a:p>
-          <a:p>
-            <a:pPr>
-              <a:lnSpc>
-                <a:spcPct val="80000"/>
-              </a:lnSpc>
-              <a:buFont typeface="Monotype Sorts" charset="2"/>
-              <a:buNone/>
-            </a:pPr>
-            <a:r>
-              <a:rPr lang="en-US" sz="2000" b="1" dirty="0">
-                <a:latin typeface="Courier New" pitchFamily="49" charset="0"/>
-                <a:sym typeface="Symbol" pitchFamily="18" charset="2"/>
-              </a:rPr>
-              <a:t>        </a:t>
-            </a:r>
-            <a:r>
-              <a:rPr lang="en-US" sz="2000" b="1" dirty="0" err="1">
-                <a:latin typeface="Courier New" pitchFamily="49" charset="0"/>
-                <a:sym typeface="Symbol" pitchFamily="18" charset="2"/>
-              </a:rPr>
-              <a:t>PQ.Insert</a:t>
-            </a:r>
-            <a:r>
-              <a:rPr lang="en-US" sz="2000" b="1" dirty="0">
-                <a:latin typeface="Courier New" pitchFamily="49" charset="0"/>
-                <a:sym typeface="Symbol" pitchFamily="18" charset="2"/>
-              </a:rPr>
-              <a:t>(w, </a:t>
-            </a:r>
-            <a:r>
-              <a:rPr lang="en-US" sz="2000" b="1" dirty="0">
-                <a:solidFill>
-                  <a:schemeClr val="accent1"/>
-                </a:solidFill>
-                <a:latin typeface="Courier New" pitchFamily="49" charset="0"/>
-                <a:sym typeface="Symbol" pitchFamily="18" charset="2"/>
-              </a:rPr>
-              <a:t>dist[w] </a:t>
-            </a:r>
-            <a:r>
-              <a:rPr lang="en-US" sz="2000" b="1" dirty="0">
-                <a:latin typeface="Courier New" pitchFamily="49" charset="0"/>
-                <a:sym typeface="Symbol" pitchFamily="18" charset="2"/>
-              </a:rPr>
-              <a:t>);</a:t>
-            </a:r>
-          </a:p>
-          <a:p>
-            <a:pPr>
-              <a:lnSpc>
-                <a:spcPct val="80000"/>
-              </a:lnSpc>
-              <a:buFont typeface="Monotype Sorts" charset="2"/>
-              <a:buNone/>
-            </a:pPr>
-            <a:r>
-              <a:rPr lang="en-US" sz="2000" b="1" dirty="0">
-                <a:latin typeface="Courier New" pitchFamily="49" charset="0"/>
-                <a:sym typeface="Symbol" pitchFamily="18" charset="2"/>
-              </a:rPr>
-              <a:t>        parent[w] = v;</a:t>
-            </a:r>
-          </a:p>
-          <a:p>
-            <a:pPr>
-              <a:lnSpc>
-                <a:spcPct val="80000"/>
-              </a:lnSpc>
-              <a:buFont typeface="Monotype Sorts" charset="2"/>
-              <a:buNone/>
-            </a:pPr>
-            <a:r>
-              <a:rPr lang="en-US" sz="2000" b="1" dirty="0">
-                <a:latin typeface="Courier New" pitchFamily="49" charset="0"/>
-                <a:sym typeface="Symbol" pitchFamily="18" charset="2"/>
-              </a:rPr>
-              <a:t>	   }</a:t>
-            </a:r>
-          </a:p>
-          <a:p>
-            <a:pPr>
-              <a:lnSpc>
-                <a:spcPct val="80000"/>
-              </a:lnSpc>
-              <a:buFont typeface="Monotype Sorts" charset="2"/>
-              <a:buNone/>
-            </a:pPr>
-            <a:r>
-              <a:rPr lang="en-US" sz="2000" b="1" dirty="0">
-                <a:latin typeface="Courier New" pitchFamily="49" charset="0"/>
-                <a:sym typeface="Symbol" pitchFamily="18" charset="2"/>
-              </a:rPr>
-              <a:t>     else if (w is fringe &amp;&amp; </a:t>
-            </a:r>
-            <a:r>
-              <a:rPr lang="en-US" sz="2000" b="1" dirty="0">
-                <a:solidFill>
-                  <a:schemeClr val="accent1"/>
-                </a:solidFill>
-                <a:latin typeface="Courier New" pitchFamily="49" charset="0"/>
-                <a:sym typeface="Symbol" pitchFamily="18" charset="2"/>
-              </a:rPr>
-              <a:t>dist[v] + wt(</a:t>
-            </a:r>
-            <a:r>
-              <a:rPr lang="en-US" sz="2000" b="1" dirty="0" err="1">
-                <a:solidFill>
-                  <a:schemeClr val="accent1"/>
-                </a:solidFill>
-                <a:latin typeface="Courier New" pitchFamily="49" charset="0"/>
-                <a:sym typeface="Symbol" pitchFamily="18" charset="2"/>
-              </a:rPr>
-              <a:t>v,w</a:t>
-            </a:r>
-            <a:r>
-              <a:rPr lang="en-US" sz="2000" b="1" dirty="0">
-                <a:solidFill>
-                  <a:schemeClr val="accent1"/>
-                </a:solidFill>
-                <a:latin typeface="Courier New" pitchFamily="49" charset="0"/>
-                <a:sym typeface="Symbol" pitchFamily="18" charset="2"/>
-              </a:rPr>
-              <a:t>) &lt; dist[w]</a:t>
-            </a:r>
-            <a:r>
-              <a:rPr lang="en-US" sz="2000" b="1" dirty="0">
-                <a:latin typeface="Courier New" pitchFamily="49" charset="0"/>
-                <a:sym typeface="Symbol" pitchFamily="18" charset="2"/>
-              </a:rPr>
-              <a:t> ) {</a:t>
-            </a:r>
-          </a:p>
-          <a:p>
-            <a:pPr>
-              <a:lnSpc>
-                <a:spcPct val="80000"/>
-              </a:lnSpc>
-              <a:buFont typeface="Monotype Sorts" charset="2"/>
-              <a:buNone/>
-            </a:pPr>
-            <a:r>
-              <a:rPr lang="en-US" sz="2000" b="1" dirty="0">
-                <a:latin typeface="Courier New" pitchFamily="49" charset="0"/>
-                <a:sym typeface="Symbol" pitchFamily="18" charset="2"/>
-              </a:rPr>
-              <a:t>        </a:t>
-            </a:r>
-            <a:r>
-              <a:rPr lang="en-US" sz="2000" b="1" dirty="0">
-                <a:solidFill>
-                  <a:schemeClr val="accent1"/>
-                </a:solidFill>
-                <a:latin typeface="Courier New" pitchFamily="49" charset="0"/>
-                <a:sym typeface="Symbol" pitchFamily="18" charset="2"/>
-              </a:rPr>
-              <a:t>dist[w] =</a:t>
-            </a:r>
-            <a:r>
-              <a:rPr lang="en-US" sz="2000" b="1" dirty="0">
-                <a:latin typeface="Courier New" pitchFamily="49" charset="0"/>
-                <a:sym typeface="Symbol" pitchFamily="18" charset="2"/>
-              </a:rPr>
-              <a:t> </a:t>
-            </a:r>
-            <a:r>
-              <a:rPr lang="en-US" sz="2000" b="1" dirty="0">
-                <a:solidFill>
-                  <a:schemeClr val="accent1"/>
-                </a:solidFill>
-                <a:latin typeface="Courier New" pitchFamily="49" charset="0"/>
-                <a:sym typeface="Symbol" pitchFamily="18" charset="2"/>
-              </a:rPr>
-              <a:t>dist[v] + wt(</a:t>
-            </a:r>
-            <a:r>
-              <a:rPr lang="en-US" sz="2000" b="1" dirty="0" err="1">
-                <a:solidFill>
-                  <a:schemeClr val="accent1"/>
-                </a:solidFill>
-                <a:latin typeface="Courier New" pitchFamily="49" charset="0"/>
-                <a:sym typeface="Symbol" pitchFamily="18" charset="2"/>
-              </a:rPr>
-              <a:t>v,w</a:t>
-            </a:r>
-            <a:r>
-              <a:rPr lang="en-US" sz="2000" b="1" dirty="0">
-                <a:solidFill>
-                  <a:schemeClr val="accent1"/>
-                </a:solidFill>
-                <a:latin typeface="Courier New" pitchFamily="49" charset="0"/>
-                <a:sym typeface="Symbol" pitchFamily="18" charset="2"/>
-              </a:rPr>
-              <a:t>)</a:t>
-            </a:r>
-            <a:endParaRPr lang="en-US" sz="2000" b="1" dirty="0">
-              <a:latin typeface="Courier New" pitchFamily="49" charset="0"/>
-              <a:sym typeface="Symbol" pitchFamily="18" charset="2"/>
-            </a:endParaRPr>
-          </a:p>
-          <a:p>
-            <a:pPr>
-              <a:lnSpc>
-                <a:spcPct val="80000"/>
-              </a:lnSpc>
-              <a:buFont typeface="Monotype Sorts" charset="2"/>
-              <a:buNone/>
-            </a:pPr>
-            <a:r>
-              <a:rPr lang="en-US" sz="2000" b="1" dirty="0">
-                <a:latin typeface="Courier New" pitchFamily="49" charset="0"/>
-                <a:sym typeface="Symbol" pitchFamily="18" charset="2"/>
-              </a:rPr>
-              <a:t>        </a:t>
-            </a:r>
-            <a:r>
-              <a:rPr lang="en-US" sz="2000" b="1" dirty="0" err="1">
-                <a:latin typeface="Courier New" pitchFamily="49" charset="0"/>
-                <a:sym typeface="Symbol" pitchFamily="18" charset="2"/>
-              </a:rPr>
-              <a:t>PQ.decreaseKey</a:t>
-            </a:r>
-            <a:r>
-              <a:rPr lang="en-US" sz="2000" b="1" dirty="0">
-                <a:latin typeface="Courier New" pitchFamily="49" charset="0"/>
-                <a:sym typeface="Symbol" pitchFamily="18" charset="2"/>
-              </a:rPr>
-              <a:t>(w, </a:t>
-            </a:r>
-            <a:r>
-              <a:rPr lang="en-US" sz="2000" b="1" dirty="0">
-                <a:solidFill>
-                  <a:schemeClr val="accent1"/>
-                </a:solidFill>
-                <a:latin typeface="Courier New" pitchFamily="49" charset="0"/>
-                <a:sym typeface="Symbol" pitchFamily="18" charset="2"/>
-              </a:rPr>
-              <a:t>dist[w]</a:t>
-            </a:r>
-            <a:r>
-              <a:rPr lang="en-US" sz="2000" b="1" dirty="0">
-                <a:latin typeface="Courier New" pitchFamily="49" charset="0"/>
-                <a:sym typeface="Symbol" pitchFamily="18" charset="2"/>
-              </a:rPr>
-              <a:t>);</a:t>
-            </a:r>
-          </a:p>
-          <a:p>
-            <a:pPr>
-              <a:lnSpc>
-                <a:spcPct val="80000"/>
-              </a:lnSpc>
-              <a:buFont typeface="Monotype Sorts" charset="2"/>
-              <a:buNone/>
-            </a:pPr>
-            <a:r>
-              <a:rPr lang="en-US" sz="2000" b="1" dirty="0">
-                <a:latin typeface="Courier New" pitchFamily="49" charset="0"/>
-                <a:sym typeface="Symbol" pitchFamily="18" charset="2"/>
-              </a:rPr>
-              <a:t>        parent[w] = v;</a:t>
-            </a:r>
-          </a:p>
-          <a:p>
-            <a:pPr>
-              <a:lnSpc>
-                <a:spcPct val="80000"/>
-              </a:lnSpc>
-              <a:buFont typeface="Monotype Sorts" charset="2"/>
-              <a:buNone/>
-            </a:pPr>
-            <a:r>
-              <a:rPr lang="en-US" sz="2000" b="1" dirty="0">
-                <a:latin typeface="Courier New" pitchFamily="49" charset="0"/>
-                <a:sym typeface="Symbol" pitchFamily="18" charset="2"/>
-              </a:rPr>
-              <a:t>     }</a:t>
-            </a:r>
-          </a:p>
-        </p:txBody>
-      </p:sp>
-    </p:spTree>
-    <p:extLst>
-      <p:ext uri="{BB962C8B-B14F-4D97-AF65-F5344CB8AC3E}">
-        <p14:creationId xmlns:p14="http://schemas.microsoft.com/office/powerpoint/2010/main" val="3454196530"/>
-      </p:ext>
-    </p:extLst>
-  </p:cSld>
-  <p:clrMapOvr>
-    <a:masterClrMapping/>
-  </p:clrMapOvr>
-</p:sld>
-</file>
-
-<file path=ppt/slides/slide63.xml><?xml version="1.0" encoding="utf-8"?>
-<p:sld xmlns:a="http://schemas.openxmlformats.org/drawingml/2006/main" xmlns:r="http://schemas.openxmlformats.org/officeDocument/2006/relationships" xmlns:p="http://schemas.openxmlformats.org/presentationml/2006/main">
-  <p:cSld>
-    <p:spTree>
-      <p:nvGrpSpPr>
-        <p:cNvPr id="1" name=""/>
-        <p:cNvGrpSpPr/>
-        <p:nvPr/>
-      </p:nvGrpSpPr>
-      <p:grpSpPr>
-        <a:xfrm>
-          <a:off x="0" y="0"/>
-          <a:ext cx="0" cy="0"/>
-          <a:chOff x="0" y="0"/>
-          <a:chExt cx="0" cy="0"/>
-        </a:xfrm>
-      </p:grpSpPr>
-      <p:sp>
-        <p:nvSpPr>
-          <p:cNvPr id="87043" name="Rectangle 2"/>
-          <p:cNvSpPr>
-            <a:spLocks noGrp="1" noChangeArrowheads="1"/>
-          </p:cNvSpPr>
-          <p:nvPr>
-            <p:ph type="title"/>
-            <p:custDataLst>
-              <p:tags r:id="rId1"/>
-            </p:custDataLst>
-          </p:nvPr>
-        </p:nvSpPr>
-        <p:spPr/>
-        <p:txBody>
-          <a:bodyPr/>
-          <a:lstStyle/>
-          <a:p>
-            <a:r>
-              <a:rPr lang="en-US"/>
-              <a:t>Notes on Dijkstra’s Algorithm</a:t>
-            </a:r>
-          </a:p>
-        </p:txBody>
-      </p:sp>
-      <p:sp>
-        <p:nvSpPr>
-          <p:cNvPr id="4" name="Slide Number Placeholder 3"/>
-          <p:cNvSpPr>
-            <a:spLocks noGrp="1"/>
-          </p:cNvSpPr>
-          <p:nvPr>
-            <p:ph type="sldNum" sz="quarter" idx="12"/>
-          </p:nvPr>
-        </p:nvSpPr>
-        <p:spPr/>
-        <p:txBody>
-          <a:bodyPr/>
-          <a:lstStyle/>
-          <a:p>
-            <a:fld id="{DACC1BBE-66B1-403A-8C7E-C57A0F3A107F}" type="slidenum">
-              <a:rPr lang="en-US" smtClean="0"/>
-              <a:pPr/>
-              <a:t>63</a:t>
-            </a:fld>
-            <a:endParaRPr lang="en-US"/>
-          </a:p>
-        </p:txBody>
-      </p:sp>
-      <p:sp>
-        <p:nvSpPr>
-          <p:cNvPr id="87044" name="Rectangle 3"/>
-          <p:cNvSpPr>
-            <a:spLocks noGrp="1" noChangeArrowheads="1"/>
-          </p:cNvSpPr>
-          <p:nvPr>
-            <p:ph sz="quarter" idx="1"/>
-            <p:custDataLst>
-              <p:tags r:id="rId2"/>
-            </p:custDataLst>
-          </p:nvPr>
-        </p:nvSpPr>
-        <p:spPr/>
-        <p:txBody>
-          <a:bodyPr/>
-          <a:lstStyle/>
-          <a:p>
-            <a:r>
-              <a:rPr lang="en-US"/>
-              <a:t>Use dist[] to store distances from start to any fringe or tree node</a:t>
-            </a:r>
-          </a:p>
-          <a:p>
-            <a:r>
-              <a:rPr lang="en-US"/>
-              <a:t>Store and calculate using distances instead of edge-weights (like in Kruskal’s MST)</a:t>
-            </a:r>
-          </a:p>
-          <a:p>
-            <a:r>
-              <a:rPr lang="en-US"/>
-              <a:t>What’s the output?</a:t>
-            </a:r>
-          </a:p>
-          <a:p>
-            <a:pPr lvl="1"/>
-            <a:r>
-              <a:rPr lang="en-US"/>
-              <a:t>Tree captured in the parent[] array</a:t>
-            </a:r>
-          </a:p>
-          <a:p>
-            <a:pPr lvl="1"/>
-            <a:r>
-              <a:rPr lang="en-US"/>
-              <a:t>Shortest distance to each node in dist[] array</a:t>
-            </a:r>
-          </a:p>
-          <a:p>
-            <a:pPr lvl="1"/>
-            <a:r>
-              <a:rPr lang="en-US"/>
-              <a:t>Trace shortest path in reverse by using parent[] to move from target back to start node, s</a:t>
-            </a:r>
-          </a:p>
-        </p:txBody>
-      </p:sp>
-    </p:spTree>
-    <p:extLst>
-      <p:ext uri="{BB962C8B-B14F-4D97-AF65-F5344CB8AC3E}">
-        <p14:creationId xmlns:p14="http://schemas.microsoft.com/office/powerpoint/2010/main" val="2458353732"/>
-      </p:ext>
-    </p:extLst>
-  </p:cSld>
-  <p:clrMapOvr>
-    <a:masterClrMapping/>
-  </p:clrMapOvr>
-</p:sld>
-</file>
-
-<file path=ppt/slides/slide64.xml><?xml version="1.0" encoding="utf-8"?>
-<p:sld xmlns:a="http://schemas.openxmlformats.org/drawingml/2006/main" xmlns:r="http://schemas.openxmlformats.org/officeDocument/2006/relationships" xmlns:p="http://schemas.openxmlformats.org/presentationml/2006/main">
-  <p:cSld>
-    <p:spTree>
-      <p:nvGrpSpPr>
-        <p:cNvPr id="1" name=""/>
-        <p:cNvGrpSpPr/>
-        <p:nvPr/>
-      </p:nvGrpSpPr>
-      <p:grpSpPr>
-        <a:xfrm>
-          <a:off x="0" y="0"/>
-          <a:ext cx="0" cy="0"/>
-          <a:chOff x="0" y="0"/>
-          <a:chExt cx="0" cy="0"/>
-        </a:xfrm>
-      </p:grpSpPr>
-      <p:sp>
-        <p:nvSpPr>
-          <p:cNvPr id="88067" name="Rectangle 4"/>
-          <p:cNvSpPr>
-            <a:spLocks noChangeArrowheads="1"/>
-          </p:cNvSpPr>
-          <p:nvPr>
-            <p:custDataLst>
-              <p:tags r:id="rId1"/>
-            </p:custDataLst>
-          </p:nvPr>
-        </p:nvSpPr>
-        <p:spPr bwMode="auto">
-          <a:xfrm>
-            <a:off x="0" y="914400"/>
-            <a:ext cx="9144000" cy="685800"/>
-          </a:xfrm>
-          <a:prstGeom prst="rect">
-            <a:avLst/>
-          </a:prstGeom>
-          <a:solidFill>
-            <a:schemeClr val="bg1"/>
-          </a:solidFill>
-          <a:ln w="0">
-            <a:noFill/>
-            <a:miter lim="800000"/>
-            <a:headEnd/>
-            <a:tailEnd/>
-          </a:ln>
-        </p:spPr>
-        <p:txBody>
-          <a:bodyPr anchor="ctr">
-            <a:spAutoFit/>
-          </a:bodyPr>
-          <a:lstStyle/>
-          <a:p>
-            <a:endParaRPr lang="en-US"/>
-          </a:p>
-        </p:txBody>
-      </p:sp>
-      <p:sp>
-        <p:nvSpPr>
-          <p:cNvPr id="4" name="Slide Number Placeholder 3"/>
-          <p:cNvSpPr>
-            <a:spLocks noGrp="1"/>
-          </p:cNvSpPr>
-          <p:nvPr>
-            <p:ph type="sldNum" sz="quarter" idx="12"/>
-          </p:nvPr>
-        </p:nvSpPr>
-        <p:spPr/>
-        <p:txBody>
-          <a:bodyPr/>
-          <a:lstStyle/>
-          <a:p>
-            <a:fld id="{DACC1BBE-66B1-403A-8C7E-C57A0F3A107F}" type="slidenum">
-              <a:rPr lang="en-US" smtClean="0"/>
-              <a:pPr/>
-              <a:t>64</a:t>
-            </a:fld>
-            <a:endParaRPr lang="en-US"/>
-          </a:p>
-        </p:txBody>
-      </p:sp>
-      <p:sp>
-        <p:nvSpPr>
-          <p:cNvPr id="88068" name="Rectangle 3"/>
-          <p:cNvSpPr>
-            <a:spLocks noGrp="1" noChangeArrowheads="1"/>
-          </p:cNvSpPr>
-          <p:nvPr>
-            <p:ph sz="quarter" idx="1"/>
-            <p:custDataLst>
-              <p:tags r:id="rId2"/>
-            </p:custDataLst>
-          </p:nvPr>
-        </p:nvSpPr>
-        <p:spPr>
-          <a:xfrm>
-            <a:off x="457200" y="381000"/>
-            <a:ext cx="8534400" cy="6019800"/>
-          </a:xfrm>
-        </p:spPr>
-        <p:txBody>
-          <a:bodyPr>
-            <a:normAutofit lnSpcReduction="10000"/>
-          </a:bodyPr>
-          <a:lstStyle/>
-          <a:p>
-            <a:pPr>
-              <a:lnSpc>
-                <a:spcPct val="80000"/>
-              </a:lnSpc>
-              <a:buFont typeface="Monotype Sorts" charset="2"/>
-              <a:buNone/>
-            </a:pPr>
-            <a:r>
-              <a:rPr lang="en-US" sz="1800" b="1" dirty="0" err="1">
-                <a:latin typeface="Lucida" charset="0"/>
-              </a:rPr>
-              <a:t>dijkstra</a:t>
-            </a:r>
-            <a:r>
-              <a:rPr lang="en-US" sz="1800" b="1" dirty="0">
-                <a:latin typeface="Lucida" charset="0"/>
-              </a:rPr>
-              <a:t>(</a:t>
-            </a:r>
-            <a:r>
-              <a:rPr lang="en-US" sz="1800" b="1" dirty="0" err="1">
-                <a:latin typeface="Lucida" charset="0"/>
-              </a:rPr>
-              <a:t>adj</a:t>
-            </a:r>
-            <a:r>
-              <a:rPr lang="en-US" sz="1800" b="1" dirty="0">
-                <a:latin typeface="Lucida" charset="0"/>
-              </a:rPr>
-              <a:t>, start, parent) {</a:t>
-            </a:r>
-          </a:p>
-          <a:p>
-            <a:pPr>
-              <a:lnSpc>
-                <a:spcPct val="80000"/>
-              </a:lnSpc>
-              <a:buFont typeface="Monotype Sorts" charset="2"/>
-              <a:buNone/>
-            </a:pPr>
-            <a:r>
-              <a:rPr lang="en-US" sz="1800" b="1" dirty="0">
-                <a:latin typeface="Lucida" charset="0"/>
-              </a:rPr>
-              <a:t> 	n = </a:t>
-            </a:r>
-            <a:r>
-              <a:rPr lang="en-US" sz="1800" b="1" dirty="0" err="1">
-                <a:latin typeface="Lucida" charset="0"/>
-              </a:rPr>
-              <a:t>adj.last</a:t>
-            </a:r>
-            <a:endParaRPr lang="en-US" sz="1800" b="1" dirty="0">
-              <a:latin typeface="Lucida" charset="0"/>
-            </a:endParaRPr>
-          </a:p>
-          <a:p>
-            <a:pPr>
-              <a:lnSpc>
-                <a:spcPct val="80000"/>
-              </a:lnSpc>
-              <a:buFont typeface="Monotype Sorts" charset="2"/>
-              <a:buNone/>
-            </a:pPr>
-            <a:r>
-              <a:rPr lang="en-US" sz="1800" b="1" dirty="0">
-                <a:latin typeface="Lucida" charset="0"/>
-              </a:rPr>
-              <a:t>	for </a:t>
-            </a:r>
-            <a:r>
-              <a:rPr lang="en-US" sz="1800" b="1" dirty="0" err="1">
-                <a:latin typeface="Lucida" charset="0"/>
-              </a:rPr>
-              <a:t>i</a:t>
-            </a:r>
-            <a:r>
-              <a:rPr lang="en-US" sz="1800" b="1" dirty="0">
-                <a:latin typeface="Lucida" charset="0"/>
-              </a:rPr>
-              <a:t> = 1 to n { key[</a:t>
-            </a:r>
-            <a:r>
-              <a:rPr lang="en-US" sz="1800" b="1" dirty="0" err="1">
-                <a:latin typeface="Lucida" charset="0"/>
-              </a:rPr>
-              <a:t>i</a:t>
-            </a:r>
-            <a:r>
-              <a:rPr lang="en-US" sz="1800" b="1" dirty="0">
-                <a:latin typeface="Lucida" charset="0"/>
-              </a:rPr>
-              <a:t>] = ∞}  // key is a local array</a:t>
-            </a:r>
-          </a:p>
-          <a:p>
-            <a:pPr>
-              <a:lnSpc>
-                <a:spcPct val="80000"/>
-              </a:lnSpc>
-              <a:buFont typeface="Monotype Sorts" charset="2"/>
-              <a:buNone/>
-            </a:pPr>
-            <a:r>
-              <a:rPr lang="en-US" sz="1800" b="1" dirty="0">
-                <a:latin typeface="Lucida" charset="0"/>
-              </a:rPr>
-              <a:t> 	key[start] = 0;   predecessor[start] = 0</a:t>
-            </a:r>
-          </a:p>
-          <a:p>
-            <a:pPr>
-              <a:lnSpc>
-                <a:spcPct val="80000"/>
-              </a:lnSpc>
-              <a:buFont typeface="Monotype Sorts" charset="2"/>
-              <a:buNone/>
-            </a:pPr>
-            <a:r>
-              <a:rPr lang="en-US" sz="1800" b="1" dirty="0">
-                <a:latin typeface="Lucida" charset="0"/>
-              </a:rPr>
-              <a:t>	// the following statement initializes the</a:t>
-            </a:r>
-          </a:p>
-          <a:p>
-            <a:pPr>
-              <a:lnSpc>
-                <a:spcPct val="80000"/>
-              </a:lnSpc>
-              <a:buFont typeface="Monotype Sorts" charset="2"/>
-              <a:buNone/>
-            </a:pPr>
-            <a:r>
-              <a:rPr lang="en-US" sz="1800" b="1" dirty="0">
-                <a:latin typeface="Lucida" charset="0"/>
-              </a:rPr>
-              <a:t>  	// container h to the values in the array key</a:t>
-            </a:r>
-          </a:p>
-          <a:p>
-            <a:pPr>
-              <a:lnSpc>
-                <a:spcPct val="80000"/>
-              </a:lnSpc>
-              <a:buFont typeface="Monotype Sorts" charset="2"/>
-              <a:buNone/>
-            </a:pPr>
-            <a:r>
-              <a:rPr lang="en-US" sz="1800" b="1" dirty="0">
-                <a:latin typeface="Lucida" charset="0"/>
-              </a:rPr>
-              <a:t>	</a:t>
-            </a:r>
-            <a:r>
-              <a:rPr lang="en-US" sz="1800" b="1" dirty="0" err="1">
-                <a:latin typeface="Lucida" charset="0"/>
-              </a:rPr>
-              <a:t>h.init</a:t>
-            </a:r>
-            <a:r>
-              <a:rPr lang="en-US" sz="1800" b="1" dirty="0">
-                <a:latin typeface="Lucida" charset="0"/>
-              </a:rPr>
-              <a:t>(</a:t>
-            </a:r>
-            <a:r>
-              <a:rPr lang="en-US" sz="1800" b="1" dirty="0" err="1">
-                <a:latin typeface="Lucida" charset="0"/>
-              </a:rPr>
-              <a:t>key,n</a:t>
-            </a:r>
-            <a:r>
-              <a:rPr lang="en-US" sz="1800" b="1" dirty="0">
-                <a:latin typeface="Lucida" charset="0"/>
-              </a:rPr>
-              <a:t>)</a:t>
-            </a:r>
-          </a:p>
-          <a:p>
-            <a:pPr>
-              <a:lnSpc>
-                <a:spcPct val="80000"/>
-              </a:lnSpc>
-              <a:buFont typeface="Monotype Sorts" charset="2"/>
-              <a:buNone/>
-            </a:pPr>
-            <a:r>
-              <a:rPr lang="en-US" sz="1800" b="1" dirty="0">
-                <a:latin typeface="Lucida" charset="0"/>
-              </a:rPr>
-              <a:t>  	for </a:t>
-            </a:r>
-            <a:r>
-              <a:rPr lang="en-US" sz="1800" b="1" dirty="0" err="1">
-                <a:latin typeface="Lucida" charset="0"/>
-              </a:rPr>
-              <a:t>i</a:t>
-            </a:r>
-            <a:r>
-              <a:rPr lang="en-US" sz="1800" b="1" dirty="0">
-                <a:latin typeface="Lucida" charset="0"/>
-              </a:rPr>
-              <a:t> = 1 to n {</a:t>
-            </a:r>
-          </a:p>
-          <a:p>
-            <a:pPr>
-              <a:lnSpc>
-                <a:spcPct val="80000"/>
-              </a:lnSpc>
-              <a:buFont typeface="Monotype Sorts" charset="2"/>
-              <a:buNone/>
-            </a:pPr>
-            <a:r>
-              <a:rPr lang="en-US" sz="1800" b="1" dirty="0">
-                <a:latin typeface="Lucida" charset="0"/>
-              </a:rPr>
-              <a:t>  		v = </a:t>
-            </a:r>
-            <a:r>
-              <a:rPr lang="en-US" sz="1800" b="1" dirty="0" err="1">
-                <a:latin typeface="Lucida" charset="0"/>
-              </a:rPr>
-              <a:t>h.min_weight_index</a:t>
-            </a:r>
-            <a:r>
-              <a:rPr lang="en-US" sz="1800" b="1" dirty="0">
-                <a:latin typeface="Lucida" charset="0"/>
-              </a:rPr>
-              <a:t>()</a:t>
-            </a:r>
-          </a:p>
-          <a:p>
-            <a:pPr>
-              <a:lnSpc>
-                <a:spcPct val="80000"/>
-              </a:lnSpc>
-              <a:buFont typeface="Monotype Sorts" charset="2"/>
-              <a:buNone/>
-            </a:pPr>
-            <a:r>
-              <a:rPr lang="en-US" sz="1800" b="1" dirty="0">
-                <a:latin typeface="Lucida" charset="0"/>
-              </a:rPr>
-              <a:t>		</a:t>
-            </a:r>
-            <a:r>
-              <a:rPr lang="en-US" sz="1800" b="1" dirty="0" err="1">
-                <a:latin typeface="Lucida" charset="0"/>
-              </a:rPr>
-              <a:t>min_cost</a:t>
-            </a:r>
-            <a:r>
-              <a:rPr lang="en-US" sz="1800" b="1" dirty="0">
-                <a:latin typeface="Lucida" charset="0"/>
-              </a:rPr>
-              <a:t> = </a:t>
-            </a:r>
-            <a:r>
-              <a:rPr lang="en-US" sz="1800" b="1" dirty="0" err="1">
-                <a:latin typeface="Lucida" charset="0"/>
-              </a:rPr>
-              <a:t>h.keyval</a:t>
-            </a:r>
-            <a:r>
-              <a:rPr lang="en-US" sz="1800" b="1" dirty="0">
-                <a:latin typeface="Lucida" charset="0"/>
-              </a:rPr>
-              <a:t>(v)</a:t>
-            </a:r>
-          </a:p>
-          <a:p>
-            <a:pPr>
-              <a:lnSpc>
-                <a:spcPct val="80000"/>
-              </a:lnSpc>
-              <a:buFont typeface="Monotype Sorts" charset="2"/>
-              <a:buNone/>
-            </a:pPr>
-            <a:r>
-              <a:rPr lang="en-US" sz="1800" b="1" dirty="0">
-                <a:latin typeface="Lucida" charset="0"/>
-              </a:rPr>
-              <a:t>		v = h.del()</a:t>
-            </a:r>
-          </a:p>
-          <a:p>
-            <a:pPr>
-              <a:lnSpc>
-                <a:spcPct val="80000"/>
-              </a:lnSpc>
-              <a:buFont typeface="Monotype Sorts" charset="2"/>
-              <a:buNone/>
-            </a:pPr>
-            <a:r>
-              <a:rPr lang="en-US" sz="1800" b="1" dirty="0">
-                <a:latin typeface="Lucida" charset="0"/>
-              </a:rPr>
-              <a:t>     	        ref = </a:t>
-            </a:r>
-            <a:r>
-              <a:rPr lang="en-US" sz="1800" b="1" dirty="0" err="1">
-                <a:latin typeface="Lucida" charset="0"/>
-              </a:rPr>
-              <a:t>adj</a:t>
-            </a:r>
-            <a:r>
-              <a:rPr lang="en-US" sz="1800" b="1" dirty="0">
-                <a:latin typeface="Lucida" charset="0"/>
-              </a:rPr>
-              <a:t>[v]</a:t>
-            </a:r>
-          </a:p>
-          <a:p>
-            <a:pPr>
-              <a:lnSpc>
-                <a:spcPct val="80000"/>
-              </a:lnSpc>
-              <a:buFont typeface="Monotype Sorts" charset="2"/>
-              <a:buNone/>
-            </a:pPr>
-            <a:r>
-              <a:rPr lang="en-US" sz="1800" b="1" dirty="0">
-                <a:latin typeface="Lucida" charset="0"/>
-              </a:rPr>
-              <a:t>     	        while (ref != null) {</a:t>
-            </a:r>
-          </a:p>
-          <a:p>
-            <a:pPr>
-              <a:lnSpc>
-                <a:spcPct val="80000"/>
-              </a:lnSpc>
-              <a:buFont typeface="Monotype Sorts" charset="2"/>
-              <a:buNone/>
-            </a:pPr>
-            <a:r>
-              <a:rPr lang="en-US" sz="1800" b="1" dirty="0">
-                <a:latin typeface="Lucida" charset="0"/>
-              </a:rPr>
-              <a:t>      		w = ref.ver</a:t>
-            </a:r>
-          </a:p>
-          <a:p>
-            <a:pPr algn="l">
-              <a:lnSpc>
-                <a:spcPct val="80000"/>
-              </a:lnSpc>
-              <a:buFont typeface="Monotype Sorts" charset="2"/>
-              <a:buNone/>
-            </a:pPr>
-            <a:r>
-              <a:rPr lang="en-US" sz="1800" b="1" dirty="0">
-                <a:latin typeface="Lucida" charset="0"/>
-              </a:rPr>
-              <a:t>       		if (</a:t>
-            </a:r>
-            <a:r>
-              <a:rPr lang="en-US" sz="1800" b="1" dirty="0" err="1">
-                <a:latin typeface="Lucida" charset="0"/>
-              </a:rPr>
-              <a:t>h.isin</a:t>
-            </a:r>
-            <a:r>
-              <a:rPr lang="en-US" sz="1800" b="1" dirty="0">
-                <a:latin typeface="Lucida" charset="0"/>
-              </a:rPr>
-              <a:t>(w) &amp;&amp; </a:t>
-            </a:r>
-            <a:r>
-              <a:rPr lang="en-US" sz="1800" b="1" dirty="0" err="1">
-                <a:latin typeface="Lucida" charset="0"/>
-              </a:rPr>
-              <a:t>min_cost</a:t>
-            </a:r>
-            <a:r>
-              <a:rPr lang="en-US" sz="1800" b="1" dirty="0">
-                <a:latin typeface="Lucida" charset="0"/>
-              </a:rPr>
-              <a:t> + </a:t>
-            </a:r>
-            <a:r>
-              <a:rPr lang="en-US" sz="1800" b="1" dirty="0" err="1">
-                <a:latin typeface="Lucida" charset="0"/>
-              </a:rPr>
-              <a:t>ref.weight</a:t>
-            </a:r>
-            <a:r>
-              <a:rPr lang="en-US" sz="1800" b="1" dirty="0">
-                <a:latin typeface="Lucida" charset="0"/>
-              </a:rPr>
-              <a:t> &lt; </a:t>
-            </a:r>
-            <a:r>
-              <a:rPr lang="en-US" sz="1800" b="1" dirty="0" err="1">
-                <a:latin typeface="Lucida" charset="0"/>
-              </a:rPr>
-              <a:t>h.keyval</a:t>
-            </a:r>
-            <a:r>
-              <a:rPr lang="en-US" sz="1800" b="1" dirty="0">
-                <a:latin typeface="Lucida" charset="0"/>
-              </a:rPr>
-              <a:t>(w)) {</a:t>
-            </a:r>
-          </a:p>
-          <a:p>
-            <a:pPr>
-              <a:lnSpc>
-                <a:spcPct val="80000"/>
-              </a:lnSpc>
-              <a:buFont typeface="Monotype Sorts" charset="2"/>
-              <a:buNone/>
-            </a:pPr>
-            <a:r>
-              <a:rPr lang="en-US" sz="1800" b="1" dirty="0">
-                <a:latin typeface="Lucida" charset="0"/>
-              </a:rPr>
-              <a:t>         		     predecessor[w] = v</a:t>
-            </a:r>
-          </a:p>
-          <a:p>
-            <a:pPr>
-              <a:lnSpc>
-                <a:spcPct val="80000"/>
-              </a:lnSpc>
-              <a:buFont typeface="Monotype Sorts" charset="2"/>
-              <a:buNone/>
-            </a:pPr>
-            <a:r>
-              <a:rPr lang="en-US" sz="1800" b="1" dirty="0">
-                <a:latin typeface="Lucida" charset="0"/>
-              </a:rPr>
-              <a:t>           		     </a:t>
-            </a:r>
-            <a:r>
-              <a:rPr lang="en-US" sz="1800" b="1" dirty="0" err="1">
-                <a:latin typeface="Lucida" charset="0"/>
-              </a:rPr>
-              <a:t>h.decrease</a:t>
-            </a:r>
-            <a:r>
-              <a:rPr lang="en-US" sz="1800" b="1" dirty="0">
-                <a:latin typeface="Lucida" charset="0"/>
-              </a:rPr>
-              <a:t>(w, </a:t>
-            </a:r>
-            <a:r>
-              <a:rPr lang="en-US" sz="1800" b="1" dirty="0" err="1">
-                <a:latin typeface="Lucida" charset="0"/>
-              </a:rPr>
-              <a:t>min_cost+ref.weight</a:t>
-            </a:r>
-            <a:r>
-              <a:rPr lang="en-US" sz="1800" b="1" dirty="0">
-                <a:latin typeface="Lucida" charset="0"/>
-              </a:rPr>
-              <a:t>)</a:t>
-            </a:r>
-          </a:p>
-          <a:p>
-            <a:pPr>
-              <a:lnSpc>
-                <a:spcPct val="80000"/>
-              </a:lnSpc>
-              <a:buFont typeface="Monotype Sorts" charset="2"/>
-              <a:buNone/>
-            </a:pPr>
-            <a:r>
-              <a:rPr lang="en-US" sz="1800" b="1" dirty="0">
-                <a:latin typeface="Lucida" charset="0"/>
-              </a:rPr>
-              <a:t>        		} // end if</a:t>
-            </a:r>
-          </a:p>
-          <a:p>
-            <a:pPr>
-              <a:lnSpc>
-                <a:spcPct val="80000"/>
-              </a:lnSpc>
-              <a:buFont typeface="Monotype Sorts" charset="2"/>
-              <a:buNone/>
-            </a:pPr>
-            <a:r>
-              <a:rPr lang="en-US" sz="1800" b="1" dirty="0">
-                <a:latin typeface="Lucida" charset="0"/>
-              </a:rPr>
-              <a:t>        		ref = </a:t>
-            </a:r>
-            <a:r>
-              <a:rPr lang="en-US" sz="1800" b="1" dirty="0" err="1">
-                <a:latin typeface="Lucida" charset="0"/>
-              </a:rPr>
-              <a:t>ref.next</a:t>
-            </a:r>
-            <a:endParaRPr lang="en-US" sz="1800" b="1" dirty="0">
-              <a:latin typeface="Lucida" charset="0"/>
-            </a:endParaRPr>
-          </a:p>
-          <a:p>
-            <a:pPr>
-              <a:lnSpc>
-                <a:spcPct val="80000"/>
-              </a:lnSpc>
-              <a:buFont typeface="Monotype Sorts" charset="2"/>
-              <a:buNone/>
-            </a:pPr>
-            <a:r>
-              <a:rPr lang="en-US" sz="1800" b="1" dirty="0">
-                <a:latin typeface="Lucida" charset="0"/>
-              </a:rPr>
-              <a:t>     	        } // end while</a:t>
-            </a:r>
-          </a:p>
-          <a:p>
-            <a:pPr>
-              <a:lnSpc>
-                <a:spcPct val="80000"/>
-              </a:lnSpc>
-              <a:buFont typeface="Monotype Sorts" charset="2"/>
-              <a:buNone/>
-            </a:pPr>
-            <a:r>
-              <a:rPr lang="en-US" sz="1800" b="1" dirty="0">
-                <a:latin typeface="Lucida" charset="0"/>
-              </a:rPr>
-              <a:t>  	} // end for</a:t>
-            </a:r>
-          </a:p>
-          <a:p>
-            <a:pPr>
-              <a:lnSpc>
-                <a:spcPct val="80000"/>
-              </a:lnSpc>
-              <a:buFont typeface="Monotype Sorts" charset="2"/>
-              <a:buNone/>
-            </a:pPr>
-            <a:r>
-              <a:rPr lang="en-US" sz="1800" b="1" dirty="0">
-                <a:latin typeface="Lucida" charset="0"/>
-              </a:rPr>
-              <a:t>}</a:t>
-            </a:r>
-          </a:p>
-        </p:txBody>
-      </p:sp>
-    </p:spTree>
-    <p:extLst>
-      <p:ext uri="{BB962C8B-B14F-4D97-AF65-F5344CB8AC3E}">
-        <p14:creationId xmlns:p14="http://schemas.microsoft.com/office/powerpoint/2010/main" val="1021773128"/>
-      </p:ext>
-    </p:extLst>
-  </p:cSld>
-  <p:clrMapOvr>
-    <a:masterClrMapping/>
-  </p:clrMapOvr>
-</p:sld>
-</file>
-
-<file path=ppt/slides/slide65.xml><?xml version="1.0" encoding="utf-8"?>
-<p:sld xmlns:a="http://schemas.openxmlformats.org/drawingml/2006/main" xmlns:r="http://schemas.openxmlformats.org/officeDocument/2006/relationships" xmlns:p="http://schemas.openxmlformats.org/presentationml/2006/main">
-  <p:cSld>
-    <p:spTree>
-      <p:nvGrpSpPr>
-        <p:cNvPr id="1" name=""/>
-        <p:cNvGrpSpPr/>
-        <p:nvPr/>
-      </p:nvGrpSpPr>
-      <p:grpSpPr>
-        <a:xfrm>
-          <a:off x="0" y="0"/>
-          <a:ext cx="0" cy="0"/>
-          <a:chOff x="0" y="0"/>
-          <a:chExt cx="0" cy="0"/>
-        </a:xfrm>
-      </p:grpSpPr>
-      <p:sp>
-        <p:nvSpPr>
-          <p:cNvPr id="89091" name="Rectangle 2"/>
-          <p:cNvSpPr>
-            <a:spLocks noGrp="1" noChangeArrowheads="1"/>
-          </p:cNvSpPr>
-          <p:nvPr>
-            <p:ph type="title"/>
-            <p:custDataLst>
-              <p:tags r:id="rId1"/>
-            </p:custDataLst>
-          </p:nvPr>
-        </p:nvSpPr>
-        <p:spPr/>
-        <p:txBody>
-          <a:bodyPr/>
-          <a:lstStyle/>
-          <a:p>
-            <a:r>
-              <a:rPr lang="en-US"/>
-              <a:t>Correctness of These Greedy Algorithms</a:t>
-            </a:r>
-          </a:p>
-        </p:txBody>
-      </p:sp>
-      <p:sp>
-        <p:nvSpPr>
-          <p:cNvPr id="4" name="Slide Number Placeholder 3"/>
-          <p:cNvSpPr>
-            <a:spLocks noGrp="1"/>
-          </p:cNvSpPr>
-          <p:nvPr>
-            <p:ph type="sldNum" sz="quarter" idx="12"/>
-          </p:nvPr>
-        </p:nvSpPr>
-        <p:spPr/>
-        <p:txBody>
-          <a:bodyPr/>
-          <a:lstStyle/>
-          <a:p>
-            <a:fld id="{DACC1BBE-66B1-403A-8C7E-C57A0F3A107F}" type="slidenum">
-              <a:rPr lang="en-US" smtClean="0"/>
-              <a:pPr/>
-              <a:t>65</a:t>
-            </a:fld>
-            <a:endParaRPr lang="en-US"/>
-          </a:p>
-        </p:txBody>
-      </p:sp>
-      <p:sp>
-        <p:nvSpPr>
-          <p:cNvPr id="89092" name="Rectangle 3"/>
-          <p:cNvSpPr>
-            <a:spLocks noGrp="1" noChangeArrowheads="1"/>
-          </p:cNvSpPr>
-          <p:nvPr>
-            <p:ph sz="quarter" idx="1"/>
-            <p:custDataLst>
-              <p:tags r:id="rId2"/>
-            </p:custDataLst>
-          </p:nvPr>
-        </p:nvSpPr>
-        <p:spPr/>
-        <p:txBody>
-          <a:bodyPr/>
-          <a:lstStyle/>
-          <a:p>
-            <a:r>
-              <a:rPr lang="en-US"/>
-              <a:t>Recall that the greedy approach may or may not guarantee an optimal result</a:t>
-            </a:r>
-          </a:p>
-          <a:p>
-            <a:r>
-              <a:rPr lang="en-US"/>
-              <a:t>Do these produce optimal solutions?</a:t>
-            </a:r>
-          </a:p>
-          <a:p>
-            <a:pPr lvl="1"/>
-            <a:r>
-              <a:rPr lang="en-US"/>
-              <a:t>The min weight spanning tree?  Kruskal’s, Prim’s</a:t>
-            </a:r>
-          </a:p>
-          <a:p>
-            <a:pPr lvl="1"/>
-            <a:r>
-              <a:rPr lang="en-US"/>
-              <a:t>The shortest path from s?  Dijkstra’s</a:t>
-            </a:r>
-          </a:p>
-          <a:p>
-            <a:r>
-              <a:rPr lang="en-US"/>
-              <a:t>Answer: Yes, they do.</a:t>
-            </a:r>
-            <a:endParaRPr lang="en-US" dirty="0"/>
-          </a:p>
-        </p:txBody>
-      </p:sp>
-    </p:spTree>
-    <p:extLst>
-      <p:ext uri="{BB962C8B-B14F-4D97-AF65-F5344CB8AC3E}">
-        <p14:creationId xmlns:p14="http://schemas.microsoft.com/office/powerpoint/2010/main" val="762988292"/>
-      </p:ext>
-    </p:extLst>
-  </p:cSld>
-  <p:clrMapOvr>
-    <a:masterClrMapping/>
-  </p:clrMapOvr>
-</p:sld>
-</file>
-
-<file path=ppt/slides/slide66.xml><?xml version="1.0" encoding="utf-8"?>
-<p:sld xmlns:a="http://schemas.openxmlformats.org/drawingml/2006/main" xmlns:r="http://schemas.openxmlformats.org/officeDocument/2006/relationships" xmlns:p="http://schemas.openxmlformats.org/presentationml/2006/main">
-  <p:cSld>
-    <p:spTree>
-      <p:nvGrpSpPr>
-        <p:cNvPr id="1" name=""/>
-        <p:cNvGrpSpPr/>
-        <p:nvPr/>
-      </p:nvGrpSpPr>
-      <p:grpSpPr>
-        <a:xfrm>
-          <a:off x="0" y="0"/>
-          <a:ext cx="0" cy="0"/>
-          <a:chOff x="0" y="0"/>
-          <a:chExt cx="0" cy="0"/>
-        </a:xfrm>
-      </p:grpSpPr>
-      <p:sp>
-        <p:nvSpPr>
-          <p:cNvPr id="2" name="Title 1"/>
-          <p:cNvSpPr>
-            <a:spLocks noGrp="1"/>
-          </p:cNvSpPr>
-          <p:nvPr>
-            <p:ph type="title"/>
-          </p:nvPr>
-        </p:nvSpPr>
-        <p:spPr/>
-        <p:txBody>
-          <a:bodyPr/>
-          <a:lstStyle/>
-          <a:p>
-            <a:r>
-              <a:rPr lang="en-US"/>
-              <a:t>Proof of Dijkstra’s algorithm</a:t>
-            </a:r>
-            <a:endParaRPr lang="en-US" dirty="0"/>
-          </a:p>
-        </p:txBody>
-      </p:sp>
-      <p:sp>
-        <p:nvSpPr>
-          <p:cNvPr id="4" name="Slide Number Placeholder 3"/>
-          <p:cNvSpPr>
-            <a:spLocks noGrp="1"/>
-          </p:cNvSpPr>
-          <p:nvPr>
-            <p:ph type="sldNum" sz="quarter" idx="12"/>
-          </p:nvPr>
-        </p:nvSpPr>
-        <p:spPr/>
-        <p:txBody>
-          <a:bodyPr/>
-          <a:lstStyle/>
-          <a:p>
-            <a:fld id="{DACC1BBE-66B1-403A-8C7E-C57A0F3A107F}" type="slidenum">
-              <a:rPr lang="en-US" smtClean="0"/>
-              <a:pPr/>
-              <a:t>66</a:t>
-            </a:fld>
-            <a:endParaRPr lang="en-US"/>
-          </a:p>
-        </p:txBody>
-      </p:sp>
-      <p:sp>
-        <p:nvSpPr>
-          <p:cNvPr id="3" name="Content Placeholder 2"/>
-          <p:cNvSpPr>
-            <a:spLocks noGrp="1"/>
-          </p:cNvSpPr>
-          <p:nvPr>
-            <p:ph sz="quarter" idx="1"/>
-          </p:nvPr>
-        </p:nvSpPr>
-        <p:spPr/>
-        <p:txBody>
-          <a:bodyPr/>
-          <a:lstStyle/>
-          <a:p>
-            <a:r>
-              <a:rPr lang="en-US" dirty="0"/>
-              <a:t>Via induction and contradiction</a:t>
-            </a:r>
-          </a:p>
-          <a:p>
-            <a:endParaRPr lang="en-US" dirty="0"/>
-          </a:p>
-          <a:p>
-            <a:r>
-              <a:rPr lang="en-US" dirty="0"/>
-              <a:t>On board --&gt;</a:t>
-            </a:r>
-          </a:p>
-        </p:txBody>
-      </p:sp>
-    </p:spTree>
-    <p:extLst>
-      <p:ext uri="{BB962C8B-B14F-4D97-AF65-F5344CB8AC3E}">
-        <p14:creationId xmlns:p14="http://schemas.microsoft.com/office/powerpoint/2010/main" val="1817150473"/>
-      </p:ext>
-    </p:extLst>
-  </p:cSld>
-  <p:clrMapOvr>
-    <a:masterClrMapping/>
-  </p:clrMapOvr>
-</p:sld>
-</file>
-
-<file path=ppt/slides/slide67.xml><?xml version="1.0" encoding="utf-8"?>
-<p:sld xmlns:a="http://schemas.openxmlformats.org/drawingml/2006/main" xmlns:r="http://schemas.openxmlformats.org/officeDocument/2006/relationships" xmlns:p="http://schemas.openxmlformats.org/presentationml/2006/main">
-  <p:cSld>
-    <p:spTree>
-      <p:nvGrpSpPr>
-        <p:cNvPr id="1" name=""/>
-        <p:cNvGrpSpPr/>
-        <p:nvPr/>
-      </p:nvGrpSpPr>
-      <p:grpSpPr>
-        <a:xfrm>
-          <a:off x="0" y="0"/>
-          <a:ext cx="0" cy="0"/>
-          <a:chOff x="0" y="0"/>
-          <a:chExt cx="0" cy="0"/>
-        </a:xfrm>
-      </p:grpSpPr>
-      <p:sp>
-        <p:nvSpPr>
-          <p:cNvPr id="5" name="Title 4"/>
-          <p:cNvSpPr>
-            <a:spLocks noGrp="1"/>
-          </p:cNvSpPr>
-          <p:nvPr>
-            <p:ph type="title"/>
-          </p:nvPr>
-        </p:nvSpPr>
-        <p:spPr/>
-        <p:txBody>
-          <a:bodyPr/>
-          <a:lstStyle/>
-          <a:p>
-            <a:r>
-              <a:rPr lang="en-US"/>
-              <a:t>Summary</a:t>
-            </a:r>
-            <a:endParaRPr lang="en-US" dirty="0"/>
-          </a:p>
-        </p:txBody>
-      </p:sp>
-      <p:sp>
-        <p:nvSpPr>
-          <p:cNvPr id="6" name="Text Placeholder 5"/>
-          <p:cNvSpPr>
-            <a:spLocks noGrp="1"/>
-          </p:cNvSpPr>
-          <p:nvPr>
-            <p:ph type="body" idx="1"/>
-          </p:nvPr>
-        </p:nvSpPr>
-        <p:spPr/>
-        <p:txBody>
-          <a:bodyPr/>
-          <a:lstStyle/>
-          <a:p>
-            <a:endParaRPr lang="en-US"/>
-          </a:p>
-        </p:txBody>
-      </p:sp>
-      <p:sp>
-        <p:nvSpPr>
-          <p:cNvPr id="4" name="Slide Number Placeholder 3"/>
-          <p:cNvSpPr>
-            <a:spLocks noGrp="1"/>
-          </p:cNvSpPr>
-          <p:nvPr>
-            <p:ph type="sldNum" sz="quarter" idx="12"/>
-          </p:nvPr>
-        </p:nvSpPr>
-        <p:spPr/>
-        <p:txBody>
-          <a:bodyPr/>
-          <a:lstStyle/>
-          <a:p>
-            <a:fld id="{030EE116-056E-4288-B7F7-411CB7E437A9}" type="slidenum">
-              <a:rPr lang="en-US" smtClean="0"/>
-              <a:pPr/>
-              <a:t>67</a:t>
-            </a:fld>
-            <a:endParaRPr lang="en-US"/>
-          </a:p>
-        </p:txBody>
-      </p:sp>
-    </p:spTree>
-    <p:extLst>
-      <p:ext uri="{BB962C8B-B14F-4D97-AF65-F5344CB8AC3E}">
-        <p14:creationId xmlns:p14="http://schemas.microsoft.com/office/powerpoint/2010/main" val="3384825226"/>
-      </p:ext>
-    </p:extLst>
-  </p:cSld>
-  <p:clrMapOvr>
-    <a:masterClrMapping/>
-  </p:clrMapOvr>
-</p:sld>
-</file>
-
-<file path=ppt/slides/slide68.xml><?xml version="1.0" encoding="utf-8"?>
-<p:sld xmlns:a="http://schemas.openxmlformats.org/drawingml/2006/main" xmlns:r="http://schemas.openxmlformats.org/officeDocument/2006/relationships" xmlns:p="http://schemas.openxmlformats.org/presentationml/2006/main">
-  <p:cSld>
-    <p:spTree>
-      <p:nvGrpSpPr>
-        <p:cNvPr id="1" name=""/>
-        <p:cNvGrpSpPr/>
-        <p:nvPr/>
-      </p:nvGrpSpPr>
-      <p:grpSpPr>
-        <a:xfrm>
-          <a:off x="0" y="0"/>
-          <a:ext cx="0" cy="0"/>
-          <a:chOff x="0" y="0"/>
-          <a:chExt cx="0" cy="0"/>
-        </a:xfrm>
-      </p:grpSpPr>
-      <p:sp>
-        <p:nvSpPr>
-          <p:cNvPr id="5" name="Title 4"/>
-          <p:cNvSpPr>
-            <a:spLocks noGrp="1"/>
-          </p:cNvSpPr>
-          <p:nvPr>
-            <p:ph type="title"/>
-          </p:nvPr>
-        </p:nvSpPr>
-        <p:spPr/>
-        <p:txBody>
-          <a:bodyPr/>
-          <a:lstStyle/>
-          <a:p>
-            <a:r>
-              <a:rPr lang="en-US" dirty="0"/>
-              <a:t>What Did We Learn?</a:t>
-            </a:r>
-          </a:p>
-        </p:txBody>
-      </p:sp>
-      <p:sp>
-        <p:nvSpPr>
-          <p:cNvPr id="4" name="Slide Number Placeholder 3"/>
-          <p:cNvSpPr>
-            <a:spLocks noGrp="1"/>
-          </p:cNvSpPr>
-          <p:nvPr>
-            <p:ph type="sldNum" sz="quarter" idx="12"/>
-          </p:nvPr>
-        </p:nvSpPr>
-        <p:spPr/>
-        <p:txBody>
-          <a:bodyPr/>
-          <a:lstStyle/>
-          <a:p>
-            <a:fld id="{030EE116-056E-4288-B7F7-411CB7E437A9}" type="slidenum">
-              <a:rPr lang="en-US" smtClean="0"/>
-              <a:pPr/>
-              <a:t>68</a:t>
-            </a:fld>
-            <a:endParaRPr lang="en-US"/>
-          </a:p>
-        </p:txBody>
-      </p:sp>
-      <p:sp>
-        <p:nvSpPr>
-          <p:cNvPr id="6" name="Content Placeholder 5"/>
-          <p:cNvSpPr>
-            <a:spLocks noGrp="1"/>
-          </p:cNvSpPr>
-          <p:nvPr>
-            <p:ph sz="quarter" idx="1"/>
-          </p:nvPr>
-        </p:nvSpPr>
-        <p:spPr/>
-        <p:txBody>
-          <a:bodyPr>
-            <a:normAutofit/>
-          </a:bodyPr>
-          <a:lstStyle/>
-          <a:p>
-            <a:r>
-              <a:rPr lang="en-US" dirty="0"/>
-              <a:t>What a graph is</a:t>
-            </a:r>
-          </a:p>
-          <a:p>
-            <a:pPr lvl="1"/>
-            <a:r>
-              <a:rPr lang="en-US" dirty="0"/>
-              <a:t>Two ways to represent a graph (Matrix and List)</a:t>
-            </a:r>
-          </a:p>
-          <a:p>
-            <a:r>
-              <a:rPr lang="en-US" dirty="0"/>
-              <a:t>Traversals of graphs:</a:t>
-            </a:r>
-          </a:p>
-          <a:p>
-            <a:pPr lvl="1"/>
-            <a:r>
-              <a:rPr lang="en-US" dirty="0"/>
-              <a:t>Breadth-first search</a:t>
-            </a:r>
-          </a:p>
-          <a:p>
-            <a:pPr lvl="1"/>
-            <a:r>
-              <a:rPr lang="en-US" dirty="0"/>
-              <a:t>Depth-first search</a:t>
-            </a:r>
-          </a:p>
-          <a:p>
-            <a:r>
-              <a:rPr lang="en-US" dirty="0"/>
-              <a:t>Other Graph Algorithms:</a:t>
-            </a:r>
-          </a:p>
-          <a:p>
-            <a:pPr lvl="1"/>
-            <a:r>
-              <a:rPr lang="en-US" dirty="0"/>
-              <a:t>Topological Sort</a:t>
-            </a:r>
-          </a:p>
-          <a:p>
-            <a:pPr lvl="1"/>
-            <a:r>
-              <a:rPr lang="en-US" dirty="0"/>
-              <a:t>Dijkstra’s Algorithm</a:t>
-            </a:r>
-          </a:p>
-        </p:txBody>
-      </p:sp>
-    </p:spTree>
-  </p:cSld>
-  <p:clrMapOvr>
-    <a:masterClrMapping/>
-  </p:clrMapOvr>
-</p:sld>
-</file>
-
 <file path=ppt/slides/slide7.xml><?xml version="1.0" encoding="utf-8"?>
 <p:sld xmlns:a="http://schemas.openxmlformats.org/drawingml/2006/main" xmlns:r="http://schemas.openxmlformats.org/officeDocument/2006/relationships" xmlns:p="http://schemas.openxmlformats.org/presentationml/2006/main">
   <p:cSld>
@@ -26682,6 +25778,1312 @@
               <a:t>In text we simple write vw.</a:t>
             </a:r>
             <a:endParaRPr lang="en-US" dirty="0"/>
+          </a:p>
+        </p:txBody>
+      </p:sp>
+    </p:spTree>
+  </p:cSld>
+  <p:clrMapOvr>
+    <a:masterClrMapping/>
+  </p:clrMapOvr>
+</p:sld>
+</file>
+
+<file path=ppt/slides/slide70.xml><?xml version="1.0" encoding="utf-8"?>
+<p:sld xmlns:a="http://schemas.openxmlformats.org/drawingml/2006/main" xmlns:r="http://schemas.openxmlformats.org/officeDocument/2006/relationships" xmlns:p="http://schemas.openxmlformats.org/presentationml/2006/main">
+  <p:cSld>
+    <p:spTree>
+      <p:nvGrpSpPr>
+        <p:cNvPr id="1" name=""/>
+        <p:cNvGrpSpPr/>
+        <p:nvPr/>
+      </p:nvGrpSpPr>
+      <p:grpSpPr>
+        <a:xfrm>
+          <a:off x="0" y="0"/>
+          <a:ext cx="0" cy="0"/>
+          <a:chOff x="0" y="0"/>
+          <a:chExt cx="0" cy="0"/>
+        </a:xfrm>
+      </p:grpSpPr>
+      <p:sp>
+        <p:nvSpPr>
+          <p:cNvPr id="86020" name="Rectangle 3"/>
+          <p:cNvSpPr>
+            <a:spLocks noGrp="1" noChangeArrowheads="1"/>
+          </p:cNvSpPr>
+          <p:nvPr>
+            <p:ph type="title"/>
+            <p:custDataLst>
+              <p:tags r:id="rId1"/>
+            </p:custDataLst>
+          </p:nvPr>
+        </p:nvSpPr>
+        <p:spPr/>
+        <p:txBody>
+          <a:bodyPr/>
+          <a:lstStyle/>
+          <a:p>
+            <a:r>
+              <a:rPr lang="en-US"/>
+              <a:t>Dijkstra' Algorithm</a:t>
+            </a:r>
+          </a:p>
+        </p:txBody>
+      </p:sp>
+      <p:sp>
+        <p:nvSpPr>
+          <p:cNvPr id="4" name="Slide Number Placeholder 3"/>
+          <p:cNvSpPr>
+            <a:spLocks noGrp="1"/>
+          </p:cNvSpPr>
+          <p:nvPr>
+            <p:ph type="sldNum" sz="quarter" idx="12"/>
+          </p:nvPr>
+        </p:nvSpPr>
+        <p:spPr/>
+        <p:txBody>
+          <a:bodyPr/>
+          <a:lstStyle/>
+          <a:p>
+            <a:fld id="{DACC1BBE-66B1-403A-8C7E-C57A0F3A107F}" type="slidenum">
+              <a:rPr lang="en-US" smtClean="0"/>
+              <a:pPr/>
+              <a:t>70</a:t>
+            </a:fld>
+            <a:endParaRPr lang="en-US"/>
+          </a:p>
+        </p:txBody>
+      </p:sp>
+      <p:sp>
+        <p:nvSpPr>
+          <p:cNvPr id="86019" name="Rectangle 2"/>
+          <p:cNvSpPr>
+            <a:spLocks noGrp="1" noChangeArrowheads="1"/>
+          </p:cNvSpPr>
+          <p:nvPr>
+            <p:ph sz="quarter" idx="1"/>
+            <p:custDataLst>
+              <p:tags r:id="rId2"/>
+            </p:custDataLst>
+          </p:nvPr>
+        </p:nvSpPr>
+        <p:spPr>
+          <a:xfrm>
+            <a:off x="457200" y="1219200"/>
+            <a:ext cx="8229600" cy="5334000"/>
+          </a:xfrm>
+        </p:spPr>
+        <p:txBody>
+          <a:bodyPr>
+            <a:noAutofit/>
+          </a:bodyPr>
+          <a:lstStyle/>
+          <a:p>
+            <a:pPr>
+              <a:lnSpc>
+                <a:spcPct val="80000"/>
+              </a:lnSpc>
+              <a:buFont typeface="Monotype Sorts" charset="2"/>
+              <a:buNone/>
+            </a:pPr>
+            <a:r>
+              <a:rPr lang="en-US" sz="2000" b="1" dirty="0" err="1">
+                <a:latin typeface="Courier New" pitchFamily="49" charset="0"/>
+              </a:rPr>
+              <a:t>dijkstra</a:t>
+            </a:r>
+            <a:r>
+              <a:rPr lang="en-US" sz="2000" b="1" dirty="0">
+                <a:latin typeface="Courier New" pitchFamily="49" charset="0"/>
+              </a:rPr>
+              <a:t>(G, wt,</a:t>
+            </a:r>
+            <a:r>
+              <a:rPr lang="en-US" sz="2000" b="1" dirty="0">
+                <a:solidFill>
+                  <a:schemeClr val="accent1"/>
+                </a:solidFill>
+                <a:latin typeface="Courier New" pitchFamily="49" charset="0"/>
+              </a:rPr>
+              <a:t> s</a:t>
+            </a:r>
+            <a:r>
+              <a:rPr lang="en-US" sz="2000" b="1" dirty="0">
+                <a:latin typeface="Courier New" pitchFamily="49" charset="0"/>
+              </a:rPr>
+              <a:t>)</a:t>
+            </a:r>
+          </a:p>
+          <a:p>
+            <a:pPr>
+              <a:lnSpc>
+                <a:spcPct val="80000"/>
+              </a:lnSpc>
+              <a:buFont typeface="Monotype Sorts" charset="2"/>
+              <a:buNone/>
+            </a:pPr>
+            <a:r>
+              <a:rPr lang="en-US" sz="2000" b="1" dirty="0">
+                <a:latin typeface="Courier New" pitchFamily="49" charset="0"/>
+              </a:rPr>
+              <a:t> init PQ to be empty;</a:t>
+            </a:r>
+          </a:p>
+          <a:p>
+            <a:pPr>
+              <a:lnSpc>
+                <a:spcPct val="80000"/>
+              </a:lnSpc>
+              <a:buFont typeface="Monotype Sorts" charset="2"/>
+              <a:buNone/>
+            </a:pPr>
+            <a:r>
+              <a:rPr lang="en-US" sz="2000" b="1" dirty="0">
+                <a:latin typeface="Courier New" pitchFamily="49" charset="0"/>
+              </a:rPr>
+              <a:t> </a:t>
+            </a:r>
+            <a:r>
+              <a:rPr lang="en-US" sz="2000" b="1" dirty="0" err="1">
+                <a:latin typeface="Courier New" pitchFamily="49" charset="0"/>
+              </a:rPr>
+              <a:t>PQ.Insert</a:t>
+            </a:r>
+            <a:r>
+              <a:rPr lang="en-US" sz="2000" b="1" dirty="0">
+                <a:latin typeface="Courier New" pitchFamily="49" charset="0"/>
+              </a:rPr>
+              <a:t>(s, </a:t>
+            </a:r>
+            <a:r>
+              <a:rPr lang="en-US" sz="2000" b="1" dirty="0">
+                <a:solidFill>
+                  <a:schemeClr val="accent1"/>
+                </a:solidFill>
+                <a:latin typeface="Courier New" pitchFamily="49" charset="0"/>
+              </a:rPr>
+              <a:t>dist=0</a:t>
+            </a:r>
+            <a:r>
+              <a:rPr lang="en-US" sz="2000" b="1" dirty="0">
+                <a:latin typeface="Courier New" pitchFamily="49" charset="0"/>
+              </a:rPr>
+              <a:t>);</a:t>
+            </a:r>
+          </a:p>
+          <a:p>
+            <a:pPr>
+              <a:lnSpc>
+                <a:spcPct val="80000"/>
+              </a:lnSpc>
+              <a:buFont typeface="Monotype Sorts" charset="2"/>
+              <a:buNone/>
+            </a:pPr>
+            <a:r>
+              <a:rPr lang="en-US" sz="2000" b="1" dirty="0">
+                <a:latin typeface="Courier New" pitchFamily="49" charset="0"/>
+                <a:sym typeface="Symbol" pitchFamily="18" charset="2"/>
+              </a:rPr>
+              <a:t> parent[s] = NULL; </a:t>
+            </a:r>
+            <a:r>
+              <a:rPr lang="en-US" sz="2000" b="1" dirty="0">
+                <a:solidFill>
+                  <a:schemeClr val="accent1"/>
+                </a:solidFill>
+                <a:latin typeface="Courier New" pitchFamily="49" charset="0"/>
+                <a:sym typeface="Symbol" pitchFamily="18" charset="2"/>
+              </a:rPr>
+              <a:t>dist[s] = 0</a:t>
+            </a:r>
+            <a:r>
+              <a:rPr lang="en-US" sz="2000" b="1" dirty="0">
+                <a:latin typeface="Courier New" pitchFamily="49" charset="0"/>
+                <a:sym typeface="Symbol" pitchFamily="18" charset="2"/>
+              </a:rPr>
+              <a:t>;</a:t>
+            </a:r>
+          </a:p>
+          <a:p>
+            <a:pPr>
+              <a:lnSpc>
+                <a:spcPct val="80000"/>
+              </a:lnSpc>
+              <a:buFont typeface="Monotype Sorts" charset="2"/>
+              <a:buNone/>
+            </a:pPr>
+            <a:r>
+              <a:rPr lang="en-US" sz="2000" b="1" dirty="0">
+                <a:latin typeface="Courier New" pitchFamily="49" charset="0"/>
+                <a:sym typeface="Symbol" pitchFamily="18" charset="2"/>
+              </a:rPr>
+              <a:t> while (PQ not empty)</a:t>
+            </a:r>
+          </a:p>
+          <a:p>
+            <a:pPr>
+              <a:lnSpc>
+                <a:spcPct val="80000"/>
+              </a:lnSpc>
+              <a:buFont typeface="Monotype Sorts" charset="2"/>
+              <a:buNone/>
+            </a:pPr>
+            <a:r>
+              <a:rPr lang="en-US" sz="2000" b="1" dirty="0">
+                <a:latin typeface="Courier New" pitchFamily="49" charset="0"/>
+                <a:sym typeface="Symbol" pitchFamily="18" charset="2"/>
+              </a:rPr>
+              <a:t>   v = </a:t>
+            </a:r>
+            <a:r>
+              <a:rPr lang="en-US" sz="2000" b="1" dirty="0" err="1">
+                <a:latin typeface="Courier New" pitchFamily="49" charset="0"/>
+                <a:sym typeface="Symbol" pitchFamily="18" charset="2"/>
+              </a:rPr>
+              <a:t>PQ.ExtractMin</a:t>
+            </a:r>
+            <a:r>
+              <a:rPr lang="en-US" sz="2000" b="1" dirty="0">
+                <a:latin typeface="Courier New" pitchFamily="49" charset="0"/>
+                <a:sym typeface="Symbol" pitchFamily="18" charset="2"/>
+              </a:rPr>
+              <a:t>();</a:t>
+            </a:r>
+          </a:p>
+          <a:p>
+            <a:pPr>
+              <a:lnSpc>
+                <a:spcPct val="80000"/>
+              </a:lnSpc>
+              <a:buFont typeface="Monotype Sorts" charset="2"/>
+              <a:buNone/>
+            </a:pPr>
+            <a:r>
+              <a:rPr lang="en-US" sz="2000" b="1" dirty="0">
+                <a:latin typeface="Courier New" pitchFamily="49" charset="0"/>
+                <a:sym typeface="Symbol" pitchFamily="18" charset="2"/>
+              </a:rPr>
+              <a:t>   for each </a:t>
+            </a:r>
+            <a:r>
+              <a:rPr lang="en-US" sz="2000" b="1" i="1" dirty="0">
+                <a:latin typeface="Courier New" pitchFamily="49" charset="0"/>
+                <a:sym typeface="Symbol" pitchFamily="18" charset="2"/>
+              </a:rPr>
+              <a:t>w</a:t>
+            </a:r>
+            <a:r>
+              <a:rPr lang="en-US" sz="2000" b="1" dirty="0">
+                <a:latin typeface="Courier New" pitchFamily="49" charset="0"/>
+              </a:rPr>
+              <a:t> </a:t>
+            </a:r>
+            <a:r>
+              <a:rPr lang="en-US" sz="2000" b="1" dirty="0" err="1">
+                <a:latin typeface="Courier New" pitchFamily="49" charset="0"/>
+                <a:sym typeface="Symbol" pitchFamily="18" charset="2"/>
+              </a:rPr>
+              <a:t>adj</a:t>
+            </a:r>
+            <a:r>
+              <a:rPr lang="en-US" sz="2000" b="1" dirty="0">
+                <a:latin typeface="Courier New" pitchFamily="49" charset="0"/>
+                <a:sym typeface="Symbol" pitchFamily="18" charset="2"/>
+              </a:rPr>
+              <a:t> to v</a:t>
+            </a:r>
+          </a:p>
+          <a:p>
+            <a:pPr>
+              <a:lnSpc>
+                <a:spcPct val="80000"/>
+              </a:lnSpc>
+              <a:buFont typeface="Monotype Sorts" charset="2"/>
+              <a:buNone/>
+            </a:pPr>
+            <a:r>
+              <a:rPr lang="en-US" sz="2000" b="1" dirty="0">
+                <a:latin typeface="Courier New" pitchFamily="49" charset="0"/>
+                <a:sym typeface="Symbol" pitchFamily="18" charset="2"/>
+              </a:rPr>
+              <a:t>     if (w</a:t>
+            </a:r>
+            <a:r>
+              <a:rPr lang="en-US" sz="2000" b="1" dirty="0">
+                <a:latin typeface="Courier New" pitchFamily="49" charset="0"/>
+              </a:rPr>
+              <a:t> </a:t>
+            </a:r>
+            <a:r>
+              <a:rPr lang="en-US" sz="2000" b="1" dirty="0">
+                <a:latin typeface="Courier New" pitchFamily="49" charset="0"/>
+                <a:sym typeface="Symbol" pitchFamily="18" charset="2"/>
+              </a:rPr>
+              <a:t>is unseen) {</a:t>
+            </a:r>
+          </a:p>
+          <a:p>
+            <a:pPr>
+              <a:lnSpc>
+                <a:spcPct val="80000"/>
+              </a:lnSpc>
+              <a:buFont typeface="Monotype Sorts" charset="2"/>
+              <a:buNone/>
+            </a:pPr>
+            <a:r>
+              <a:rPr lang="en-US" sz="2000" b="1" dirty="0">
+                <a:latin typeface="Courier New" pitchFamily="49" charset="0"/>
+                <a:sym typeface="Symbol" pitchFamily="18" charset="2"/>
+              </a:rPr>
+              <a:t>        </a:t>
+            </a:r>
+            <a:r>
+              <a:rPr lang="en-US" sz="2000" b="1" dirty="0">
+                <a:solidFill>
+                  <a:schemeClr val="accent1"/>
+                </a:solidFill>
+                <a:latin typeface="Courier New" pitchFamily="49" charset="0"/>
+                <a:sym typeface="Symbol" pitchFamily="18" charset="2"/>
+              </a:rPr>
+              <a:t>dist[w] =</a:t>
+            </a:r>
+            <a:r>
+              <a:rPr lang="en-US" sz="2000" b="1" dirty="0">
+                <a:latin typeface="Courier New" pitchFamily="49" charset="0"/>
+                <a:sym typeface="Symbol" pitchFamily="18" charset="2"/>
+              </a:rPr>
+              <a:t> </a:t>
+            </a:r>
+            <a:r>
+              <a:rPr lang="en-US" sz="2000" b="1" dirty="0">
+                <a:solidFill>
+                  <a:schemeClr val="accent1"/>
+                </a:solidFill>
+                <a:latin typeface="Courier New" pitchFamily="49" charset="0"/>
+                <a:sym typeface="Symbol" pitchFamily="18" charset="2"/>
+              </a:rPr>
+              <a:t>dist[v] + wt(</a:t>
+            </a:r>
+            <a:r>
+              <a:rPr lang="en-US" sz="2000" b="1" dirty="0" err="1">
+                <a:solidFill>
+                  <a:schemeClr val="accent1"/>
+                </a:solidFill>
+                <a:latin typeface="Courier New" pitchFamily="49" charset="0"/>
+                <a:sym typeface="Symbol" pitchFamily="18" charset="2"/>
+              </a:rPr>
+              <a:t>v,w</a:t>
+            </a:r>
+            <a:r>
+              <a:rPr lang="en-US" sz="2000" b="1" dirty="0">
+                <a:solidFill>
+                  <a:schemeClr val="accent1"/>
+                </a:solidFill>
+                <a:latin typeface="Courier New" pitchFamily="49" charset="0"/>
+                <a:sym typeface="Symbol" pitchFamily="18" charset="2"/>
+              </a:rPr>
+              <a:t>)</a:t>
+            </a:r>
+            <a:r>
+              <a:rPr lang="en-US" sz="2000" b="1" dirty="0">
+                <a:latin typeface="Courier New" pitchFamily="49" charset="0"/>
+                <a:sym typeface="Symbol" pitchFamily="18" charset="2"/>
+              </a:rPr>
+              <a:t> </a:t>
+            </a:r>
+          </a:p>
+          <a:p>
+            <a:pPr>
+              <a:lnSpc>
+                <a:spcPct val="80000"/>
+              </a:lnSpc>
+              <a:buFont typeface="Monotype Sorts" charset="2"/>
+              <a:buNone/>
+            </a:pPr>
+            <a:r>
+              <a:rPr lang="en-US" sz="2000" b="1" dirty="0">
+                <a:latin typeface="Courier New" pitchFamily="49" charset="0"/>
+                <a:sym typeface="Symbol" pitchFamily="18" charset="2"/>
+              </a:rPr>
+              <a:t>        </a:t>
+            </a:r>
+            <a:r>
+              <a:rPr lang="en-US" sz="2000" b="1" dirty="0" err="1">
+                <a:latin typeface="Courier New" pitchFamily="49" charset="0"/>
+                <a:sym typeface="Symbol" pitchFamily="18" charset="2"/>
+              </a:rPr>
+              <a:t>PQ.Insert</a:t>
+            </a:r>
+            <a:r>
+              <a:rPr lang="en-US" sz="2000" b="1" dirty="0">
+                <a:latin typeface="Courier New" pitchFamily="49" charset="0"/>
+                <a:sym typeface="Symbol" pitchFamily="18" charset="2"/>
+              </a:rPr>
+              <a:t>(w, </a:t>
+            </a:r>
+            <a:r>
+              <a:rPr lang="en-US" sz="2000" b="1" dirty="0">
+                <a:solidFill>
+                  <a:schemeClr val="accent1"/>
+                </a:solidFill>
+                <a:latin typeface="Courier New" pitchFamily="49" charset="0"/>
+                <a:sym typeface="Symbol" pitchFamily="18" charset="2"/>
+              </a:rPr>
+              <a:t>dist[w] </a:t>
+            </a:r>
+            <a:r>
+              <a:rPr lang="en-US" sz="2000" b="1" dirty="0">
+                <a:latin typeface="Courier New" pitchFamily="49" charset="0"/>
+                <a:sym typeface="Symbol" pitchFamily="18" charset="2"/>
+              </a:rPr>
+              <a:t>);</a:t>
+            </a:r>
+          </a:p>
+          <a:p>
+            <a:pPr>
+              <a:lnSpc>
+                <a:spcPct val="80000"/>
+              </a:lnSpc>
+              <a:buFont typeface="Monotype Sorts" charset="2"/>
+              <a:buNone/>
+            </a:pPr>
+            <a:r>
+              <a:rPr lang="en-US" sz="2000" b="1" dirty="0">
+                <a:latin typeface="Courier New" pitchFamily="49" charset="0"/>
+                <a:sym typeface="Symbol" pitchFamily="18" charset="2"/>
+              </a:rPr>
+              <a:t>        parent[w] = v;</a:t>
+            </a:r>
+          </a:p>
+          <a:p>
+            <a:pPr>
+              <a:lnSpc>
+                <a:spcPct val="80000"/>
+              </a:lnSpc>
+              <a:buFont typeface="Monotype Sorts" charset="2"/>
+              <a:buNone/>
+            </a:pPr>
+            <a:r>
+              <a:rPr lang="en-US" sz="2000" b="1" dirty="0">
+                <a:latin typeface="Courier New" pitchFamily="49" charset="0"/>
+                <a:sym typeface="Symbol" pitchFamily="18" charset="2"/>
+              </a:rPr>
+              <a:t>	   }</a:t>
+            </a:r>
+          </a:p>
+          <a:p>
+            <a:pPr>
+              <a:lnSpc>
+                <a:spcPct val="80000"/>
+              </a:lnSpc>
+              <a:buFont typeface="Monotype Sorts" charset="2"/>
+              <a:buNone/>
+            </a:pPr>
+            <a:r>
+              <a:rPr lang="en-US" sz="2000" b="1" dirty="0">
+                <a:latin typeface="Courier New" pitchFamily="49" charset="0"/>
+                <a:sym typeface="Symbol" pitchFamily="18" charset="2"/>
+              </a:rPr>
+              <a:t>     else if (w is fringe &amp;&amp; </a:t>
+            </a:r>
+            <a:r>
+              <a:rPr lang="en-US" sz="2000" b="1" dirty="0">
+                <a:solidFill>
+                  <a:schemeClr val="accent1"/>
+                </a:solidFill>
+                <a:latin typeface="Courier New" pitchFamily="49" charset="0"/>
+                <a:sym typeface="Symbol" pitchFamily="18" charset="2"/>
+              </a:rPr>
+              <a:t>dist[v] + wt(</a:t>
+            </a:r>
+            <a:r>
+              <a:rPr lang="en-US" sz="2000" b="1" dirty="0" err="1">
+                <a:solidFill>
+                  <a:schemeClr val="accent1"/>
+                </a:solidFill>
+                <a:latin typeface="Courier New" pitchFamily="49" charset="0"/>
+                <a:sym typeface="Symbol" pitchFamily="18" charset="2"/>
+              </a:rPr>
+              <a:t>v,w</a:t>
+            </a:r>
+            <a:r>
+              <a:rPr lang="en-US" sz="2000" b="1" dirty="0">
+                <a:solidFill>
+                  <a:schemeClr val="accent1"/>
+                </a:solidFill>
+                <a:latin typeface="Courier New" pitchFamily="49" charset="0"/>
+                <a:sym typeface="Symbol" pitchFamily="18" charset="2"/>
+              </a:rPr>
+              <a:t>) &lt; dist[w]</a:t>
+            </a:r>
+            <a:r>
+              <a:rPr lang="en-US" sz="2000" b="1" dirty="0">
+                <a:latin typeface="Courier New" pitchFamily="49" charset="0"/>
+                <a:sym typeface="Symbol" pitchFamily="18" charset="2"/>
+              </a:rPr>
+              <a:t> ) {</a:t>
+            </a:r>
+          </a:p>
+          <a:p>
+            <a:pPr>
+              <a:lnSpc>
+                <a:spcPct val="80000"/>
+              </a:lnSpc>
+              <a:buFont typeface="Monotype Sorts" charset="2"/>
+              <a:buNone/>
+            </a:pPr>
+            <a:r>
+              <a:rPr lang="en-US" sz="2000" b="1" dirty="0">
+                <a:latin typeface="Courier New" pitchFamily="49" charset="0"/>
+                <a:sym typeface="Symbol" pitchFamily="18" charset="2"/>
+              </a:rPr>
+              <a:t>        </a:t>
+            </a:r>
+            <a:r>
+              <a:rPr lang="en-US" sz="2000" b="1" dirty="0">
+                <a:solidFill>
+                  <a:schemeClr val="accent1"/>
+                </a:solidFill>
+                <a:latin typeface="Courier New" pitchFamily="49" charset="0"/>
+                <a:sym typeface="Symbol" pitchFamily="18" charset="2"/>
+              </a:rPr>
+              <a:t>dist[w] =</a:t>
+            </a:r>
+            <a:r>
+              <a:rPr lang="en-US" sz="2000" b="1" dirty="0">
+                <a:latin typeface="Courier New" pitchFamily="49" charset="0"/>
+                <a:sym typeface="Symbol" pitchFamily="18" charset="2"/>
+              </a:rPr>
+              <a:t> </a:t>
+            </a:r>
+            <a:r>
+              <a:rPr lang="en-US" sz="2000" b="1" dirty="0">
+                <a:solidFill>
+                  <a:schemeClr val="accent1"/>
+                </a:solidFill>
+                <a:latin typeface="Courier New" pitchFamily="49" charset="0"/>
+                <a:sym typeface="Symbol" pitchFamily="18" charset="2"/>
+              </a:rPr>
+              <a:t>dist[v] + wt(</a:t>
+            </a:r>
+            <a:r>
+              <a:rPr lang="en-US" sz="2000" b="1" dirty="0" err="1">
+                <a:solidFill>
+                  <a:schemeClr val="accent1"/>
+                </a:solidFill>
+                <a:latin typeface="Courier New" pitchFamily="49" charset="0"/>
+                <a:sym typeface="Symbol" pitchFamily="18" charset="2"/>
+              </a:rPr>
+              <a:t>v,w</a:t>
+            </a:r>
+            <a:r>
+              <a:rPr lang="en-US" sz="2000" b="1" dirty="0">
+                <a:solidFill>
+                  <a:schemeClr val="accent1"/>
+                </a:solidFill>
+                <a:latin typeface="Courier New" pitchFamily="49" charset="0"/>
+                <a:sym typeface="Symbol" pitchFamily="18" charset="2"/>
+              </a:rPr>
+              <a:t>)</a:t>
+            </a:r>
+            <a:endParaRPr lang="en-US" sz="2000" b="1" dirty="0">
+              <a:latin typeface="Courier New" pitchFamily="49" charset="0"/>
+              <a:sym typeface="Symbol" pitchFamily="18" charset="2"/>
+            </a:endParaRPr>
+          </a:p>
+          <a:p>
+            <a:pPr>
+              <a:lnSpc>
+                <a:spcPct val="80000"/>
+              </a:lnSpc>
+              <a:buFont typeface="Monotype Sorts" charset="2"/>
+              <a:buNone/>
+            </a:pPr>
+            <a:r>
+              <a:rPr lang="en-US" sz="2000" b="1" dirty="0">
+                <a:latin typeface="Courier New" pitchFamily="49" charset="0"/>
+                <a:sym typeface="Symbol" pitchFamily="18" charset="2"/>
+              </a:rPr>
+              <a:t>        </a:t>
+            </a:r>
+            <a:r>
+              <a:rPr lang="en-US" sz="2000" b="1" dirty="0" err="1">
+                <a:latin typeface="Courier New" pitchFamily="49" charset="0"/>
+                <a:sym typeface="Symbol" pitchFamily="18" charset="2"/>
+              </a:rPr>
+              <a:t>PQ.decreaseKey</a:t>
+            </a:r>
+            <a:r>
+              <a:rPr lang="en-US" sz="2000" b="1" dirty="0">
+                <a:latin typeface="Courier New" pitchFamily="49" charset="0"/>
+                <a:sym typeface="Symbol" pitchFamily="18" charset="2"/>
+              </a:rPr>
+              <a:t>(w, </a:t>
+            </a:r>
+            <a:r>
+              <a:rPr lang="en-US" sz="2000" b="1" dirty="0">
+                <a:solidFill>
+                  <a:schemeClr val="accent1"/>
+                </a:solidFill>
+                <a:latin typeface="Courier New" pitchFamily="49" charset="0"/>
+                <a:sym typeface="Symbol" pitchFamily="18" charset="2"/>
+              </a:rPr>
+              <a:t>dist[w]</a:t>
+            </a:r>
+            <a:r>
+              <a:rPr lang="en-US" sz="2000" b="1" dirty="0">
+                <a:latin typeface="Courier New" pitchFamily="49" charset="0"/>
+                <a:sym typeface="Symbol" pitchFamily="18" charset="2"/>
+              </a:rPr>
+              <a:t>);</a:t>
+            </a:r>
+          </a:p>
+          <a:p>
+            <a:pPr>
+              <a:lnSpc>
+                <a:spcPct val="80000"/>
+              </a:lnSpc>
+              <a:buFont typeface="Monotype Sorts" charset="2"/>
+              <a:buNone/>
+            </a:pPr>
+            <a:r>
+              <a:rPr lang="en-US" sz="2000" b="1" dirty="0">
+                <a:latin typeface="Courier New" pitchFamily="49" charset="0"/>
+                <a:sym typeface="Symbol" pitchFamily="18" charset="2"/>
+              </a:rPr>
+              <a:t>        parent[w] = v;</a:t>
+            </a:r>
+          </a:p>
+          <a:p>
+            <a:pPr>
+              <a:lnSpc>
+                <a:spcPct val="80000"/>
+              </a:lnSpc>
+              <a:buFont typeface="Monotype Sorts" charset="2"/>
+              <a:buNone/>
+            </a:pPr>
+            <a:r>
+              <a:rPr lang="en-US" sz="2000" b="1" dirty="0">
+                <a:latin typeface="Courier New" pitchFamily="49" charset="0"/>
+                <a:sym typeface="Symbol" pitchFamily="18" charset="2"/>
+              </a:rPr>
+              <a:t>     }</a:t>
+            </a:r>
+          </a:p>
+        </p:txBody>
+      </p:sp>
+    </p:spTree>
+    <p:extLst>
+      <p:ext uri="{BB962C8B-B14F-4D97-AF65-F5344CB8AC3E}">
+        <p14:creationId xmlns:p14="http://schemas.microsoft.com/office/powerpoint/2010/main" val="3454196530"/>
+      </p:ext>
+    </p:extLst>
+  </p:cSld>
+  <p:clrMapOvr>
+    <a:masterClrMapping/>
+  </p:clrMapOvr>
+</p:sld>
+</file>
+
+<file path=ppt/slides/slide71.xml><?xml version="1.0" encoding="utf-8"?>
+<p:sld xmlns:a="http://schemas.openxmlformats.org/drawingml/2006/main" xmlns:r="http://schemas.openxmlformats.org/officeDocument/2006/relationships" xmlns:p="http://schemas.openxmlformats.org/presentationml/2006/main">
+  <p:cSld>
+    <p:spTree>
+      <p:nvGrpSpPr>
+        <p:cNvPr id="1" name=""/>
+        <p:cNvGrpSpPr/>
+        <p:nvPr/>
+      </p:nvGrpSpPr>
+      <p:grpSpPr>
+        <a:xfrm>
+          <a:off x="0" y="0"/>
+          <a:ext cx="0" cy="0"/>
+          <a:chOff x="0" y="0"/>
+          <a:chExt cx="0" cy="0"/>
+        </a:xfrm>
+      </p:grpSpPr>
+      <p:sp>
+        <p:nvSpPr>
+          <p:cNvPr id="87043" name="Rectangle 2"/>
+          <p:cNvSpPr>
+            <a:spLocks noGrp="1" noChangeArrowheads="1"/>
+          </p:cNvSpPr>
+          <p:nvPr>
+            <p:ph type="title"/>
+            <p:custDataLst>
+              <p:tags r:id="rId1"/>
+            </p:custDataLst>
+          </p:nvPr>
+        </p:nvSpPr>
+        <p:spPr/>
+        <p:txBody>
+          <a:bodyPr/>
+          <a:lstStyle/>
+          <a:p>
+            <a:r>
+              <a:rPr lang="en-US"/>
+              <a:t>Notes on Dijkstra’s Algorithm</a:t>
+            </a:r>
+          </a:p>
+        </p:txBody>
+      </p:sp>
+      <p:sp>
+        <p:nvSpPr>
+          <p:cNvPr id="4" name="Slide Number Placeholder 3"/>
+          <p:cNvSpPr>
+            <a:spLocks noGrp="1"/>
+          </p:cNvSpPr>
+          <p:nvPr>
+            <p:ph type="sldNum" sz="quarter" idx="12"/>
+          </p:nvPr>
+        </p:nvSpPr>
+        <p:spPr/>
+        <p:txBody>
+          <a:bodyPr/>
+          <a:lstStyle/>
+          <a:p>
+            <a:fld id="{DACC1BBE-66B1-403A-8C7E-C57A0F3A107F}" type="slidenum">
+              <a:rPr lang="en-US" smtClean="0"/>
+              <a:pPr/>
+              <a:t>71</a:t>
+            </a:fld>
+            <a:endParaRPr lang="en-US"/>
+          </a:p>
+        </p:txBody>
+      </p:sp>
+      <p:sp>
+        <p:nvSpPr>
+          <p:cNvPr id="87044" name="Rectangle 3"/>
+          <p:cNvSpPr>
+            <a:spLocks noGrp="1" noChangeArrowheads="1"/>
+          </p:cNvSpPr>
+          <p:nvPr>
+            <p:ph sz="quarter" idx="1"/>
+            <p:custDataLst>
+              <p:tags r:id="rId2"/>
+            </p:custDataLst>
+          </p:nvPr>
+        </p:nvSpPr>
+        <p:spPr/>
+        <p:txBody>
+          <a:bodyPr/>
+          <a:lstStyle/>
+          <a:p>
+            <a:r>
+              <a:rPr lang="en-US" dirty="0"/>
+              <a:t>Use </a:t>
+            </a:r>
+            <a:r>
+              <a:rPr lang="en-US" dirty="0" err="1"/>
+              <a:t>dist</a:t>
+            </a:r>
+            <a:r>
+              <a:rPr lang="en-US" dirty="0"/>
+              <a:t>[] to store distances from start to any fringe or tree node</a:t>
+            </a:r>
+          </a:p>
+          <a:p>
+            <a:r>
+              <a:rPr lang="en-US" dirty="0"/>
+              <a:t>Store and calculate using distances instead of edge-weights </a:t>
+            </a:r>
+          </a:p>
+          <a:p>
+            <a:r>
+              <a:rPr lang="en-US" dirty="0"/>
+              <a:t>What’s the output?</a:t>
+            </a:r>
+          </a:p>
+          <a:p>
+            <a:pPr lvl="1"/>
+            <a:r>
+              <a:rPr lang="en-US" dirty="0"/>
+              <a:t>Tree captured in the parent[] array</a:t>
+            </a:r>
+          </a:p>
+          <a:p>
+            <a:pPr lvl="1"/>
+            <a:r>
+              <a:rPr lang="en-US" dirty="0"/>
+              <a:t>Shortest distance to each node in </a:t>
+            </a:r>
+            <a:r>
+              <a:rPr lang="en-US" dirty="0" err="1"/>
+              <a:t>dist</a:t>
+            </a:r>
+            <a:r>
+              <a:rPr lang="en-US" dirty="0"/>
+              <a:t>[] array</a:t>
+            </a:r>
+          </a:p>
+          <a:p>
+            <a:pPr lvl="1"/>
+            <a:r>
+              <a:rPr lang="en-US" dirty="0"/>
+              <a:t>Trace shortest path in reverse by using parent[] to move from target back to start node, s</a:t>
+            </a:r>
+          </a:p>
+        </p:txBody>
+      </p:sp>
+    </p:spTree>
+    <p:extLst>
+      <p:ext uri="{BB962C8B-B14F-4D97-AF65-F5344CB8AC3E}">
+        <p14:creationId xmlns:p14="http://schemas.microsoft.com/office/powerpoint/2010/main" val="2458353732"/>
+      </p:ext>
+    </p:extLst>
+  </p:cSld>
+  <p:clrMapOvr>
+    <a:masterClrMapping/>
+  </p:clrMapOvr>
+</p:sld>
+</file>
+
+<file path=ppt/slides/slide72.xml><?xml version="1.0" encoding="utf-8"?>
+<p:sld xmlns:a="http://schemas.openxmlformats.org/drawingml/2006/main" xmlns:r="http://schemas.openxmlformats.org/officeDocument/2006/relationships" xmlns:p="http://schemas.openxmlformats.org/presentationml/2006/main">
+  <p:cSld>
+    <p:spTree>
+      <p:nvGrpSpPr>
+        <p:cNvPr id="1" name=""/>
+        <p:cNvGrpSpPr/>
+        <p:nvPr/>
+      </p:nvGrpSpPr>
+      <p:grpSpPr>
+        <a:xfrm>
+          <a:off x="0" y="0"/>
+          <a:ext cx="0" cy="0"/>
+          <a:chOff x="0" y="0"/>
+          <a:chExt cx="0" cy="0"/>
+        </a:xfrm>
+      </p:grpSpPr>
+      <p:sp>
+        <p:nvSpPr>
+          <p:cNvPr id="89091" name="Rectangle 2"/>
+          <p:cNvSpPr>
+            <a:spLocks noGrp="1" noChangeArrowheads="1"/>
+          </p:cNvSpPr>
+          <p:nvPr>
+            <p:ph type="title"/>
+            <p:custDataLst>
+              <p:tags r:id="rId1"/>
+            </p:custDataLst>
+          </p:nvPr>
+        </p:nvSpPr>
+        <p:spPr/>
+        <p:txBody>
+          <a:bodyPr/>
+          <a:lstStyle/>
+          <a:p>
+            <a:r>
+              <a:rPr lang="en-US"/>
+              <a:t>Correctness of These Greedy Algorithms</a:t>
+            </a:r>
+          </a:p>
+        </p:txBody>
+      </p:sp>
+      <p:sp>
+        <p:nvSpPr>
+          <p:cNvPr id="4" name="Slide Number Placeholder 3"/>
+          <p:cNvSpPr>
+            <a:spLocks noGrp="1"/>
+          </p:cNvSpPr>
+          <p:nvPr>
+            <p:ph type="sldNum" sz="quarter" idx="12"/>
+          </p:nvPr>
+        </p:nvSpPr>
+        <p:spPr/>
+        <p:txBody>
+          <a:bodyPr/>
+          <a:lstStyle/>
+          <a:p>
+            <a:fld id="{DACC1BBE-66B1-403A-8C7E-C57A0F3A107F}" type="slidenum">
+              <a:rPr lang="en-US" smtClean="0"/>
+              <a:pPr/>
+              <a:t>72</a:t>
+            </a:fld>
+            <a:endParaRPr lang="en-US"/>
+          </a:p>
+        </p:txBody>
+      </p:sp>
+      <p:sp>
+        <p:nvSpPr>
+          <p:cNvPr id="89092" name="Rectangle 3"/>
+          <p:cNvSpPr>
+            <a:spLocks noGrp="1" noChangeArrowheads="1"/>
+          </p:cNvSpPr>
+          <p:nvPr>
+            <p:ph sz="quarter" idx="1"/>
+            <p:custDataLst>
+              <p:tags r:id="rId2"/>
+            </p:custDataLst>
+          </p:nvPr>
+        </p:nvSpPr>
+        <p:spPr/>
+        <p:txBody>
+          <a:bodyPr/>
+          <a:lstStyle/>
+          <a:p>
+            <a:r>
+              <a:rPr lang="en-US" dirty="0"/>
+              <a:t>Recall that this greedy approach may or may not guarantee an optimal result</a:t>
+            </a:r>
+          </a:p>
+          <a:p>
+            <a:r>
+              <a:rPr lang="en-US" dirty="0"/>
+              <a:t>Answer: Yes, they do.</a:t>
+            </a:r>
+          </a:p>
+        </p:txBody>
+      </p:sp>
+    </p:spTree>
+    <p:extLst>
+      <p:ext uri="{BB962C8B-B14F-4D97-AF65-F5344CB8AC3E}">
+        <p14:creationId xmlns:p14="http://schemas.microsoft.com/office/powerpoint/2010/main" val="762988292"/>
+      </p:ext>
+    </p:extLst>
+  </p:cSld>
+  <p:clrMapOvr>
+    <a:masterClrMapping/>
+  </p:clrMapOvr>
+</p:sld>
+</file>
+
+<file path=ppt/slides/slide73.xml><?xml version="1.0" encoding="utf-8"?>
+<p:sld xmlns:a="http://schemas.openxmlformats.org/drawingml/2006/main" xmlns:r="http://schemas.openxmlformats.org/officeDocument/2006/relationships" xmlns:p="http://schemas.openxmlformats.org/presentationml/2006/main">
+  <p:cSld>
+    <p:spTree>
+      <p:nvGrpSpPr>
+        <p:cNvPr id="1" name=""/>
+        <p:cNvGrpSpPr/>
+        <p:nvPr/>
+      </p:nvGrpSpPr>
+      <p:grpSpPr>
+        <a:xfrm>
+          <a:off x="0" y="0"/>
+          <a:ext cx="0" cy="0"/>
+          <a:chOff x="0" y="0"/>
+          <a:chExt cx="0" cy="0"/>
+        </a:xfrm>
+      </p:grpSpPr>
+      <p:sp>
+        <p:nvSpPr>
+          <p:cNvPr id="2" name="Title 1"/>
+          <p:cNvSpPr>
+            <a:spLocks noGrp="1"/>
+          </p:cNvSpPr>
+          <p:nvPr>
+            <p:ph type="title"/>
+          </p:nvPr>
+        </p:nvSpPr>
+        <p:spPr/>
+        <p:txBody>
+          <a:bodyPr/>
+          <a:lstStyle/>
+          <a:p>
+            <a:r>
+              <a:rPr lang="en-US"/>
+              <a:t>Proof of Dijkstra’s algorithm</a:t>
+            </a:r>
+            <a:endParaRPr lang="en-US" dirty="0"/>
+          </a:p>
+        </p:txBody>
+      </p:sp>
+      <p:sp>
+        <p:nvSpPr>
+          <p:cNvPr id="4" name="Slide Number Placeholder 3"/>
+          <p:cNvSpPr>
+            <a:spLocks noGrp="1"/>
+          </p:cNvSpPr>
+          <p:nvPr>
+            <p:ph type="sldNum" sz="quarter" idx="12"/>
+          </p:nvPr>
+        </p:nvSpPr>
+        <p:spPr/>
+        <p:txBody>
+          <a:bodyPr/>
+          <a:lstStyle/>
+          <a:p>
+            <a:fld id="{DACC1BBE-66B1-403A-8C7E-C57A0F3A107F}" type="slidenum">
+              <a:rPr lang="en-US" smtClean="0"/>
+              <a:pPr/>
+              <a:t>73</a:t>
+            </a:fld>
+            <a:endParaRPr lang="en-US"/>
+          </a:p>
+        </p:txBody>
+      </p:sp>
+      <p:sp>
+        <p:nvSpPr>
+          <p:cNvPr id="3" name="Content Placeholder 2"/>
+          <p:cNvSpPr>
+            <a:spLocks noGrp="1"/>
+          </p:cNvSpPr>
+          <p:nvPr>
+            <p:ph sz="quarter" idx="1"/>
+          </p:nvPr>
+        </p:nvSpPr>
+        <p:spPr/>
+        <p:txBody>
+          <a:bodyPr/>
+          <a:lstStyle/>
+          <a:p>
+            <a:r>
+              <a:rPr lang="en-US" dirty="0"/>
+              <a:t>Via induction and contradiction</a:t>
+            </a:r>
+          </a:p>
+          <a:p>
+            <a:endParaRPr lang="en-US" dirty="0"/>
+          </a:p>
+          <a:p>
+            <a:r>
+              <a:rPr lang="en-US" dirty="0"/>
+              <a:t>On board --&gt;</a:t>
+            </a:r>
+          </a:p>
+        </p:txBody>
+      </p:sp>
+    </p:spTree>
+    <p:extLst>
+      <p:ext uri="{BB962C8B-B14F-4D97-AF65-F5344CB8AC3E}">
+        <p14:creationId xmlns:p14="http://schemas.microsoft.com/office/powerpoint/2010/main" val="1817150473"/>
+      </p:ext>
+    </p:extLst>
+  </p:cSld>
+  <p:clrMapOvr>
+    <a:masterClrMapping/>
+  </p:clrMapOvr>
+</p:sld>
+</file>
+
+<file path=ppt/slides/slide74.xml><?xml version="1.0" encoding="utf-8"?>
+<p:sld xmlns:a="http://schemas.openxmlformats.org/drawingml/2006/main" xmlns:r="http://schemas.openxmlformats.org/officeDocument/2006/relationships" xmlns:p="http://schemas.openxmlformats.org/presentationml/2006/main">
+  <p:cSld>
+    <p:spTree>
+      <p:nvGrpSpPr>
+        <p:cNvPr id="1" name=""/>
+        <p:cNvGrpSpPr/>
+        <p:nvPr/>
+      </p:nvGrpSpPr>
+      <p:grpSpPr>
+        <a:xfrm>
+          <a:off x="0" y="0"/>
+          <a:ext cx="0" cy="0"/>
+          <a:chOff x="0" y="0"/>
+          <a:chExt cx="0" cy="0"/>
+        </a:xfrm>
+      </p:grpSpPr>
+      <p:sp>
+        <p:nvSpPr>
+          <p:cNvPr id="5" name="Title 4"/>
+          <p:cNvSpPr>
+            <a:spLocks noGrp="1"/>
+          </p:cNvSpPr>
+          <p:nvPr>
+            <p:ph type="title"/>
+          </p:nvPr>
+        </p:nvSpPr>
+        <p:spPr/>
+        <p:txBody>
+          <a:bodyPr/>
+          <a:lstStyle/>
+          <a:p>
+            <a:r>
+              <a:rPr lang="en-US"/>
+              <a:t>Summary</a:t>
+            </a:r>
+            <a:endParaRPr lang="en-US" dirty="0"/>
+          </a:p>
+        </p:txBody>
+      </p:sp>
+      <p:sp>
+        <p:nvSpPr>
+          <p:cNvPr id="6" name="Text Placeholder 5"/>
+          <p:cNvSpPr>
+            <a:spLocks noGrp="1"/>
+          </p:cNvSpPr>
+          <p:nvPr>
+            <p:ph type="body" idx="1"/>
+          </p:nvPr>
+        </p:nvSpPr>
+        <p:spPr/>
+        <p:txBody>
+          <a:bodyPr/>
+          <a:lstStyle/>
+          <a:p>
+            <a:endParaRPr lang="en-US"/>
+          </a:p>
+        </p:txBody>
+      </p:sp>
+      <p:sp>
+        <p:nvSpPr>
+          <p:cNvPr id="4" name="Slide Number Placeholder 3"/>
+          <p:cNvSpPr>
+            <a:spLocks noGrp="1"/>
+          </p:cNvSpPr>
+          <p:nvPr>
+            <p:ph type="sldNum" sz="quarter" idx="12"/>
+          </p:nvPr>
+        </p:nvSpPr>
+        <p:spPr/>
+        <p:txBody>
+          <a:bodyPr/>
+          <a:lstStyle/>
+          <a:p>
+            <a:fld id="{030EE116-056E-4288-B7F7-411CB7E437A9}" type="slidenum">
+              <a:rPr lang="en-US" smtClean="0"/>
+              <a:pPr/>
+              <a:t>74</a:t>
+            </a:fld>
+            <a:endParaRPr lang="en-US"/>
+          </a:p>
+        </p:txBody>
+      </p:sp>
+    </p:spTree>
+    <p:extLst>
+      <p:ext uri="{BB962C8B-B14F-4D97-AF65-F5344CB8AC3E}">
+        <p14:creationId xmlns:p14="http://schemas.microsoft.com/office/powerpoint/2010/main" val="3384825226"/>
+      </p:ext>
+    </p:extLst>
+  </p:cSld>
+  <p:clrMapOvr>
+    <a:masterClrMapping/>
+  </p:clrMapOvr>
+</p:sld>
+</file>
+
+<file path=ppt/slides/slide75.xml><?xml version="1.0" encoding="utf-8"?>
+<p:sld xmlns:a="http://schemas.openxmlformats.org/drawingml/2006/main" xmlns:r="http://schemas.openxmlformats.org/officeDocument/2006/relationships" xmlns:p="http://schemas.openxmlformats.org/presentationml/2006/main">
+  <p:cSld>
+    <p:spTree>
+      <p:nvGrpSpPr>
+        <p:cNvPr id="1" name=""/>
+        <p:cNvGrpSpPr/>
+        <p:nvPr/>
+      </p:nvGrpSpPr>
+      <p:grpSpPr>
+        <a:xfrm>
+          <a:off x="0" y="0"/>
+          <a:ext cx="0" cy="0"/>
+          <a:chOff x="0" y="0"/>
+          <a:chExt cx="0" cy="0"/>
+        </a:xfrm>
+      </p:grpSpPr>
+      <p:sp>
+        <p:nvSpPr>
+          <p:cNvPr id="5" name="Title 4"/>
+          <p:cNvSpPr>
+            <a:spLocks noGrp="1"/>
+          </p:cNvSpPr>
+          <p:nvPr>
+            <p:ph type="title"/>
+          </p:nvPr>
+        </p:nvSpPr>
+        <p:spPr/>
+        <p:txBody>
+          <a:bodyPr/>
+          <a:lstStyle/>
+          <a:p>
+            <a:r>
+              <a:rPr lang="en-US" dirty="0"/>
+              <a:t>What Did We Learn?</a:t>
+            </a:r>
+          </a:p>
+        </p:txBody>
+      </p:sp>
+      <p:sp>
+        <p:nvSpPr>
+          <p:cNvPr id="4" name="Slide Number Placeholder 3"/>
+          <p:cNvSpPr>
+            <a:spLocks noGrp="1"/>
+          </p:cNvSpPr>
+          <p:nvPr>
+            <p:ph type="sldNum" sz="quarter" idx="12"/>
+          </p:nvPr>
+        </p:nvSpPr>
+        <p:spPr/>
+        <p:txBody>
+          <a:bodyPr/>
+          <a:lstStyle/>
+          <a:p>
+            <a:fld id="{030EE116-056E-4288-B7F7-411CB7E437A9}" type="slidenum">
+              <a:rPr lang="en-US" smtClean="0"/>
+              <a:pPr/>
+              <a:t>75</a:t>
+            </a:fld>
+            <a:endParaRPr lang="en-US"/>
+          </a:p>
+        </p:txBody>
+      </p:sp>
+      <p:sp>
+        <p:nvSpPr>
+          <p:cNvPr id="6" name="Content Placeholder 5"/>
+          <p:cNvSpPr>
+            <a:spLocks noGrp="1"/>
+          </p:cNvSpPr>
+          <p:nvPr>
+            <p:ph sz="quarter" idx="1"/>
+          </p:nvPr>
+        </p:nvSpPr>
+        <p:spPr/>
+        <p:txBody>
+          <a:bodyPr>
+            <a:normAutofit/>
+          </a:bodyPr>
+          <a:lstStyle/>
+          <a:p>
+            <a:r>
+              <a:rPr lang="en-US" dirty="0"/>
+              <a:t>What a graph is</a:t>
+            </a:r>
+          </a:p>
+          <a:p>
+            <a:pPr lvl="1"/>
+            <a:r>
+              <a:rPr lang="en-US" dirty="0"/>
+              <a:t>Two ways to represent a graph (Matrix and List)</a:t>
+            </a:r>
+          </a:p>
+          <a:p>
+            <a:r>
+              <a:rPr lang="en-US" dirty="0"/>
+              <a:t>Traversals of graphs:</a:t>
+            </a:r>
+          </a:p>
+          <a:p>
+            <a:pPr lvl="1"/>
+            <a:r>
+              <a:rPr lang="en-US" dirty="0"/>
+              <a:t>Breadth-first search</a:t>
+            </a:r>
+          </a:p>
+          <a:p>
+            <a:pPr lvl="1"/>
+            <a:r>
+              <a:rPr lang="en-US" dirty="0"/>
+              <a:t>Depth-first search</a:t>
+            </a:r>
+          </a:p>
+          <a:p>
+            <a:r>
+              <a:rPr lang="en-US" dirty="0"/>
+              <a:t>Other Graph Algorithms:</a:t>
+            </a:r>
+          </a:p>
+          <a:p>
+            <a:pPr lvl="1"/>
+            <a:r>
+              <a:rPr lang="en-US" dirty="0"/>
+              <a:t>Topological Sort</a:t>
+            </a:r>
+          </a:p>
+          <a:p>
+            <a:pPr lvl="1"/>
+            <a:r>
+              <a:rPr lang="en-US" dirty="0"/>
+              <a:t>Dijkstra’s Algorithm</a:t>
+            </a:r>
           </a:p>
         </p:txBody>
       </p:sp>
@@ -27452,31 +27854,7 @@
 </p:tagLst>
 </file>
 
-<file path=ppt/tags/tag128.xml><?xml version="1.0" encoding="utf-8"?>
-<p:tagLst xmlns:a="http://schemas.openxmlformats.org/drawingml/2006/main" xmlns:r="http://schemas.openxmlformats.org/officeDocument/2006/relationships" xmlns:p="http://schemas.openxmlformats.org/presentationml/2006/main">
-  <p:tag name="_INSTRUCTOR VIEW19C14C36-AC8E-43BC-9DB6-C2AAF774C7DC|PANE__TAG" val="_"/>
-</p:tagLst>
-</file>
-
-<file path=ppt/tags/tag129.xml><?xml version="1.0" encoding="utf-8"?>
-<p:tagLst xmlns:a="http://schemas.openxmlformats.org/drawingml/2006/main" xmlns:r="http://schemas.openxmlformats.org/officeDocument/2006/relationships" xmlns:p="http://schemas.openxmlformats.org/presentationml/2006/main">
-  <p:tag name="_INSTRUCTOR VIEW19C14C36-AC8E-43BC-9DB6-C2AAF774C7DC|PANE__TAG" val="_"/>
-</p:tagLst>
-</file>
-
 <file path=ppt/tags/tag13.xml><?xml version="1.0" encoding="utf-8"?>
-<p:tagLst xmlns:a="http://schemas.openxmlformats.org/drawingml/2006/main" xmlns:r="http://schemas.openxmlformats.org/officeDocument/2006/relationships" xmlns:p="http://schemas.openxmlformats.org/presentationml/2006/main">
-  <p:tag name="_INSTRUCTOR VIEW19C14C36-AC8E-43BC-9DB6-C2AAF774C7DC|PANE__TAG" val="_"/>
-</p:tagLst>
-</file>
-
-<file path=ppt/tags/tag130.xml><?xml version="1.0" encoding="utf-8"?>
-<p:tagLst xmlns:a="http://schemas.openxmlformats.org/drawingml/2006/main" xmlns:r="http://schemas.openxmlformats.org/officeDocument/2006/relationships" xmlns:p="http://schemas.openxmlformats.org/presentationml/2006/main">
-  <p:tag name="_INSTRUCTOR VIEW19C14C36-AC8E-43BC-9DB6-C2AAF774C7DC|PANE__TAG" val="_"/>
-</p:tagLst>
-</file>
-
-<file path=ppt/tags/tag131.xml><?xml version="1.0" encoding="utf-8"?>
 <p:tagLst xmlns:a="http://schemas.openxmlformats.org/drawingml/2006/main" xmlns:r="http://schemas.openxmlformats.org/officeDocument/2006/relationships" xmlns:p="http://schemas.openxmlformats.org/presentationml/2006/main">
   <p:tag name="_INSTRUCTOR VIEW19C14C36-AC8E-43BC-9DB6-C2AAF774C7DC|PANE__TAG" val="_"/>
 </p:tagLst>

--- a/slides/graphs-basic.pptx
+++ b/slides/graphs-basic.pptx
@@ -980,14 +980,14 @@
           <a:ln/>
           <a:extLst>
             <a:ext uri="{909E8E84-426E-40dd-AFC4-6F175D3DCCD1}">
-              <a14:hiddenFill xmlns="" xmlns:a14="http://schemas.microsoft.com/office/drawing/2010/main">
+              <a14:hiddenFill xmlns:a14="http://schemas.microsoft.com/office/drawing/2010/main" xmlns="">
                 <a:solidFill>
                   <a:srgbClr val="FFFFFF"/>
                 </a:solidFill>
               </a14:hiddenFill>
             </a:ext>
             <a:ext uri="{91240B29-F687-4f45-9708-019B960494DF}">
-              <a14:hiddenLine xmlns="" xmlns:a14="http://schemas.microsoft.com/office/drawing/2010/main" w="9525">
+              <a14:hiddenLine xmlns:a14="http://schemas.microsoft.com/office/drawing/2010/main" xmlns="" w="9525">
                 <a:solidFill>
                   <a:srgbClr val="000000"/>
                 </a:solidFill>
@@ -1023,14 +1023,14 @@
           <a:ln/>
           <a:extLst>
             <a:ext uri="{909E8E84-426E-40dd-AFC4-6F175D3DCCD1}">
-              <a14:hiddenFill xmlns="" xmlns:a14="http://schemas.microsoft.com/office/drawing/2010/main">
+              <a14:hiddenFill xmlns:a14="http://schemas.microsoft.com/office/drawing/2010/main" xmlns="">
                 <a:solidFill>
                   <a:srgbClr val="FFFFFF"/>
                 </a:solidFill>
               </a14:hiddenFill>
             </a:ext>
             <a:ext uri="{91240B29-F687-4f45-9708-019B960494DF}">
-              <a14:hiddenLine xmlns="" xmlns:a14="http://schemas.microsoft.com/office/drawing/2010/main" w="9525">
+              <a14:hiddenLine xmlns:a14="http://schemas.microsoft.com/office/drawing/2010/main" xmlns="" w="9525">
                 <a:solidFill>
                   <a:srgbClr val="000000"/>
                 </a:solidFill>
@@ -1219,14 +1219,14 @@
           <a:ln/>
           <a:extLst>
             <a:ext uri="{909E8E84-426E-40dd-AFC4-6F175D3DCCD1}">
-              <a14:hiddenFill xmlns="" xmlns:a14="http://schemas.microsoft.com/office/drawing/2010/main">
+              <a14:hiddenFill xmlns:a14="http://schemas.microsoft.com/office/drawing/2010/main" xmlns="">
                 <a:solidFill>
                   <a:srgbClr val="FFFFFF"/>
                 </a:solidFill>
               </a14:hiddenFill>
             </a:ext>
             <a:ext uri="{91240B29-F687-4f45-9708-019B960494DF}">
-              <a14:hiddenLine xmlns="" xmlns:a14="http://schemas.microsoft.com/office/drawing/2010/main" w="9525">
+              <a14:hiddenLine xmlns:a14="http://schemas.microsoft.com/office/drawing/2010/main" xmlns="" w="9525">
                 <a:solidFill>
                   <a:srgbClr val="000000"/>
                 </a:solidFill>
@@ -1262,14 +1262,14 @@
           <a:ln/>
           <a:extLst>
             <a:ext uri="{909E8E84-426E-40dd-AFC4-6F175D3DCCD1}">
-              <a14:hiddenFill xmlns="" xmlns:a14="http://schemas.microsoft.com/office/drawing/2010/main">
+              <a14:hiddenFill xmlns:a14="http://schemas.microsoft.com/office/drawing/2010/main" xmlns="">
                 <a:solidFill>
                   <a:srgbClr val="FFFFFF"/>
                 </a:solidFill>
               </a14:hiddenFill>
             </a:ext>
             <a:ext uri="{91240B29-F687-4f45-9708-019B960494DF}">
-              <a14:hiddenLine xmlns="" xmlns:a14="http://schemas.microsoft.com/office/drawing/2010/main" w="9525">
+              <a14:hiddenLine xmlns:a14="http://schemas.microsoft.com/office/drawing/2010/main" xmlns="" w="9525">
                 <a:solidFill>
                   <a:srgbClr val="000000"/>
                 </a:solidFill>
@@ -1458,14 +1458,14 @@
           <a:ln/>
           <a:extLst>
             <a:ext uri="{909E8E84-426E-40dd-AFC4-6F175D3DCCD1}">
-              <a14:hiddenFill xmlns="" xmlns:a14="http://schemas.microsoft.com/office/drawing/2010/main">
+              <a14:hiddenFill xmlns:a14="http://schemas.microsoft.com/office/drawing/2010/main" xmlns="">
                 <a:solidFill>
                   <a:srgbClr val="FFFFFF"/>
                 </a:solidFill>
               </a14:hiddenFill>
             </a:ext>
             <a:ext uri="{91240B29-F687-4f45-9708-019B960494DF}">
-              <a14:hiddenLine xmlns="" xmlns:a14="http://schemas.microsoft.com/office/drawing/2010/main" w="9525">
+              <a14:hiddenLine xmlns:a14="http://schemas.microsoft.com/office/drawing/2010/main" xmlns="" w="9525">
                 <a:solidFill>
                   <a:srgbClr val="000000"/>
                 </a:solidFill>
@@ -1501,14 +1501,14 @@
           <a:ln/>
           <a:extLst>
             <a:ext uri="{909E8E84-426E-40dd-AFC4-6F175D3DCCD1}">
-              <a14:hiddenFill xmlns="" xmlns:a14="http://schemas.microsoft.com/office/drawing/2010/main">
+              <a14:hiddenFill xmlns:a14="http://schemas.microsoft.com/office/drawing/2010/main" xmlns="">
                 <a:solidFill>
                   <a:srgbClr val="FFFFFF"/>
                 </a:solidFill>
               </a14:hiddenFill>
             </a:ext>
             <a:ext uri="{91240B29-F687-4f45-9708-019B960494DF}">
-              <a14:hiddenLine xmlns="" xmlns:a14="http://schemas.microsoft.com/office/drawing/2010/main" w="9525">
+              <a14:hiddenLine xmlns:a14="http://schemas.microsoft.com/office/drawing/2010/main" xmlns="" w="9525">
                 <a:solidFill>
                   <a:srgbClr val="000000"/>
                 </a:solidFill>
@@ -1697,14 +1697,14 @@
           <a:ln/>
           <a:extLst>
             <a:ext uri="{909E8E84-426E-40dd-AFC4-6F175D3DCCD1}">
-              <a14:hiddenFill xmlns="" xmlns:a14="http://schemas.microsoft.com/office/drawing/2010/main">
+              <a14:hiddenFill xmlns:a14="http://schemas.microsoft.com/office/drawing/2010/main" xmlns="">
                 <a:solidFill>
                   <a:srgbClr val="FFFFFF"/>
                 </a:solidFill>
               </a14:hiddenFill>
             </a:ext>
             <a:ext uri="{91240B29-F687-4f45-9708-019B960494DF}">
-              <a14:hiddenLine xmlns="" xmlns:a14="http://schemas.microsoft.com/office/drawing/2010/main" w="9525">
+              <a14:hiddenLine xmlns:a14="http://schemas.microsoft.com/office/drawing/2010/main" xmlns="" w="9525">
                 <a:solidFill>
                   <a:srgbClr val="000000"/>
                 </a:solidFill>
@@ -1740,14 +1740,14 @@
           <a:ln/>
           <a:extLst>
             <a:ext uri="{909E8E84-426E-40dd-AFC4-6F175D3DCCD1}">
-              <a14:hiddenFill xmlns="" xmlns:a14="http://schemas.microsoft.com/office/drawing/2010/main">
+              <a14:hiddenFill xmlns:a14="http://schemas.microsoft.com/office/drawing/2010/main" xmlns="">
                 <a:solidFill>
                   <a:srgbClr val="FFFFFF"/>
                 </a:solidFill>
               </a14:hiddenFill>
             </a:ext>
             <a:ext uri="{91240B29-F687-4f45-9708-019B960494DF}">
-              <a14:hiddenLine xmlns="" xmlns:a14="http://schemas.microsoft.com/office/drawing/2010/main" w="9525">
+              <a14:hiddenLine xmlns:a14="http://schemas.microsoft.com/office/drawing/2010/main" xmlns="" w="9525">
                 <a:solidFill>
                   <a:srgbClr val="000000"/>
                 </a:solidFill>
@@ -1936,14 +1936,14 @@
           <a:ln/>
           <a:extLst>
             <a:ext uri="{909E8E84-426E-40dd-AFC4-6F175D3DCCD1}">
-              <a14:hiddenFill xmlns="" xmlns:a14="http://schemas.microsoft.com/office/drawing/2010/main">
+              <a14:hiddenFill xmlns:a14="http://schemas.microsoft.com/office/drawing/2010/main" xmlns="">
                 <a:solidFill>
                   <a:srgbClr val="FFFFFF"/>
                 </a:solidFill>
               </a14:hiddenFill>
             </a:ext>
             <a:ext uri="{91240B29-F687-4f45-9708-019B960494DF}">
-              <a14:hiddenLine xmlns="" xmlns:a14="http://schemas.microsoft.com/office/drawing/2010/main" w="9525">
+              <a14:hiddenLine xmlns:a14="http://schemas.microsoft.com/office/drawing/2010/main" xmlns="" w="9525">
                 <a:solidFill>
                   <a:srgbClr val="000000"/>
                 </a:solidFill>
@@ -1979,14 +1979,14 @@
           <a:ln/>
           <a:extLst>
             <a:ext uri="{909E8E84-426E-40dd-AFC4-6F175D3DCCD1}">
-              <a14:hiddenFill xmlns="" xmlns:a14="http://schemas.microsoft.com/office/drawing/2010/main">
+              <a14:hiddenFill xmlns:a14="http://schemas.microsoft.com/office/drawing/2010/main" xmlns="">
                 <a:solidFill>
                   <a:srgbClr val="FFFFFF"/>
                 </a:solidFill>
               </a14:hiddenFill>
             </a:ext>
             <a:ext uri="{91240B29-F687-4f45-9708-019B960494DF}">
-              <a14:hiddenLine xmlns="" xmlns:a14="http://schemas.microsoft.com/office/drawing/2010/main" w="9525">
+              <a14:hiddenLine xmlns:a14="http://schemas.microsoft.com/office/drawing/2010/main" xmlns="" w="9525">
                 <a:solidFill>
                   <a:srgbClr val="000000"/>
                 </a:solidFill>
@@ -2175,14 +2175,14 @@
           <a:ln/>
           <a:extLst>
             <a:ext uri="{909E8E84-426E-40dd-AFC4-6F175D3DCCD1}">
-              <a14:hiddenFill xmlns="" xmlns:a14="http://schemas.microsoft.com/office/drawing/2010/main">
+              <a14:hiddenFill xmlns:a14="http://schemas.microsoft.com/office/drawing/2010/main" xmlns="">
                 <a:solidFill>
                   <a:srgbClr val="FFFFFF"/>
                 </a:solidFill>
               </a14:hiddenFill>
             </a:ext>
             <a:ext uri="{91240B29-F687-4f45-9708-019B960494DF}">
-              <a14:hiddenLine xmlns="" xmlns:a14="http://schemas.microsoft.com/office/drawing/2010/main" w="9525">
+              <a14:hiddenLine xmlns:a14="http://schemas.microsoft.com/office/drawing/2010/main" xmlns="" w="9525">
                 <a:solidFill>
                   <a:srgbClr val="000000"/>
                 </a:solidFill>
@@ -2218,14 +2218,14 @@
           <a:ln/>
           <a:extLst>
             <a:ext uri="{909E8E84-426E-40dd-AFC4-6F175D3DCCD1}">
-              <a14:hiddenFill xmlns="" xmlns:a14="http://schemas.microsoft.com/office/drawing/2010/main">
+              <a14:hiddenFill xmlns:a14="http://schemas.microsoft.com/office/drawing/2010/main" xmlns="">
                 <a:solidFill>
                   <a:srgbClr val="FFFFFF"/>
                 </a:solidFill>
               </a14:hiddenFill>
             </a:ext>
             <a:ext uri="{91240B29-F687-4f45-9708-019B960494DF}">
-              <a14:hiddenLine xmlns="" xmlns:a14="http://schemas.microsoft.com/office/drawing/2010/main" w="9525">
+              <a14:hiddenLine xmlns:a14="http://schemas.microsoft.com/office/drawing/2010/main" xmlns="" w="9525">
                 <a:solidFill>
                   <a:srgbClr val="000000"/>
                 </a:solidFill>
@@ -2519,14 +2519,14 @@
           <a:ln/>
           <a:extLst>
             <a:ext uri="{909E8E84-426E-40dd-AFC4-6F175D3DCCD1}">
-              <a14:hiddenFill xmlns="" xmlns:a14="http://schemas.microsoft.com/office/drawing/2010/main">
+              <a14:hiddenFill xmlns:a14="http://schemas.microsoft.com/office/drawing/2010/main" xmlns="">
                 <a:solidFill>
                   <a:srgbClr val="FFFFFF"/>
                 </a:solidFill>
               </a14:hiddenFill>
             </a:ext>
             <a:ext uri="{91240B29-F687-4f45-9708-019B960494DF}">
-              <a14:hiddenLine xmlns="" xmlns:a14="http://schemas.microsoft.com/office/drawing/2010/main" w="9525">
+              <a14:hiddenLine xmlns:a14="http://schemas.microsoft.com/office/drawing/2010/main" xmlns="" w="9525">
                 <a:solidFill>
                   <a:srgbClr val="000000"/>
                 </a:solidFill>
@@ -2562,14 +2562,14 @@
           <a:ln/>
           <a:extLst>
             <a:ext uri="{909E8E84-426E-40dd-AFC4-6F175D3DCCD1}">
-              <a14:hiddenFill xmlns="" xmlns:a14="http://schemas.microsoft.com/office/drawing/2010/main">
+              <a14:hiddenFill xmlns:a14="http://schemas.microsoft.com/office/drawing/2010/main" xmlns="">
                 <a:solidFill>
                   <a:srgbClr val="FFFFFF"/>
                 </a:solidFill>
               </a14:hiddenFill>
             </a:ext>
             <a:ext uri="{91240B29-F687-4f45-9708-019B960494DF}">
-              <a14:hiddenLine xmlns="" xmlns:a14="http://schemas.microsoft.com/office/drawing/2010/main" w="9525">
+              <a14:hiddenLine xmlns:a14="http://schemas.microsoft.com/office/drawing/2010/main" xmlns="" w="9525">
                 <a:solidFill>
                   <a:srgbClr val="000000"/>
                 </a:solidFill>
@@ -2758,14 +2758,14 @@
           <a:ln/>
           <a:extLst>
             <a:ext uri="{909E8E84-426E-40dd-AFC4-6F175D3DCCD1}">
-              <a14:hiddenFill xmlns="" xmlns:a14="http://schemas.microsoft.com/office/drawing/2010/main">
+              <a14:hiddenFill xmlns:a14="http://schemas.microsoft.com/office/drawing/2010/main" xmlns="">
                 <a:solidFill>
                   <a:srgbClr val="FFFFFF"/>
                 </a:solidFill>
               </a14:hiddenFill>
             </a:ext>
             <a:ext uri="{91240B29-F687-4f45-9708-019B960494DF}">
-              <a14:hiddenLine xmlns="" xmlns:a14="http://schemas.microsoft.com/office/drawing/2010/main" w="9525">
+              <a14:hiddenLine xmlns:a14="http://schemas.microsoft.com/office/drawing/2010/main" xmlns="" w="9525">
                 <a:solidFill>
                   <a:srgbClr val="000000"/>
                 </a:solidFill>
@@ -2801,14 +2801,14 @@
           <a:ln/>
           <a:extLst>
             <a:ext uri="{909E8E84-426E-40dd-AFC4-6F175D3DCCD1}">
-              <a14:hiddenFill xmlns="" xmlns:a14="http://schemas.microsoft.com/office/drawing/2010/main">
+              <a14:hiddenFill xmlns:a14="http://schemas.microsoft.com/office/drawing/2010/main" xmlns="">
                 <a:solidFill>
                   <a:srgbClr val="FFFFFF"/>
                 </a:solidFill>
               </a14:hiddenFill>
             </a:ext>
             <a:ext uri="{91240B29-F687-4f45-9708-019B960494DF}">
-              <a14:hiddenLine xmlns="" xmlns:a14="http://schemas.microsoft.com/office/drawing/2010/main" w="9525">
+              <a14:hiddenLine xmlns:a14="http://schemas.microsoft.com/office/drawing/2010/main" xmlns="" w="9525">
                 <a:solidFill>
                   <a:srgbClr val="000000"/>
                 </a:solidFill>
@@ -2997,14 +2997,14 @@
           <a:ln/>
           <a:extLst>
             <a:ext uri="{909E8E84-426E-40dd-AFC4-6F175D3DCCD1}">
-              <a14:hiddenFill xmlns="" xmlns:a14="http://schemas.microsoft.com/office/drawing/2010/main">
+              <a14:hiddenFill xmlns:a14="http://schemas.microsoft.com/office/drawing/2010/main" xmlns="">
                 <a:solidFill>
                   <a:srgbClr val="FFFFFF"/>
                 </a:solidFill>
               </a14:hiddenFill>
             </a:ext>
             <a:ext uri="{91240B29-F687-4f45-9708-019B960494DF}">
-              <a14:hiddenLine xmlns="" xmlns:a14="http://schemas.microsoft.com/office/drawing/2010/main" w="9525">
+              <a14:hiddenLine xmlns:a14="http://schemas.microsoft.com/office/drawing/2010/main" xmlns="" w="9525">
                 <a:solidFill>
                   <a:srgbClr val="000000"/>
                 </a:solidFill>
@@ -3040,14 +3040,14 @@
           <a:ln/>
           <a:extLst>
             <a:ext uri="{909E8E84-426E-40dd-AFC4-6F175D3DCCD1}">
-              <a14:hiddenFill xmlns="" xmlns:a14="http://schemas.microsoft.com/office/drawing/2010/main">
+              <a14:hiddenFill xmlns:a14="http://schemas.microsoft.com/office/drawing/2010/main" xmlns="">
                 <a:solidFill>
                   <a:srgbClr val="FFFFFF"/>
                 </a:solidFill>
               </a14:hiddenFill>
             </a:ext>
             <a:ext uri="{91240B29-F687-4f45-9708-019B960494DF}">
-              <a14:hiddenLine xmlns="" xmlns:a14="http://schemas.microsoft.com/office/drawing/2010/main" w="9525">
+              <a14:hiddenLine xmlns:a14="http://schemas.microsoft.com/office/drawing/2010/main" xmlns="" w="9525">
                 <a:solidFill>
                   <a:srgbClr val="000000"/>
                 </a:solidFill>
@@ -3236,14 +3236,14 @@
           <a:ln/>
           <a:extLst>
             <a:ext uri="{909E8E84-426E-40dd-AFC4-6F175D3DCCD1}">
-              <a14:hiddenFill xmlns="" xmlns:a14="http://schemas.microsoft.com/office/drawing/2010/main">
+              <a14:hiddenFill xmlns:a14="http://schemas.microsoft.com/office/drawing/2010/main" xmlns="">
                 <a:solidFill>
                   <a:srgbClr val="FFFFFF"/>
                 </a:solidFill>
               </a14:hiddenFill>
             </a:ext>
             <a:ext uri="{91240B29-F687-4f45-9708-019B960494DF}">
-              <a14:hiddenLine xmlns="" xmlns:a14="http://schemas.microsoft.com/office/drawing/2010/main" w="9525">
+              <a14:hiddenLine xmlns:a14="http://schemas.microsoft.com/office/drawing/2010/main" xmlns="" w="9525">
                 <a:solidFill>
                   <a:srgbClr val="000000"/>
                 </a:solidFill>
@@ -3279,14 +3279,14 @@
           <a:ln/>
           <a:extLst>
             <a:ext uri="{909E8E84-426E-40dd-AFC4-6F175D3DCCD1}">
-              <a14:hiddenFill xmlns="" xmlns:a14="http://schemas.microsoft.com/office/drawing/2010/main">
+              <a14:hiddenFill xmlns:a14="http://schemas.microsoft.com/office/drawing/2010/main" xmlns="">
                 <a:solidFill>
                   <a:srgbClr val="FFFFFF"/>
                 </a:solidFill>
               </a14:hiddenFill>
             </a:ext>
             <a:ext uri="{91240B29-F687-4f45-9708-019B960494DF}">
-              <a14:hiddenLine xmlns="" xmlns:a14="http://schemas.microsoft.com/office/drawing/2010/main" w="9525">
+              <a14:hiddenLine xmlns:a14="http://schemas.microsoft.com/office/drawing/2010/main" xmlns="" w="9525">
                 <a:solidFill>
                   <a:srgbClr val="000000"/>
                 </a:solidFill>
@@ -3475,14 +3475,14 @@
           <a:ln/>
           <a:extLst>
             <a:ext uri="{909E8E84-426E-40dd-AFC4-6F175D3DCCD1}">
-              <a14:hiddenFill xmlns="" xmlns:a14="http://schemas.microsoft.com/office/drawing/2010/main">
+              <a14:hiddenFill xmlns:a14="http://schemas.microsoft.com/office/drawing/2010/main" xmlns="">
                 <a:solidFill>
                   <a:srgbClr val="FFFFFF"/>
                 </a:solidFill>
               </a14:hiddenFill>
             </a:ext>
             <a:ext uri="{91240B29-F687-4f45-9708-019B960494DF}">
-              <a14:hiddenLine xmlns="" xmlns:a14="http://schemas.microsoft.com/office/drawing/2010/main" w="9525">
+              <a14:hiddenLine xmlns:a14="http://schemas.microsoft.com/office/drawing/2010/main" xmlns="" w="9525">
                 <a:solidFill>
                   <a:srgbClr val="000000"/>
                 </a:solidFill>
@@ -3518,14 +3518,14 @@
           <a:ln/>
           <a:extLst>
             <a:ext uri="{909E8E84-426E-40dd-AFC4-6F175D3DCCD1}">
-              <a14:hiddenFill xmlns="" xmlns:a14="http://schemas.microsoft.com/office/drawing/2010/main">
+              <a14:hiddenFill xmlns:a14="http://schemas.microsoft.com/office/drawing/2010/main" xmlns="">
                 <a:solidFill>
                   <a:srgbClr val="FFFFFF"/>
                 </a:solidFill>
               </a14:hiddenFill>
             </a:ext>
             <a:ext uri="{91240B29-F687-4f45-9708-019B960494DF}">
-              <a14:hiddenLine xmlns="" xmlns:a14="http://schemas.microsoft.com/office/drawing/2010/main" w="9525">
+              <a14:hiddenLine xmlns:a14="http://schemas.microsoft.com/office/drawing/2010/main" xmlns="" w="9525">
                 <a:solidFill>
                   <a:srgbClr val="000000"/>
                 </a:solidFill>
@@ -3714,14 +3714,14 @@
           <a:ln/>
           <a:extLst>
             <a:ext uri="{909E8E84-426E-40dd-AFC4-6F175D3DCCD1}">
-              <a14:hiddenFill xmlns="" xmlns:a14="http://schemas.microsoft.com/office/drawing/2010/main">
+              <a14:hiddenFill xmlns:a14="http://schemas.microsoft.com/office/drawing/2010/main" xmlns="">
                 <a:solidFill>
                   <a:srgbClr val="FFFFFF"/>
                 </a:solidFill>
               </a14:hiddenFill>
             </a:ext>
             <a:ext uri="{91240B29-F687-4f45-9708-019B960494DF}">
-              <a14:hiddenLine xmlns="" xmlns:a14="http://schemas.microsoft.com/office/drawing/2010/main" w="9525">
+              <a14:hiddenLine xmlns:a14="http://schemas.microsoft.com/office/drawing/2010/main" xmlns="" w="9525">
                 <a:solidFill>
                   <a:srgbClr val="000000"/>
                 </a:solidFill>
@@ -3757,14 +3757,14 @@
           <a:ln/>
           <a:extLst>
             <a:ext uri="{909E8E84-426E-40dd-AFC4-6F175D3DCCD1}">
-              <a14:hiddenFill xmlns="" xmlns:a14="http://schemas.microsoft.com/office/drawing/2010/main">
+              <a14:hiddenFill xmlns:a14="http://schemas.microsoft.com/office/drawing/2010/main" xmlns="">
                 <a:solidFill>
                   <a:srgbClr val="FFFFFF"/>
                 </a:solidFill>
               </a14:hiddenFill>
             </a:ext>
             <a:ext uri="{91240B29-F687-4f45-9708-019B960494DF}">
-              <a14:hiddenLine xmlns="" xmlns:a14="http://schemas.microsoft.com/office/drawing/2010/main" w="9525">
+              <a14:hiddenLine xmlns:a14="http://schemas.microsoft.com/office/drawing/2010/main" xmlns="" w="9525">
                 <a:solidFill>
                   <a:srgbClr val="000000"/>
                 </a:solidFill>
@@ -3953,14 +3953,14 @@
           <a:ln/>
           <a:extLst>
             <a:ext uri="{909E8E84-426E-40dd-AFC4-6F175D3DCCD1}">
-              <a14:hiddenFill xmlns="" xmlns:a14="http://schemas.microsoft.com/office/drawing/2010/main">
+              <a14:hiddenFill xmlns:a14="http://schemas.microsoft.com/office/drawing/2010/main" xmlns="">
                 <a:solidFill>
                   <a:srgbClr val="FFFFFF"/>
                 </a:solidFill>
               </a14:hiddenFill>
             </a:ext>
             <a:ext uri="{91240B29-F687-4f45-9708-019B960494DF}">
-              <a14:hiddenLine xmlns="" xmlns:a14="http://schemas.microsoft.com/office/drawing/2010/main" w="9525">
+              <a14:hiddenLine xmlns:a14="http://schemas.microsoft.com/office/drawing/2010/main" xmlns="" w="9525">
                 <a:solidFill>
                   <a:srgbClr val="000000"/>
                 </a:solidFill>
@@ -3996,14 +3996,14 @@
           <a:ln/>
           <a:extLst>
             <a:ext uri="{909E8E84-426E-40dd-AFC4-6F175D3DCCD1}">
-              <a14:hiddenFill xmlns="" xmlns:a14="http://schemas.microsoft.com/office/drawing/2010/main">
+              <a14:hiddenFill xmlns:a14="http://schemas.microsoft.com/office/drawing/2010/main" xmlns="">
                 <a:solidFill>
                   <a:srgbClr val="FFFFFF"/>
                 </a:solidFill>
               </a14:hiddenFill>
             </a:ext>
             <a:ext uri="{91240B29-F687-4f45-9708-019B960494DF}">
-              <a14:hiddenLine xmlns="" xmlns:a14="http://schemas.microsoft.com/office/drawing/2010/main" w="9525">
+              <a14:hiddenLine xmlns:a14="http://schemas.microsoft.com/office/drawing/2010/main" xmlns="" w="9525">
                 <a:solidFill>
                   <a:srgbClr val="000000"/>
                 </a:solidFill>
@@ -4192,14 +4192,14 @@
           <a:ln/>
           <a:extLst>
             <a:ext uri="{909E8E84-426E-40dd-AFC4-6F175D3DCCD1}">
-              <a14:hiddenFill xmlns="" xmlns:a14="http://schemas.microsoft.com/office/drawing/2010/main">
+              <a14:hiddenFill xmlns:a14="http://schemas.microsoft.com/office/drawing/2010/main" xmlns="">
                 <a:solidFill>
                   <a:srgbClr val="FFFFFF"/>
                 </a:solidFill>
               </a14:hiddenFill>
             </a:ext>
             <a:ext uri="{91240B29-F687-4f45-9708-019B960494DF}">
-              <a14:hiddenLine xmlns="" xmlns:a14="http://schemas.microsoft.com/office/drawing/2010/main" w="9525">
+              <a14:hiddenLine xmlns:a14="http://schemas.microsoft.com/office/drawing/2010/main" xmlns="" w="9525">
                 <a:solidFill>
                   <a:srgbClr val="000000"/>
                 </a:solidFill>
@@ -4235,14 +4235,14 @@
           <a:ln/>
           <a:extLst>
             <a:ext uri="{909E8E84-426E-40dd-AFC4-6F175D3DCCD1}">
-              <a14:hiddenFill xmlns="" xmlns:a14="http://schemas.microsoft.com/office/drawing/2010/main">
+              <a14:hiddenFill xmlns:a14="http://schemas.microsoft.com/office/drawing/2010/main" xmlns="">
                 <a:solidFill>
                   <a:srgbClr val="FFFFFF"/>
                 </a:solidFill>
               </a14:hiddenFill>
             </a:ext>
             <a:ext uri="{91240B29-F687-4f45-9708-019B960494DF}">
-              <a14:hiddenLine xmlns="" xmlns:a14="http://schemas.microsoft.com/office/drawing/2010/main" w="9525">
+              <a14:hiddenLine xmlns:a14="http://schemas.microsoft.com/office/drawing/2010/main" xmlns="" w="9525">
                 <a:solidFill>
                   <a:srgbClr val="000000"/>
                 </a:solidFill>
@@ -14896,14 +14896,14 @@
           </a:ln>
           <a:extLst>
             <a:ext uri="{909E8E84-426E-40dd-AFC4-6F175D3DCCD1}">
-              <a14:hiddenFill xmlns="" xmlns:a14="http://schemas.microsoft.com/office/drawing/2010/main">
+              <a14:hiddenFill xmlns:a14="http://schemas.microsoft.com/office/drawing/2010/main" xmlns="">
                 <a:solidFill>
                   <a:srgbClr val="FFFFFF"/>
                 </a:solidFill>
               </a14:hiddenFill>
             </a:ext>
             <a:ext uri="{91240B29-F687-4f45-9708-019B960494DF}">
-              <a14:hiddenLine xmlns="" xmlns:a14="http://schemas.microsoft.com/office/drawing/2010/main" w="9525">
+              <a14:hiddenLine xmlns:a14="http://schemas.microsoft.com/office/drawing/2010/main" xmlns="" w="9525">
                 <a:solidFill>
                   <a:srgbClr val="000000"/>
                 </a:solidFill>
@@ -14950,14 +14950,14 @@
           </a:ln>
           <a:extLst>
             <a:ext uri="{909E8E84-426E-40dd-AFC4-6F175D3DCCD1}">
-              <a14:hiddenFill xmlns="" xmlns:a14="http://schemas.microsoft.com/office/drawing/2010/main">
+              <a14:hiddenFill xmlns:a14="http://schemas.microsoft.com/office/drawing/2010/main" xmlns="">
                 <a:solidFill>
                   <a:srgbClr val="FFFFFF"/>
                 </a:solidFill>
               </a14:hiddenFill>
             </a:ext>
             <a:ext uri="{91240B29-F687-4f45-9708-019B960494DF}">
-              <a14:hiddenLine xmlns="" xmlns:a14="http://schemas.microsoft.com/office/drawing/2010/main" w="9525">
+              <a14:hiddenLine xmlns:a14="http://schemas.microsoft.com/office/drawing/2010/main" xmlns="" w="9525">
                 <a:solidFill>
                   <a:srgbClr val="000000"/>
                 </a:solidFill>
@@ -14991,14 +14991,14 @@
           </a:ln>
           <a:extLst>
             <a:ext uri="{909E8E84-426E-40dd-AFC4-6F175D3DCCD1}">
-              <a14:hiddenFill xmlns="" xmlns:a14="http://schemas.microsoft.com/office/drawing/2010/main">
+              <a14:hiddenFill xmlns:a14="http://schemas.microsoft.com/office/drawing/2010/main" xmlns="">
                 <a:solidFill>
                   <a:srgbClr val="FFFFFF"/>
                 </a:solidFill>
               </a14:hiddenFill>
             </a:ext>
             <a:ext uri="{91240B29-F687-4f45-9708-019B960494DF}">
-              <a14:hiddenLine xmlns="" xmlns:a14="http://schemas.microsoft.com/office/drawing/2010/main" w="9525">
+              <a14:hiddenLine xmlns:a14="http://schemas.microsoft.com/office/drawing/2010/main" xmlns="" w="9525">
                 <a:solidFill>
                   <a:srgbClr val="000000"/>
                 </a:solidFill>
@@ -15152,14 +15152,14 @@
           </a:ln>
           <a:extLst>
             <a:ext uri="{909E8E84-426E-40dd-AFC4-6F175D3DCCD1}">
-              <a14:hiddenFill xmlns="" xmlns:a14="http://schemas.microsoft.com/office/drawing/2010/main">
+              <a14:hiddenFill xmlns:a14="http://schemas.microsoft.com/office/drawing/2010/main" xmlns="">
                 <a:solidFill>
                   <a:srgbClr val="FFFFFF"/>
                 </a:solidFill>
               </a14:hiddenFill>
             </a:ext>
             <a:ext uri="{91240B29-F687-4f45-9708-019B960494DF}">
-              <a14:hiddenLine xmlns="" xmlns:a14="http://schemas.microsoft.com/office/drawing/2010/main" w="9525">
+              <a14:hiddenLine xmlns:a14="http://schemas.microsoft.com/office/drawing/2010/main" xmlns="" w="9525">
                 <a:solidFill>
                   <a:srgbClr val="000000"/>
                 </a:solidFill>
@@ -15441,14 +15441,14 @@
           </a:ln>
           <a:extLst>
             <a:ext uri="{909E8E84-426E-40dd-AFC4-6F175D3DCCD1}">
-              <a14:hiddenFill xmlns="" xmlns:a14="http://schemas.microsoft.com/office/drawing/2010/main">
+              <a14:hiddenFill xmlns:a14="http://schemas.microsoft.com/office/drawing/2010/main" xmlns="">
                 <a:solidFill>
                   <a:srgbClr val="FFFFFF"/>
                 </a:solidFill>
               </a14:hiddenFill>
             </a:ext>
             <a:ext uri="{91240B29-F687-4f45-9708-019B960494DF}">
-              <a14:hiddenLine xmlns="" xmlns:a14="http://schemas.microsoft.com/office/drawing/2010/main" w="9525">
+              <a14:hiddenLine xmlns:a14="http://schemas.microsoft.com/office/drawing/2010/main" xmlns="" w="9525">
                 <a:solidFill>
                   <a:srgbClr val="000000"/>
                 </a:solidFill>
@@ -15525,14 +15525,14 @@
           </a:ln>
           <a:extLst>
             <a:ext uri="{909E8E84-426E-40dd-AFC4-6F175D3DCCD1}">
-              <a14:hiddenFill xmlns="" xmlns:a14="http://schemas.microsoft.com/office/drawing/2010/main">
+              <a14:hiddenFill xmlns:a14="http://schemas.microsoft.com/office/drawing/2010/main" xmlns="">
                 <a:solidFill>
                   <a:srgbClr val="FFFFFF"/>
                 </a:solidFill>
               </a14:hiddenFill>
             </a:ext>
             <a:ext uri="{91240B29-F687-4f45-9708-019B960494DF}">
-              <a14:hiddenLine xmlns="" xmlns:a14="http://schemas.microsoft.com/office/drawing/2010/main" w="9525">
+              <a14:hiddenLine xmlns:a14="http://schemas.microsoft.com/office/drawing/2010/main" xmlns="" w="9525">
                 <a:solidFill>
                   <a:srgbClr val="000000"/>
                 </a:solidFill>
@@ -15566,14 +15566,14 @@
           </a:ln>
           <a:extLst>
             <a:ext uri="{909E8E84-426E-40dd-AFC4-6F175D3DCCD1}">
-              <a14:hiddenFill xmlns="" xmlns:a14="http://schemas.microsoft.com/office/drawing/2010/main">
+              <a14:hiddenFill xmlns:a14="http://schemas.microsoft.com/office/drawing/2010/main" xmlns="">
                 <a:solidFill>
                   <a:srgbClr val="FFFFFF"/>
                 </a:solidFill>
               </a14:hiddenFill>
             </a:ext>
             <a:ext uri="{91240B29-F687-4f45-9708-019B960494DF}">
-              <a14:hiddenLine xmlns="" xmlns:a14="http://schemas.microsoft.com/office/drawing/2010/main" w="9525">
+              <a14:hiddenLine xmlns:a14="http://schemas.microsoft.com/office/drawing/2010/main" xmlns="" w="9525">
                 <a:solidFill>
                   <a:srgbClr val="000000"/>
                 </a:solidFill>
@@ -15771,14 +15771,14 @@
           </a:ln>
           <a:extLst>
             <a:ext uri="{909E8E84-426E-40dd-AFC4-6F175D3DCCD1}">
-              <a14:hiddenFill xmlns="" xmlns:a14="http://schemas.microsoft.com/office/drawing/2010/main">
+              <a14:hiddenFill xmlns:a14="http://schemas.microsoft.com/office/drawing/2010/main" xmlns="">
                 <a:solidFill>
                   <a:srgbClr val="FFFFFF"/>
                 </a:solidFill>
               </a14:hiddenFill>
             </a:ext>
             <a:ext uri="{91240B29-F687-4f45-9708-019B960494DF}">
-              <a14:hiddenLine xmlns="" xmlns:a14="http://schemas.microsoft.com/office/drawing/2010/main" w="9525">
+              <a14:hiddenLine xmlns:a14="http://schemas.microsoft.com/office/drawing/2010/main" xmlns="" w="9525">
                 <a:solidFill>
                   <a:srgbClr val="000000"/>
                 </a:solidFill>
@@ -16013,14 +16013,14 @@
           </a:ln>
           <a:extLst>
             <a:ext uri="{909E8E84-426E-40dd-AFC4-6F175D3DCCD1}">
-              <a14:hiddenFill xmlns="" xmlns:a14="http://schemas.microsoft.com/office/drawing/2010/main">
+              <a14:hiddenFill xmlns:a14="http://schemas.microsoft.com/office/drawing/2010/main" xmlns="">
                 <a:solidFill>
                   <a:srgbClr val="FFFFFF"/>
                 </a:solidFill>
               </a14:hiddenFill>
             </a:ext>
             <a:ext uri="{91240B29-F687-4f45-9708-019B960494DF}">
-              <a14:hiddenLine xmlns="" xmlns:a14="http://schemas.microsoft.com/office/drawing/2010/main" w="9525">
+              <a14:hiddenLine xmlns:a14="http://schemas.microsoft.com/office/drawing/2010/main" xmlns="" w="9525">
                 <a:solidFill>
                   <a:srgbClr val="000000"/>
                 </a:solidFill>
@@ -16054,14 +16054,14 @@
           </a:ln>
           <a:extLst>
             <a:ext uri="{909E8E84-426E-40dd-AFC4-6F175D3DCCD1}">
-              <a14:hiddenFill xmlns="" xmlns:a14="http://schemas.microsoft.com/office/drawing/2010/main">
+              <a14:hiddenFill xmlns:a14="http://schemas.microsoft.com/office/drawing/2010/main" xmlns="">
                 <a:solidFill>
                   <a:srgbClr val="FFFFFF"/>
                 </a:solidFill>
               </a14:hiddenFill>
             </a:ext>
             <a:ext uri="{91240B29-F687-4f45-9708-019B960494DF}">
-              <a14:hiddenLine xmlns="" xmlns:a14="http://schemas.microsoft.com/office/drawing/2010/main" w="9525">
+              <a14:hiddenLine xmlns:a14="http://schemas.microsoft.com/office/drawing/2010/main" xmlns="" w="9525">
                 <a:solidFill>
                   <a:srgbClr val="000000"/>
                 </a:solidFill>
@@ -16653,14 +16653,14 @@
           </a:ln>
           <a:extLst>
             <a:ext uri="{909E8E84-426E-40dd-AFC4-6F175D3DCCD1}">
-              <a14:hiddenFill xmlns="" xmlns:a14="http://schemas.microsoft.com/office/drawing/2010/main">
+              <a14:hiddenFill xmlns:a14="http://schemas.microsoft.com/office/drawing/2010/main" xmlns="">
                 <a:solidFill>
                   <a:srgbClr val="FFFFFF"/>
                 </a:solidFill>
               </a14:hiddenFill>
             </a:ext>
             <a:ext uri="{91240B29-F687-4f45-9708-019B960494DF}">
-              <a14:hiddenLine xmlns="" xmlns:a14="http://schemas.microsoft.com/office/drawing/2010/main" w="9525">
+              <a14:hiddenLine xmlns:a14="http://schemas.microsoft.com/office/drawing/2010/main" xmlns="" w="9525">
                 <a:solidFill>
                   <a:srgbClr val="000000"/>
                 </a:solidFill>

--- a/slides/graphs-basic.pptx
+++ b/slides/graphs-basic.pptx
@@ -5,10 +5,10 @@
     <p:sldMasterId id="2147483714" r:id="rId1"/>
   </p:sldMasterIdLst>
   <p:notesMasterIdLst>
-    <p:notesMasterId r:id="rId77"/>
+    <p:notesMasterId r:id="rId78"/>
   </p:notesMasterIdLst>
   <p:handoutMasterIdLst>
-    <p:handoutMasterId r:id="rId78"/>
+    <p:handoutMasterId r:id="rId79"/>
   </p:handoutMasterIdLst>
   <p:sldIdLst>
     <p:sldId id="377" r:id="rId2"/>
@@ -41,56 +41,57 @@
     <p:sldId id="294" r:id="rId29"/>
     <p:sldId id="335" r:id="rId30"/>
     <p:sldId id="434" r:id="rId31"/>
-    <p:sldId id="376" r:id="rId32"/>
-    <p:sldId id="456" r:id="rId33"/>
-    <p:sldId id="363" r:id="rId34"/>
-    <p:sldId id="344" r:id="rId35"/>
-    <p:sldId id="350" r:id="rId36"/>
-    <p:sldId id="366" r:id="rId37"/>
-    <p:sldId id="367" r:id="rId38"/>
-    <p:sldId id="384" r:id="rId39"/>
-    <p:sldId id="442" r:id="rId40"/>
-    <p:sldId id="443" r:id="rId41"/>
-    <p:sldId id="444" r:id="rId42"/>
-    <p:sldId id="445" r:id="rId43"/>
-    <p:sldId id="446" r:id="rId44"/>
-    <p:sldId id="447" r:id="rId45"/>
-    <p:sldId id="448" r:id="rId46"/>
-    <p:sldId id="449" r:id="rId47"/>
-    <p:sldId id="450" r:id="rId48"/>
-    <p:sldId id="451" r:id="rId49"/>
-    <p:sldId id="452" r:id="rId50"/>
-    <p:sldId id="453" r:id="rId51"/>
-    <p:sldId id="454" r:id="rId52"/>
-    <p:sldId id="455" r:id="rId53"/>
-    <p:sldId id="420" r:id="rId54"/>
-    <p:sldId id="483" r:id="rId55"/>
-    <p:sldId id="484" r:id="rId56"/>
-    <p:sldId id="485" r:id="rId57"/>
-    <p:sldId id="486" r:id="rId58"/>
-    <p:sldId id="487" r:id="rId59"/>
-    <p:sldId id="488" r:id="rId60"/>
-    <p:sldId id="489" r:id="rId61"/>
-    <p:sldId id="490" r:id="rId62"/>
-    <p:sldId id="491" r:id="rId63"/>
-    <p:sldId id="457" r:id="rId64"/>
-    <p:sldId id="428" r:id="rId65"/>
-    <p:sldId id="429" r:id="rId66"/>
-    <p:sldId id="430" r:id="rId67"/>
-    <p:sldId id="432" r:id="rId68"/>
-    <p:sldId id="459" r:id="rId69"/>
-    <p:sldId id="435" r:id="rId70"/>
-    <p:sldId id="328" r:id="rId71"/>
-    <p:sldId id="329" r:id="rId72"/>
-    <p:sldId id="331" r:id="rId73"/>
-    <p:sldId id="482" r:id="rId74"/>
-    <p:sldId id="458" r:id="rId75"/>
-    <p:sldId id="410" r:id="rId76"/>
+    <p:sldId id="492" r:id="rId32"/>
+    <p:sldId id="376" r:id="rId33"/>
+    <p:sldId id="456" r:id="rId34"/>
+    <p:sldId id="363" r:id="rId35"/>
+    <p:sldId id="344" r:id="rId36"/>
+    <p:sldId id="350" r:id="rId37"/>
+    <p:sldId id="366" r:id="rId38"/>
+    <p:sldId id="367" r:id="rId39"/>
+    <p:sldId id="384" r:id="rId40"/>
+    <p:sldId id="442" r:id="rId41"/>
+    <p:sldId id="443" r:id="rId42"/>
+    <p:sldId id="444" r:id="rId43"/>
+    <p:sldId id="445" r:id="rId44"/>
+    <p:sldId id="446" r:id="rId45"/>
+    <p:sldId id="447" r:id="rId46"/>
+    <p:sldId id="448" r:id="rId47"/>
+    <p:sldId id="449" r:id="rId48"/>
+    <p:sldId id="450" r:id="rId49"/>
+    <p:sldId id="451" r:id="rId50"/>
+    <p:sldId id="452" r:id="rId51"/>
+    <p:sldId id="453" r:id="rId52"/>
+    <p:sldId id="454" r:id="rId53"/>
+    <p:sldId id="455" r:id="rId54"/>
+    <p:sldId id="420" r:id="rId55"/>
+    <p:sldId id="483" r:id="rId56"/>
+    <p:sldId id="484" r:id="rId57"/>
+    <p:sldId id="485" r:id="rId58"/>
+    <p:sldId id="486" r:id="rId59"/>
+    <p:sldId id="487" r:id="rId60"/>
+    <p:sldId id="488" r:id="rId61"/>
+    <p:sldId id="489" r:id="rId62"/>
+    <p:sldId id="490" r:id="rId63"/>
+    <p:sldId id="491" r:id="rId64"/>
+    <p:sldId id="457" r:id="rId65"/>
+    <p:sldId id="428" r:id="rId66"/>
+    <p:sldId id="429" r:id="rId67"/>
+    <p:sldId id="430" r:id="rId68"/>
+    <p:sldId id="432" r:id="rId69"/>
+    <p:sldId id="459" r:id="rId70"/>
+    <p:sldId id="435" r:id="rId71"/>
+    <p:sldId id="328" r:id="rId72"/>
+    <p:sldId id="329" r:id="rId73"/>
+    <p:sldId id="331" r:id="rId74"/>
+    <p:sldId id="482" r:id="rId75"/>
+    <p:sldId id="458" r:id="rId76"/>
+    <p:sldId id="410" r:id="rId77"/>
   </p:sldIdLst>
   <p:sldSz cx="9144000" cy="6858000" type="screen4x3"/>
   <p:notesSz cx="7315200" cy="9601200"/>
   <p:custDataLst>
-    <p:tags r:id="rId79"/>
+    <p:tags r:id="rId80"/>
   </p:custDataLst>
   <p:defaultTextStyle>
     <a:defPPr>
@@ -980,14 +981,14 @@
           <a:ln/>
           <a:extLst>
             <a:ext uri="{909E8E84-426E-40dd-AFC4-6F175D3DCCD1}">
-              <a14:hiddenFill xmlns:a14="http://schemas.microsoft.com/office/drawing/2010/main" xmlns="">
+              <a14:hiddenFill xmlns="" xmlns:a14="http://schemas.microsoft.com/office/drawing/2010/main">
                 <a:solidFill>
                   <a:srgbClr val="FFFFFF"/>
                 </a:solidFill>
               </a14:hiddenFill>
             </a:ext>
             <a:ext uri="{91240B29-F687-4f45-9708-019B960494DF}">
-              <a14:hiddenLine xmlns:a14="http://schemas.microsoft.com/office/drawing/2010/main" xmlns="" w="9525">
+              <a14:hiddenLine xmlns="" xmlns:a14="http://schemas.microsoft.com/office/drawing/2010/main" w="9525">
                 <a:solidFill>
                   <a:srgbClr val="000000"/>
                 </a:solidFill>
@@ -1023,14 +1024,14 @@
           <a:ln/>
           <a:extLst>
             <a:ext uri="{909E8E84-426E-40dd-AFC4-6F175D3DCCD1}">
-              <a14:hiddenFill xmlns:a14="http://schemas.microsoft.com/office/drawing/2010/main" xmlns="">
+              <a14:hiddenFill xmlns="" xmlns:a14="http://schemas.microsoft.com/office/drawing/2010/main">
                 <a:solidFill>
                   <a:srgbClr val="FFFFFF"/>
                 </a:solidFill>
               </a14:hiddenFill>
             </a:ext>
             <a:ext uri="{91240B29-F687-4f45-9708-019B960494DF}">
-              <a14:hiddenLine xmlns:a14="http://schemas.microsoft.com/office/drawing/2010/main" xmlns="" w="9525">
+              <a14:hiddenLine xmlns="" xmlns:a14="http://schemas.microsoft.com/office/drawing/2010/main" w="9525">
                 <a:solidFill>
                   <a:srgbClr val="000000"/>
                 </a:solidFill>
@@ -1154,7 +1155,7 @@
             <a:fld id="{2D2BEF1F-0183-4803-A0C4-8B09EF56BC1B}" type="slidenum">
               <a:rPr lang="en-US" altLang="en-US" sz="1300"/>
               <a:pPr/>
-              <a:t>39</a:t>
+              <a:t>40</a:t>
             </a:fld>
             <a:endParaRPr lang="en-US" altLang="en-US" sz="1300"/>
           </a:p>
@@ -1219,14 +1220,14 @@
           <a:ln/>
           <a:extLst>
             <a:ext uri="{909E8E84-426E-40dd-AFC4-6F175D3DCCD1}">
-              <a14:hiddenFill xmlns:a14="http://schemas.microsoft.com/office/drawing/2010/main" xmlns="">
+              <a14:hiddenFill xmlns="" xmlns:a14="http://schemas.microsoft.com/office/drawing/2010/main">
                 <a:solidFill>
                   <a:srgbClr val="FFFFFF"/>
                 </a:solidFill>
               </a14:hiddenFill>
             </a:ext>
             <a:ext uri="{91240B29-F687-4f45-9708-019B960494DF}">
-              <a14:hiddenLine xmlns:a14="http://schemas.microsoft.com/office/drawing/2010/main" xmlns="" w="9525">
+              <a14:hiddenLine xmlns="" xmlns:a14="http://schemas.microsoft.com/office/drawing/2010/main" w="9525">
                 <a:solidFill>
                   <a:srgbClr val="000000"/>
                 </a:solidFill>
@@ -1262,14 +1263,14 @@
           <a:ln/>
           <a:extLst>
             <a:ext uri="{909E8E84-426E-40dd-AFC4-6F175D3DCCD1}">
-              <a14:hiddenFill xmlns:a14="http://schemas.microsoft.com/office/drawing/2010/main" xmlns="">
+              <a14:hiddenFill xmlns="" xmlns:a14="http://schemas.microsoft.com/office/drawing/2010/main">
                 <a:solidFill>
                   <a:srgbClr val="FFFFFF"/>
                 </a:solidFill>
               </a14:hiddenFill>
             </a:ext>
             <a:ext uri="{91240B29-F687-4f45-9708-019B960494DF}">
-              <a14:hiddenLine xmlns:a14="http://schemas.microsoft.com/office/drawing/2010/main" xmlns="" w="9525">
+              <a14:hiddenLine xmlns="" xmlns:a14="http://schemas.microsoft.com/office/drawing/2010/main" w="9525">
                 <a:solidFill>
                   <a:srgbClr val="000000"/>
                 </a:solidFill>
@@ -1393,7 +1394,7 @@
             <a:fld id="{B1673AAF-2C19-42F6-83D5-1FD92DCAABBB}" type="slidenum">
               <a:rPr lang="en-US" altLang="en-US" sz="1300"/>
               <a:pPr/>
-              <a:t>48</a:t>
+              <a:t>49</a:t>
             </a:fld>
             <a:endParaRPr lang="en-US" altLang="en-US" sz="1300"/>
           </a:p>
@@ -1458,14 +1459,14 @@
           <a:ln/>
           <a:extLst>
             <a:ext uri="{909E8E84-426E-40dd-AFC4-6F175D3DCCD1}">
-              <a14:hiddenFill xmlns:a14="http://schemas.microsoft.com/office/drawing/2010/main" xmlns="">
+              <a14:hiddenFill xmlns="" xmlns:a14="http://schemas.microsoft.com/office/drawing/2010/main">
                 <a:solidFill>
                   <a:srgbClr val="FFFFFF"/>
                 </a:solidFill>
               </a14:hiddenFill>
             </a:ext>
             <a:ext uri="{91240B29-F687-4f45-9708-019B960494DF}">
-              <a14:hiddenLine xmlns:a14="http://schemas.microsoft.com/office/drawing/2010/main" xmlns="" w="9525">
+              <a14:hiddenLine xmlns="" xmlns:a14="http://schemas.microsoft.com/office/drawing/2010/main" w="9525">
                 <a:solidFill>
                   <a:srgbClr val="000000"/>
                 </a:solidFill>
@@ -1501,14 +1502,14 @@
           <a:ln/>
           <a:extLst>
             <a:ext uri="{909E8E84-426E-40dd-AFC4-6F175D3DCCD1}">
-              <a14:hiddenFill xmlns:a14="http://schemas.microsoft.com/office/drawing/2010/main" xmlns="">
+              <a14:hiddenFill xmlns="" xmlns:a14="http://schemas.microsoft.com/office/drawing/2010/main">
                 <a:solidFill>
                   <a:srgbClr val="FFFFFF"/>
                 </a:solidFill>
               </a14:hiddenFill>
             </a:ext>
             <a:ext uri="{91240B29-F687-4f45-9708-019B960494DF}">
-              <a14:hiddenLine xmlns:a14="http://schemas.microsoft.com/office/drawing/2010/main" xmlns="" w="9525">
+              <a14:hiddenLine xmlns="" xmlns:a14="http://schemas.microsoft.com/office/drawing/2010/main" w="9525">
                 <a:solidFill>
                   <a:srgbClr val="000000"/>
                 </a:solidFill>
@@ -1632,7 +1633,7 @@
             <a:fld id="{B43C3DAB-B6C2-4F2D-90D7-E9E43E3C5A57}" type="slidenum">
               <a:rPr lang="en-US" altLang="en-US" sz="1300"/>
               <a:pPr/>
-              <a:t>49</a:t>
+              <a:t>50</a:t>
             </a:fld>
             <a:endParaRPr lang="en-US" altLang="en-US" sz="1300"/>
           </a:p>
@@ -1697,14 +1698,14 @@
           <a:ln/>
           <a:extLst>
             <a:ext uri="{909E8E84-426E-40dd-AFC4-6F175D3DCCD1}">
-              <a14:hiddenFill xmlns:a14="http://schemas.microsoft.com/office/drawing/2010/main" xmlns="">
+              <a14:hiddenFill xmlns="" xmlns:a14="http://schemas.microsoft.com/office/drawing/2010/main">
                 <a:solidFill>
                   <a:srgbClr val="FFFFFF"/>
                 </a:solidFill>
               </a14:hiddenFill>
             </a:ext>
             <a:ext uri="{91240B29-F687-4f45-9708-019B960494DF}">
-              <a14:hiddenLine xmlns:a14="http://schemas.microsoft.com/office/drawing/2010/main" xmlns="" w="9525">
+              <a14:hiddenLine xmlns="" xmlns:a14="http://schemas.microsoft.com/office/drawing/2010/main" w="9525">
                 <a:solidFill>
                   <a:srgbClr val="000000"/>
                 </a:solidFill>
@@ -1740,14 +1741,14 @@
           <a:ln/>
           <a:extLst>
             <a:ext uri="{909E8E84-426E-40dd-AFC4-6F175D3DCCD1}">
-              <a14:hiddenFill xmlns:a14="http://schemas.microsoft.com/office/drawing/2010/main" xmlns="">
+              <a14:hiddenFill xmlns="" xmlns:a14="http://schemas.microsoft.com/office/drawing/2010/main">
                 <a:solidFill>
                   <a:srgbClr val="FFFFFF"/>
                 </a:solidFill>
               </a14:hiddenFill>
             </a:ext>
             <a:ext uri="{91240B29-F687-4f45-9708-019B960494DF}">
-              <a14:hiddenLine xmlns:a14="http://schemas.microsoft.com/office/drawing/2010/main" xmlns="" w="9525">
+              <a14:hiddenLine xmlns="" xmlns:a14="http://schemas.microsoft.com/office/drawing/2010/main" w="9525">
                 <a:solidFill>
                   <a:srgbClr val="000000"/>
                 </a:solidFill>
@@ -1871,7 +1872,7 @@
             <a:fld id="{0B4B5BA7-0703-4F5A-B1FB-89A2972B0700}" type="slidenum">
               <a:rPr lang="en-US" altLang="en-US" sz="1300"/>
               <a:pPr/>
-              <a:t>50</a:t>
+              <a:t>51</a:t>
             </a:fld>
             <a:endParaRPr lang="en-US" altLang="en-US" sz="1300"/>
           </a:p>
@@ -1936,14 +1937,14 @@
           <a:ln/>
           <a:extLst>
             <a:ext uri="{909E8E84-426E-40dd-AFC4-6F175D3DCCD1}">
-              <a14:hiddenFill xmlns:a14="http://schemas.microsoft.com/office/drawing/2010/main" xmlns="">
+              <a14:hiddenFill xmlns="" xmlns:a14="http://schemas.microsoft.com/office/drawing/2010/main">
                 <a:solidFill>
                   <a:srgbClr val="FFFFFF"/>
                 </a:solidFill>
               </a14:hiddenFill>
             </a:ext>
             <a:ext uri="{91240B29-F687-4f45-9708-019B960494DF}">
-              <a14:hiddenLine xmlns:a14="http://schemas.microsoft.com/office/drawing/2010/main" xmlns="" w="9525">
+              <a14:hiddenLine xmlns="" xmlns:a14="http://schemas.microsoft.com/office/drawing/2010/main" w="9525">
                 <a:solidFill>
                   <a:srgbClr val="000000"/>
                 </a:solidFill>
@@ -1979,14 +1980,14 @@
           <a:ln/>
           <a:extLst>
             <a:ext uri="{909E8E84-426E-40dd-AFC4-6F175D3DCCD1}">
-              <a14:hiddenFill xmlns:a14="http://schemas.microsoft.com/office/drawing/2010/main" xmlns="">
+              <a14:hiddenFill xmlns="" xmlns:a14="http://schemas.microsoft.com/office/drawing/2010/main">
                 <a:solidFill>
                   <a:srgbClr val="FFFFFF"/>
                 </a:solidFill>
               </a14:hiddenFill>
             </a:ext>
             <a:ext uri="{91240B29-F687-4f45-9708-019B960494DF}">
-              <a14:hiddenLine xmlns:a14="http://schemas.microsoft.com/office/drawing/2010/main" xmlns="" w="9525">
+              <a14:hiddenLine xmlns="" xmlns:a14="http://schemas.microsoft.com/office/drawing/2010/main" w="9525">
                 <a:solidFill>
                   <a:srgbClr val="000000"/>
                 </a:solidFill>
@@ -2110,7 +2111,7 @@
             <a:fld id="{DB628695-A6C7-4128-99D6-3CD9485EA0D2}" type="slidenum">
               <a:rPr lang="en-US" altLang="en-US" sz="1300"/>
               <a:pPr/>
-              <a:t>51</a:t>
+              <a:t>52</a:t>
             </a:fld>
             <a:endParaRPr lang="en-US" altLang="en-US" sz="1300"/>
           </a:p>
@@ -2175,14 +2176,14 @@
           <a:ln/>
           <a:extLst>
             <a:ext uri="{909E8E84-426E-40dd-AFC4-6F175D3DCCD1}">
-              <a14:hiddenFill xmlns:a14="http://schemas.microsoft.com/office/drawing/2010/main" xmlns="">
+              <a14:hiddenFill xmlns="" xmlns:a14="http://schemas.microsoft.com/office/drawing/2010/main">
                 <a:solidFill>
                   <a:srgbClr val="FFFFFF"/>
                 </a:solidFill>
               </a14:hiddenFill>
             </a:ext>
             <a:ext uri="{91240B29-F687-4f45-9708-019B960494DF}">
-              <a14:hiddenLine xmlns:a14="http://schemas.microsoft.com/office/drawing/2010/main" xmlns="" w="9525">
+              <a14:hiddenLine xmlns="" xmlns:a14="http://schemas.microsoft.com/office/drawing/2010/main" w="9525">
                 <a:solidFill>
                   <a:srgbClr val="000000"/>
                 </a:solidFill>
@@ -2218,14 +2219,14 @@
           <a:ln/>
           <a:extLst>
             <a:ext uri="{909E8E84-426E-40dd-AFC4-6F175D3DCCD1}">
-              <a14:hiddenFill xmlns:a14="http://schemas.microsoft.com/office/drawing/2010/main" xmlns="">
+              <a14:hiddenFill xmlns="" xmlns:a14="http://schemas.microsoft.com/office/drawing/2010/main">
                 <a:solidFill>
                   <a:srgbClr val="FFFFFF"/>
                 </a:solidFill>
               </a14:hiddenFill>
             </a:ext>
             <a:ext uri="{91240B29-F687-4f45-9708-019B960494DF}">
-              <a14:hiddenLine xmlns:a14="http://schemas.microsoft.com/office/drawing/2010/main" xmlns="" w="9525">
+              <a14:hiddenLine xmlns="" xmlns:a14="http://schemas.microsoft.com/office/drawing/2010/main" w="9525">
                 <a:solidFill>
                   <a:srgbClr val="000000"/>
                 </a:solidFill>
@@ -2349,7 +2350,7 @@
             <a:fld id="{02ECD092-AEEB-4A4A-B3DB-33B5E4AF7475}" type="slidenum">
               <a:rPr lang="en-US" altLang="en-US" sz="1300"/>
               <a:pPr/>
-              <a:t>52</a:t>
+              <a:t>53</a:t>
             </a:fld>
             <a:endParaRPr lang="en-US" altLang="en-US" sz="1300"/>
           </a:p>
@@ -2405,7 +2406,7 @@
             <a:fld id="{4E1D0E06-6B38-402A-80F4-A70DBD984D0C}" type="slidenum">
               <a:rPr lang="en-US" smtClean="0"/>
               <a:pPr/>
-              <a:t>67</a:t>
+              <a:t>68</a:t>
             </a:fld>
             <a:endParaRPr lang="en-US"/>
           </a:p>
@@ -2519,14 +2520,14 @@
           <a:ln/>
           <a:extLst>
             <a:ext uri="{909E8E84-426E-40dd-AFC4-6F175D3DCCD1}">
-              <a14:hiddenFill xmlns:a14="http://schemas.microsoft.com/office/drawing/2010/main" xmlns="">
+              <a14:hiddenFill xmlns="" xmlns:a14="http://schemas.microsoft.com/office/drawing/2010/main">
                 <a:solidFill>
                   <a:srgbClr val="FFFFFF"/>
                 </a:solidFill>
               </a14:hiddenFill>
             </a:ext>
             <a:ext uri="{91240B29-F687-4f45-9708-019B960494DF}">
-              <a14:hiddenLine xmlns:a14="http://schemas.microsoft.com/office/drawing/2010/main" xmlns="" w="9525">
+              <a14:hiddenLine xmlns="" xmlns:a14="http://schemas.microsoft.com/office/drawing/2010/main" w="9525">
                 <a:solidFill>
                   <a:srgbClr val="000000"/>
                 </a:solidFill>
@@ -2562,14 +2563,14 @@
           <a:ln/>
           <a:extLst>
             <a:ext uri="{909E8E84-426E-40dd-AFC4-6F175D3DCCD1}">
-              <a14:hiddenFill xmlns:a14="http://schemas.microsoft.com/office/drawing/2010/main" xmlns="">
+              <a14:hiddenFill xmlns="" xmlns:a14="http://schemas.microsoft.com/office/drawing/2010/main">
                 <a:solidFill>
                   <a:srgbClr val="FFFFFF"/>
                 </a:solidFill>
               </a14:hiddenFill>
             </a:ext>
             <a:ext uri="{91240B29-F687-4f45-9708-019B960494DF}">
-              <a14:hiddenLine xmlns:a14="http://schemas.microsoft.com/office/drawing/2010/main" xmlns="" w="9525">
+              <a14:hiddenLine xmlns="" xmlns:a14="http://schemas.microsoft.com/office/drawing/2010/main" w="9525">
                 <a:solidFill>
                   <a:srgbClr val="000000"/>
                 </a:solidFill>
@@ -2693,7 +2694,7 @@
             <a:fld id="{813A42AC-8C8D-4158-B7F8-826FC87F567E}" type="slidenum">
               <a:rPr lang="en-US" altLang="en-US" sz="1300"/>
               <a:pPr/>
-              <a:t>40</a:t>
+              <a:t>41</a:t>
             </a:fld>
             <a:endParaRPr lang="en-US" altLang="en-US" sz="1300"/>
           </a:p>
@@ -2758,14 +2759,14 @@
           <a:ln/>
           <a:extLst>
             <a:ext uri="{909E8E84-426E-40dd-AFC4-6F175D3DCCD1}">
-              <a14:hiddenFill xmlns:a14="http://schemas.microsoft.com/office/drawing/2010/main" xmlns="">
+              <a14:hiddenFill xmlns="" xmlns:a14="http://schemas.microsoft.com/office/drawing/2010/main">
                 <a:solidFill>
                   <a:srgbClr val="FFFFFF"/>
                 </a:solidFill>
               </a14:hiddenFill>
             </a:ext>
             <a:ext uri="{91240B29-F687-4f45-9708-019B960494DF}">
-              <a14:hiddenLine xmlns:a14="http://schemas.microsoft.com/office/drawing/2010/main" xmlns="" w="9525">
+              <a14:hiddenLine xmlns="" xmlns:a14="http://schemas.microsoft.com/office/drawing/2010/main" w="9525">
                 <a:solidFill>
                   <a:srgbClr val="000000"/>
                 </a:solidFill>
@@ -2801,14 +2802,14 @@
           <a:ln/>
           <a:extLst>
             <a:ext uri="{909E8E84-426E-40dd-AFC4-6F175D3DCCD1}">
-              <a14:hiddenFill xmlns:a14="http://schemas.microsoft.com/office/drawing/2010/main" xmlns="">
+              <a14:hiddenFill xmlns="" xmlns:a14="http://schemas.microsoft.com/office/drawing/2010/main">
                 <a:solidFill>
                   <a:srgbClr val="FFFFFF"/>
                 </a:solidFill>
               </a14:hiddenFill>
             </a:ext>
             <a:ext uri="{91240B29-F687-4f45-9708-019B960494DF}">
-              <a14:hiddenLine xmlns:a14="http://schemas.microsoft.com/office/drawing/2010/main" xmlns="" w="9525">
+              <a14:hiddenLine xmlns="" xmlns:a14="http://schemas.microsoft.com/office/drawing/2010/main" w="9525">
                 <a:solidFill>
                   <a:srgbClr val="000000"/>
                 </a:solidFill>
@@ -2932,7 +2933,7 @@
             <a:fld id="{BF241A6B-F302-4BED-A6C9-23FC05BCE2F7}" type="slidenum">
               <a:rPr lang="en-US" altLang="en-US" sz="1300"/>
               <a:pPr/>
-              <a:t>41</a:t>
+              <a:t>42</a:t>
             </a:fld>
             <a:endParaRPr lang="en-US" altLang="en-US" sz="1300"/>
           </a:p>
@@ -2997,14 +2998,14 @@
           <a:ln/>
           <a:extLst>
             <a:ext uri="{909E8E84-426E-40dd-AFC4-6F175D3DCCD1}">
-              <a14:hiddenFill xmlns:a14="http://schemas.microsoft.com/office/drawing/2010/main" xmlns="">
+              <a14:hiddenFill xmlns="" xmlns:a14="http://schemas.microsoft.com/office/drawing/2010/main">
                 <a:solidFill>
                   <a:srgbClr val="FFFFFF"/>
                 </a:solidFill>
               </a14:hiddenFill>
             </a:ext>
             <a:ext uri="{91240B29-F687-4f45-9708-019B960494DF}">
-              <a14:hiddenLine xmlns:a14="http://schemas.microsoft.com/office/drawing/2010/main" xmlns="" w="9525">
+              <a14:hiddenLine xmlns="" xmlns:a14="http://schemas.microsoft.com/office/drawing/2010/main" w="9525">
                 <a:solidFill>
                   <a:srgbClr val="000000"/>
                 </a:solidFill>
@@ -3040,14 +3041,14 @@
           <a:ln/>
           <a:extLst>
             <a:ext uri="{909E8E84-426E-40dd-AFC4-6F175D3DCCD1}">
-              <a14:hiddenFill xmlns:a14="http://schemas.microsoft.com/office/drawing/2010/main" xmlns="">
+              <a14:hiddenFill xmlns="" xmlns:a14="http://schemas.microsoft.com/office/drawing/2010/main">
                 <a:solidFill>
                   <a:srgbClr val="FFFFFF"/>
                 </a:solidFill>
               </a14:hiddenFill>
             </a:ext>
             <a:ext uri="{91240B29-F687-4f45-9708-019B960494DF}">
-              <a14:hiddenLine xmlns:a14="http://schemas.microsoft.com/office/drawing/2010/main" xmlns="" w="9525">
+              <a14:hiddenLine xmlns="" xmlns:a14="http://schemas.microsoft.com/office/drawing/2010/main" w="9525">
                 <a:solidFill>
                   <a:srgbClr val="000000"/>
                 </a:solidFill>
@@ -3171,7 +3172,7 @@
             <a:fld id="{214E26A5-AC22-4E58-9CD4-8EE5E511921A}" type="slidenum">
               <a:rPr lang="en-US" altLang="en-US" sz="1300"/>
               <a:pPr/>
-              <a:t>42</a:t>
+              <a:t>43</a:t>
             </a:fld>
             <a:endParaRPr lang="en-US" altLang="en-US" sz="1300"/>
           </a:p>
@@ -3236,14 +3237,14 @@
           <a:ln/>
           <a:extLst>
             <a:ext uri="{909E8E84-426E-40dd-AFC4-6F175D3DCCD1}">
-              <a14:hiddenFill xmlns:a14="http://schemas.microsoft.com/office/drawing/2010/main" xmlns="">
+              <a14:hiddenFill xmlns="" xmlns:a14="http://schemas.microsoft.com/office/drawing/2010/main">
                 <a:solidFill>
                   <a:srgbClr val="FFFFFF"/>
                 </a:solidFill>
               </a14:hiddenFill>
             </a:ext>
             <a:ext uri="{91240B29-F687-4f45-9708-019B960494DF}">
-              <a14:hiddenLine xmlns:a14="http://schemas.microsoft.com/office/drawing/2010/main" xmlns="" w="9525">
+              <a14:hiddenLine xmlns="" xmlns:a14="http://schemas.microsoft.com/office/drawing/2010/main" w="9525">
                 <a:solidFill>
                   <a:srgbClr val="000000"/>
                 </a:solidFill>
@@ -3279,14 +3280,14 @@
           <a:ln/>
           <a:extLst>
             <a:ext uri="{909E8E84-426E-40dd-AFC4-6F175D3DCCD1}">
-              <a14:hiddenFill xmlns:a14="http://schemas.microsoft.com/office/drawing/2010/main" xmlns="">
+              <a14:hiddenFill xmlns="" xmlns:a14="http://schemas.microsoft.com/office/drawing/2010/main">
                 <a:solidFill>
                   <a:srgbClr val="FFFFFF"/>
                 </a:solidFill>
               </a14:hiddenFill>
             </a:ext>
             <a:ext uri="{91240B29-F687-4f45-9708-019B960494DF}">
-              <a14:hiddenLine xmlns:a14="http://schemas.microsoft.com/office/drawing/2010/main" xmlns="" w="9525">
+              <a14:hiddenLine xmlns="" xmlns:a14="http://schemas.microsoft.com/office/drawing/2010/main" w="9525">
                 <a:solidFill>
                   <a:srgbClr val="000000"/>
                 </a:solidFill>
@@ -3410,7 +3411,7 @@
             <a:fld id="{813F0315-EE0B-4C31-9F88-180D9233AC8C}" type="slidenum">
               <a:rPr lang="en-US" altLang="en-US" sz="1300"/>
               <a:pPr/>
-              <a:t>43</a:t>
+              <a:t>44</a:t>
             </a:fld>
             <a:endParaRPr lang="en-US" altLang="en-US" sz="1300"/>
           </a:p>
@@ -3475,14 +3476,14 @@
           <a:ln/>
           <a:extLst>
             <a:ext uri="{909E8E84-426E-40dd-AFC4-6F175D3DCCD1}">
-              <a14:hiddenFill xmlns:a14="http://schemas.microsoft.com/office/drawing/2010/main" xmlns="">
+              <a14:hiddenFill xmlns="" xmlns:a14="http://schemas.microsoft.com/office/drawing/2010/main">
                 <a:solidFill>
                   <a:srgbClr val="FFFFFF"/>
                 </a:solidFill>
               </a14:hiddenFill>
             </a:ext>
             <a:ext uri="{91240B29-F687-4f45-9708-019B960494DF}">
-              <a14:hiddenLine xmlns:a14="http://schemas.microsoft.com/office/drawing/2010/main" xmlns="" w="9525">
+              <a14:hiddenLine xmlns="" xmlns:a14="http://schemas.microsoft.com/office/drawing/2010/main" w="9525">
                 <a:solidFill>
                   <a:srgbClr val="000000"/>
                 </a:solidFill>
@@ -3518,14 +3519,14 @@
           <a:ln/>
           <a:extLst>
             <a:ext uri="{909E8E84-426E-40dd-AFC4-6F175D3DCCD1}">
-              <a14:hiddenFill xmlns:a14="http://schemas.microsoft.com/office/drawing/2010/main" xmlns="">
+              <a14:hiddenFill xmlns="" xmlns:a14="http://schemas.microsoft.com/office/drawing/2010/main">
                 <a:solidFill>
                   <a:srgbClr val="FFFFFF"/>
                 </a:solidFill>
               </a14:hiddenFill>
             </a:ext>
             <a:ext uri="{91240B29-F687-4f45-9708-019B960494DF}">
-              <a14:hiddenLine xmlns:a14="http://schemas.microsoft.com/office/drawing/2010/main" xmlns="" w="9525">
+              <a14:hiddenLine xmlns="" xmlns:a14="http://schemas.microsoft.com/office/drawing/2010/main" w="9525">
                 <a:solidFill>
                   <a:srgbClr val="000000"/>
                 </a:solidFill>
@@ -3649,7 +3650,7 @@
             <a:fld id="{99FBAF34-A6E1-4715-AAB0-F29ACBC78811}" type="slidenum">
               <a:rPr lang="en-US" altLang="en-US" sz="1300"/>
               <a:pPr/>
-              <a:t>44</a:t>
+              <a:t>45</a:t>
             </a:fld>
             <a:endParaRPr lang="en-US" altLang="en-US" sz="1300"/>
           </a:p>
@@ -3714,14 +3715,14 @@
           <a:ln/>
           <a:extLst>
             <a:ext uri="{909E8E84-426E-40dd-AFC4-6F175D3DCCD1}">
-              <a14:hiddenFill xmlns:a14="http://schemas.microsoft.com/office/drawing/2010/main" xmlns="">
+              <a14:hiddenFill xmlns="" xmlns:a14="http://schemas.microsoft.com/office/drawing/2010/main">
                 <a:solidFill>
                   <a:srgbClr val="FFFFFF"/>
                 </a:solidFill>
               </a14:hiddenFill>
             </a:ext>
             <a:ext uri="{91240B29-F687-4f45-9708-019B960494DF}">
-              <a14:hiddenLine xmlns:a14="http://schemas.microsoft.com/office/drawing/2010/main" xmlns="" w="9525">
+              <a14:hiddenLine xmlns="" xmlns:a14="http://schemas.microsoft.com/office/drawing/2010/main" w="9525">
                 <a:solidFill>
                   <a:srgbClr val="000000"/>
                 </a:solidFill>
@@ -3757,14 +3758,14 @@
           <a:ln/>
           <a:extLst>
             <a:ext uri="{909E8E84-426E-40dd-AFC4-6F175D3DCCD1}">
-              <a14:hiddenFill xmlns:a14="http://schemas.microsoft.com/office/drawing/2010/main" xmlns="">
+              <a14:hiddenFill xmlns="" xmlns:a14="http://schemas.microsoft.com/office/drawing/2010/main">
                 <a:solidFill>
                   <a:srgbClr val="FFFFFF"/>
                 </a:solidFill>
               </a14:hiddenFill>
             </a:ext>
             <a:ext uri="{91240B29-F687-4f45-9708-019B960494DF}">
-              <a14:hiddenLine xmlns:a14="http://schemas.microsoft.com/office/drawing/2010/main" xmlns="" w="9525">
+              <a14:hiddenLine xmlns="" xmlns:a14="http://schemas.microsoft.com/office/drawing/2010/main" w="9525">
                 <a:solidFill>
                   <a:srgbClr val="000000"/>
                 </a:solidFill>
@@ -3888,7 +3889,7 @@
             <a:fld id="{E6DA8FBA-A8EE-441F-A60C-520766E46535}" type="slidenum">
               <a:rPr lang="en-US" altLang="en-US" sz="1300"/>
               <a:pPr/>
-              <a:t>45</a:t>
+              <a:t>46</a:t>
             </a:fld>
             <a:endParaRPr lang="en-US" altLang="en-US" sz="1300"/>
           </a:p>
@@ -3953,14 +3954,14 @@
           <a:ln/>
           <a:extLst>
             <a:ext uri="{909E8E84-426E-40dd-AFC4-6F175D3DCCD1}">
-              <a14:hiddenFill xmlns:a14="http://schemas.microsoft.com/office/drawing/2010/main" xmlns="">
+              <a14:hiddenFill xmlns="" xmlns:a14="http://schemas.microsoft.com/office/drawing/2010/main">
                 <a:solidFill>
                   <a:srgbClr val="FFFFFF"/>
                 </a:solidFill>
               </a14:hiddenFill>
             </a:ext>
             <a:ext uri="{91240B29-F687-4f45-9708-019B960494DF}">
-              <a14:hiddenLine xmlns:a14="http://schemas.microsoft.com/office/drawing/2010/main" xmlns="" w="9525">
+              <a14:hiddenLine xmlns="" xmlns:a14="http://schemas.microsoft.com/office/drawing/2010/main" w="9525">
                 <a:solidFill>
                   <a:srgbClr val="000000"/>
                 </a:solidFill>
@@ -3996,14 +3997,14 @@
           <a:ln/>
           <a:extLst>
             <a:ext uri="{909E8E84-426E-40dd-AFC4-6F175D3DCCD1}">
-              <a14:hiddenFill xmlns:a14="http://schemas.microsoft.com/office/drawing/2010/main" xmlns="">
+              <a14:hiddenFill xmlns="" xmlns:a14="http://schemas.microsoft.com/office/drawing/2010/main">
                 <a:solidFill>
                   <a:srgbClr val="FFFFFF"/>
                 </a:solidFill>
               </a14:hiddenFill>
             </a:ext>
             <a:ext uri="{91240B29-F687-4f45-9708-019B960494DF}">
-              <a14:hiddenLine xmlns:a14="http://schemas.microsoft.com/office/drawing/2010/main" xmlns="" w="9525">
+              <a14:hiddenLine xmlns="" xmlns:a14="http://schemas.microsoft.com/office/drawing/2010/main" w="9525">
                 <a:solidFill>
                   <a:srgbClr val="000000"/>
                 </a:solidFill>
@@ -4127,7 +4128,7 @@
             <a:fld id="{E2891C7C-BA6B-4892-8E6D-EDAC4D16D496}" type="slidenum">
               <a:rPr lang="en-US" altLang="en-US" sz="1300"/>
               <a:pPr/>
-              <a:t>46</a:t>
+              <a:t>47</a:t>
             </a:fld>
             <a:endParaRPr lang="en-US" altLang="en-US" sz="1300"/>
           </a:p>
@@ -4192,14 +4193,14 @@
           <a:ln/>
           <a:extLst>
             <a:ext uri="{909E8E84-426E-40dd-AFC4-6F175D3DCCD1}">
-              <a14:hiddenFill xmlns:a14="http://schemas.microsoft.com/office/drawing/2010/main" xmlns="">
+              <a14:hiddenFill xmlns="" xmlns:a14="http://schemas.microsoft.com/office/drawing/2010/main">
                 <a:solidFill>
                   <a:srgbClr val="FFFFFF"/>
                 </a:solidFill>
               </a14:hiddenFill>
             </a:ext>
             <a:ext uri="{91240B29-F687-4f45-9708-019B960494DF}">
-              <a14:hiddenLine xmlns:a14="http://schemas.microsoft.com/office/drawing/2010/main" xmlns="" w="9525">
+              <a14:hiddenLine xmlns="" xmlns:a14="http://schemas.microsoft.com/office/drawing/2010/main" w="9525">
                 <a:solidFill>
                   <a:srgbClr val="000000"/>
                 </a:solidFill>
@@ -4235,14 +4236,14 @@
           <a:ln/>
           <a:extLst>
             <a:ext uri="{909E8E84-426E-40dd-AFC4-6F175D3DCCD1}">
-              <a14:hiddenFill xmlns:a14="http://schemas.microsoft.com/office/drawing/2010/main" xmlns="">
+              <a14:hiddenFill xmlns="" xmlns:a14="http://schemas.microsoft.com/office/drawing/2010/main">
                 <a:solidFill>
                   <a:srgbClr val="FFFFFF"/>
                 </a:solidFill>
               </a14:hiddenFill>
             </a:ext>
             <a:ext uri="{91240B29-F687-4f45-9708-019B960494DF}">
-              <a14:hiddenLine xmlns:a14="http://schemas.microsoft.com/office/drawing/2010/main" xmlns="" w="9525">
+              <a14:hiddenLine xmlns="" xmlns:a14="http://schemas.microsoft.com/office/drawing/2010/main" w="9525">
                 <a:solidFill>
                   <a:srgbClr val="000000"/>
                 </a:solidFill>
@@ -4366,7 +4367,7 @@
             <a:fld id="{A2375E90-AE18-4373-B922-04D5680F09BC}" type="slidenum">
               <a:rPr lang="en-US" altLang="en-US" sz="1300"/>
               <a:pPr/>
-              <a:t>47</a:t>
+              <a:t>48</a:t>
             </a:fld>
             <a:endParaRPr lang="en-US" altLang="en-US" sz="1300"/>
           </a:p>
@@ -10727,12 +10728,19 @@
             </a:r>
           </a:p>
           <a:p>
-            <a:endParaRPr lang="en-US" dirty="0"/>
-          </a:p>
-          <a:p>
             <a:r>
               <a:rPr lang="en-US" dirty="0"/>
-              <a:t>Start at some node ‘s’ (push ‘s’ to Q and mark as visited)</a:t>
+              <a:t>Start at some node s (push s to Q and mark as visited)</a:t>
+            </a:r>
+          </a:p>
+          <a:p>
+            <a:r>
+              <a:rPr lang="en-US" dirty="0" err="1"/>
+              <a:t>s.dist</a:t>
+            </a:r>
+            <a:r>
+              <a:rPr lang="en-US" dirty="0"/>
+              <a:t> = 0</a:t>
             </a:r>
           </a:p>
           <a:p>
@@ -10745,35 +10753,51 @@
             <a:pPr lvl="1"/>
             <a:r>
               <a:rPr lang="en-US" dirty="0"/>
-              <a:t>Pop a node ‘n’ from queue</a:t>
+              <a:t>Pop a node n from queue</a:t>
             </a:r>
           </a:p>
           <a:p>
             <a:pPr lvl="1"/>
             <a:r>
               <a:rPr lang="en-US" dirty="0"/>
-              <a:t>Process ‘n’ if necessary (depending on problem you are solving)</a:t>
-            </a:r>
-          </a:p>
-          <a:p>
-            <a:pPr lvl="1"/>
+              <a:t>For each non-visited neighbor of n, let’s call it n’</a:t>
+            </a:r>
+          </a:p>
+          <a:p>
+            <a:pPr lvl="2"/>
             <a:r>
               <a:rPr lang="en-US" dirty="0"/>
-              <a:t>For each non-visited neighbor of ‘n’</a:t>
+              <a:t>Mark n’ as visited</a:t>
             </a:r>
           </a:p>
           <a:p>
             <a:pPr lvl="2"/>
             <a:r>
               <a:rPr lang="en-US" dirty="0"/>
-              <a:t>Mark neighbor as visited</a:t>
+              <a:t>n’.</a:t>
+            </a:r>
+            <a:r>
+              <a:rPr lang="en-US" dirty="0" err="1"/>
+              <a:t>dist</a:t>
+            </a:r>
+            <a:r>
+              <a:rPr lang="en-US" dirty="0"/>
+              <a:t> = </a:t>
+            </a:r>
+            <a:r>
+              <a:rPr lang="en-US" dirty="0" err="1"/>
+              <a:t>n.dist</a:t>
+            </a:r>
+            <a:r>
+              <a:rPr lang="en-US" dirty="0"/>
+              <a:t> + 1</a:t>
             </a:r>
           </a:p>
           <a:p>
             <a:pPr lvl="2"/>
             <a:r>
               <a:rPr lang="en-US" dirty="0"/>
-              <a:t>Push neighbor onto Q</a:t>
+              <a:t>Push n’ onto Q</a:t>
             </a:r>
           </a:p>
           <a:p>
@@ -10838,7 +10862,7 @@
           <a:p>
             <a:r>
               <a:rPr lang="en-US" dirty="0"/>
-              <a:t>Breadth-first search, e.g.</a:t>
+              <a:t>Breadth-first search, example</a:t>
             </a:r>
           </a:p>
         </p:txBody>
@@ -10880,79 +10904,51 @@
             </p:custDataLst>
           </p:nvPr>
         </p:nvSpPr>
-        <p:spPr/>
+        <p:spPr>
+          <a:xfrm>
+            <a:off x="457200" y="1219200"/>
+            <a:ext cx="8229600" cy="609600"/>
+          </a:xfrm>
+        </p:spPr>
         <p:txBody>
           <a:bodyPr/>
           <a:lstStyle/>
           <a:p>
             <a:r>
-              <a:rPr lang="en-US"/>
-              <a:t>e.g. Start from vertex A, at d = 0</a:t>
-            </a:r>
-          </a:p>
-          <a:p>
-            <a:pPr lvl="1"/>
-            <a:r>
-              <a:rPr lang="en-US"/>
-              <a:t>visit B, C, F; at d = 1</a:t>
-            </a:r>
-          </a:p>
-          <a:p>
-            <a:pPr lvl="1"/>
-            <a:r>
-              <a:rPr lang="en-US"/>
-              <a:t>visit D; at d = 2</a:t>
-            </a:r>
-          </a:p>
-          <a:p>
-            <a:r>
-              <a:rPr lang="en-US"/>
-              <a:t>e.g. Start from vertex E, at d = 0</a:t>
-            </a:r>
-          </a:p>
-          <a:p>
-            <a:pPr lvl="1"/>
-            <a:r>
-              <a:rPr lang="en-US"/>
-              <a:t>visit G; at d = 1</a:t>
+              <a:rPr lang="en-US" dirty="0"/>
+              <a:t>Let’s start at V0</a:t>
             </a:r>
           </a:p>
         </p:txBody>
       </p:sp>
       <p:pic>
         <p:nvPicPr>
-          <p:cNvPr id="36868" name="Picture 4" descr="example7"/>
+          <p:cNvPr id="4" name="Picture 3">
+            <a:extLst>
+              <a:ext uri="{FF2B5EF4-FFF2-40B4-BE49-F238E27FC236}">
+                <a16:creationId xmlns:a16="http://schemas.microsoft.com/office/drawing/2014/main" id="{145AB879-32F5-DB4D-8EF0-D24F88DC4B9F}"/>
+              </a:ext>
+            </a:extLst>
+          </p:cNvPr>
           <p:cNvPicPr>
-            <a:picLocks noChangeAspect="1" noChangeArrowheads="1"/>
+            <a:picLocks noChangeAspect="1"/>
           </p:cNvPicPr>
-          <p:nvPr>
-            <p:custDataLst>
-              <p:tags r:id="rId3"/>
-            </p:custDataLst>
-          </p:nvPr>
+          <p:nvPr/>
         </p:nvPicPr>
         <p:blipFill>
-          <a:blip r:embed="rId5"/>
-          <a:srcRect t="2556" r="934" b="13100"/>
+          <a:blip r:embed="rId4"/>
           <a:stretch>
             <a:fillRect/>
           </a:stretch>
         </p:blipFill>
-        <p:spPr bwMode="auto">
+        <p:spPr>
           <a:xfrm>
-            <a:off x="0" y="3352800"/>
-            <a:ext cx="9144000" cy="3200400"/>
+            <a:off x="2133600" y="1905000"/>
+            <a:ext cx="4876800" cy="4732516"/>
           </a:xfrm>
           <a:prstGeom prst="rect">
             <a:avLst/>
           </a:prstGeom>
-          <a:noFill/>
-          <a:ln w="9525">
-            <a:noFill/>
-            <a:miter lim="800000"/>
-            <a:headEnd/>
-            <a:tailEnd/>
-          </a:ln>
         </p:spPr>
       </p:pic>
     </p:spTree>
@@ -12396,12 +12392,15 @@
       </p:grpSpPr>
       <p:sp>
         <p:nvSpPr>
-          <p:cNvPr id="46082" name="Title 1"/>
-          <p:cNvSpPr>
-            <a:spLocks noGrp="1"/>
+          <p:cNvPr id="36866" name="Rectangle 2"/>
+          <p:cNvSpPr>
+            <a:spLocks noGrp="1" noChangeArrowheads="1"/>
           </p:cNvSpPr>
           <p:nvPr>
             <p:ph type="title"/>
+            <p:custDataLst>
+              <p:tags r:id="rId1"/>
+            </p:custDataLst>
           </p:nvPr>
         </p:nvSpPr>
         <p:spPr/>
@@ -12411,14 +12410,14 @@
           <a:p>
             <a:r>
               <a:rPr lang="en-US" dirty="0"/>
-              <a:t>DFS Strategy 2: Recursion</a:t>
-            </a:r>
-          </a:p>
-        </p:txBody>
-      </p:sp>
-      <p:sp>
-        <p:nvSpPr>
-          <p:cNvPr id="4" name="Slide Number Placeholder 3"/>
+              <a:t>depth-first search, example</a:t>
+            </a:r>
+          </a:p>
+        </p:txBody>
+      </p:sp>
+      <p:sp>
+        <p:nvSpPr>
+          <p:cNvPr id="5" name="Slide Number Placeholder 4"/>
           <p:cNvSpPr>
             <a:spLocks noGrp="1"/>
           </p:cNvSpPr>
@@ -12442,273 +12441,70 @@
       </p:sp>
       <p:sp>
         <p:nvSpPr>
-          <p:cNvPr id="46083" name="Content Placeholder 2"/>
-          <p:cNvSpPr>
-            <a:spLocks noGrp="1"/>
+          <p:cNvPr id="36867" name="Rectangle 3"/>
+          <p:cNvSpPr>
+            <a:spLocks noGrp="1" noChangeArrowheads="1"/>
           </p:cNvSpPr>
           <p:nvPr>
             <p:ph sz="quarter" idx="1"/>
+            <p:custDataLst>
+              <p:tags r:id="rId2"/>
+            </p:custDataLst>
           </p:nvPr>
         </p:nvSpPr>
         <p:spPr>
           <a:xfrm>
             <a:off x="457200" y="1219200"/>
-            <a:ext cx="8229600" cy="5486400"/>
+            <a:ext cx="8229600" cy="609600"/>
           </a:xfrm>
         </p:spPr>
         <p:txBody>
-          <a:bodyPr>
-            <a:normAutofit/>
-          </a:bodyPr>
-          <a:lstStyle/>
-          <a:p>
-            <a:pPr>
-              <a:buFontTx/>
-              <a:buNone/>
-            </a:pPr>
-            <a:r>
-              <a:rPr lang="en-US" sz="2000" dirty="0" err="1"/>
-              <a:t>def</a:t>
-            </a:r>
-            <a:r>
-              <a:rPr lang="en-US" sz="2000" dirty="0"/>
-              <a:t> </a:t>
-            </a:r>
-            <a:r>
-              <a:rPr lang="en-US" sz="2000" dirty="0" err="1"/>
-              <a:t>dfs</a:t>
-            </a:r>
-            <a:r>
-              <a:rPr lang="en-US" sz="2000" dirty="0"/>
-              <a:t>(graph, start):			//Main loop, </a:t>
-            </a:r>
-            <a:r>
-              <a:rPr lang="en-US" sz="2000" dirty="0" err="1"/>
-              <a:t>inits</a:t>
-            </a:r>
-            <a:r>
-              <a:rPr lang="en-US" sz="2000" dirty="0"/>
-              <a:t> and calls </a:t>
-            </a:r>
-          </a:p>
-          <a:p>
-            <a:pPr>
-              <a:buFontTx/>
-              <a:buNone/>
-            </a:pPr>
-            <a:r>
-              <a:rPr lang="en-US" sz="2000" dirty="0"/>
-              <a:t>    visited = {}</a:t>
-            </a:r>
-          </a:p>
-          <a:p>
-            <a:pPr>
-              <a:buFontTx/>
-              <a:buNone/>
-            </a:pPr>
-            <a:r>
-              <a:rPr lang="en-US" sz="2000" dirty="0"/>
-              <a:t>    </a:t>
-            </a:r>
-            <a:r>
-              <a:rPr lang="en-US" sz="2000" dirty="0" err="1"/>
-              <a:t>dfs_recurse</a:t>
-            </a:r>
-            <a:r>
-              <a:rPr lang="en-US" sz="2000" dirty="0"/>
-              <a:t>(graph, start, visited)</a:t>
-            </a:r>
-          </a:p>
-          <a:p>
-            <a:pPr>
-              <a:buFontTx/>
-              <a:buNone/>
-            </a:pPr>
-            <a:endParaRPr lang="en-US" sz="2000" dirty="0"/>
-          </a:p>
-          <a:p>
-            <a:pPr>
-              <a:buFontTx/>
-              <a:buNone/>
-            </a:pPr>
-            <a:r>
-              <a:rPr lang="en-US" sz="2000" dirty="0" err="1"/>
-              <a:t>def</a:t>
-            </a:r>
-            <a:r>
-              <a:rPr lang="en-US" sz="2000" dirty="0"/>
-              <a:t> </a:t>
-            </a:r>
-            <a:r>
-              <a:rPr lang="en-US" sz="2000" dirty="0" err="1"/>
-              <a:t>dfs_recurse</a:t>
-            </a:r>
-            <a:r>
-              <a:rPr lang="en-US" sz="2000" dirty="0"/>
-              <a:t>(graph, </a:t>
-            </a:r>
-            <a:r>
-              <a:rPr lang="en-US" sz="2000" dirty="0" err="1"/>
-              <a:t>curnode</a:t>
-            </a:r>
-            <a:r>
-              <a:rPr lang="en-US" sz="2000" dirty="0"/>
-              <a:t>, visited):	//sometimes called </a:t>
-            </a:r>
-            <a:r>
-              <a:rPr lang="en-US" sz="2000" dirty="0" err="1"/>
-              <a:t>dfs_visit</a:t>
-            </a:r>
-            <a:r>
-              <a:rPr lang="en-US" sz="2000" dirty="0"/>
-              <a:t>()</a:t>
-            </a:r>
-          </a:p>
-          <a:p>
-            <a:pPr>
-              <a:buFontTx/>
-              <a:buNone/>
-            </a:pPr>
-            <a:r>
-              <a:rPr lang="en-US" sz="2000" dirty="0"/>
-              <a:t>    visited[</a:t>
-            </a:r>
-            <a:r>
-              <a:rPr lang="en-US" sz="2000" dirty="0" err="1"/>
-              <a:t>curnode</a:t>
-            </a:r>
-            <a:r>
-              <a:rPr lang="en-US" sz="2000" dirty="0"/>
-              <a:t>] = True</a:t>
-            </a:r>
-            <a:br>
-              <a:rPr lang="en-US" sz="2000" dirty="0"/>
-            </a:br>
-            <a:r>
-              <a:rPr lang="en-US" sz="2000" dirty="0" err="1"/>
-              <a:t>alist</a:t>
-            </a:r>
-            <a:r>
-              <a:rPr lang="en-US" sz="2000" dirty="0"/>
-              <a:t> = </a:t>
-            </a:r>
-            <a:r>
-              <a:rPr lang="en-US" sz="2000" dirty="0" err="1"/>
-              <a:t>graph.get_adjlist</a:t>
-            </a:r>
-            <a:r>
-              <a:rPr lang="en-US" sz="2000" dirty="0"/>
-              <a:t>(</a:t>
-            </a:r>
-            <a:r>
-              <a:rPr lang="en-US" sz="2000" dirty="0" err="1"/>
-              <a:t>curnode</a:t>
-            </a:r>
-            <a:r>
-              <a:rPr lang="en-US" sz="2000" dirty="0"/>
-              <a:t>)		//get the neighbors of </a:t>
-            </a:r>
-            <a:r>
-              <a:rPr lang="en-US" sz="2000" dirty="0" err="1"/>
-              <a:t>curnode</a:t>
-            </a:r>
-            <a:endParaRPr lang="en-US" sz="2000" dirty="0"/>
-          </a:p>
-          <a:p>
-            <a:pPr>
-              <a:buFontTx/>
-              <a:buNone/>
-            </a:pPr>
-            <a:r>
-              <a:rPr lang="en-US" sz="2000" dirty="0"/>
-              <a:t>    for v in </a:t>
-            </a:r>
-            <a:r>
-              <a:rPr lang="en-US" sz="2000" dirty="0" err="1"/>
-              <a:t>alist</a:t>
-            </a:r>
-            <a:r>
-              <a:rPr lang="en-US" sz="2000" dirty="0"/>
-              <a:t>:</a:t>
-            </a:r>
-          </a:p>
-          <a:p>
-            <a:pPr>
-              <a:buFontTx/>
-              <a:buNone/>
-            </a:pPr>
-            <a:r>
-              <a:rPr lang="en-US" sz="2000" dirty="0"/>
-              <a:t>        if v not in visited:</a:t>
-            </a:r>
-          </a:p>
-          <a:p>
-            <a:pPr>
-              <a:buFontTx/>
-              <a:buNone/>
-            </a:pPr>
-            <a:r>
-              <a:rPr lang="en-US" sz="2000" dirty="0"/>
-              <a:t>            print "  </a:t>
-            </a:r>
-            <a:r>
-              <a:rPr lang="en-US" sz="2000" dirty="0" err="1"/>
-              <a:t>dfs</a:t>
-            </a:r>
-            <a:r>
-              <a:rPr lang="en-US" sz="2000" dirty="0"/>
-              <a:t> traversing edge:", </a:t>
-            </a:r>
-            <a:r>
-              <a:rPr lang="en-US" sz="2000" dirty="0" err="1"/>
-              <a:t>curnode</a:t>
-            </a:r>
-            <a:r>
-              <a:rPr lang="en-US" sz="2000" dirty="0"/>
-              <a:t>, v</a:t>
-            </a:r>
-          </a:p>
-          <a:p>
-            <a:pPr>
-              <a:buFontTx/>
-              <a:buNone/>
-            </a:pPr>
-            <a:r>
-              <a:rPr lang="en-US" sz="2000" dirty="0"/>
-              <a:t>            </a:t>
-            </a:r>
-            <a:r>
-              <a:rPr lang="en-US" sz="2000" dirty="0" err="1"/>
-              <a:t>dfs_recurse</a:t>
-            </a:r>
-            <a:r>
-              <a:rPr lang="en-US" sz="2000" dirty="0"/>
-              <a:t>(graph, v, visited)</a:t>
-            </a:r>
-          </a:p>
-          <a:p>
-            <a:pPr>
-              <a:buFontTx/>
-              <a:buNone/>
-            </a:pPr>
-            <a:r>
-              <a:rPr lang="en-US" sz="2000" dirty="0"/>
-              <a:t>    # end for-all adjacent vertices</a:t>
-            </a:r>
-          </a:p>
-          <a:p>
-            <a:pPr>
-              <a:buFontTx/>
-              <a:buNone/>
-            </a:pPr>
-            <a:r>
-              <a:rPr lang="en-US" sz="2000" dirty="0"/>
-              <a:t>    return</a:t>
-            </a:r>
-          </a:p>
-        </p:txBody>
-      </p:sp>
+          <a:bodyPr/>
+          <a:lstStyle/>
+          <a:p>
+            <a:r>
+              <a:rPr lang="en-US" dirty="0"/>
+              <a:t>Let’s start at V0</a:t>
+            </a:r>
+          </a:p>
+        </p:txBody>
+      </p:sp>
+      <p:pic>
+        <p:nvPicPr>
+          <p:cNvPr id="4" name="Picture 3">
+            <a:extLst>
+              <a:ext uri="{FF2B5EF4-FFF2-40B4-BE49-F238E27FC236}">
+                <a16:creationId xmlns:a16="http://schemas.microsoft.com/office/drawing/2014/main" id="{145AB879-32F5-DB4D-8EF0-D24F88DC4B9F}"/>
+              </a:ext>
+            </a:extLst>
+          </p:cNvPr>
+          <p:cNvPicPr>
+            <a:picLocks noChangeAspect="1"/>
+          </p:cNvPicPr>
+          <p:nvPr/>
+        </p:nvPicPr>
+        <p:blipFill>
+          <a:blip r:embed="rId4"/>
+          <a:stretch>
+            <a:fillRect/>
+          </a:stretch>
+        </p:blipFill>
+        <p:spPr>
+          <a:xfrm>
+            <a:off x="2133600" y="1905000"/>
+            <a:ext cx="4876800" cy="4732516"/>
+          </a:xfrm>
+          <a:prstGeom prst="rect">
+            <a:avLst/>
+          </a:prstGeom>
+        </p:spPr>
+      </p:pic>
     </p:spTree>
+    <p:extLst>
+      <p:ext uri="{BB962C8B-B14F-4D97-AF65-F5344CB8AC3E}">
+        <p14:creationId xmlns:p14="http://schemas.microsoft.com/office/powerpoint/2010/main" val="4218387067"/>
+      </p:ext>
+    </p:extLst>
   </p:cSld>
   <p:clrMapOvr>
     <a:masterClrMapping/>
@@ -12735,15 +12531,12 @@
       </p:grpSpPr>
       <p:sp>
         <p:nvSpPr>
-          <p:cNvPr id="49154" name="Rectangle 2"/>
-          <p:cNvSpPr>
-            <a:spLocks noGrp="1" noChangeArrowheads="1"/>
+          <p:cNvPr id="46082" name="Title 1"/>
+          <p:cNvSpPr>
+            <a:spLocks noGrp="1"/>
           </p:cNvSpPr>
           <p:nvPr>
             <p:ph type="title"/>
-            <p:custDataLst>
-              <p:tags r:id="rId1"/>
-            </p:custDataLst>
           </p:nvPr>
         </p:nvSpPr>
         <p:spPr/>
@@ -12752,15 +12545,15 @@
           <a:lstStyle/>
           <a:p>
             <a:r>
-              <a:rPr lang="en-US"/>
-              <a:t>DFS to Process all Vertices in a Graph</a:t>
-            </a:r>
-          </a:p>
-        </p:txBody>
-      </p:sp>
-      <p:sp>
-        <p:nvSpPr>
-          <p:cNvPr id="5" name="Slide Number Placeholder 4"/>
+              <a:rPr lang="en-US" dirty="0"/>
+              <a:t>DFS Strategy 2: Recursion</a:t>
+            </a:r>
+          </a:p>
+        </p:txBody>
+      </p:sp>
+      <p:sp>
+        <p:nvSpPr>
+          <p:cNvPr id="4" name="Slide Number Placeholder 3"/>
           <p:cNvSpPr>
             <a:spLocks noGrp="1"/>
           </p:cNvSpPr>
@@ -12784,7 +12577,7 @@
       </p:sp>
       <p:sp>
         <p:nvSpPr>
-          <p:cNvPr id="11" name="Content Placeholder 10"/>
+          <p:cNvPr id="46083" name="Content Placeholder 2"/>
           <p:cNvSpPr>
             <a:spLocks noGrp="1"/>
           </p:cNvSpPr>
@@ -12792,62 +12585,45 @@
             <p:ph sz="quarter" idx="1"/>
           </p:nvPr>
         </p:nvSpPr>
-        <p:spPr/>
+        <p:spPr>
+          <a:xfrm>
+            <a:off x="457200" y="1219200"/>
+            <a:ext cx="8229600" cy="5486400"/>
+          </a:xfrm>
+        </p:spPr>
         <p:txBody>
           <a:bodyPr>
-            <a:normAutofit fontScale="92500" lnSpcReduction="20000"/>
+            <a:normAutofit/>
           </a:bodyPr>
           <a:lstStyle/>
-          <a:p>
-            <a:r>
-              <a:rPr lang="en-US" dirty="0"/>
-              <a:t>Purpose: do all required initializations, then call </a:t>
-            </a:r>
-            <a:r>
-              <a:rPr lang="en-US" dirty="0" err="1"/>
-              <a:t>dfs_recurse</a:t>
-            </a:r>
-            <a:r>
-              <a:rPr lang="en-US" dirty="0"/>
-              <a:t>() as many times as needed to visit all nodes. May create a DFS forest.</a:t>
-            </a:r>
-          </a:p>
-          <a:p>
-            <a:r>
-              <a:rPr lang="en-US" dirty="0"/>
-              <a:t>Can be used to count connected components</a:t>
-            </a:r>
-          </a:p>
-          <a:p>
-            <a:pPr lvl="1"/>
-            <a:r>
-              <a:rPr lang="en-US" dirty="0"/>
-              <a:t>Could remember which nodes are in each connected component</a:t>
-            </a:r>
-          </a:p>
-          <a:p>
-            <a:endParaRPr lang="en-US" dirty="0"/>
-          </a:p>
           <a:p>
             <a:pPr>
               <a:buFontTx/>
               <a:buNone/>
             </a:pPr>
             <a:r>
-              <a:rPr lang="en-US" dirty="0" err="1"/>
+              <a:rPr lang="en-US" sz="2000" dirty="0" err="1"/>
               <a:t>def</a:t>
             </a:r>
             <a:r>
-              <a:rPr lang="en-US" dirty="0"/>
+              <a:rPr lang="en-US" sz="2000" dirty="0"/>
               <a:t> </a:t>
             </a:r>
             <a:r>
-              <a:rPr lang="en-US" dirty="0" err="1"/>
-              <a:t>dfs_sweep</a:t>
-            </a:r>
-            <a:r>
-              <a:rPr lang="en-US" dirty="0"/>
-              <a:t>(graph, start):</a:t>
+              <a:rPr lang="en-US" sz="2000" dirty="0" err="1"/>
+              <a:t>dfs</a:t>
+            </a:r>
+            <a:r>
+              <a:rPr lang="en-US" sz="2000" dirty="0"/>
+              <a:t>(graph, start):			//Main loop, </a:t>
+            </a:r>
+            <a:r>
+              <a:rPr lang="en-US" sz="2000" dirty="0" err="1"/>
+              <a:t>inits</a:t>
+            </a:r>
+            <a:r>
+              <a:rPr lang="en-US" sz="2000" dirty="0"/>
+              <a:t> and calls </a:t>
             </a:r>
           </a:p>
           <a:p>
@@ -12856,74 +12632,218 @@
               <a:buNone/>
             </a:pPr>
             <a:r>
-              <a:rPr lang="en-US" dirty="0"/>
+              <a:rPr lang="en-US" sz="2000" dirty="0"/>
               <a:t>    visited = {}</a:t>
             </a:r>
           </a:p>
           <a:p>
             <a:pPr>
+              <a:buFontTx/>
               <a:buNone/>
             </a:pPr>
-            <a:endParaRPr lang="en-US" dirty="0"/>
+            <a:r>
+              <a:rPr lang="en-US" sz="2000" dirty="0"/>
+              <a:t>    </a:t>
+            </a:r>
+            <a:r>
+              <a:rPr lang="en-US" sz="2000" dirty="0" err="1"/>
+              <a:t>dfs_recurse</a:t>
+            </a:r>
+            <a:r>
+              <a:rPr lang="en-US" sz="2000" dirty="0"/>
+              <a:t>(graph, start, visited)</a:t>
+            </a:r>
           </a:p>
           <a:p>
             <a:pPr>
+              <a:buFontTx/>
               <a:buNone/>
             </a:pPr>
-            <a:r>
-              <a:rPr lang="en-US" dirty="0"/>
-              <a:t>	# loop repeats DFS on every unvisited node</a:t>
-            </a:r>
+            <a:endParaRPr lang="en-US" sz="2000" dirty="0"/>
           </a:p>
           <a:p>
             <a:pPr>
+              <a:buFontTx/>
               <a:buNone/>
             </a:pPr>
             <a:r>
-              <a:rPr lang="en-US" dirty="0"/>
-              <a:t>    for v in graph:</a:t>
-            </a:r>
-          </a:p>
-          <a:p>
-            <a:pPr>
+              <a:rPr lang="en-US" sz="2000" dirty="0" err="1"/>
+              <a:t>def</a:t>
+            </a:r>
+            <a:r>
+              <a:rPr lang="en-US" sz="2000" dirty="0"/>
+              <a:t> </a:t>
+            </a:r>
+            <a:r>
+              <a:rPr lang="en-US" sz="2000" dirty="0" err="1"/>
+              <a:t>dfs_recurse</a:t>
+            </a:r>
+            <a:r>
+              <a:rPr lang="en-US" sz="2000" dirty="0"/>
+              <a:t>(graph, </a:t>
+            </a:r>
+            <a:r>
+              <a:rPr lang="en-US" sz="2000" dirty="0" err="1"/>
+              <a:t>curnode</a:t>
+            </a:r>
+            <a:r>
+              <a:rPr lang="en-US" sz="2000" dirty="0"/>
+              <a:t>, visited):	//sometimes called </a:t>
+            </a:r>
+            <a:r>
+              <a:rPr lang="en-US" sz="2000" dirty="0" err="1"/>
+              <a:t>dfs_visit</a:t>
+            </a:r>
+            <a:r>
+              <a:rPr lang="en-US" sz="2000" dirty="0"/>
+              <a:t>()</a:t>
+            </a:r>
+          </a:p>
+          <a:p>
+            <a:pPr algn="l">
+              <a:buFontTx/>
               <a:buNone/>
             </a:pPr>
             <a:r>
-              <a:rPr lang="en-US" dirty="0"/>
-              <a:t>       if v not in visited:</a:t>
-            </a:r>
+              <a:rPr lang="en-US" sz="2000" dirty="0"/>
+              <a:t>    visited[</a:t>
+            </a:r>
+            <a:r>
+              <a:rPr lang="en-US" sz="2000" dirty="0" err="1"/>
+              <a:t>curnode</a:t>
+            </a:r>
+            <a:r>
+              <a:rPr lang="en-US" sz="2000" dirty="0"/>
+              <a:t>] = True</a:t>
+            </a:r>
+            <a:br>
+              <a:rPr lang="en-US" sz="2000" dirty="0"/>
+            </a:br>
+            <a:r>
+              <a:rPr lang="en-US" sz="2000" dirty="0" err="1"/>
+              <a:t>alist</a:t>
+            </a:r>
+            <a:r>
+              <a:rPr lang="en-US" sz="2000" dirty="0"/>
+              <a:t> = </a:t>
+            </a:r>
+            <a:r>
+              <a:rPr lang="en-US" sz="2000" dirty="0" err="1"/>
+              <a:t>graph.get_adjlist</a:t>
+            </a:r>
+            <a:r>
+              <a:rPr lang="en-US" sz="2000" dirty="0"/>
+              <a:t>(</a:t>
+            </a:r>
+            <a:r>
+              <a:rPr lang="en-US" sz="2000" dirty="0" err="1"/>
+              <a:t>curnode</a:t>
+            </a:r>
+            <a:r>
+              <a:rPr lang="en-US" sz="2000" dirty="0"/>
+              <a:t>)		//get the neighbors of </a:t>
+            </a:r>
+            <a:r>
+              <a:rPr lang="en-US" sz="2000" dirty="0" err="1"/>
+              <a:t>curnode</a:t>
+            </a:r>
+            <a:endParaRPr lang="en-US" sz="2000" dirty="0"/>
           </a:p>
           <a:p>
             <a:pPr>
+              <a:buFontTx/>
               <a:buNone/>
             </a:pPr>
             <a:r>
-              <a:rPr lang="en-US" dirty="0"/>
-              <a:t>           </a:t>
-            </a:r>
-            <a:r>
-              <a:rPr lang="en-US" dirty="0" err="1"/>
+              <a:rPr lang="en-US" sz="2000" dirty="0"/>
+              <a:t>    for v in </a:t>
+            </a:r>
+            <a:r>
+              <a:rPr lang="en-US" sz="2000" dirty="0" err="1"/>
+              <a:t>alist</a:t>
+            </a:r>
+            <a:r>
+              <a:rPr lang="en-US" sz="2000" dirty="0"/>
+              <a:t>:</a:t>
+            </a:r>
+          </a:p>
+          <a:p>
+            <a:pPr>
+              <a:buFontTx/>
+              <a:buNone/>
+            </a:pPr>
+            <a:r>
+              <a:rPr lang="en-US" sz="2000" dirty="0"/>
+              <a:t>        if v not in visited:</a:t>
+            </a:r>
+          </a:p>
+          <a:p>
+            <a:pPr>
+              <a:buFontTx/>
+              <a:buNone/>
+            </a:pPr>
+            <a:r>
+              <a:rPr lang="en-US" sz="2000" dirty="0"/>
+              <a:t>            print "  </a:t>
+            </a:r>
+            <a:r>
+              <a:rPr lang="en-US" sz="2000" dirty="0" err="1"/>
+              <a:t>dfs</a:t>
+            </a:r>
+            <a:r>
+              <a:rPr lang="en-US" sz="2000" dirty="0"/>
+              <a:t> traversing edge:", </a:t>
+            </a:r>
+            <a:r>
+              <a:rPr lang="en-US" sz="2000" dirty="0" err="1"/>
+              <a:t>curnode</a:t>
+            </a:r>
+            <a:r>
+              <a:rPr lang="en-US" sz="2000" dirty="0"/>
+              <a:t>, v</a:t>
+            </a:r>
+          </a:p>
+          <a:p>
+            <a:pPr>
+              <a:buFontTx/>
+              <a:buNone/>
+            </a:pPr>
+            <a:r>
+              <a:rPr lang="en-US" sz="2000" dirty="0"/>
+              <a:t>            </a:t>
+            </a:r>
+            <a:r>
+              <a:rPr lang="en-US" sz="2000" dirty="0" err="1"/>
               <a:t>dfs_recurse</a:t>
             </a:r>
             <a:r>
-              <a:rPr lang="en-US" dirty="0"/>
+              <a:rPr lang="en-US" sz="2000" dirty="0"/>
               <a:t>(graph, v, visited)</a:t>
             </a:r>
           </a:p>
           <a:p>
-            <a:endParaRPr lang="en-US" dirty="0"/>
-          </a:p>
-          <a:p>
-            <a:endParaRPr lang="en-US" dirty="0"/>
+            <a:pPr>
+              <a:buFontTx/>
+              <a:buNone/>
+            </a:pPr>
+            <a:r>
+              <a:rPr lang="en-US" sz="2000" dirty="0"/>
+              <a:t>    # end for-all adjacent vertices</a:t>
+            </a:r>
+          </a:p>
+          <a:p>
+            <a:pPr>
+              <a:buFontTx/>
+              <a:buNone/>
+            </a:pPr>
+            <a:r>
+              <a:rPr lang="en-US" sz="2000" dirty="0"/>
+              <a:t>    return</a:t>
+            </a:r>
           </a:p>
         </p:txBody>
       </p:sp>
     </p:spTree>
-    <p:extLst>
-      <p:ext uri="{BB962C8B-B14F-4D97-AF65-F5344CB8AC3E}">
-        <p14:creationId xmlns:p14="http://schemas.microsoft.com/office/powerpoint/2010/main" val="2571518905"/>
-      </p:ext>
-    </p:extLst>
   </p:cSld>
   <p:clrMapOvr>
     <a:masterClrMapping/>
@@ -12950,7 +12870,7 @@
       </p:grpSpPr>
       <p:sp>
         <p:nvSpPr>
-          <p:cNvPr id="52226" name="Rectangle 2"/>
+          <p:cNvPr id="49154" name="Rectangle 2"/>
           <p:cNvSpPr>
             <a:spLocks noGrp="1" noChangeArrowheads="1"/>
           </p:cNvSpPr>
@@ -12963,21 +12883,19 @@
         </p:nvSpPr>
         <p:spPr/>
         <p:txBody>
-          <a:bodyPr>
-            <a:normAutofit fontScale="90000"/>
-          </a:bodyPr>
+          <a:bodyPr/>
           <a:lstStyle/>
           <a:p>
             <a:r>
               <a:rPr lang="en-US"/>
-              <a:t>Using DFS to Find if a Graphic is Acyclic</a:t>
-            </a:r>
-          </a:p>
-        </p:txBody>
-      </p:sp>
-      <p:sp>
-        <p:nvSpPr>
-          <p:cNvPr id="4" name="Slide Number Placeholder 3"/>
+              <a:t>DFS to Process all Vertices in a Graph</a:t>
+            </a:r>
+          </a:p>
+        </p:txBody>
+      </p:sp>
+      <p:sp>
+        <p:nvSpPr>
+          <p:cNvPr id="5" name="Slide Number Placeholder 4"/>
           <p:cNvSpPr>
             <a:spLocks noGrp="1"/>
           </p:cNvSpPr>
@@ -13001,83 +12919,146 @@
       </p:sp>
       <p:sp>
         <p:nvSpPr>
-          <p:cNvPr id="52227" name="Rectangle 3"/>
-          <p:cNvSpPr>
-            <a:spLocks noGrp="1" noChangeArrowheads="1"/>
+          <p:cNvPr id="11" name="Content Placeholder 10"/>
+          <p:cNvSpPr>
+            <a:spLocks noGrp="1"/>
           </p:cNvSpPr>
           <p:nvPr>
             <p:ph sz="quarter" idx="1"/>
-            <p:custDataLst>
-              <p:tags r:id="rId2"/>
-            </p:custDataLst>
           </p:nvPr>
         </p:nvSpPr>
         <p:spPr/>
         <p:txBody>
           <a:bodyPr>
-            <a:normAutofit/>
+            <a:normAutofit fontScale="92500" lnSpcReduction="20000"/>
           </a:bodyPr>
           <a:lstStyle/>
           <a:p>
             <a:r>
               <a:rPr lang="en-US" dirty="0"/>
-              <a:t>Does a graph have a cycle?</a:t>
+              <a:t>Purpose: do all required initializations, then call </a:t>
+            </a:r>
+            <a:r>
+              <a:rPr lang="en-US" dirty="0" err="1"/>
+              <a:t>dfs_recurse</a:t>
+            </a:r>
+            <a:r>
+              <a:rPr lang="en-US" dirty="0"/>
+              <a:t>() as many times as needed to visit all nodes. May create a DFS forest.</a:t>
+            </a:r>
+          </a:p>
+          <a:p>
+            <a:r>
+              <a:rPr lang="en-US" dirty="0"/>
+              <a:t>Can be used to count connected components</a:t>
             </a:r>
           </a:p>
           <a:p>
             <a:pPr lvl="1"/>
             <a:r>
               <a:rPr lang="en-US" dirty="0"/>
-              <a:t>DFS is great for this</a:t>
-            </a:r>
-          </a:p>
-          <a:p>
-            <a:pPr lvl="1"/>
+              <a:t>Could remember which nodes are in each connected component</a:t>
+            </a:r>
+          </a:p>
+          <a:p>
+            <a:endParaRPr lang="en-US" dirty="0"/>
+          </a:p>
+          <a:p>
+            <a:pPr>
+              <a:buFontTx/>
+              <a:buNone/>
+            </a:pPr>
+            <a:r>
+              <a:rPr lang="en-US" dirty="0" err="1"/>
+              <a:t>def</a:t>
+            </a:r>
             <a:r>
               <a:rPr lang="en-US" dirty="0"/>
-              <a:t>But, slightly harder if graph is undirected</a:t>
-            </a:r>
-          </a:p>
-          <a:p>
+              <a:t> </a:t>
+            </a:r>
+            <a:r>
+              <a:rPr lang="en-US" dirty="0" err="1"/>
+              <a:t>dfs_sweep</a:t>
+            </a:r>
+            <a:r>
+              <a:rPr lang="en-US" dirty="0"/>
+              <a:t>(graph, start):</a:t>
+            </a:r>
+          </a:p>
+          <a:p>
+            <a:pPr>
+              <a:buFontTx/>
+              <a:buNone/>
+            </a:pPr>
+            <a:r>
+              <a:rPr lang="en-US" dirty="0"/>
+              <a:t>    visited = {}</a:t>
+            </a:r>
+          </a:p>
+          <a:p>
+            <a:pPr>
+              <a:buNone/>
+            </a:pPr>
             <a:endParaRPr lang="en-US" dirty="0"/>
           </a:p>
           <a:p>
+            <a:pPr>
+              <a:buNone/>
+            </a:pPr>
             <a:r>
               <a:rPr lang="en-US" dirty="0"/>
-              <a:t>Use DFS tree: classify edges and nodes as you process them</a:t>
-            </a:r>
-          </a:p>
-          <a:p>
-            <a:pPr lvl="1"/>
+              <a:t>	# loop repeats DFS on every unvisited node</a:t>
+            </a:r>
+          </a:p>
+          <a:p>
+            <a:pPr>
+              <a:buNone/>
+            </a:pPr>
             <a:r>
               <a:rPr lang="en-US" dirty="0"/>
-              <a:t>Nodes:</a:t>
-            </a:r>
-          </a:p>
-          <a:p>
-            <a:pPr lvl="2"/>
+              <a:t>    for v in graph:</a:t>
+            </a:r>
+          </a:p>
+          <a:p>
+            <a:pPr>
+              <a:buNone/>
+            </a:pPr>
             <a:r>
               <a:rPr lang="en-US" dirty="0"/>
-              <a:t>White: unvisited</a:t>
-            </a:r>
-          </a:p>
-          <a:p>
-            <a:pPr lvl="2"/>
+              <a:t>       if v not in visited:</a:t>
+            </a:r>
+          </a:p>
+          <a:p>
+            <a:pPr>
+              <a:buNone/>
+            </a:pPr>
             <a:r>
               <a:rPr lang="en-US" dirty="0"/>
-              <a:t>Black: done with it, backed up from it (never to return)</a:t>
-            </a:r>
-          </a:p>
-          <a:p>
-            <a:pPr lvl="2"/>
+              <a:t>           </a:t>
+            </a:r>
+            <a:r>
+              <a:rPr lang="en-US" dirty="0" err="1"/>
+              <a:t>dfs_recurse</a:t>
+            </a:r>
             <a:r>
               <a:rPr lang="en-US" dirty="0"/>
-              <a:t>Gray: Have reached it; exploring it’s adjacent nodes; but not done with it</a:t>
-            </a:r>
+              <a:t>(graph, v, visited)</a:t>
+            </a:r>
+          </a:p>
+          <a:p>
+            <a:endParaRPr lang="en-US" dirty="0"/>
+          </a:p>
+          <a:p>
+            <a:endParaRPr lang="en-US" dirty="0"/>
           </a:p>
         </p:txBody>
       </p:sp>
     </p:spTree>
+    <p:extLst>
+      <p:ext uri="{BB962C8B-B14F-4D97-AF65-F5344CB8AC3E}">
+        <p14:creationId xmlns:p14="http://schemas.microsoft.com/office/powerpoint/2010/main" val="2571518905"/>
+      </p:ext>
+    </p:extLst>
   </p:cSld>
   <p:clrMapOvr>
     <a:masterClrMapping/>
@@ -13104,7 +13085,7 @@
       </p:grpSpPr>
       <p:sp>
         <p:nvSpPr>
-          <p:cNvPr id="53250" name="Rectangle 2"/>
+          <p:cNvPr id="52226" name="Rectangle 2"/>
           <p:cNvSpPr>
             <a:spLocks noGrp="1" noChangeArrowheads="1"/>
           </p:cNvSpPr>
@@ -13117,19 +13098,21 @@
         </p:nvSpPr>
         <p:spPr/>
         <p:txBody>
-          <a:bodyPr/>
+          <a:bodyPr>
+            <a:normAutofit fontScale="90000"/>
+          </a:bodyPr>
           <a:lstStyle/>
           <a:p>
             <a:r>
               <a:rPr lang="en-US"/>
-              <a:t>Depth-first search tree</a:t>
-            </a:r>
-          </a:p>
-        </p:txBody>
-      </p:sp>
-      <p:sp>
-        <p:nvSpPr>
-          <p:cNvPr id="5" name="Slide Number Placeholder 4"/>
+              <a:t>Using DFS to Find if a Graphic is Acyclic</a:t>
+            </a:r>
+          </a:p>
+        </p:txBody>
+      </p:sp>
+      <p:sp>
+        <p:nvSpPr>
+          <p:cNvPr id="4" name="Slide Number Placeholder 3"/>
           <p:cNvSpPr>
             <a:spLocks noGrp="1"/>
           </p:cNvSpPr>
@@ -13146,6 +13129,158 @@
               <a:rPr lang="en-US" smtClean="0"/>
               <a:pPr/>
               <a:t>34</a:t>
+            </a:fld>
+            <a:endParaRPr lang="en-US"/>
+          </a:p>
+        </p:txBody>
+      </p:sp>
+      <p:sp>
+        <p:nvSpPr>
+          <p:cNvPr id="52227" name="Rectangle 3"/>
+          <p:cNvSpPr>
+            <a:spLocks noGrp="1" noChangeArrowheads="1"/>
+          </p:cNvSpPr>
+          <p:nvPr>
+            <p:ph sz="quarter" idx="1"/>
+            <p:custDataLst>
+              <p:tags r:id="rId2"/>
+            </p:custDataLst>
+          </p:nvPr>
+        </p:nvSpPr>
+        <p:spPr/>
+        <p:txBody>
+          <a:bodyPr>
+            <a:normAutofit/>
+          </a:bodyPr>
+          <a:lstStyle/>
+          <a:p>
+            <a:r>
+              <a:rPr lang="en-US" dirty="0"/>
+              <a:t>Does a graph have a cycle?</a:t>
+            </a:r>
+          </a:p>
+          <a:p>
+            <a:pPr lvl="1"/>
+            <a:r>
+              <a:rPr lang="en-US" dirty="0"/>
+              <a:t>DFS is great for this</a:t>
+            </a:r>
+          </a:p>
+          <a:p>
+            <a:pPr lvl="1"/>
+            <a:r>
+              <a:rPr lang="en-US" dirty="0"/>
+              <a:t>But, slightly harder if graph is undirected</a:t>
+            </a:r>
+          </a:p>
+          <a:p>
+            <a:endParaRPr lang="en-US" dirty="0"/>
+          </a:p>
+          <a:p>
+            <a:r>
+              <a:rPr lang="en-US" dirty="0"/>
+              <a:t>Use DFS tree: classify edges and nodes as you process them</a:t>
+            </a:r>
+          </a:p>
+          <a:p>
+            <a:pPr lvl="1"/>
+            <a:r>
+              <a:rPr lang="en-US" dirty="0"/>
+              <a:t>Nodes:</a:t>
+            </a:r>
+          </a:p>
+          <a:p>
+            <a:pPr lvl="2"/>
+            <a:r>
+              <a:rPr lang="en-US" dirty="0"/>
+              <a:t>White: unvisited</a:t>
+            </a:r>
+          </a:p>
+          <a:p>
+            <a:pPr lvl="2"/>
+            <a:r>
+              <a:rPr lang="en-US" dirty="0"/>
+              <a:t>Black: done with it, backed up from it (never to return)</a:t>
+            </a:r>
+          </a:p>
+          <a:p>
+            <a:pPr lvl="2"/>
+            <a:r>
+              <a:rPr lang="en-US" dirty="0"/>
+              <a:t>Gray: Have reached it; exploring it’s adjacent nodes; but not done with it</a:t>
+            </a:r>
+          </a:p>
+        </p:txBody>
+      </p:sp>
+    </p:spTree>
+  </p:cSld>
+  <p:clrMapOvr>
+    <a:masterClrMapping/>
+  </p:clrMapOvr>
+</p:sld>
+</file>
+
+<file path=ppt/slides/slide35.xml><?xml version="1.0" encoding="utf-8"?>
+<p:sld xmlns:a="http://schemas.openxmlformats.org/drawingml/2006/main" xmlns:r="http://schemas.openxmlformats.org/officeDocument/2006/relationships" xmlns:p="http://schemas.openxmlformats.org/presentationml/2006/main">
+  <p:cSld>
+    <p:spTree>
+      <p:nvGrpSpPr>
+        <p:cNvPr id="1" name=""/>
+        <p:cNvGrpSpPr/>
+        <p:nvPr/>
+      </p:nvGrpSpPr>
+      <p:grpSpPr>
+        <a:xfrm>
+          <a:off x="0" y="0"/>
+          <a:ext cx="0" cy="0"/>
+          <a:chOff x="0" y="0"/>
+          <a:chExt cx="0" cy="0"/>
+        </a:xfrm>
+      </p:grpSpPr>
+      <p:sp>
+        <p:nvSpPr>
+          <p:cNvPr id="53250" name="Rectangle 2"/>
+          <p:cNvSpPr>
+            <a:spLocks noGrp="1" noChangeArrowheads="1"/>
+          </p:cNvSpPr>
+          <p:nvPr>
+            <p:ph type="title"/>
+            <p:custDataLst>
+              <p:tags r:id="rId1"/>
+            </p:custDataLst>
+          </p:nvPr>
+        </p:nvSpPr>
+        <p:spPr/>
+        <p:txBody>
+          <a:bodyPr/>
+          <a:lstStyle/>
+          <a:p>
+            <a:r>
+              <a:rPr lang="en-US"/>
+              <a:t>Depth-first search tree</a:t>
+            </a:r>
+          </a:p>
+        </p:txBody>
+      </p:sp>
+      <p:sp>
+        <p:nvSpPr>
+          <p:cNvPr id="5" name="Slide Number Placeholder 4"/>
+          <p:cNvSpPr>
+            <a:spLocks noGrp="1"/>
+          </p:cNvSpPr>
+          <p:nvPr>
+            <p:ph type="sldNum" sz="quarter" idx="12"/>
+          </p:nvPr>
+        </p:nvSpPr>
+        <p:spPr/>
+        <p:txBody>
+          <a:bodyPr/>
+          <a:lstStyle/>
+          <a:p>
+            <a:fld id="{030EE116-056E-4288-B7F7-411CB7E437A9}" type="slidenum">
+              <a:rPr lang="en-US" smtClean="0"/>
+              <a:pPr/>
+              <a:t>35</a:t>
             </a:fld>
             <a:endParaRPr lang="en-US"/>
           </a:p>
@@ -13227,169 +13362,6 @@
 </p:sld>
 </file>
 
-<file path=ppt/slides/slide35.xml><?xml version="1.0" encoding="utf-8"?>
-<p:sld xmlns:a="http://schemas.openxmlformats.org/drawingml/2006/main" xmlns:r="http://schemas.openxmlformats.org/officeDocument/2006/relationships" xmlns:p="http://schemas.openxmlformats.org/presentationml/2006/main">
-  <p:cSld>
-    <p:spTree>
-      <p:nvGrpSpPr>
-        <p:cNvPr id="1" name=""/>
-        <p:cNvGrpSpPr/>
-        <p:nvPr/>
-      </p:nvGrpSpPr>
-      <p:grpSpPr>
-        <a:xfrm>
-          <a:off x="0" y="0"/>
-          <a:ext cx="0" cy="0"/>
-          <a:chOff x="0" y="0"/>
-          <a:chExt cx="0" cy="0"/>
-        </a:xfrm>
-      </p:grpSpPr>
-      <p:sp>
-        <p:nvSpPr>
-          <p:cNvPr id="54274" name="Rectangle 2"/>
-          <p:cNvSpPr>
-            <a:spLocks noGrp="1" noChangeArrowheads="1"/>
-          </p:cNvSpPr>
-          <p:nvPr>
-            <p:ph type="title"/>
-            <p:custDataLst>
-              <p:tags r:id="rId1"/>
-            </p:custDataLst>
-          </p:nvPr>
-        </p:nvSpPr>
-        <p:spPr/>
-        <p:txBody>
-          <a:bodyPr/>
-          <a:lstStyle/>
-          <a:p>
-            <a:r>
-              <a:rPr lang="en-US"/>
-              <a:t>Using Non-Tree Edges to Identify Cycles</a:t>
-            </a:r>
-            <a:endParaRPr lang="en-US" dirty="0"/>
-          </a:p>
-        </p:txBody>
-      </p:sp>
-      <p:sp>
-        <p:nvSpPr>
-          <p:cNvPr id="4" name="Slide Number Placeholder 3"/>
-          <p:cNvSpPr>
-            <a:spLocks noGrp="1"/>
-          </p:cNvSpPr>
-          <p:nvPr>
-            <p:ph type="sldNum" sz="quarter" idx="12"/>
-          </p:nvPr>
-        </p:nvSpPr>
-        <p:spPr/>
-        <p:txBody>
-          <a:bodyPr/>
-          <a:lstStyle/>
-          <a:p>
-            <a:fld id="{030EE116-056E-4288-B7F7-411CB7E437A9}" type="slidenum">
-              <a:rPr lang="en-US" smtClean="0"/>
-              <a:pPr/>
-              <a:t>35</a:t>
-            </a:fld>
-            <a:endParaRPr lang="en-US"/>
-          </a:p>
-        </p:txBody>
-      </p:sp>
-      <p:sp>
-        <p:nvSpPr>
-          <p:cNvPr id="54275" name="Rectangle 3"/>
-          <p:cNvSpPr>
-            <a:spLocks noGrp="1" noChangeArrowheads="1"/>
-          </p:cNvSpPr>
-          <p:nvPr>
-            <p:ph sz="quarter" idx="1"/>
-            <p:custDataLst>
-              <p:tags r:id="rId2"/>
-            </p:custDataLst>
-          </p:nvPr>
-        </p:nvSpPr>
-        <p:spPr/>
-        <p:txBody>
-          <a:bodyPr/>
-          <a:lstStyle/>
-          <a:p>
-            <a:r>
-              <a:rPr lang="en-US" dirty="0"/>
-              <a:t>From the previous graph, note that:</a:t>
-            </a:r>
-          </a:p>
-          <a:p>
-            <a:r>
-              <a:rPr lang="en-US" dirty="0"/>
-              <a:t>Back edges (indicates a cycle)</a:t>
-            </a:r>
-          </a:p>
-          <a:p>
-            <a:pPr lvl="1"/>
-            <a:r>
-              <a:rPr lang="en-US" dirty="0" err="1"/>
-              <a:t>dfs_recurse</a:t>
-            </a:r>
-            <a:r>
-              <a:rPr lang="en-US" dirty="0"/>
-              <a:t>() sees a vertex that is gray</a:t>
-            </a:r>
-          </a:p>
-          <a:p>
-            <a:pPr lvl="1"/>
-            <a:r>
-              <a:rPr lang="en-US" dirty="0"/>
-              <a:t>This back edge goes back up the DFS tree to a vertex that is on the path from the current node to the root</a:t>
-            </a:r>
-          </a:p>
-          <a:p>
-            <a:r>
-              <a:rPr lang="en-US" dirty="0"/>
-              <a:t>Cross Edges and Descendant Edges (not cycles)</a:t>
-            </a:r>
-          </a:p>
-          <a:p>
-            <a:pPr lvl="1"/>
-            <a:r>
-              <a:rPr lang="en-US" dirty="0" err="1"/>
-              <a:t>dfs_recurse</a:t>
-            </a:r>
-            <a:r>
-              <a:rPr lang="en-US" dirty="0"/>
-              <a:t>() sees a vertex that is black</a:t>
-            </a:r>
-          </a:p>
-          <a:p>
-            <a:pPr lvl="1"/>
-            <a:r>
-              <a:rPr lang="en-US" dirty="0"/>
-              <a:t>Descendant edge: connects current node to a descendant in the DFS tree</a:t>
-            </a:r>
-          </a:p>
-          <a:p>
-            <a:pPr lvl="1"/>
-            <a:r>
-              <a:rPr lang="en-US" dirty="0"/>
-              <a:t>Cross edge: connects current node to a node in another </a:t>
-            </a:r>
-            <a:r>
-              <a:rPr lang="en-US" dirty="0" err="1"/>
-              <a:t>subtree</a:t>
-            </a:r>
-            <a:r>
-              <a:rPr lang="en-US" dirty="0"/>
-              <a:t> – not a descendant of current node</a:t>
-            </a:r>
-          </a:p>
-        </p:txBody>
-      </p:sp>
-    </p:spTree>
-  </p:cSld>
-  <p:clrMapOvr>
-    <a:masterClrMapping/>
-  </p:clrMapOvr>
-</p:sld>
-</file>
-
 <file path=ppt/slides/slide36.xml><?xml version="1.0" encoding="utf-8"?>
 <p:sld xmlns:a="http://schemas.openxmlformats.org/drawingml/2006/main" xmlns:r="http://schemas.openxmlformats.org/officeDocument/2006/relationships" xmlns:p="http://schemas.openxmlformats.org/presentationml/2006/main">
   <p:cSld>
@@ -13409,7 +13381,7 @@
       </p:grpSpPr>
       <p:sp>
         <p:nvSpPr>
-          <p:cNvPr id="55298" name="Rectangle 2"/>
+          <p:cNvPr id="54274" name="Rectangle 2"/>
           <p:cNvSpPr>
             <a:spLocks noGrp="1" noChangeArrowheads="1"/>
           </p:cNvSpPr>
@@ -13427,8 +13399,9 @@
           <a:p>
             <a:r>
               <a:rPr lang="en-US"/>
-              <a:t>Non-tree Edges in DFS</a:t>
-            </a:r>
+              <a:t>Using Non-Tree Edges to Identify Cycles</a:t>
+            </a:r>
+            <a:endParaRPr lang="en-US" dirty="0"/>
           </a:p>
         </p:txBody>
       </p:sp>
@@ -13458,7 +13431,7 @@
       </p:sp>
       <p:sp>
         <p:nvSpPr>
-          <p:cNvPr id="55299" name="Rectangle 3"/>
+          <p:cNvPr id="54275" name="Rectangle 3"/>
           <p:cNvSpPr>
             <a:spLocks noGrp="1" noChangeArrowheads="1"/>
           </p:cNvSpPr>
@@ -13471,63 +13444,75 @@
         </p:nvSpPr>
         <p:spPr/>
         <p:txBody>
-          <a:bodyPr>
-            <a:normAutofit/>
-          </a:bodyPr>
+          <a:bodyPr/>
           <a:lstStyle/>
           <a:p>
             <a:r>
               <a:rPr lang="en-US" dirty="0"/>
-              <a:t>Question 1: Finding back edges for an undirected graph is not </a:t>
-            </a:r>
-            <a:r>
-              <a:rPr lang="en-US" b="1" dirty="0"/>
-              <a:t>quite</a:t>
-            </a:r>
+              <a:t>From the previous graph, note that:</a:t>
+            </a:r>
+          </a:p>
+          <a:p>
             <a:r>
               <a:rPr lang="en-US" dirty="0"/>
-              <a:t> this simple:</a:t>
+              <a:t>Back edges (indicates a cycle)</a:t>
             </a:r>
           </a:p>
           <a:p>
             <a:pPr lvl="1"/>
             <a:r>
+              <a:rPr lang="en-US" dirty="0" err="1"/>
+              <a:t>dfs_recurse</a:t>
+            </a:r>
+            <a:r>
               <a:rPr lang="en-US" dirty="0"/>
-              <a:t>The parent node of the current node is gray</a:t>
+              <a:t>() sees a vertex that is gray</a:t>
             </a:r>
           </a:p>
           <a:p>
             <a:pPr lvl="1"/>
             <a:r>
               <a:rPr lang="en-US" dirty="0"/>
-              <a:t>Not a cycle, is it?  It’s the same edge you just traversed</a:t>
+              <a:t>This back edge goes back up the DFS tree to a vertex that is on the path from the current node to the root</a:t>
+            </a:r>
+          </a:p>
+          <a:p>
+            <a:r>
+              <a:rPr lang="en-US" dirty="0"/>
+              <a:t>Cross Edges and Descendant Edges (not cycles)</a:t>
             </a:r>
           </a:p>
           <a:p>
             <a:pPr lvl="1"/>
             <a:r>
+              <a:rPr lang="en-US" dirty="0" err="1"/>
+              <a:t>dfs_recurse</a:t>
+            </a:r>
+            <a:r>
               <a:rPr lang="en-US" dirty="0"/>
-              <a:t>Question: how would you modify our code to recognize this?</a:t>
-            </a:r>
-          </a:p>
-          <a:p>
+              <a:t>() sees a vertex that is black</a:t>
+            </a:r>
+          </a:p>
+          <a:p>
+            <a:pPr lvl="1"/>
             <a:r>
               <a:rPr lang="en-US" dirty="0"/>
-              <a:t>Question 2:</a:t>
+              <a:t>Descendant edge: connects current node to a descendant in the DFS tree</a:t>
             </a:r>
           </a:p>
           <a:p>
             <a:pPr lvl="1"/>
             <a:r>
               <a:rPr lang="en-US" dirty="0"/>
-              <a:t>In digraph, how could you modify the code to distinguish cross edges from descendant edges?</a:t>
-            </a:r>
-          </a:p>
-          <a:p>
-            <a:pPr lvl="1"/>
+              <a:t>Cross edge: connects current node to a node in another </a:t>
+            </a:r>
+            <a:r>
+              <a:rPr lang="en-US" dirty="0" err="1"/>
+              <a:t>subtree</a:t>
+            </a:r>
             <a:r>
               <a:rPr lang="en-US" dirty="0"/>
-              <a:t>Hint: need to record the “time” at which a node was discovered (set to “gray”) and finished (set to “black”)</a:t>
+              <a:t> – not a descendant of current node</a:t>
             </a:r>
           </a:p>
         </p:txBody>
@@ -13559,7 +13544,7 @@
       </p:grpSpPr>
       <p:sp>
         <p:nvSpPr>
-          <p:cNvPr id="56322" name="Rectangle 2"/>
+          <p:cNvPr id="55298" name="Rectangle 2"/>
           <p:cNvSpPr>
             <a:spLocks noGrp="1" noChangeArrowheads="1"/>
           </p:cNvSpPr>
@@ -13577,7 +13562,7 @@
           <a:p>
             <a:r>
               <a:rPr lang="en-US"/>
-              <a:t>Time Complexity of DFS</a:t>
+              <a:t>Non-tree Edges in DFS</a:t>
             </a:r>
           </a:p>
         </p:txBody>
@@ -13608,7 +13593,7 @@
       </p:sp>
       <p:sp>
         <p:nvSpPr>
-          <p:cNvPr id="56323" name="Rectangle 3"/>
+          <p:cNvPr id="55299" name="Rectangle 3"/>
           <p:cNvSpPr>
             <a:spLocks noGrp="1" noChangeArrowheads="1"/>
           </p:cNvSpPr>
@@ -13626,180 +13611,58 @@
           </a:bodyPr>
           <a:lstStyle/>
           <a:p>
-            <a:pPr>
-              <a:lnSpc>
-                <a:spcPct val="90000"/>
-              </a:lnSpc>
-            </a:pPr>
             <a:r>
               <a:rPr lang="en-US" dirty="0"/>
-              <a:t>For a digraph having V vertices and E edges</a:t>
-            </a:r>
-          </a:p>
-          <a:p>
-            <a:pPr lvl="1">
-              <a:lnSpc>
-                <a:spcPct val="90000"/>
-              </a:lnSpc>
-            </a:pPr>
+              <a:t>Question 1: Finding back edges for an undirected graph is not </a:t>
+            </a:r>
+            <a:r>
+              <a:rPr lang="en-US" b="1" dirty="0"/>
+              <a:t>quite</a:t>
+            </a:r>
             <a:r>
               <a:rPr lang="en-US" dirty="0"/>
-              <a:t>Each edge is processed once in the while loop of </a:t>
-            </a:r>
-            <a:r>
-              <a:rPr lang="en-US" dirty="0" err="1"/>
-              <a:t>dfs_recurse</a:t>
-            </a:r>
+              <a:t> this simple:</a:t>
+            </a:r>
+          </a:p>
+          <a:p>
+            <a:pPr lvl="1"/>
             <a:r>
               <a:rPr lang="en-US" dirty="0"/>
-              <a:t>() for a cost of </a:t>
-            </a:r>
-            <a:r>
-              <a:rPr lang="en-US" dirty="0">
-                <a:sym typeface="Symbol" pitchFamily="18" charset="2"/>
-              </a:rPr>
-              <a:t></a:t>
-            </a:r>
+              <a:t>The parent node of the current node is gray</a:t>
+            </a:r>
+          </a:p>
+          <a:p>
+            <a:pPr lvl="1"/>
             <a:r>
               <a:rPr lang="en-US" dirty="0"/>
-              <a:t>(E)</a:t>
-            </a:r>
-          </a:p>
-          <a:p>
-            <a:pPr lvl="2">
-              <a:lnSpc>
-                <a:spcPct val="90000"/>
-              </a:lnSpc>
-            </a:pPr>
+              <a:t>Not a cycle, is it?  It’s the same edge you just traversed</a:t>
+            </a:r>
+          </a:p>
+          <a:p>
+            <a:pPr lvl="1"/>
             <a:r>
               <a:rPr lang="en-US" dirty="0"/>
-              <a:t>Think about adjacency list data structure.</a:t>
-            </a:r>
-          </a:p>
-          <a:p>
-            <a:pPr lvl="2">
-              <a:lnSpc>
-                <a:spcPct val="90000"/>
-              </a:lnSpc>
-            </a:pPr>
+              <a:t>Question: how would you modify our code to recognize this?</a:t>
+            </a:r>
+          </a:p>
+          <a:p>
             <a:r>
               <a:rPr lang="en-US" dirty="0"/>
-              <a:t>Traverse each list exactly once. (Never back up)</a:t>
-            </a:r>
-          </a:p>
-          <a:p>
-            <a:pPr lvl="2">
-              <a:lnSpc>
-                <a:spcPct val="90000"/>
-              </a:lnSpc>
-            </a:pPr>
+              <a:t>Question 2:</a:t>
+            </a:r>
+          </a:p>
+          <a:p>
+            <a:pPr lvl="1"/>
             <a:r>
               <a:rPr lang="en-US" dirty="0"/>
-              <a:t>There are a total of 2*E nodes in all the lists</a:t>
-            </a:r>
-          </a:p>
-          <a:p>
-            <a:pPr lvl="1">
-              <a:lnSpc>
-                <a:spcPct val="90000"/>
-              </a:lnSpc>
-            </a:pPr>
+              <a:t>In digraph, how could you modify the code to distinguish cross edges from descendant edges?</a:t>
+            </a:r>
+          </a:p>
+          <a:p>
+            <a:pPr lvl="1"/>
             <a:r>
               <a:rPr lang="en-US" dirty="0"/>
-              <a:t>The </a:t>
-            </a:r>
-            <a:r>
-              <a:rPr lang="en-US" dirty="0" err="1"/>
-              <a:t>dfs_sweep</a:t>
-            </a:r>
-            <a:r>
-              <a:rPr lang="en-US" dirty="0"/>
-              <a:t>() algorithm will do </a:t>
-            </a:r>
-            <a:r>
-              <a:rPr lang="en-US" dirty="0">
-                <a:sym typeface="Symbol" pitchFamily="18" charset="2"/>
-              </a:rPr>
-              <a:t></a:t>
-            </a:r>
-            <a:r>
-              <a:rPr lang="en-US" dirty="0"/>
-              <a:t>(V) work even if there are no edges in the graph</a:t>
-            </a:r>
-          </a:p>
-          <a:p>
-            <a:pPr lvl="1">
-              <a:lnSpc>
-                <a:spcPct val="90000"/>
-              </a:lnSpc>
-            </a:pPr>
-            <a:r>
-              <a:rPr lang="en-US" dirty="0"/>
-              <a:t>Thus over all time-complexity is </a:t>
-            </a:r>
-            <a:r>
-              <a:rPr lang="en-US" dirty="0">
-                <a:sym typeface="Symbol" pitchFamily="18" charset="2"/>
-              </a:rPr>
-              <a:t></a:t>
-            </a:r>
-            <a:r>
-              <a:rPr lang="en-US" dirty="0"/>
-              <a:t>(V+E)</a:t>
-            </a:r>
-          </a:p>
-          <a:p>
-            <a:pPr lvl="2">
-              <a:lnSpc>
-                <a:spcPct val="90000"/>
-              </a:lnSpc>
-            </a:pPr>
-            <a:r>
-              <a:rPr lang="en-US" dirty="0"/>
-              <a:t>Remember: this means the larger of the two values</a:t>
-            </a:r>
-          </a:p>
-          <a:p>
-            <a:pPr lvl="2">
-              <a:lnSpc>
-                <a:spcPct val="90000"/>
-              </a:lnSpc>
-            </a:pPr>
-            <a:r>
-              <a:rPr lang="en-US" dirty="0"/>
-              <a:t>Note: This is considered “linear” for graphs since there are two size parameters for graphs.</a:t>
-            </a:r>
-          </a:p>
-          <a:p>
-            <a:pPr lvl="1">
-              <a:lnSpc>
-                <a:spcPct val="90000"/>
-              </a:lnSpc>
-            </a:pPr>
-            <a:r>
-              <a:rPr lang="en-US" dirty="0"/>
-              <a:t>Extra space is used for color array.</a:t>
-            </a:r>
-          </a:p>
-          <a:p>
-            <a:pPr lvl="2">
-              <a:lnSpc>
-                <a:spcPct val="90000"/>
-              </a:lnSpc>
-            </a:pPr>
-            <a:r>
-              <a:rPr lang="en-US" dirty="0"/>
-              <a:t>Space complexity is </a:t>
-            </a:r>
-            <a:r>
-              <a:rPr lang="en-US" dirty="0">
-                <a:sym typeface="Symbol" pitchFamily="18" charset="2"/>
-              </a:rPr>
-              <a:t></a:t>
-            </a:r>
-            <a:r>
-              <a:rPr lang="en-US" dirty="0"/>
-              <a:t>(V)</a:t>
+              <a:t>Hint: need to record the “time” at which a node was discovered (set to “gray”) and finished (set to “black”)</a:t>
             </a:r>
           </a:p>
         </p:txBody>
@@ -13831,12 +13694,15 @@
       </p:grpSpPr>
       <p:sp>
         <p:nvSpPr>
-          <p:cNvPr id="5" name="Title 4"/>
-          <p:cNvSpPr>
-            <a:spLocks noGrp="1"/>
+          <p:cNvPr id="56322" name="Rectangle 2"/>
+          <p:cNvSpPr>
+            <a:spLocks noGrp="1" noChangeArrowheads="1"/>
           </p:cNvSpPr>
           <p:nvPr>
             <p:ph type="title"/>
+            <p:custDataLst>
+              <p:tags r:id="rId1"/>
+            </p:custDataLst>
           </p:nvPr>
         </p:nvSpPr>
         <p:spPr/>
@@ -13845,28 +13711,9 @@
           <a:lstStyle/>
           <a:p>
             <a:r>
-              <a:rPr lang="en-US" dirty="0"/>
-              <a:t>State-Space Search</a:t>
-            </a:r>
-          </a:p>
-        </p:txBody>
-      </p:sp>
-      <p:sp>
-        <p:nvSpPr>
-          <p:cNvPr id="6" name="Text Placeholder 5"/>
-          <p:cNvSpPr>
-            <a:spLocks noGrp="1"/>
-          </p:cNvSpPr>
-          <p:nvPr>
-            <p:ph type="body" idx="1"/>
-          </p:nvPr>
-        </p:nvSpPr>
-        <p:spPr/>
-        <p:txBody>
-          <a:bodyPr/>
-          <a:lstStyle/>
-          <a:p>
-            <a:endParaRPr lang="en-US"/>
+              <a:rPr lang="en-US"/>
+              <a:t>Time Complexity of DFS</a:t>
+            </a:r>
           </a:p>
         </p:txBody>
       </p:sp>
@@ -13891,6 +13738,204 @@
               <a:t>38</a:t>
             </a:fld>
             <a:endParaRPr lang="en-US"/>
+          </a:p>
+        </p:txBody>
+      </p:sp>
+      <p:sp>
+        <p:nvSpPr>
+          <p:cNvPr id="56323" name="Rectangle 3"/>
+          <p:cNvSpPr>
+            <a:spLocks noGrp="1" noChangeArrowheads="1"/>
+          </p:cNvSpPr>
+          <p:nvPr>
+            <p:ph sz="quarter" idx="1"/>
+            <p:custDataLst>
+              <p:tags r:id="rId2"/>
+            </p:custDataLst>
+          </p:nvPr>
+        </p:nvSpPr>
+        <p:spPr/>
+        <p:txBody>
+          <a:bodyPr>
+            <a:normAutofit/>
+          </a:bodyPr>
+          <a:lstStyle/>
+          <a:p>
+            <a:pPr>
+              <a:lnSpc>
+                <a:spcPct val="90000"/>
+              </a:lnSpc>
+            </a:pPr>
+            <a:r>
+              <a:rPr lang="en-US" dirty="0"/>
+              <a:t>For a digraph having V vertices and E edges</a:t>
+            </a:r>
+          </a:p>
+          <a:p>
+            <a:pPr lvl="1">
+              <a:lnSpc>
+                <a:spcPct val="90000"/>
+              </a:lnSpc>
+            </a:pPr>
+            <a:r>
+              <a:rPr lang="en-US" dirty="0"/>
+              <a:t>Each edge is processed once in the while loop of </a:t>
+            </a:r>
+            <a:r>
+              <a:rPr lang="en-US" dirty="0" err="1"/>
+              <a:t>dfs_recurse</a:t>
+            </a:r>
+            <a:r>
+              <a:rPr lang="en-US" dirty="0"/>
+              <a:t>() for a cost of </a:t>
+            </a:r>
+            <a:r>
+              <a:rPr lang="en-US" dirty="0">
+                <a:sym typeface="Symbol" pitchFamily="18" charset="2"/>
+              </a:rPr>
+              <a:t></a:t>
+            </a:r>
+            <a:r>
+              <a:rPr lang="en-US" dirty="0"/>
+              <a:t>(E)</a:t>
+            </a:r>
+          </a:p>
+          <a:p>
+            <a:pPr lvl="2">
+              <a:lnSpc>
+                <a:spcPct val="90000"/>
+              </a:lnSpc>
+            </a:pPr>
+            <a:r>
+              <a:rPr lang="en-US" dirty="0"/>
+              <a:t>Think about adjacency list data structure.</a:t>
+            </a:r>
+          </a:p>
+          <a:p>
+            <a:pPr lvl="2">
+              <a:lnSpc>
+                <a:spcPct val="90000"/>
+              </a:lnSpc>
+            </a:pPr>
+            <a:r>
+              <a:rPr lang="en-US" dirty="0"/>
+              <a:t>Traverse each list exactly once. (Never back up)</a:t>
+            </a:r>
+          </a:p>
+          <a:p>
+            <a:pPr lvl="2">
+              <a:lnSpc>
+                <a:spcPct val="90000"/>
+              </a:lnSpc>
+            </a:pPr>
+            <a:r>
+              <a:rPr lang="en-US" dirty="0"/>
+              <a:t>There are a total of 2*E nodes in all the lists</a:t>
+            </a:r>
+          </a:p>
+          <a:p>
+            <a:pPr lvl="1">
+              <a:lnSpc>
+                <a:spcPct val="90000"/>
+              </a:lnSpc>
+            </a:pPr>
+            <a:r>
+              <a:rPr lang="en-US" dirty="0"/>
+              <a:t>The </a:t>
+            </a:r>
+            <a:r>
+              <a:rPr lang="en-US" dirty="0" err="1"/>
+              <a:t>dfs_sweep</a:t>
+            </a:r>
+            <a:r>
+              <a:rPr lang="en-US" dirty="0"/>
+              <a:t>() algorithm will do </a:t>
+            </a:r>
+            <a:r>
+              <a:rPr lang="en-US" dirty="0">
+                <a:sym typeface="Symbol" pitchFamily="18" charset="2"/>
+              </a:rPr>
+              <a:t></a:t>
+            </a:r>
+            <a:r>
+              <a:rPr lang="en-US" dirty="0"/>
+              <a:t>(V) work even if there are no edges in the graph</a:t>
+            </a:r>
+          </a:p>
+          <a:p>
+            <a:pPr lvl="1">
+              <a:lnSpc>
+                <a:spcPct val="90000"/>
+              </a:lnSpc>
+            </a:pPr>
+            <a:r>
+              <a:rPr lang="en-US" dirty="0"/>
+              <a:t>Thus over all time-complexity is </a:t>
+            </a:r>
+            <a:r>
+              <a:rPr lang="en-US" dirty="0">
+                <a:sym typeface="Symbol" pitchFamily="18" charset="2"/>
+              </a:rPr>
+              <a:t></a:t>
+            </a:r>
+            <a:r>
+              <a:rPr lang="en-US" dirty="0"/>
+              <a:t>(V+E)</a:t>
+            </a:r>
+          </a:p>
+          <a:p>
+            <a:pPr lvl="2">
+              <a:lnSpc>
+                <a:spcPct val="90000"/>
+              </a:lnSpc>
+            </a:pPr>
+            <a:r>
+              <a:rPr lang="en-US" dirty="0"/>
+              <a:t>Remember: this means the larger of the two values</a:t>
+            </a:r>
+          </a:p>
+          <a:p>
+            <a:pPr lvl="2">
+              <a:lnSpc>
+                <a:spcPct val="90000"/>
+              </a:lnSpc>
+            </a:pPr>
+            <a:r>
+              <a:rPr lang="en-US" dirty="0"/>
+              <a:t>Note: This is considered “linear” for graphs since there are two size parameters for graphs.</a:t>
+            </a:r>
+          </a:p>
+          <a:p>
+            <a:pPr lvl="1">
+              <a:lnSpc>
+                <a:spcPct val="90000"/>
+              </a:lnSpc>
+            </a:pPr>
+            <a:r>
+              <a:rPr lang="en-US" dirty="0"/>
+              <a:t>Extra space is used for color array.</a:t>
+            </a:r>
+          </a:p>
+          <a:p>
+            <a:pPr lvl="2">
+              <a:lnSpc>
+                <a:spcPct val="90000"/>
+              </a:lnSpc>
+            </a:pPr>
+            <a:r>
+              <a:rPr lang="en-US" dirty="0"/>
+              <a:t>Space complexity is </a:t>
+            </a:r>
+            <a:r>
+              <a:rPr lang="en-US" dirty="0">
+                <a:sym typeface="Symbol" pitchFamily="18" charset="2"/>
+              </a:rPr>
+              <a:t></a:t>
+            </a:r>
+            <a:r>
+              <a:rPr lang="en-US" dirty="0"/>
+              <a:t>(V)</a:t>
+            </a:r>
           </a:p>
         </p:txBody>
       </p:sp>
@@ -13921,9 +13966,9 @@
       </p:grpSpPr>
       <p:sp>
         <p:nvSpPr>
-          <p:cNvPr id="39937" name="Rectangle 2"/>
-          <p:cNvSpPr>
-            <a:spLocks noGrp="1" noChangeArrowheads="1"/>
+          <p:cNvPr id="5" name="Title 4"/>
+          <p:cNvSpPr>
+            <a:spLocks noGrp="1"/>
           </p:cNvSpPr>
           <p:nvPr>
             <p:ph type="title"/>
@@ -13935,17 +13980,17 @@
           <a:lstStyle/>
           <a:p>
             <a:r>
-              <a:rPr lang="en-US" altLang="en-US" sz="2800"/>
-              <a:t>State Space Search and Best-First Search</a:t>
-            </a:r>
-          </a:p>
-        </p:txBody>
-      </p:sp>
-      <p:sp>
-        <p:nvSpPr>
-          <p:cNvPr id="39938" name="Rectangle 3"/>
-          <p:cNvSpPr>
-            <a:spLocks noGrp="1" noChangeArrowheads="1"/>
+              <a:rPr lang="en-US" dirty="0"/>
+              <a:t>State-Space Search</a:t>
+            </a:r>
+          </a:p>
+        </p:txBody>
+      </p:sp>
+      <p:sp>
+        <p:nvSpPr>
+          <p:cNvPr id="6" name="Text Placeholder 5"/>
+          <p:cNvSpPr>
+            <a:spLocks noGrp="1"/>
           </p:cNvSpPr>
           <p:nvPr>
             <p:ph type="body" idx="1"/>
@@ -13956,152 +14001,35 @@
           <a:bodyPr/>
           <a:lstStyle/>
           <a:p>
-            <a:pPr>
-              <a:lnSpc>
-                <a:spcPct val="90000"/>
-              </a:lnSpc>
-            </a:pPr>
-            <a:r>
-              <a:rPr lang="en-US" altLang="en-US" dirty="0"/>
-              <a:t>State-space Search</a:t>
-            </a:r>
-          </a:p>
-          <a:p>
-            <a:pPr lvl="1">
-              <a:lnSpc>
-                <a:spcPct val="90000"/>
-              </a:lnSpc>
-            </a:pPr>
-            <a:r>
-              <a:rPr lang="en-US" altLang="en-US" dirty="0"/>
-              <a:t>Given a start-state and a goal-state</a:t>
-            </a:r>
-          </a:p>
-          <a:p>
-            <a:pPr lvl="1">
-              <a:lnSpc>
-                <a:spcPct val="90000"/>
-              </a:lnSpc>
-            </a:pPr>
-            <a:r>
-              <a:rPr lang="en-US" altLang="en-US" dirty="0"/>
-              <a:t>Generate new states that can be </a:t>
-            </a:r>
-            <a:r>
-              <a:rPr lang="ja-JP" altLang="en-US" dirty="0"/>
-              <a:t>“</a:t>
-            </a:r>
-            <a:r>
-              <a:rPr lang="en-US" altLang="ja-JP" dirty="0"/>
-              <a:t>visited</a:t>
-            </a:r>
-            <a:r>
-              <a:rPr lang="ja-JP" altLang="en-US" dirty="0"/>
-              <a:t>”</a:t>
-            </a:r>
-            <a:r>
-              <a:rPr lang="en-US" altLang="ja-JP" dirty="0"/>
-              <a:t> from the current state</a:t>
-            </a:r>
-          </a:p>
-          <a:p>
-            <a:pPr lvl="1">
-              <a:lnSpc>
-                <a:spcPct val="90000"/>
-              </a:lnSpc>
-            </a:pPr>
-            <a:r>
-              <a:rPr lang="en-US" altLang="en-US" dirty="0"/>
-              <a:t>Choose (somehow) which state to go to next</a:t>
-            </a:r>
-          </a:p>
-          <a:p>
-            <a:pPr lvl="1">
-              <a:lnSpc>
-                <a:spcPct val="90000"/>
-              </a:lnSpc>
-            </a:pPr>
-            <a:r>
-              <a:rPr lang="en-US" altLang="en-US" dirty="0"/>
-              <a:t>Stop when you reach the goal (or exhaust all possible states)</a:t>
-            </a:r>
-          </a:p>
-          <a:p>
-            <a:pPr>
-              <a:lnSpc>
-                <a:spcPct val="90000"/>
-              </a:lnSpc>
-            </a:pPr>
-            <a:endParaRPr lang="en-US" altLang="en-US" dirty="0"/>
-          </a:p>
-          <a:p>
-            <a:pPr>
-              <a:lnSpc>
-                <a:spcPct val="90000"/>
-              </a:lnSpc>
-            </a:pPr>
-            <a:r>
-              <a:rPr lang="en-US" altLang="en-US" dirty="0"/>
-              <a:t>Very useful for many problems in Artificial Intelligence</a:t>
-            </a:r>
-          </a:p>
-          <a:p>
-            <a:pPr lvl="1">
-              <a:lnSpc>
-                <a:spcPct val="90000"/>
-              </a:lnSpc>
-            </a:pPr>
-            <a:r>
-              <a:rPr lang="en-US" altLang="en-US" dirty="0"/>
-              <a:t>Puzzles, games</a:t>
-            </a:r>
-          </a:p>
-          <a:p>
-            <a:pPr lvl="1">
-              <a:lnSpc>
-                <a:spcPct val="90000"/>
-              </a:lnSpc>
-            </a:pPr>
-            <a:r>
-              <a:rPr lang="en-US" altLang="en-US" dirty="0"/>
-              <a:t>Expert systems</a:t>
-            </a:r>
-          </a:p>
-          <a:p>
-            <a:pPr lvl="1">
-              <a:lnSpc>
-                <a:spcPct val="90000"/>
-              </a:lnSpc>
-            </a:pPr>
-            <a:r>
-              <a:rPr lang="en-US" altLang="en-US" dirty="0"/>
-              <a:t>Theorem </a:t>
-            </a:r>
-            <a:r>
-              <a:rPr lang="en-US" altLang="en-US" dirty="0" err="1"/>
-              <a:t>provers</a:t>
-            </a:r>
-            <a:endParaRPr lang="en-US" altLang="en-US" dirty="0"/>
-          </a:p>
-          <a:p>
-            <a:pPr lvl="1">
-              <a:lnSpc>
-                <a:spcPct val="90000"/>
-              </a:lnSpc>
-            </a:pPr>
-            <a:r>
-              <a:rPr lang="en-US" altLang="en-US" dirty="0"/>
-              <a:t>Etc.</a:t>
-            </a:r>
+            <a:endParaRPr lang="en-US"/>
+          </a:p>
+        </p:txBody>
+      </p:sp>
+      <p:sp>
+        <p:nvSpPr>
+          <p:cNvPr id="4" name="Slide Number Placeholder 3"/>
+          <p:cNvSpPr>
+            <a:spLocks noGrp="1"/>
+          </p:cNvSpPr>
+          <p:nvPr>
+            <p:ph type="sldNum" sz="quarter" idx="12"/>
+          </p:nvPr>
+        </p:nvSpPr>
+        <p:spPr/>
+        <p:txBody>
+          <a:bodyPr/>
+          <a:lstStyle/>
+          <a:p>
+            <a:fld id="{030EE116-056E-4288-B7F7-411CB7E437A9}" type="slidenum">
+              <a:rPr lang="en-US" smtClean="0"/>
+              <a:pPr/>
+              <a:t>39</a:t>
+            </a:fld>
+            <a:endParaRPr lang="en-US"/>
           </a:p>
         </p:txBody>
       </p:sp>
     </p:spTree>
-    <p:extLst>
-      <p:ext uri="{BB962C8B-B14F-4D97-AF65-F5344CB8AC3E}">
-        <p14:creationId xmlns:p14="http://schemas.microsoft.com/office/powerpoint/2010/main" val="1019182526"/>
-      </p:ext>
-    </p:extLst>
   </p:cSld>
   <p:clrMapOvr>
     <a:masterClrMapping/>
@@ -14238,7 +14166,7 @@
       </p:grpSpPr>
       <p:sp>
         <p:nvSpPr>
-          <p:cNvPr id="41985" name="Rectangle 2"/>
+          <p:cNvPr id="39937" name="Rectangle 2"/>
           <p:cNvSpPr>
             <a:spLocks noGrp="1" noChangeArrowheads="1"/>
           </p:cNvSpPr>
@@ -14252,15 +14180,15 @@
           <a:lstStyle/>
           <a:p>
             <a:r>
-              <a:rPr lang="en-US" altLang="en-US"/>
-              <a:t>Heuristic Search</a:t>
-            </a:r>
-          </a:p>
-        </p:txBody>
-      </p:sp>
-      <p:sp>
-        <p:nvSpPr>
-          <p:cNvPr id="41986" name="Rectangle 3"/>
+              <a:rPr lang="en-US" altLang="en-US" sz="2800"/>
+              <a:t>State Space Search and Best-First Search</a:t>
+            </a:r>
+          </a:p>
+        </p:txBody>
+      </p:sp>
+      <p:sp>
+        <p:nvSpPr>
+          <p:cNvPr id="39938" name="Rectangle 3"/>
           <p:cNvSpPr>
             <a:spLocks noGrp="1" noChangeArrowheads="1"/>
           </p:cNvSpPr>
@@ -14268,112 +14196,155 @@
             <p:ph type="body" idx="1"/>
           </p:nvPr>
         </p:nvSpPr>
-        <p:spPr>
-          <a:xfrm>
-            <a:off x="457200" y="1371600"/>
-            <a:ext cx="8229600" cy="5181600"/>
-          </a:xfrm>
-        </p:spPr>
-        <p:txBody>
-          <a:bodyPr>
-            <a:normAutofit/>
-          </a:bodyPr>
-          <a:lstStyle/>
-          <a:p>
+        <p:spPr/>
+        <p:txBody>
+          <a:bodyPr/>
+          <a:lstStyle/>
+          <a:p>
+            <a:pPr>
+              <a:lnSpc>
+                <a:spcPct val="90000"/>
+              </a:lnSpc>
+            </a:pPr>
             <a:r>
               <a:rPr lang="en-US" altLang="en-US" dirty="0"/>
-              <a:t>We could use BFS or DFS on such problems</a:t>
-            </a:r>
-          </a:p>
-          <a:p>
-            <a:endParaRPr lang="en-US" altLang="en-US" u="sng" dirty="0"/>
-          </a:p>
-          <a:p>
-            <a:r>
-              <a:rPr lang="en-US" altLang="en-US" u="sng" dirty="0"/>
-              <a:t>Best</a:t>
-            </a:r>
+              <a:t>State-space Search</a:t>
+            </a:r>
+          </a:p>
+          <a:p>
+            <a:pPr lvl="1">
+              <a:lnSpc>
+                <a:spcPct val="90000"/>
+              </a:lnSpc>
+            </a:pPr>
             <a:r>
               <a:rPr lang="en-US" altLang="en-US" dirty="0"/>
-              <a:t>-first Search strategy</a:t>
-            </a:r>
-          </a:p>
-          <a:p>
-            <a:pPr lvl="1"/>
+              <a:t>Given a start-state and a goal-state</a:t>
+            </a:r>
+          </a:p>
+          <a:p>
+            <a:pPr lvl="1">
+              <a:lnSpc>
+                <a:spcPct val="90000"/>
+              </a:lnSpc>
+            </a:pPr>
             <a:r>
               <a:rPr lang="en-US" altLang="en-US" dirty="0"/>
-              <a:t>Like BFS but use a priority queue and visit the state that has the highest heuristic score </a:t>
-            </a:r>
-            <a:r>
-              <a:rPr lang="en-US" altLang="en-US" i="1" dirty="0"/>
-              <a:t>f(n)</a:t>
-            </a:r>
-          </a:p>
-          <a:p>
-            <a:pPr lvl="1"/>
-            <a:r>
-              <a:rPr lang="en-US" altLang="en-US" b="1" dirty="0"/>
-              <a:t>Open states:</a:t>
-            </a:r>
+              <a:t>Generate new states that can be </a:t>
+            </a:r>
+            <a:r>
+              <a:rPr lang="ja-JP" altLang="en-US" dirty="0"/>
+              <a:t>“</a:t>
+            </a:r>
+            <a:r>
+              <a:rPr lang="en-US" altLang="ja-JP" dirty="0"/>
+              <a:t>visited</a:t>
+            </a:r>
+            <a:r>
+              <a:rPr lang="ja-JP" altLang="en-US" dirty="0"/>
+              <a:t>”</a:t>
+            </a:r>
+            <a:r>
+              <a:rPr lang="en-US" altLang="ja-JP" dirty="0"/>
+              <a:t> from the current state</a:t>
+            </a:r>
+          </a:p>
+          <a:p>
+            <a:pPr lvl="1">
+              <a:lnSpc>
+                <a:spcPct val="90000"/>
+              </a:lnSpc>
+            </a:pPr>
             <a:r>
               <a:rPr lang="en-US" altLang="en-US" dirty="0"/>
-              <a:t>  a list of states that could be chosen next (i.e. they</a:t>
-            </a:r>
-            <a:r>
-              <a:rPr lang="fr-FR" altLang="ja-JP" dirty="0"/>
-              <a:t>’</a:t>
-            </a:r>
-            <a:r>
-              <a:rPr lang="en-US" altLang="ja-JP" dirty="0"/>
-              <a:t>re in the </a:t>
-            </a:r>
-            <a:r>
-              <a:rPr lang="en-US" altLang="ja-JP" dirty="0" err="1"/>
-              <a:t>PQueue</a:t>
-            </a:r>
-            <a:r>
-              <a:rPr lang="en-US" altLang="ja-JP" dirty="0"/>
-              <a:t>)</a:t>
-            </a:r>
-          </a:p>
-          <a:p>
-            <a:pPr lvl="1"/>
-            <a:r>
-              <a:rPr lang="en-US" altLang="en-US" b="1" dirty="0"/>
-              <a:t>Closed states:  </a:t>
-            </a:r>
+              <a:t>Choose (somehow) which state to go to next</a:t>
+            </a:r>
+          </a:p>
+          <a:p>
+            <a:pPr lvl="1">
+              <a:lnSpc>
+                <a:spcPct val="90000"/>
+              </a:lnSpc>
+            </a:pPr>
             <a:r>
               <a:rPr lang="en-US" altLang="en-US" dirty="0"/>
-              <a:t>a list of states we</a:t>
-            </a:r>
-            <a:r>
-              <a:rPr lang="fr-FR" altLang="en-US" dirty="0"/>
-              <a:t>’</a:t>
-            </a:r>
-            <a:r>
-              <a:rPr lang="fr-FR" altLang="ja-JP" dirty="0" err="1"/>
-              <a:t>ve</a:t>
-            </a:r>
-            <a:r>
-              <a:rPr lang="en-US" altLang="ja-JP" dirty="0"/>
-              <a:t> already visited (i.e. they</a:t>
-            </a:r>
-            <a:r>
-              <a:rPr lang="fr-FR" altLang="ja-JP" dirty="0"/>
-              <a:t>’</a:t>
-            </a:r>
-            <a:r>
-              <a:rPr lang="en-US" altLang="ja-JP" dirty="0"/>
-              <a:t>re in the tree)</a:t>
-            </a:r>
+              <a:t>Stop when you reach the goal (or exhaust all possible states)</a:t>
+            </a:r>
+          </a:p>
+          <a:p>
+            <a:pPr>
+              <a:lnSpc>
+                <a:spcPct val="90000"/>
+              </a:lnSpc>
+            </a:pPr>
             <a:endParaRPr lang="en-US" altLang="en-US" dirty="0"/>
+          </a:p>
+          <a:p>
+            <a:pPr>
+              <a:lnSpc>
+                <a:spcPct val="90000"/>
+              </a:lnSpc>
+            </a:pPr>
+            <a:r>
+              <a:rPr lang="en-US" altLang="en-US" dirty="0"/>
+              <a:t>Very useful for many problems in Artificial Intelligence</a:t>
+            </a:r>
+          </a:p>
+          <a:p>
+            <a:pPr lvl="1">
+              <a:lnSpc>
+                <a:spcPct val="90000"/>
+              </a:lnSpc>
+            </a:pPr>
+            <a:r>
+              <a:rPr lang="en-US" altLang="en-US" dirty="0"/>
+              <a:t>Puzzles, games</a:t>
+            </a:r>
+          </a:p>
+          <a:p>
+            <a:pPr lvl="1">
+              <a:lnSpc>
+                <a:spcPct val="90000"/>
+              </a:lnSpc>
+            </a:pPr>
+            <a:r>
+              <a:rPr lang="en-US" altLang="en-US" dirty="0"/>
+              <a:t>Expert systems</a:t>
+            </a:r>
+          </a:p>
+          <a:p>
+            <a:pPr lvl="1">
+              <a:lnSpc>
+                <a:spcPct val="90000"/>
+              </a:lnSpc>
+            </a:pPr>
+            <a:r>
+              <a:rPr lang="en-US" altLang="en-US" dirty="0"/>
+              <a:t>Theorem </a:t>
+            </a:r>
+            <a:r>
+              <a:rPr lang="en-US" altLang="en-US" dirty="0" err="1"/>
+              <a:t>provers</a:t>
+            </a:r>
+            <a:endParaRPr lang="en-US" altLang="en-US" dirty="0"/>
+          </a:p>
+          <a:p>
+            <a:pPr lvl="1">
+              <a:lnSpc>
+                <a:spcPct val="90000"/>
+              </a:lnSpc>
+            </a:pPr>
+            <a:r>
+              <a:rPr lang="en-US" altLang="en-US" dirty="0"/>
+              <a:t>Etc.</a:t>
+            </a:r>
           </a:p>
         </p:txBody>
       </p:sp>
     </p:spTree>
     <p:extLst>
       <p:ext uri="{BB962C8B-B14F-4D97-AF65-F5344CB8AC3E}">
-        <p14:creationId xmlns:p14="http://schemas.microsoft.com/office/powerpoint/2010/main" val="1142461696"/>
+        <p14:creationId xmlns:p14="http://schemas.microsoft.com/office/powerpoint/2010/main" val="1019182526"/>
       </p:ext>
     </p:extLst>
   </p:cSld>
@@ -14402,7 +14373,7 @@
       </p:grpSpPr>
       <p:sp>
         <p:nvSpPr>
-          <p:cNvPr id="44033" name="Rectangle 2"/>
+          <p:cNvPr id="41985" name="Rectangle 2"/>
           <p:cNvSpPr>
             <a:spLocks noGrp="1" noChangeArrowheads="1"/>
           </p:cNvSpPr>
@@ -14417,14 +14388,14 @@
           <a:p>
             <a:r>
               <a:rPr lang="en-US" altLang="en-US"/>
-              <a:t>Best-First Strategy</a:t>
-            </a:r>
-          </a:p>
-        </p:txBody>
-      </p:sp>
-      <p:sp>
-        <p:nvSpPr>
-          <p:cNvPr id="44034" name="Rectangle 3"/>
+              <a:t>Heuristic Search</a:t>
+            </a:r>
+          </a:p>
+        </p:txBody>
+      </p:sp>
+      <p:sp>
+        <p:nvSpPr>
+          <p:cNvPr id="41986" name="Rectangle 3"/>
           <p:cNvSpPr>
             <a:spLocks noGrp="1" noChangeArrowheads="1"/>
           </p:cNvSpPr>
@@ -14432,62 +14403,56 @@
             <p:ph type="body" idx="1"/>
           </p:nvPr>
         </p:nvSpPr>
-        <p:spPr/>
+        <p:spPr>
+          <a:xfrm>
+            <a:off x="457200" y="1371600"/>
+            <a:ext cx="8229600" cy="5181600"/>
+          </a:xfrm>
+        </p:spPr>
         <p:txBody>
           <a:bodyPr>
-            <a:normAutofit lnSpcReduction="10000"/>
+            <a:normAutofit/>
           </a:bodyPr>
           <a:lstStyle/>
           <a:p>
-            <a:pPr algn="l"/>
             <a:r>
               <a:rPr lang="en-US" altLang="en-US" dirty="0"/>
-              <a:t>The strategy:</a:t>
-            </a:r>
-            <a:br>
+              <a:t>We could use BFS or DFS on such problems</a:t>
+            </a:r>
+          </a:p>
+          <a:p>
+            <a:endParaRPr lang="en-US" altLang="en-US" u="sng" dirty="0"/>
+          </a:p>
+          <a:p>
+            <a:r>
+              <a:rPr lang="en-US" altLang="en-US" u="sng" dirty="0"/>
+              <a:t>Best</a:t>
+            </a:r>
+            <a:r>
               <a:rPr lang="en-US" altLang="en-US" dirty="0"/>
-            </a:br>
-            <a:endParaRPr lang="en-US" altLang="en-US" dirty="0"/>
+              <a:t>-first Search strategy</a:t>
+            </a:r>
           </a:p>
           <a:p>
             <a:pPr lvl="1"/>
             <a:r>
               <a:rPr lang="en-US" altLang="en-US" dirty="0"/>
-              <a:t>While there are open states in the </a:t>
-            </a:r>
-            <a:r>
-              <a:rPr lang="en-US" altLang="en-US" dirty="0" err="1"/>
-              <a:t>PQueue</a:t>
-            </a:r>
-            <a:endParaRPr lang="en-US" altLang="en-US" dirty="0"/>
-          </a:p>
-          <a:p>
-            <a:pPr lvl="2"/>
+              <a:t>Like BFS but use a priority queue and visit the state that has the highest heuristic score </a:t>
+            </a:r>
+            <a:r>
+              <a:rPr lang="en-US" altLang="en-US" i="1" dirty="0"/>
+              <a:t>f(n)</a:t>
+            </a:r>
+          </a:p>
+          <a:p>
+            <a:pPr lvl="1"/>
+            <a:r>
+              <a:rPr lang="en-US" altLang="en-US" b="1" dirty="0"/>
+              <a:t>Open states:</a:t>
+            </a:r>
             <a:r>
               <a:rPr lang="en-US" altLang="en-US" dirty="0"/>
-              <a:t>current = </a:t>
-            </a:r>
-            <a:r>
-              <a:rPr lang="en-US" altLang="en-US" dirty="0" err="1"/>
-              <a:t>PQueue.next</a:t>
-            </a:r>
-            <a:r>
-              <a:rPr lang="en-US" altLang="en-US" dirty="0"/>
-              <a:t>();</a:t>
-            </a:r>
-          </a:p>
-          <a:p>
-            <a:pPr lvl="2"/>
-            <a:r>
-              <a:rPr lang="en-US" altLang="en-US" dirty="0"/>
-              <a:t>Put current on the closed list.</a:t>
-            </a:r>
-          </a:p>
-          <a:p>
-            <a:pPr lvl="2"/>
-            <a:r>
-              <a:rPr lang="en-US" altLang="en-US" dirty="0"/>
-              <a:t>If current is the goal, we</a:t>
+              <a:t>  a list of states that could be chosen next (i.e. they</a:t>
             </a:r>
             <a:r>
               <a:rPr lang="fr-FR" altLang="ja-JP" dirty="0"/>
@@ -14495,73 +14460,55 @@
             </a:r>
             <a:r>
               <a:rPr lang="en-US" altLang="ja-JP" dirty="0"/>
-              <a:t>re done</a:t>
-            </a:r>
-          </a:p>
-          <a:p>
-            <a:pPr lvl="2"/>
+              <a:t>re in the </a:t>
+            </a:r>
+            <a:r>
+              <a:rPr lang="en-US" altLang="ja-JP" dirty="0" err="1"/>
+              <a:t>PQueue</a:t>
+            </a:r>
+            <a:r>
+              <a:rPr lang="en-US" altLang="ja-JP" dirty="0"/>
+              <a:t>)</a:t>
+            </a:r>
+          </a:p>
+          <a:p>
+            <a:pPr lvl="1"/>
+            <a:r>
+              <a:rPr lang="en-US" altLang="en-US" b="1" dirty="0"/>
+              <a:t>Closed states:  </a:t>
+            </a:r>
             <a:r>
               <a:rPr lang="en-US" altLang="en-US" dirty="0"/>
-              <a:t>For each state s that can be generated from current</a:t>
-            </a:r>
-          </a:p>
-          <a:p>
-            <a:pPr lvl="3"/>
-            <a:r>
-              <a:rPr lang="en-US" altLang="en-US" dirty="0"/>
-              <a:t>If s is on the closed list, ignore it.  Otherwise…</a:t>
-            </a:r>
-          </a:p>
-          <a:p>
-            <a:pPr lvl="3"/>
-            <a:r>
-              <a:rPr lang="en-US" altLang="en-US" dirty="0"/>
-              <a:t>Calculate its score f(s)</a:t>
-            </a:r>
-          </a:p>
-          <a:p>
-            <a:pPr lvl="3"/>
-            <a:r>
-              <a:rPr lang="en-US" altLang="en-US" dirty="0"/>
-              <a:t>Store (s, f(s)) in the </a:t>
-            </a:r>
-            <a:r>
-              <a:rPr lang="en-US" altLang="en-US" dirty="0" err="1"/>
-              <a:t>PQueue</a:t>
+              <a:t>a list of states we</a:t>
+            </a:r>
+            <a:r>
+              <a:rPr lang="fr-FR" altLang="en-US" dirty="0"/>
+              <a:t>’</a:t>
+            </a:r>
+            <a:r>
+              <a:rPr lang="fr-FR" altLang="ja-JP" dirty="0" err="1"/>
+              <a:t>ve</a:t>
+            </a:r>
+            <a:r>
+              <a:rPr lang="en-US" altLang="ja-JP" dirty="0"/>
+              <a:t> already visited (i.e. they</a:t>
+            </a:r>
+            <a:r>
+              <a:rPr lang="fr-FR" altLang="ja-JP" dirty="0"/>
+              <a:t>’</a:t>
+            </a:r>
+            <a:r>
+              <a:rPr lang="en-US" altLang="ja-JP" dirty="0"/>
+              <a:t>re in the tree)</a:t>
             </a:r>
             <a:endParaRPr lang="en-US" altLang="en-US" dirty="0"/>
-          </a:p>
-          <a:p>
-            <a:pPr lvl="2"/>
-            <a:r>
-              <a:rPr lang="en-US" altLang="en-US" dirty="0"/>
-              <a:t>End for</a:t>
-            </a:r>
-          </a:p>
-          <a:p>
-            <a:pPr lvl="1"/>
-            <a:r>
-              <a:rPr lang="en-US" altLang="en-US" dirty="0"/>
-              <a:t>End while</a:t>
-            </a:r>
-          </a:p>
-          <a:p>
-            <a:pPr lvl="1"/>
-            <a:endParaRPr lang="en-US" altLang="en-US" dirty="0"/>
-          </a:p>
-          <a:p>
-            <a:pPr lvl="1"/>
-            <a:r>
-              <a:rPr lang="en-US" altLang="en-US" dirty="0"/>
-              <a:t>Usually, f(s) score here is distance to goal (or estimate of this)</a:t>
-            </a:r>
           </a:p>
         </p:txBody>
       </p:sp>
     </p:spTree>
     <p:extLst>
       <p:ext uri="{BB962C8B-B14F-4D97-AF65-F5344CB8AC3E}">
-        <p14:creationId xmlns:p14="http://schemas.microsoft.com/office/powerpoint/2010/main" val="905683104"/>
+        <p14:creationId xmlns:p14="http://schemas.microsoft.com/office/powerpoint/2010/main" val="1142461696"/>
       </p:ext>
     </p:extLst>
   </p:cSld>
@@ -14590,6 +14537,194 @@
       </p:grpSpPr>
       <p:sp>
         <p:nvSpPr>
+          <p:cNvPr id="44033" name="Rectangle 2"/>
+          <p:cNvSpPr>
+            <a:spLocks noGrp="1" noChangeArrowheads="1"/>
+          </p:cNvSpPr>
+          <p:nvPr>
+            <p:ph type="title"/>
+          </p:nvPr>
+        </p:nvSpPr>
+        <p:spPr/>
+        <p:txBody>
+          <a:bodyPr/>
+          <a:lstStyle/>
+          <a:p>
+            <a:r>
+              <a:rPr lang="en-US" altLang="en-US"/>
+              <a:t>Best-First Strategy</a:t>
+            </a:r>
+          </a:p>
+        </p:txBody>
+      </p:sp>
+      <p:sp>
+        <p:nvSpPr>
+          <p:cNvPr id="44034" name="Rectangle 3"/>
+          <p:cNvSpPr>
+            <a:spLocks noGrp="1" noChangeArrowheads="1"/>
+          </p:cNvSpPr>
+          <p:nvPr>
+            <p:ph type="body" idx="1"/>
+          </p:nvPr>
+        </p:nvSpPr>
+        <p:spPr/>
+        <p:txBody>
+          <a:bodyPr>
+            <a:normAutofit lnSpcReduction="10000"/>
+          </a:bodyPr>
+          <a:lstStyle/>
+          <a:p>
+            <a:pPr algn="l"/>
+            <a:r>
+              <a:rPr lang="en-US" altLang="en-US" dirty="0"/>
+              <a:t>The strategy:</a:t>
+            </a:r>
+            <a:br>
+              <a:rPr lang="en-US" altLang="en-US" dirty="0"/>
+            </a:br>
+            <a:endParaRPr lang="en-US" altLang="en-US" dirty="0"/>
+          </a:p>
+          <a:p>
+            <a:pPr lvl="1"/>
+            <a:r>
+              <a:rPr lang="en-US" altLang="en-US" dirty="0"/>
+              <a:t>While there are open states in the </a:t>
+            </a:r>
+            <a:r>
+              <a:rPr lang="en-US" altLang="en-US" dirty="0" err="1"/>
+              <a:t>PQueue</a:t>
+            </a:r>
+            <a:endParaRPr lang="en-US" altLang="en-US" dirty="0"/>
+          </a:p>
+          <a:p>
+            <a:pPr lvl="2"/>
+            <a:r>
+              <a:rPr lang="en-US" altLang="en-US" dirty="0"/>
+              <a:t>current = </a:t>
+            </a:r>
+            <a:r>
+              <a:rPr lang="en-US" altLang="en-US" dirty="0" err="1"/>
+              <a:t>PQueue.next</a:t>
+            </a:r>
+            <a:r>
+              <a:rPr lang="en-US" altLang="en-US" dirty="0"/>
+              <a:t>();</a:t>
+            </a:r>
+          </a:p>
+          <a:p>
+            <a:pPr lvl="2"/>
+            <a:r>
+              <a:rPr lang="en-US" altLang="en-US" dirty="0"/>
+              <a:t>Put current on the closed list.</a:t>
+            </a:r>
+          </a:p>
+          <a:p>
+            <a:pPr lvl="2"/>
+            <a:r>
+              <a:rPr lang="en-US" altLang="en-US" dirty="0"/>
+              <a:t>If current is the goal, we</a:t>
+            </a:r>
+            <a:r>
+              <a:rPr lang="fr-FR" altLang="ja-JP" dirty="0"/>
+              <a:t>’</a:t>
+            </a:r>
+            <a:r>
+              <a:rPr lang="en-US" altLang="ja-JP" dirty="0"/>
+              <a:t>re done</a:t>
+            </a:r>
+          </a:p>
+          <a:p>
+            <a:pPr lvl="2"/>
+            <a:r>
+              <a:rPr lang="en-US" altLang="en-US" dirty="0"/>
+              <a:t>For each state s that can be generated from current</a:t>
+            </a:r>
+          </a:p>
+          <a:p>
+            <a:pPr lvl="3"/>
+            <a:r>
+              <a:rPr lang="en-US" altLang="en-US" dirty="0"/>
+              <a:t>If s is on the closed list, ignore it.  Otherwise…</a:t>
+            </a:r>
+          </a:p>
+          <a:p>
+            <a:pPr lvl="3"/>
+            <a:r>
+              <a:rPr lang="en-US" altLang="en-US" dirty="0"/>
+              <a:t>Calculate its score f(s)</a:t>
+            </a:r>
+          </a:p>
+          <a:p>
+            <a:pPr lvl="3"/>
+            <a:r>
+              <a:rPr lang="en-US" altLang="en-US" dirty="0"/>
+              <a:t>Store (s, f(s)) in the </a:t>
+            </a:r>
+            <a:r>
+              <a:rPr lang="en-US" altLang="en-US" dirty="0" err="1"/>
+              <a:t>PQueue</a:t>
+            </a:r>
+            <a:endParaRPr lang="en-US" altLang="en-US" dirty="0"/>
+          </a:p>
+          <a:p>
+            <a:pPr lvl="2"/>
+            <a:r>
+              <a:rPr lang="en-US" altLang="en-US" dirty="0"/>
+              <a:t>End for</a:t>
+            </a:r>
+          </a:p>
+          <a:p>
+            <a:pPr lvl="1"/>
+            <a:r>
+              <a:rPr lang="en-US" altLang="en-US" dirty="0"/>
+              <a:t>End while</a:t>
+            </a:r>
+          </a:p>
+          <a:p>
+            <a:pPr lvl="1"/>
+            <a:endParaRPr lang="en-US" altLang="en-US" dirty="0"/>
+          </a:p>
+          <a:p>
+            <a:pPr lvl="1"/>
+            <a:r>
+              <a:rPr lang="en-US" altLang="en-US" dirty="0"/>
+              <a:t>Usually, f(s) score here is distance to goal (or estimate of this)</a:t>
+            </a:r>
+          </a:p>
+        </p:txBody>
+      </p:sp>
+    </p:spTree>
+    <p:extLst>
+      <p:ext uri="{BB962C8B-B14F-4D97-AF65-F5344CB8AC3E}">
+        <p14:creationId xmlns:p14="http://schemas.microsoft.com/office/powerpoint/2010/main" val="905683104"/>
+      </p:ext>
+    </p:extLst>
+  </p:cSld>
+  <p:clrMapOvr>
+    <a:masterClrMapping/>
+  </p:clrMapOvr>
+</p:sld>
+</file>
+
+<file path=ppt/slides/slide43.xml><?xml version="1.0" encoding="utf-8"?>
+<p:sld xmlns:a="http://schemas.openxmlformats.org/drawingml/2006/main" xmlns:r="http://schemas.openxmlformats.org/officeDocument/2006/relationships" xmlns:p="http://schemas.openxmlformats.org/presentationml/2006/main">
+  <p:cSld>
+    <p:spTree>
+      <p:nvGrpSpPr>
+        <p:cNvPr id="1" name=""/>
+        <p:cNvGrpSpPr/>
+        <p:nvPr/>
+      </p:nvGrpSpPr>
+      <p:grpSpPr>
+        <a:xfrm>
+          <a:off x="0" y="0"/>
+          <a:ext cx="0" cy="0"/>
+          <a:chOff x="0" y="0"/>
+          <a:chExt cx="0" cy="0"/>
+        </a:xfrm>
+      </p:grpSpPr>
+      <p:sp>
+        <p:nvSpPr>
           <p:cNvPr id="46081" name="Rectangle 2"/>
           <p:cNvSpPr>
             <a:spLocks noGrp="1" noChangeArrowheads="1"/>
@@ -14697,7 +14832,7 @@
 </p:sld>
 </file>
 
-<file path=ppt/slides/slide43.xml><?xml version="1.0" encoding="utf-8"?>
+<file path=ppt/slides/slide44.xml><?xml version="1.0" encoding="utf-8"?>
 <p:sld xmlns:a="http://schemas.openxmlformats.org/drawingml/2006/main" xmlns:r="http://schemas.openxmlformats.org/officeDocument/2006/relationships" xmlns:p="http://schemas.openxmlformats.org/presentationml/2006/main">
   <p:cSld>
     <p:spTree>
@@ -14896,14 +15031,14 @@
           </a:ln>
           <a:extLst>
             <a:ext uri="{909E8E84-426E-40dd-AFC4-6F175D3DCCD1}">
-              <a14:hiddenFill xmlns:a14="http://schemas.microsoft.com/office/drawing/2010/main" xmlns="">
+              <a14:hiddenFill xmlns="" xmlns:a14="http://schemas.microsoft.com/office/drawing/2010/main">
                 <a:solidFill>
                   <a:srgbClr val="FFFFFF"/>
                 </a:solidFill>
               </a14:hiddenFill>
             </a:ext>
             <a:ext uri="{91240B29-F687-4f45-9708-019B960494DF}">
-              <a14:hiddenLine xmlns:a14="http://schemas.microsoft.com/office/drawing/2010/main" xmlns="" w="9525">
+              <a14:hiddenLine xmlns="" xmlns:a14="http://schemas.microsoft.com/office/drawing/2010/main" w="9525">
                 <a:solidFill>
                   <a:srgbClr val="000000"/>
                 </a:solidFill>
@@ -14950,14 +15085,14 @@
           </a:ln>
           <a:extLst>
             <a:ext uri="{909E8E84-426E-40dd-AFC4-6F175D3DCCD1}">
-              <a14:hiddenFill xmlns:a14="http://schemas.microsoft.com/office/drawing/2010/main" xmlns="">
+              <a14:hiddenFill xmlns="" xmlns:a14="http://schemas.microsoft.com/office/drawing/2010/main">
                 <a:solidFill>
                   <a:srgbClr val="FFFFFF"/>
                 </a:solidFill>
               </a14:hiddenFill>
             </a:ext>
             <a:ext uri="{91240B29-F687-4f45-9708-019B960494DF}">
-              <a14:hiddenLine xmlns:a14="http://schemas.microsoft.com/office/drawing/2010/main" xmlns="" w="9525">
+              <a14:hiddenLine xmlns="" xmlns:a14="http://schemas.microsoft.com/office/drawing/2010/main" w="9525">
                 <a:solidFill>
                   <a:srgbClr val="000000"/>
                 </a:solidFill>
@@ -14991,14 +15126,14 @@
           </a:ln>
           <a:extLst>
             <a:ext uri="{909E8E84-426E-40dd-AFC4-6F175D3DCCD1}">
-              <a14:hiddenFill xmlns:a14="http://schemas.microsoft.com/office/drawing/2010/main" xmlns="">
+              <a14:hiddenFill xmlns="" xmlns:a14="http://schemas.microsoft.com/office/drawing/2010/main">
                 <a:solidFill>
                   <a:srgbClr val="FFFFFF"/>
                 </a:solidFill>
               </a14:hiddenFill>
             </a:ext>
             <a:ext uri="{91240B29-F687-4f45-9708-019B960494DF}">
-              <a14:hiddenLine xmlns:a14="http://schemas.microsoft.com/office/drawing/2010/main" xmlns="" w="9525">
+              <a14:hiddenLine xmlns="" xmlns:a14="http://schemas.microsoft.com/office/drawing/2010/main" w="9525">
                 <a:solidFill>
                   <a:srgbClr val="000000"/>
                 </a:solidFill>
@@ -15152,14 +15287,14 @@
           </a:ln>
           <a:extLst>
             <a:ext uri="{909E8E84-426E-40dd-AFC4-6F175D3DCCD1}">
-              <a14:hiddenFill xmlns:a14="http://schemas.microsoft.com/office/drawing/2010/main" xmlns="">
+              <a14:hiddenFill xmlns="" xmlns:a14="http://schemas.microsoft.com/office/drawing/2010/main">
                 <a:solidFill>
                   <a:srgbClr val="FFFFFF"/>
                 </a:solidFill>
               </a14:hiddenFill>
             </a:ext>
             <a:ext uri="{91240B29-F687-4f45-9708-019B960494DF}">
-              <a14:hiddenLine xmlns:a14="http://schemas.microsoft.com/office/drawing/2010/main" xmlns="" w="9525">
+              <a14:hiddenLine xmlns="" xmlns:a14="http://schemas.microsoft.com/office/drawing/2010/main" w="9525">
                 <a:solidFill>
                   <a:srgbClr val="000000"/>
                 </a:solidFill>
@@ -15304,7 +15439,7 @@
 </p:sld>
 </file>
 
-<file path=ppt/slides/slide44.xml><?xml version="1.0" encoding="utf-8"?>
+<file path=ppt/slides/slide45.xml><?xml version="1.0" encoding="utf-8"?>
 <p:sld xmlns:a="http://schemas.openxmlformats.org/drawingml/2006/main" xmlns:r="http://schemas.openxmlformats.org/officeDocument/2006/relationships" xmlns:p="http://schemas.openxmlformats.org/presentationml/2006/main">
   <p:cSld>
     <p:spTree>
@@ -15441,14 +15576,14 @@
           </a:ln>
           <a:extLst>
             <a:ext uri="{909E8E84-426E-40dd-AFC4-6F175D3DCCD1}">
-              <a14:hiddenFill xmlns:a14="http://schemas.microsoft.com/office/drawing/2010/main" xmlns="">
+              <a14:hiddenFill xmlns="" xmlns:a14="http://schemas.microsoft.com/office/drawing/2010/main">
                 <a:solidFill>
                   <a:srgbClr val="FFFFFF"/>
                 </a:solidFill>
               </a14:hiddenFill>
             </a:ext>
             <a:ext uri="{91240B29-F687-4f45-9708-019B960494DF}">
-              <a14:hiddenLine xmlns:a14="http://schemas.microsoft.com/office/drawing/2010/main" xmlns="" w="9525">
+              <a14:hiddenLine xmlns="" xmlns:a14="http://schemas.microsoft.com/office/drawing/2010/main" w="9525">
                 <a:solidFill>
                   <a:srgbClr val="000000"/>
                 </a:solidFill>
@@ -15473,7 +15608,7 @@
 </p:sld>
 </file>
 
-<file path=ppt/slides/slide45.xml><?xml version="1.0" encoding="utf-8"?>
+<file path=ppt/slides/slide46.xml><?xml version="1.0" encoding="utf-8"?>
 <p:sld xmlns:a="http://schemas.openxmlformats.org/drawingml/2006/main" xmlns:r="http://schemas.openxmlformats.org/officeDocument/2006/relationships" xmlns:p="http://schemas.openxmlformats.org/presentationml/2006/main">
   <p:cSld>
     <p:spTree>
@@ -15525,14 +15660,14 @@
           </a:ln>
           <a:extLst>
             <a:ext uri="{909E8E84-426E-40dd-AFC4-6F175D3DCCD1}">
-              <a14:hiddenFill xmlns:a14="http://schemas.microsoft.com/office/drawing/2010/main" xmlns="">
+              <a14:hiddenFill xmlns="" xmlns:a14="http://schemas.microsoft.com/office/drawing/2010/main">
                 <a:solidFill>
                   <a:srgbClr val="FFFFFF"/>
                 </a:solidFill>
               </a14:hiddenFill>
             </a:ext>
             <a:ext uri="{91240B29-F687-4f45-9708-019B960494DF}">
-              <a14:hiddenLine xmlns:a14="http://schemas.microsoft.com/office/drawing/2010/main" xmlns="" w="9525">
+              <a14:hiddenLine xmlns="" xmlns:a14="http://schemas.microsoft.com/office/drawing/2010/main" w="9525">
                 <a:solidFill>
                   <a:srgbClr val="000000"/>
                 </a:solidFill>
@@ -15566,14 +15701,14 @@
           </a:ln>
           <a:extLst>
             <a:ext uri="{909E8E84-426E-40dd-AFC4-6F175D3DCCD1}">
-              <a14:hiddenFill xmlns:a14="http://schemas.microsoft.com/office/drawing/2010/main" xmlns="">
+              <a14:hiddenFill xmlns="" xmlns:a14="http://schemas.microsoft.com/office/drawing/2010/main">
                 <a:solidFill>
                   <a:srgbClr val="FFFFFF"/>
                 </a:solidFill>
               </a14:hiddenFill>
             </a:ext>
             <a:ext uri="{91240B29-F687-4f45-9708-019B960494DF}">
-              <a14:hiddenLine xmlns:a14="http://schemas.microsoft.com/office/drawing/2010/main" xmlns="" w="9525">
+              <a14:hiddenLine xmlns="" xmlns:a14="http://schemas.microsoft.com/office/drawing/2010/main" w="9525">
                 <a:solidFill>
                   <a:srgbClr val="000000"/>
                 </a:solidFill>
@@ -15719,7 +15854,7 @@
 </p:sld>
 </file>
 
-<file path=ppt/slides/slide46.xml><?xml version="1.0" encoding="utf-8"?>
+<file path=ppt/slides/slide47.xml><?xml version="1.0" encoding="utf-8"?>
 <p:sld xmlns:a="http://schemas.openxmlformats.org/drawingml/2006/main" xmlns:r="http://schemas.openxmlformats.org/officeDocument/2006/relationships" xmlns:p="http://schemas.openxmlformats.org/presentationml/2006/main">
   <p:cSld>
     <p:spTree>
@@ -15771,14 +15906,14 @@
           </a:ln>
           <a:extLst>
             <a:ext uri="{909E8E84-426E-40dd-AFC4-6F175D3DCCD1}">
-              <a14:hiddenFill xmlns:a14="http://schemas.microsoft.com/office/drawing/2010/main" xmlns="">
+              <a14:hiddenFill xmlns="" xmlns:a14="http://schemas.microsoft.com/office/drawing/2010/main">
                 <a:solidFill>
                   <a:srgbClr val="FFFFFF"/>
                 </a:solidFill>
               </a14:hiddenFill>
             </a:ext>
             <a:ext uri="{91240B29-F687-4f45-9708-019B960494DF}">
-              <a14:hiddenLine xmlns:a14="http://schemas.microsoft.com/office/drawing/2010/main" xmlns="" w="9525">
+              <a14:hiddenLine xmlns="" xmlns:a14="http://schemas.microsoft.com/office/drawing/2010/main" w="9525">
                 <a:solidFill>
                   <a:srgbClr val="000000"/>
                 </a:solidFill>
@@ -15803,7 +15938,7 @@
 </p:sld>
 </file>
 
-<file path=ppt/slides/slide47.xml><?xml version="1.0" encoding="utf-8"?>
+<file path=ppt/slides/slide48.xml><?xml version="1.0" encoding="utf-8"?>
 <p:sld xmlns:a="http://schemas.openxmlformats.org/drawingml/2006/main" xmlns:r="http://schemas.openxmlformats.org/officeDocument/2006/relationships" xmlns:p="http://schemas.openxmlformats.org/presentationml/2006/main">
   <p:cSld>
     <p:spTree>
@@ -15961,7 +16096,7 @@
 </p:sld>
 </file>
 
-<file path=ppt/slides/slide48.xml><?xml version="1.0" encoding="utf-8"?>
+<file path=ppt/slides/slide49.xml><?xml version="1.0" encoding="utf-8"?>
 <p:sld xmlns:a="http://schemas.openxmlformats.org/drawingml/2006/main" xmlns:r="http://schemas.openxmlformats.org/officeDocument/2006/relationships" xmlns:p="http://schemas.openxmlformats.org/presentationml/2006/main">
   <p:cSld>
     <p:spTree>
@@ -16013,14 +16148,14 @@
           </a:ln>
           <a:extLst>
             <a:ext uri="{909E8E84-426E-40dd-AFC4-6F175D3DCCD1}">
-              <a14:hiddenFill xmlns:a14="http://schemas.microsoft.com/office/drawing/2010/main" xmlns="">
+              <a14:hiddenFill xmlns="" xmlns:a14="http://schemas.microsoft.com/office/drawing/2010/main">
                 <a:solidFill>
                   <a:srgbClr val="FFFFFF"/>
                 </a:solidFill>
               </a14:hiddenFill>
             </a:ext>
             <a:ext uri="{91240B29-F687-4f45-9708-019B960494DF}">
-              <a14:hiddenLine xmlns:a14="http://schemas.microsoft.com/office/drawing/2010/main" xmlns="" w="9525">
+              <a14:hiddenLine xmlns="" xmlns:a14="http://schemas.microsoft.com/office/drawing/2010/main" w="9525">
                 <a:solidFill>
                   <a:srgbClr val="000000"/>
                 </a:solidFill>
@@ -16054,14 +16189,14 @@
           </a:ln>
           <a:extLst>
             <a:ext uri="{909E8E84-426E-40dd-AFC4-6F175D3DCCD1}">
-              <a14:hiddenFill xmlns:a14="http://schemas.microsoft.com/office/drawing/2010/main" xmlns="">
+              <a14:hiddenFill xmlns="" xmlns:a14="http://schemas.microsoft.com/office/drawing/2010/main">
                 <a:solidFill>
                   <a:srgbClr val="FFFFFF"/>
                 </a:solidFill>
               </a14:hiddenFill>
             </a:ext>
             <a:ext uri="{91240B29-F687-4f45-9708-019B960494DF}">
-              <a14:hiddenLine xmlns:a14="http://schemas.microsoft.com/office/drawing/2010/main" xmlns="" w="9525">
+              <a14:hiddenLine xmlns="" xmlns:a14="http://schemas.microsoft.com/office/drawing/2010/main" w="9525">
                 <a:solidFill>
                   <a:srgbClr val="000000"/>
                 </a:solidFill>
@@ -16353,127 +16488,6 @@
 </p:sld>
 </file>
 
-<file path=ppt/slides/slide49.xml><?xml version="1.0" encoding="utf-8"?>
-<p:sld xmlns:a="http://schemas.openxmlformats.org/drawingml/2006/main" xmlns:r="http://schemas.openxmlformats.org/officeDocument/2006/relationships" xmlns:p="http://schemas.openxmlformats.org/presentationml/2006/main">
-  <p:cSld>
-    <p:spTree>
-      <p:nvGrpSpPr>
-        <p:cNvPr id="1" name=""/>
-        <p:cNvGrpSpPr/>
-        <p:nvPr/>
-      </p:nvGrpSpPr>
-      <p:grpSpPr>
-        <a:xfrm>
-          <a:off x="0" y="0"/>
-          <a:ext cx="0" cy="0"/>
-          <a:chOff x="0" y="0"/>
-          <a:chExt cx="0" cy="0"/>
-        </a:xfrm>
-      </p:grpSpPr>
-      <p:sp>
-        <p:nvSpPr>
-          <p:cNvPr id="60417" name="Rectangle 2"/>
-          <p:cNvSpPr>
-            <a:spLocks noGrp="1" noChangeArrowheads="1"/>
-          </p:cNvSpPr>
-          <p:nvPr>
-            <p:ph type="title"/>
-          </p:nvPr>
-        </p:nvSpPr>
-        <p:spPr>
-          <a:xfrm>
-            <a:off x="457200" y="274638"/>
-            <a:ext cx="8229600" cy="487362"/>
-          </a:xfrm>
-        </p:spPr>
-        <p:txBody>
-          <a:bodyPr>
-            <a:normAutofit fontScale="90000"/>
-          </a:bodyPr>
-          <a:lstStyle/>
-          <a:p>
-            <a:pPr eaLnBrk="1" hangingPunct="1"/>
-            <a:r>
-              <a:rPr kumimoji="1" lang="en-US" altLang="en-US" sz="4000"/>
-              <a:t>A Better Use of Heuristics</a:t>
-            </a:r>
-          </a:p>
-        </p:txBody>
-      </p:sp>
-      <p:sp>
-        <p:nvSpPr>
-          <p:cNvPr id="60418" name="Rectangle 3"/>
-          <p:cNvSpPr>
-            <a:spLocks noGrp="1" noChangeArrowheads="1"/>
-          </p:cNvSpPr>
-          <p:nvPr>
-            <p:ph type="body" idx="1"/>
-          </p:nvPr>
-        </p:nvSpPr>
-        <p:spPr>
-          <a:xfrm>
-            <a:off x="457200" y="1371600"/>
-            <a:ext cx="8229600" cy="4754563"/>
-          </a:xfrm>
-        </p:spPr>
-        <p:txBody>
-          <a:bodyPr/>
-          <a:lstStyle/>
-          <a:p>
-            <a:pPr eaLnBrk="1" hangingPunct="1"/>
-            <a:r>
-              <a:rPr kumimoji="1" lang="en-US" altLang="en-US" dirty="0"/>
-              <a:t>If f(n) is the number of tiles out of place, this is really an estimate of how many moves are need to reach the goal </a:t>
-            </a:r>
-            <a:r>
-              <a:rPr kumimoji="1" lang="en-US" altLang="en-US" i="1" dirty="0"/>
-              <a:t>from current node</a:t>
-            </a:r>
-            <a:r>
-              <a:rPr kumimoji="1" lang="en-US" altLang="en-US" dirty="0"/>
-              <a:t>.</a:t>
-            </a:r>
-          </a:p>
-          <a:p>
-            <a:pPr eaLnBrk="1" hangingPunct="1"/>
-            <a:endParaRPr kumimoji="1" lang="en-US" altLang="en-US" dirty="0"/>
-          </a:p>
-          <a:p>
-            <a:pPr eaLnBrk="1" hangingPunct="1"/>
-            <a:r>
-              <a:rPr kumimoji="1" lang="en-US" altLang="en-US" dirty="0"/>
-              <a:t>Better idea: let f(n) = g(n) + h(n) where</a:t>
-            </a:r>
-          </a:p>
-          <a:p>
-            <a:pPr lvl="1" eaLnBrk="1" hangingPunct="1"/>
-            <a:r>
-              <a:rPr kumimoji="1" lang="en-US" altLang="en-US" dirty="0"/>
-              <a:t>g(n) is the cost to the current node (the length of the path here), and</a:t>
-            </a:r>
-          </a:p>
-          <a:p>
-            <a:pPr lvl="1" eaLnBrk="1" hangingPunct="1"/>
-            <a:r>
-              <a:rPr kumimoji="1" lang="en-US" altLang="en-US" dirty="0"/>
-              <a:t>h(n) is an estimate of the cost to reach the goal from the current node</a:t>
-            </a:r>
-          </a:p>
-        </p:txBody>
-      </p:sp>
-    </p:spTree>
-    <p:extLst>
-      <p:ext uri="{BB962C8B-B14F-4D97-AF65-F5344CB8AC3E}">
-        <p14:creationId xmlns:p14="http://schemas.microsoft.com/office/powerpoint/2010/main" val="2203266408"/>
-      </p:ext>
-    </p:extLst>
-  </p:cSld>
-  <p:clrMapOvr>
-    <a:masterClrMapping/>
-  </p:clrMapOvr>
-</p:sld>
-</file>
-
 <file path=ppt/slides/slide5.xml><?xml version="1.0" encoding="utf-8"?>
 <p:sld xmlns:a="http://schemas.openxmlformats.org/drawingml/2006/main" xmlns:r="http://schemas.openxmlformats.org/officeDocument/2006/relationships" xmlns:p="http://schemas.openxmlformats.org/presentationml/2006/main">
   <p:cSld>
@@ -16602,6 +16616,127 @@
 </file>
 
 <file path=ppt/slides/slide50.xml><?xml version="1.0" encoding="utf-8"?>
+<p:sld xmlns:a="http://schemas.openxmlformats.org/drawingml/2006/main" xmlns:r="http://schemas.openxmlformats.org/officeDocument/2006/relationships" xmlns:p="http://schemas.openxmlformats.org/presentationml/2006/main">
+  <p:cSld>
+    <p:spTree>
+      <p:nvGrpSpPr>
+        <p:cNvPr id="1" name=""/>
+        <p:cNvGrpSpPr/>
+        <p:nvPr/>
+      </p:nvGrpSpPr>
+      <p:grpSpPr>
+        <a:xfrm>
+          <a:off x="0" y="0"/>
+          <a:ext cx="0" cy="0"/>
+          <a:chOff x="0" y="0"/>
+          <a:chExt cx="0" cy="0"/>
+        </a:xfrm>
+      </p:grpSpPr>
+      <p:sp>
+        <p:nvSpPr>
+          <p:cNvPr id="60417" name="Rectangle 2"/>
+          <p:cNvSpPr>
+            <a:spLocks noGrp="1" noChangeArrowheads="1"/>
+          </p:cNvSpPr>
+          <p:nvPr>
+            <p:ph type="title"/>
+          </p:nvPr>
+        </p:nvSpPr>
+        <p:spPr>
+          <a:xfrm>
+            <a:off x="457200" y="274638"/>
+            <a:ext cx="8229600" cy="487362"/>
+          </a:xfrm>
+        </p:spPr>
+        <p:txBody>
+          <a:bodyPr>
+            <a:normAutofit fontScale="90000"/>
+          </a:bodyPr>
+          <a:lstStyle/>
+          <a:p>
+            <a:pPr eaLnBrk="1" hangingPunct="1"/>
+            <a:r>
+              <a:rPr kumimoji="1" lang="en-US" altLang="en-US" sz="4000"/>
+              <a:t>A Better Use of Heuristics</a:t>
+            </a:r>
+          </a:p>
+        </p:txBody>
+      </p:sp>
+      <p:sp>
+        <p:nvSpPr>
+          <p:cNvPr id="60418" name="Rectangle 3"/>
+          <p:cNvSpPr>
+            <a:spLocks noGrp="1" noChangeArrowheads="1"/>
+          </p:cNvSpPr>
+          <p:nvPr>
+            <p:ph type="body" idx="1"/>
+          </p:nvPr>
+        </p:nvSpPr>
+        <p:spPr>
+          <a:xfrm>
+            <a:off x="457200" y="1371600"/>
+            <a:ext cx="8229600" cy="4754563"/>
+          </a:xfrm>
+        </p:spPr>
+        <p:txBody>
+          <a:bodyPr/>
+          <a:lstStyle/>
+          <a:p>
+            <a:pPr eaLnBrk="1" hangingPunct="1"/>
+            <a:r>
+              <a:rPr kumimoji="1" lang="en-US" altLang="en-US" dirty="0"/>
+              <a:t>If f(n) is the number of tiles out of place, this is really an estimate of how many moves are need to reach the goal </a:t>
+            </a:r>
+            <a:r>
+              <a:rPr kumimoji="1" lang="en-US" altLang="en-US" i="1" dirty="0"/>
+              <a:t>from current node</a:t>
+            </a:r>
+            <a:r>
+              <a:rPr kumimoji="1" lang="en-US" altLang="en-US" dirty="0"/>
+              <a:t>.</a:t>
+            </a:r>
+          </a:p>
+          <a:p>
+            <a:pPr eaLnBrk="1" hangingPunct="1"/>
+            <a:endParaRPr kumimoji="1" lang="en-US" altLang="en-US" dirty="0"/>
+          </a:p>
+          <a:p>
+            <a:pPr eaLnBrk="1" hangingPunct="1"/>
+            <a:r>
+              <a:rPr kumimoji="1" lang="en-US" altLang="en-US" dirty="0"/>
+              <a:t>Better idea: let f(n) = g(n) + h(n) where</a:t>
+            </a:r>
+          </a:p>
+          <a:p>
+            <a:pPr lvl="1" eaLnBrk="1" hangingPunct="1"/>
+            <a:r>
+              <a:rPr kumimoji="1" lang="en-US" altLang="en-US" dirty="0"/>
+              <a:t>g(n) is the cost to the current node (the length of the path here), and</a:t>
+            </a:r>
+          </a:p>
+          <a:p>
+            <a:pPr lvl="1" eaLnBrk="1" hangingPunct="1"/>
+            <a:r>
+              <a:rPr kumimoji="1" lang="en-US" altLang="en-US" dirty="0"/>
+              <a:t>h(n) is an estimate of the cost to reach the goal from the current node</a:t>
+            </a:r>
+          </a:p>
+        </p:txBody>
+      </p:sp>
+    </p:spTree>
+    <p:extLst>
+      <p:ext uri="{BB962C8B-B14F-4D97-AF65-F5344CB8AC3E}">
+        <p14:creationId xmlns:p14="http://schemas.microsoft.com/office/powerpoint/2010/main" val="2203266408"/>
+      </p:ext>
+    </p:extLst>
+  </p:cSld>
+  <p:clrMapOvr>
+    <a:masterClrMapping/>
+  </p:clrMapOvr>
+</p:sld>
+</file>
+
+<file path=ppt/slides/slide51.xml><?xml version="1.0" encoding="utf-8"?>
 <p:sld xmlns:a="http://schemas.openxmlformats.org/drawingml/2006/main" xmlns:r="http://schemas.openxmlformats.org/officeDocument/2006/relationships" xmlns:p="http://schemas.openxmlformats.org/presentationml/2006/main">
   <p:cSld>
     <p:spTree>
@@ -16653,14 +16788,14 @@
           </a:ln>
           <a:extLst>
             <a:ext uri="{909E8E84-426E-40dd-AFC4-6F175D3DCCD1}">
-              <a14:hiddenFill xmlns:a14="http://schemas.microsoft.com/office/drawing/2010/main" xmlns="">
+              <a14:hiddenFill xmlns="" xmlns:a14="http://schemas.microsoft.com/office/drawing/2010/main">
                 <a:solidFill>
                   <a:srgbClr val="FFFFFF"/>
                 </a:solidFill>
               </a14:hiddenFill>
             </a:ext>
             <a:ext uri="{91240B29-F687-4f45-9708-019B960494DF}">
-              <a14:hiddenLine xmlns:a14="http://schemas.microsoft.com/office/drawing/2010/main" xmlns="" w="9525">
+              <a14:hiddenLine xmlns="" xmlns:a14="http://schemas.microsoft.com/office/drawing/2010/main" w="9525">
                 <a:solidFill>
                   <a:srgbClr val="000000"/>
                 </a:solidFill>
@@ -16676,153 +16811,6 @@
     <p:extLst>
       <p:ext uri="{BB962C8B-B14F-4D97-AF65-F5344CB8AC3E}">
         <p14:creationId xmlns:p14="http://schemas.microsoft.com/office/powerpoint/2010/main" val="662576859"/>
-      </p:ext>
-    </p:extLst>
-  </p:cSld>
-  <p:clrMapOvr>
-    <a:masterClrMapping/>
-  </p:clrMapOvr>
-</p:sld>
-</file>
-
-<file path=ppt/slides/slide51.xml><?xml version="1.0" encoding="utf-8"?>
-<p:sld xmlns:a="http://schemas.openxmlformats.org/drawingml/2006/main" xmlns:r="http://schemas.openxmlformats.org/officeDocument/2006/relationships" xmlns:p="http://schemas.openxmlformats.org/presentationml/2006/main">
-  <p:cSld>
-    <p:spTree>
-      <p:nvGrpSpPr>
-        <p:cNvPr id="1" name=""/>
-        <p:cNvGrpSpPr/>
-        <p:nvPr/>
-      </p:nvGrpSpPr>
-      <p:grpSpPr>
-        <a:xfrm>
-          <a:off x="0" y="0"/>
-          <a:ext cx="0" cy="0"/>
-          <a:chOff x="0" y="0"/>
-          <a:chExt cx="0" cy="0"/>
-        </a:xfrm>
-      </p:grpSpPr>
-      <p:sp>
-        <p:nvSpPr>
-          <p:cNvPr id="64513" name="Title 1"/>
-          <p:cNvSpPr>
-            <a:spLocks noGrp="1"/>
-          </p:cNvSpPr>
-          <p:nvPr>
-            <p:ph type="title"/>
-          </p:nvPr>
-        </p:nvSpPr>
-        <p:spPr>
-          <a:xfrm>
-            <a:off x="457200" y="274638"/>
-            <a:ext cx="8229600" cy="487362"/>
-          </a:xfrm>
-        </p:spPr>
-        <p:txBody>
-          <a:bodyPr>
-            <a:normAutofit fontScale="90000"/>
-          </a:bodyPr>
-          <a:lstStyle/>
-          <a:p>
-            <a:pPr algn="l"/>
-            <a:r>
-              <a:rPr lang="en-US" altLang="en-US" sz="3200" b="1">
-                <a:latin typeface="Tahoma" panose="020B0604030504040204" pitchFamily="34" charset="0"/>
-                <a:cs typeface="Tahoma" panose="020B0604030504040204" pitchFamily="34" charset="0"/>
-              </a:rPr>
-              <a:t>Optimal Search</a:t>
-            </a:r>
-          </a:p>
-        </p:txBody>
-      </p:sp>
-      <p:sp>
-        <p:nvSpPr>
-          <p:cNvPr id="64514" name="Content Placeholder 2"/>
-          <p:cNvSpPr>
-            <a:spLocks noGrp="1"/>
-          </p:cNvSpPr>
-          <p:nvPr>
-            <p:ph idx="1"/>
-          </p:nvPr>
-        </p:nvSpPr>
-        <p:spPr/>
-        <p:txBody>
-          <a:bodyPr/>
-          <a:lstStyle/>
-          <a:p>
-            <a:r>
-              <a:rPr lang="en-US" altLang="en-US" dirty="0">
-                <a:latin typeface="Calibri" panose="020F0502020204030204" pitchFamily="34" charset="0"/>
-              </a:rPr>
-              <a:t>Best-first search algorithm finds the optimal solution if the heuristic function does not overestimate the cost to the goal</a:t>
-            </a:r>
-          </a:p>
-          <a:p>
-            <a:pPr lvl="1"/>
-            <a:r>
-              <a:rPr lang="en-US" altLang="en-US" dirty="0">
-                <a:latin typeface="Calibri" panose="020F0502020204030204" pitchFamily="34" charset="0"/>
-              </a:rPr>
-              <a:t>Our example: optimal solution means shortest path, smallest number of moves </a:t>
-            </a:r>
-          </a:p>
-          <a:p>
-            <a:endParaRPr lang="en-US" altLang="en-US" dirty="0">
-              <a:latin typeface="Calibri" panose="020F0502020204030204" pitchFamily="34" charset="0"/>
-            </a:endParaRPr>
-          </a:p>
-          <a:p>
-            <a:r>
-              <a:rPr lang="en-US" altLang="en-US" dirty="0">
-                <a:latin typeface="Calibri" panose="020F0502020204030204" pitchFamily="34" charset="0"/>
-              </a:rPr>
-              <a:t>Such a heuristic is </a:t>
-            </a:r>
-            <a:r>
-              <a:rPr lang="en-US" altLang="en-US" b="1" dirty="0">
-                <a:latin typeface="Calibri" panose="020F0502020204030204" pitchFamily="34" charset="0"/>
-              </a:rPr>
-              <a:t>admissible</a:t>
-            </a:r>
-          </a:p>
-          <a:p>
-            <a:pPr algn="l"/>
-            <a:endParaRPr lang="en-US" altLang="en-US" dirty="0">
-              <a:latin typeface="Calibri" panose="020F0502020204030204" pitchFamily="34" charset="0"/>
-            </a:endParaRPr>
-          </a:p>
-          <a:p>
-            <a:pPr algn="l"/>
-            <a:r>
-              <a:rPr lang="en-US" altLang="en-US" dirty="0">
-                <a:latin typeface="Calibri" panose="020F0502020204030204" pitchFamily="34" charset="0"/>
-              </a:rPr>
-              <a:t>Search algorithm that uses </a:t>
-            </a:r>
-            <a:r>
-              <a:rPr kumimoji="1" lang="en-US" altLang="en-US" dirty="0"/>
-              <a:t>f(n) = g(n) + h(n) where h(n) is admissible is called:</a:t>
-            </a:r>
-            <a:br>
-              <a:rPr kumimoji="1" lang="en-US" altLang="en-US" dirty="0"/>
-            </a:br>
-            <a:r>
-              <a:rPr kumimoji="1" lang="en-US" altLang="en-US" dirty="0"/>
-              <a:t>     </a:t>
-            </a:r>
-            <a:r>
-              <a:rPr lang="en-US" altLang="en-US" b="1" dirty="0">
-                <a:latin typeface="Calibri" panose="020F0502020204030204" pitchFamily="34" charset="0"/>
-              </a:rPr>
-              <a:t>A* search</a:t>
-            </a:r>
-          </a:p>
-        </p:txBody>
-      </p:sp>
-    </p:spTree>
-    <p:extLst>
-      <p:ext uri="{BB962C8B-B14F-4D97-AF65-F5344CB8AC3E}">
-        <p14:creationId xmlns:p14="http://schemas.microsoft.com/office/powerpoint/2010/main" val="684291812"/>
       </p:ext>
     </p:extLst>
   </p:cSld>
@@ -16851,7 +16839,7 @@
       </p:grpSpPr>
       <p:sp>
         <p:nvSpPr>
-          <p:cNvPr id="66561" name="Title 1"/>
+          <p:cNvPr id="64513" name="Title 1"/>
           <p:cNvSpPr>
             <a:spLocks noGrp="1"/>
           </p:cNvSpPr>
@@ -16873,100 +16861,95 @@
           <a:p>
             <a:pPr algn="l"/>
             <a:r>
-              <a:rPr lang="en-US" altLang="en-US" sz="3200" b="1"/>
-              <a:t>Summary</a:t>
-            </a:r>
-          </a:p>
-        </p:txBody>
-      </p:sp>
-      <p:sp>
-        <p:nvSpPr>
-          <p:cNvPr id="66562" name="Content Placeholder 2"/>
-          <p:cNvSpPr>
-            <a:spLocks noGrp="1"/>
-          </p:cNvSpPr>
-          <p:nvPr>
-            <p:ph idx="1"/>
-          </p:nvPr>
-        </p:nvSpPr>
-        <p:spPr>
-          <a:xfrm>
-            <a:off x="457200" y="1295400"/>
-            <a:ext cx="8229600" cy="4953000"/>
-          </a:xfrm>
-        </p:spPr>
-        <p:txBody>
-          <a:bodyPr>
-            <a:normAutofit fontScale="92500" lnSpcReduction="10000"/>
-          </a:bodyPr>
-          <a:lstStyle/>
-          <a:p>
-            <a:r>
-              <a:rPr lang="en-US" altLang="en-US" dirty="0">
+              <a:rPr lang="en-US" altLang="en-US" sz="3200" b="1">
                 <a:latin typeface="Tahoma" panose="020B0604030504040204" pitchFamily="34" charset="0"/>
                 <a:cs typeface="Tahoma" panose="020B0604030504040204" pitchFamily="34" charset="0"/>
               </a:rPr>
-              <a:t>Many graph algorithms assume nodes and edges are known (stored) a priori</a:t>
+              <a:t>Optimal Search</a:t>
+            </a:r>
+          </a:p>
+        </p:txBody>
+      </p:sp>
+      <p:sp>
+        <p:nvSpPr>
+          <p:cNvPr id="64514" name="Content Placeholder 2"/>
+          <p:cNvSpPr>
+            <a:spLocks noGrp="1"/>
+          </p:cNvSpPr>
+          <p:nvPr>
+            <p:ph idx="1"/>
+          </p:nvPr>
+        </p:nvSpPr>
+        <p:spPr/>
+        <p:txBody>
+          <a:bodyPr/>
+          <a:lstStyle/>
+          <a:p>
+            <a:r>
+              <a:rPr lang="en-US" altLang="en-US" dirty="0">
+                <a:latin typeface="Calibri" panose="020F0502020204030204" pitchFamily="34" charset="0"/>
+              </a:rPr>
+              <a:t>Best-first search algorithm finds the optimal solution if the heuristic function does not overestimate the cost to the goal</a:t>
+            </a:r>
+          </a:p>
+          <a:p>
+            <a:pPr lvl="1"/>
+            <a:r>
+              <a:rPr lang="en-US" altLang="en-US" dirty="0">
+                <a:latin typeface="Calibri" panose="020F0502020204030204" pitchFamily="34" charset="0"/>
+              </a:rPr>
+              <a:t>Our example: optimal solution means shortest path, smallest number of moves </a:t>
             </a:r>
           </a:p>
           <a:p>
             <a:endParaRPr lang="en-US" altLang="en-US" dirty="0">
-              <a:latin typeface="Tahoma" panose="020B0604030504040204" pitchFamily="34" charset="0"/>
-              <a:cs typeface="Tahoma" panose="020B0604030504040204" pitchFamily="34" charset="0"/>
+              <a:latin typeface="Calibri" panose="020F0502020204030204" pitchFamily="34" charset="0"/>
             </a:endParaRPr>
           </a:p>
           <a:p>
             <a:r>
               <a:rPr lang="en-US" altLang="en-US" dirty="0">
-                <a:latin typeface="Tahoma" panose="020B0604030504040204" pitchFamily="34" charset="0"/>
-                <a:cs typeface="Tahoma" panose="020B0604030504040204" pitchFamily="34" charset="0"/>
+                <a:latin typeface="Calibri" panose="020F0502020204030204" pitchFamily="34" charset="0"/>
               </a:rPr>
-              <a:t>But state-space search problems can be thought of as graph problem where nodes and edges are generated dynamically</a:t>
-            </a:r>
-          </a:p>
-          <a:p>
+              <a:t>Such a heuristic is </a:t>
+            </a:r>
+            <a:r>
+              <a:rPr lang="en-US" altLang="en-US" b="1" dirty="0">
+                <a:latin typeface="Calibri" panose="020F0502020204030204" pitchFamily="34" charset="0"/>
+              </a:rPr>
+              <a:t>admissible</a:t>
+            </a:r>
+          </a:p>
+          <a:p>
+            <a:pPr algn="l"/>
             <a:endParaRPr lang="en-US" altLang="en-US" dirty="0">
-              <a:latin typeface="Tahoma" panose="020B0604030504040204" pitchFamily="34" charset="0"/>
-              <a:cs typeface="Tahoma" panose="020B0604030504040204" pitchFamily="34" charset="0"/>
+              <a:latin typeface="Calibri" panose="020F0502020204030204" pitchFamily="34" charset="0"/>
             </a:endParaRPr>
           </a:p>
           <a:p>
+            <a:pPr algn="l"/>
             <a:r>
               <a:rPr lang="en-US" altLang="en-US" dirty="0">
-                <a:latin typeface="Tahoma" panose="020B0604030504040204" pitchFamily="34" charset="0"/>
-                <a:cs typeface="Tahoma" panose="020B0604030504040204" pitchFamily="34" charset="0"/>
+                <a:latin typeface="Calibri" panose="020F0502020204030204" pitchFamily="34" charset="0"/>
               </a:rPr>
-              <a:t>Similar search problems as DFS, BFS traversal</a:t>
-            </a:r>
-          </a:p>
-          <a:p>
-            <a:endParaRPr lang="en-US" altLang="en-US" dirty="0">
-              <a:latin typeface="Tahoma" panose="020B0604030504040204" pitchFamily="34" charset="0"/>
-              <a:cs typeface="Tahoma" panose="020B0604030504040204" pitchFamily="34" charset="0"/>
-            </a:endParaRPr>
-          </a:p>
-          <a:p>
-            <a:r>
-              <a:rPr lang="en-US" altLang="en-US" dirty="0">
-                <a:latin typeface="Tahoma" panose="020B0604030504040204" pitchFamily="34" charset="0"/>
-                <a:cs typeface="Tahoma" panose="020B0604030504040204" pitchFamily="34" charset="0"/>
+              <a:t>Search algorithm that uses </a:t>
+            </a:r>
+            <a:r>
+              <a:rPr kumimoji="1" lang="en-US" altLang="en-US" dirty="0"/>
+              <a:t>f(n) = g(n) + h(n) where h(n) is admissible is called:</a:t>
+            </a:r>
+            <a:br>
+              <a:rPr kumimoji="1" lang="en-US" altLang="en-US" dirty="0"/>
+            </a:br>
+            <a:r>
+              <a:rPr kumimoji="1" lang="en-US" altLang="en-US" dirty="0"/>
+              <a:t>     </a:t>
+            </a:r>
+            <a:r>
+              <a:rPr lang="en-US" altLang="en-US" b="1" dirty="0">
+                <a:latin typeface="Calibri" panose="020F0502020204030204" pitchFamily="34" charset="0"/>
               </a:rPr>
-              <a:t>Exhaustive search (a brute force method)</a:t>
-            </a:r>
-          </a:p>
-          <a:p>
-            <a:endParaRPr lang="en-US" altLang="en-US" dirty="0">
-              <a:latin typeface="Tahoma" panose="020B0604030504040204" pitchFamily="34" charset="0"/>
-              <a:cs typeface="Tahoma" panose="020B0604030504040204" pitchFamily="34" charset="0"/>
-            </a:endParaRPr>
-          </a:p>
-          <a:p>
-            <a:r>
-              <a:rPr lang="en-US" altLang="en-US" dirty="0">
-                <a:latin typeface="Tahoma" panose="020B0604030504040204" pitchFamily="34" charset="0"/>
-                <a:cs typeface="Tahoma" panose="020B0604030504040204" pitchFamily="34" charset="0"/>
-              </a:rPr>
-              <a:t>Heuristic search, artificial intelligence</a:t>
+              <a:t>A* search</a:t>
             </a:r>
           </a:p>
         </p:txBody>
@@ -16974,7 +16957,7 @@
     </p:spTree>
     <p:extLst>
       <p:ext uri="{BB962C8B-B14F-4D97-AF65-F5344CB8AC3E}">
-        <p14:creationId xmlns:p14="http://schemas.microsoft.com/office/powerpoint/2010/main" val="894457545"/>
+        <p14:creationId xmlns:p14="http://schemas.microsoft.com/office/powerpoint/2010/main" val="684291812"/>
       </p:ext>
     </p:extLst>
   </p:cSld>
@@ -17003,7 +16986,7 @@
       </p:grpSpPr>
       <p:sp>
         <p:nvSpPr>
-          <p:cNvPr id="5" name="Title 4"/>
+          <p:cNvPr id="66561" name="Title 1"/>
           <p:cNvSpPr>
             <a:spLocks noGrp="1"/>
           </p:cNvSpPr>
@@ -17011,62 +16994,124 @@
             <p:ph type="title"/>
           </p:nvPr>
         </p:nvSpPr>
-        <p:spPr/>
-        <p:txBody>
-          <a:bodyPr/>
-          <a:lstStyle/>
-          <a:p>
-            <a:r>
-              <a:rPr lang="en-US" dirty="0"/>
-              <a:t>Topological Sort</a:t>
-            </a:r>
-          </a:p>
-        </p:txBody>
-      </p:sp>
-      <p:sp>
-        <p:nvSpPr>
-          <p:cNvPr id="6" name="Text Placeholder 5"/>
+        <p:spPr>
+          <a:xfrm>
+            <a:off x="457200" y="274638"/>
+            <a:ext cx="8229600" cy="487362"/>
+          </a:xfrm>
+        </p:spPr>
+        <p:txBody>
+          <a:bodyPr>
+            <a:normAutofit fontScale="90000"/>
+          </a:bodyPr>
+          <a:lstStyle/>
+          <a:p>
+            <a:pPr algn="l"/>
+            <a:r>
+              <a:rPr lang="en-US" altLang="en-US" sz="3200" b="1"/>
+              <a:t>Summary</a:t>
+            </a:r>
+          </a:p>
+        </p:txBody>
+      </p:sp>
+      <p:sp>
+        <p:nvSpPr>
+          <p:cNvPr id="66562" name="Content Placeholder 2"/>
           <p:cNvSpPr>
             <a:spLocks noGrp="1"/>
           </p:cNvSpPr>
           <p:nvPr>
-            <p:ph type="body" idx="1"/>
-          </p:nvPr>
-        </p:nvSpPr>
-        <p:spPr/>
-        <p:txBody>
-          <a:bodyPr/>
-          <a:lstStyle/>
-          <a:p>
-            <a:endParaRPr lang="en-US"/>
-          </a:p>
-        </p:txBody>
-      </p:sp>
-      <p:sp>
-        <p:nvSpPr>
-          <p:cNvPr id="4" name="Slide Number Placeholder 3"/>
-          <p:cNvSpPr>
-            <a:spLocks noGrp="1"/>
-          </p:cNvSpPr>
-          <p:nvPr>
-            <p:ph type="sldNum" sz="quarter" idx="12"/>
-          </p:nvPr>
-        </p:nvSpPr>
-        <p:spPr/>
-        <p:txBody>
-          <a:bodyPr/>
-          <a:lstStyle/>
-          <a:p>
-            <a:fld id="{030EE116-056E-4288-B7F7-411CB7E437A9}" type="slidenum">
-              <a:rPr lang="en-US" smtClean="0"/>
-              <a:pPr/>
-              <a:t>53</a:t>
-            </a:fld>
-            <a:endParaRPr lang="en-US"/>
+            <p:ph idx="1"/>
+          </p:nvPr>
+        </p:nvSpPr>
+        <p:spPr>
+          <a:xfrm>
+            <a:off x="457200" y="1295400"/>
+            <a:ext cx="8229600" cy="4953000"/>
+          </a:xfrm>
+        </p:spPr>
+        <p:txBody>
+          <a:bodyPr>
+            <a:normAutofit fontScale="92500" lnSpcReduction="10000"/>
+          </a:bodyPr>
+          <a:lstStyle/>
+          <a:p>
+            <a:r>
+              <a:rPr lang="en-US" altLang="en-US" dirty="0">
+                <a:latin typeface="Tahoma" panose="020B0604030504040204" pitchFamily="34" charset="0"/>
+                <a:cs typeface="Tahoma" panose="020B0604030504040204" pitchFamily="34" charset="0"/>
+              </a:rPr>
+              <a:t>Many graph algorithms assume nodes and edges are known (stored) a priori</a:t>
+            </a:r>
+          </a:p>
+          <a:p>
+            <a:endParaRPr lang="en-US" altLang="en-US" dirty="0">
+              <a:latin typeface="Tahoma" panose="020B0604030504040204" pitchFamily="34" charset="0"/>
+              <a:cs typeface="Tahoma" panose="020B0604030504040204" pitchFamily="34" charset="0"/>
+            </a:endParaRPr>
+          </a:p>
+          <a:p>
+            <a:r>
+              <a:rPr lang="en-US" altLang="en-US" dirty="0">
+                <a:latin typeface="Tahoma" panose="020B0604030504040204" pitchFamily="34" charset="0"/>
+                <a:cs typeface="Tahoma" panose="020B0604030504040204" pitchFamily="34" charset="0"/>
+              </a:rPr>
+              <a:t>But state-space search problems can be thought of as graph problem where nodes and edges are generated dynamically</a:t>
+            </a:r>
+          </a:p>
+          <a:p>
+            <a:endParaRPr lang="en-US" altLang="en-US" dirty="0">
+              <a:latin typeface="Tahoma" panose="020B0604030504040204" pitchFamily="34" charset="0"/>
+              <a:cs typeface="Tahoma" panose="020B0604030504040204" pitchFamily="34" charset="0"/>
+            </a:endParaRPr>
+          </a:p>
+          <a:p>
+            <a:r>
+              <a:rPr lang="en-US" altLang="en-US" dirty="0">
+                <a:latin typeface="Tahoma" panose="020B0604030504040204" pitchFamily="34" charset="0"/>
+                <a:cs typeface="Tahoma" panose="020B0604030504040204" pitchFamily="34" charset="0"/>
+              </a:rPr>
+              <a:t>Similar search problems as DFS, BFS traversal</a:t>
+            </a:r>
+          </a:p>
+          <a:p>
+            <a:endParaRPr lang="en-US" altLang="en-US" dirty="0">
+              <a:latin typeface="Tahoma" panose="020B0604030504040204" pitchFamily="34" charset="0"/>
+              <a:cs typeface="Tahoma" panose="020B0604030504040204" pitchFamily="34" charset="0"/>
+            </a:endParaRPr>
+          </a:p>
+          <a:p>
+            <a:r>
+              <a:rPr lang="en-US" altLang="en-US" dirty="0">
+                <a:latin typeface="Tahoma" panose="020B0604030504040204" pitchFamily="34" charset="0"/>
+                <a:cs typeface="Tahoma" panose="020B0604030504040204" pitchFamily="34" charset="0"/>
+              </a:rPr>
+              <a:t>Exhaustive search (a brute force method)</a:t>
+            </a:r>
+          </a:p>
+          <a:p>
+            <a:endParaRPr lang="en-US" altLang="en-US" dirty="0">
+              <a:latin typeface="Tahoma" panose="020B0604030504040204" pitchFamily="34" charset="0"/>
+              <a:cs typeface="Tahoma" panose="020B0604030504040204" pitchFamily="34" charset="0"/>
+            </a:endParaRPr>
+          </a:p>
+          <a:p>
+            <a:r>
+              <a:rPr lang="en-US" altLang="en-US" dirty="0">
+                <a:latin typeface="Tahoma" panose="020B0604030504040204" pitchFamily="34" charset="0"/>
+                <a:cs typeface="Tahoma" panose="020B0604030504040204" pitchFamily="34" charset="0"/>
+              </a:rPr>
+              <a:t>Heuristic search, artificial intelligence</a:t>
+            </a:r>
           </a:p>
         </p:txBody>
       </p:sp>
     </p:spTree>
+    <p:extLst>
+      <p:ext uri="{BB962C8B-B14F-4D97-AF65-F5344CB8AC3E}">
+        <p14:creationId xmlns:p14="http://schemas.microsoft.com/office/powerpoint/2010/main" val="894457545"/>
+      </p:ext>
+    </p:extLst>
   </p:cSld>
   <p:clrMapOvr>
     <a:masterClrMapping/>
@@ -17093,6 +17138,96 @@
       </p:grpSpPr>
       <p:sp>
         <p:nvSpPr>
+          <p:cNvPr id="5" name="Title 4"/>
+          <p:cNvSpPr>
+            <a:spLocks noGrp="1"/>
+          </p:cNvSpPr>
+          <p:nvPr>
+            <p:ph type="title"/>
+          </p:nvPr>
+        </p:nvSpPr>
+        <p:spPr/>
+        <p:txBody>
+          <a:bodyPr/>
+          <a:lstStyle/>
+          <a:p>
+            <a:r>
+              <a:rPr lang="en-US" dirty="0"/>
+              <a:t>Topological Sort</a:t>
+            </a:r>
+          </a:p>
+        </p:txBody>
+      </p:sp>
+      <p:sp>
+        <p:nvSpPr>
+          <p:cNvPr id="6" name="Text Placeholder 5"/>
+          <p:cNvSpPr>
+            <a:spLocks noGrp="1"/>
+          </p:cNvSpPr>
+          <p:nvPr>
+            <p:ph type="body" idx="1"/>
+          </p:nvPr>
+        </p:nvSpPr>
+        <p:spPr/>
+        <p:txBody>
+          <a:bodyPr/>
+          <a:lstStyle/>
+          <a:p>
+            <a:endParaRPr lang="en-US"/>
+          </a:p>
+        </p:txBody>
+      </p:sp>
+      <p:sp>
+        <p:nvSpPr>
+          <p:cNvPr id="4" name="Slide Number Placeholder 3"/>
+          <p:cNvSpPr>
+            <a:spLocks noGrp="1"/>
+          </p:cNvSpPr>
+          <p:nvPr>
+            <p:ph type="sldNum" sz="quarter" idx="12"/>
+          </p:nvPr>
+        </p:nvSpPr>
+        <p:spPr/>
+        <p:txBody>
+          <a:bodyPr/>
+          <a:lstStyle/>
+          <a:p>
+            <a:fld id="{030EE116-056E-4288-B7F7-411CB7E437A9}" type="slidenum">
+              <a:rPr lang="en-US" smtClean="0"/>
+              <a:pPr/>
+              <a:t>54</a:t>
+            </a:fld>
+            <a:endParaRPr lang="en-US"/>
+          </a:p>
+        </p:txBody>
+      </p:sp>
+    </p:spTree>
+  </p:cSld>
+  <p:clrMapOvr>
+    <a:masterClrMapping/>
+  </p:clrMapOvr>
+</p:sld>
+</file>
+
+<file path=ppt/slides/slide55.xml><?xml version="1.0" encoding="utf-8"?>
+<p:sld xmlns:a="http://schemas.openxmlformats.org/drawingml/2006/main" xmlns:r="http://schemas.openxmlformats.org/officeDocument/2006/relationships" xmlns:p="http://schemas.openxmlformats.org/presentationml/2006/main">
+  <p:cSld>
+    <p:spTree>
+      <p:nvGrpSpPr>
+        <p:cNvPr id="1" name=""/>
+        <p:cNvGrpSpPr/>
+        <p:nvPr/>
+      </p:nvGrpSpPr>
+      <p:grpSpPr>
+        <a:xfrm>
+          <a:off x="0" y="0"/>
+          <a:ext cx="0" cy="0"/>
+          <a:chOff x="0" y="0"/>
+          <a:chExt cx="0" cy="0"/>
+        </a:xfrm>
+      </p:grpSpPr>
+      <p:sp>
+        <p:nvSpPr>
           <p:cNvPr id="35842" name="Title 1"/>
           <p:cNvSpPr>
             <a:spLocks noGrp="1"/>
@@ -17131,7 +17266,7 @@
             <a:fld id="{DACC1BBE-66B1-403A-8C7E-C57A0F3A107F}" type="slidenum">
               <a:rPr lang="en-US" smtClean="0"/>
               <a:pPr/>
-              <a:t>54</a:t>
+              <a:t>55</a:t>
             </a:fld>
             <a:endParaRPr lang="en-US"/>
           </a:p>
@@ -17276,7 +17411,7 @@
 </p:sld>
 </file>
 
-<file path=ppt/slides/slide55.xml><?xml version="1.0" encoding="utf-8"?>
+<file path=ppt/slides/slide56.xml><?xml version="1.0" encoding="utf-8"?>
 <p:sld xmlns:a="http://schemas.openxmlformats.org/drawingml/2006/main" xmlns:r="http://schemas.openxmlformats.org/officeDocument/2006/relationships" xmlns:p="http://schemas.openxmlformats.org/presentationml/2006/main">
   <p:cSld>
     <p:spTree>
@@ -17333,7 +17468,7 @@
             <a:fld id="{DACC1BBE-66B1-403A-8C7E-C57A0F3A107F}" type="slidenum">
               <a:rPr lang="en-US" smtClean="0"/>
               <a:pPr/>
-              <a:t>55</a:t>
+              <a:t>56</a:t>
             </a:fld>
             <a:endParaRPr lang="en-US"/>
           </a:p>
@@ -17382,7 +17517,7 @@
 </p:sld>
 </file>
 
-<file path=ppt/slides/slide56.xml><?xml version="1.0" encoding="utf-8"?>
+<file path=ppt/slides/slide57.xml><?xml version="1.0" encoding="utf-8"?>
 <p:sld xmlns:a="http://schemas.openxmlformats.org/drawingml/2006/main" xmlns:r="http://schemas.openxmlformats.org/officeDocument/2006/relationships" xmlns:p="http://schemas.openxmlformats.org/presentationml/2006/main">
   <p:cSld>
     <p:spTree>
@@ -17439,7 +17574,7 @@
             <a:fld id="{DACC1BBE-66B1-403A-8C7E-C57A0F3A107F}" type="slidenum">
               <a:rPr lang="en-US" smtClean="0"/>
               <a:pPr/>
-              <a:t>56</a:t>
+              <a:t>57</a:t>
             </a:fld>
             <a:endParaRPr lang="en-US"/>
           </a:p>
@@ -17529,7 +17664,7 @@
 </p:sld>
 </file>
 
-<file path=ppt/slides/slide57.xml><?xml version="1.0" encoding="utf-8"?>
+<file path=ppt/slides/slide58.xml><?xml version="1.0" encoding="utf-8"?>
 <p:sld xmlns:a="http://schemas.openxmlformats.org/drawingml/2006/main" xmlns:r="http://schemas.openxmlformats.org/officeDocument/2006/relationships" xmlns:p="http://schemas.openxmlformats.org/presentationml/2006/main">
   <p:cSld>
     <p:spTree>
@@ -17586,7 +17721,7 @@
             <a:fld id="{DACC1BBE-66B1-403A-8C7E-C57A0F3A107F}" type="slidenum">
               <a:rPr lang="en-US" smtClean="0"/>
               <a:pPr/>
-              <a:t>57</a:t>
+              <a:t>58</a:t>
             </a:fld>
             <a:endParaRPr lang="en-US"/>
           </a:p>
@@ -17669,7 +17804,7 @@
 </p:sld>
 </file>
 
-<file path=ppt/slides/slide58.xml><?xml version="1.0" encoding="utf-8"?>
+<file path=ppt/slides/slide59.xml><?xml version="1.0" encoding="utf-8"?>
 <p:sld xmlns:a="http://schemas.openxmlformats.org/drawingml/2006/main" xmlns:r="http://schemas.openxmlformats.org/officeDocument/2006/relationships" xmlns:p="http://schemas.openxmlformats.org/presentationml/2006/main">
   <p:cSld>
     <p:spTree>
@@ -17726,7 +17861,7 @@
             <a:fld id="{DACC1BBE-66B1-403A-8C7E-C57A0F3A107F}" type="slidenum">
               <a:rPr lang="en-US" smtClean="0"/>
               <a:pPr/>
-              <a:t>58</a:t>
+              <a:t>59</a:t>
             </a:fld>
             <a:endParaRPr lang="en-US"/>
           </a:p>
@@ -17809,7 +17944,7 @@
 </p:sld>
 </file>
 
-<file path=ppt/slides/slide59.xml><?xml version="1.0" encoding="utf-8"?>
+<file path=ppt/slides/slide6.xml><?xml version="1.0" encoding="utf-8"?>
 <p:sld xmlns:a="http://schemas.openxmlformats.org/drawingml/2006/main" xmlns:r="http://schemas.openxmlformats.org/officeDocument/2006/relationships" xmlns:p="http://schemas.openxmlformats.org/presentationml/2006/main">
   <p:cSld>
     <p:spTree>
@@ -17828,6 +17963,108 @@
       </p:grpSpPr>
       <p:sp>
         <p:nvSpPr>
+          <p:cNvPr id="19458" name="Rectangle 2"/>
+          <p:cNvSpPr>
+            <a:spLocks noGrp="1" noChangeArrowheads="1"/>
+          </p:cNvSpPr>
+          <p:nvPr>
+            <p:ph type="title"/>
+            <p:custDataLst>
+              <p:tags r:id="rId1"/>
+            </p:custDataLst>
+          </p:nvPr>
+        </p:nvSpPr>
+        <p:spPr/>
+        <p:txBody>
+          <a:bodyPr/>
+          <a:lstStyle/>
+          <a:p>
+            <a:r>
+              <a:rPr lang="en-US"/>
+              <a:t>Problems: e.g. Computer Networks</a:t>
+            </a:r>
+          </a:p>
+        </p:txBody>
+      </p:sp>
+      <p:sp>
+        <p:nvSpPr>
+          <p:cNvPr id="4" name="Slide Number Placeholder 3"/>
+          <p:cNvSpPr>
+            <a:spLocks noGrp="1"/>
+          </p:cNvSpPr>
+          <p:nvPr>
+            <p:ph type="sldNum" sz="quarter" idx="12"/>
+          </p:nvPr>
+        </p:nvSpPr>
+        <p:spPr/>
+        <p:txBody>
+          <a:bodyPr/>
+          <a:lstStyle/>
+          <a:p>
+            <a:fld id="{030EE116-056E-4288-B7F7-411CB7E437A9}" type="slidenum">
+              <a:rPr lang="en-US" smtClean="0"/>
+              <a:pPr/>
+              <a:t>6</a:t>
+            </a:fld>
+            <a:endParaRPr lang="en-US"/>
+          </a:p>
+        </p:txBody>
+      </p:sp>
+      <p:pic>
+        <p:nvPicPr>
+          <p:cNvPr id="19459" name="Picture 4" descr="fig7"/>
+          <p:cNvPicPr>
+            <a:picLocks noGrp="1" noChangeAspect="1" noChangeArrowheads="1"/>
+          </p:cNvPicPr>
+          <p:nvPr>
+            <p:ph sz="quarter" idx="1"/>
+            <p:custDataLst>
+              <p:tags r:id="rId2"/>
+            </p:custDataLst>
+          </p:nvPr>
+        </p:nvPicPr>
+        <p:blipFill>
+          <a:blip r:embed="rId4"/>
+          <a:srcRect l="1846" t="5531" r="5846" b="13843"/>
+          <a:stretch>
+            <a:fillRect/>
+          </a:stretch>
+        </p:blipFill>
+        <p:spPr>
+          <a:xfrm>
+            <a:off x="0" y="1219200"/>
+            <a:ext cx="9144000" cy="5303838"/>
+          </a:xfrm>
+          <a:noFill/>
+        </p:spPr>
+      </p:pic>
+    </p:spTree>
+  </p:cSld>
+  <p:clrMapOvr>
+    <a:masterClrMapping/>
+  </p:clrMapOvr>
+</p:sld>
+</file>
+
+<file path=ppt/slides/slide60.xml><?xml version="1.0" encoding="utf-8"?>
+<p:sld xmlns:a="http://schemas.openxmlformats.org/drawingml/2006/main" xmlns:r="http://schemas.openxmlformats.org/officeDocument/2006/relationships" xmlns:p="http://schemas.openxmlformats.org/presentationml/2006/main">
+  <p:cSld>
+    <p:spTree>
+      <p:nvGrpSpPr>
+        <p:cNvPr id="1" name=""/>
+        <p:cNvGrpSpPr/>
+        <p:nvPr/>
+      </p:nvGrpSpPr>
+      <p:grpSpPr>
+        <a:xfrm>
+          <a:off x="0" y="0"/>
+          <a:ext cx="0" cy="0"/>
+          <a:chOff x="0" y="0"/>
+          <a:chExt cx="0" cy="0"/>
+        </a:xfrm>
+      </p:grpSpPr>
+      <p:sp>
+        <p:nvSpPr>
           <p:cNvPr id="35842" name="Title 1"/>
           <p:cNvSpPr>
             <a:spLocks noGrp="1"/>
@@ -17866,7 +18103,7 @@
             <a:fld id="{DACC1BBE-66B1-403A-8C7E-C57A0F3A107F}" type="slidenum">
               <a:rPr lang="en-US" smtClean="0"/>
               <a:pPr/>
-              <a:t>59</a:t>
+              <a:t>60</a:t>
             </a:fld>
             <a:endParaRPr lang="en-US"/>
           </a:p>
@@ -17949,7 +18186,7 @@
 </p:sld>
 </file>
 
-<file path=ppt/slides/slide6.xml><?xml version="1.0" encoding="utf-8"?>
+<file path=ppt/slides/slide61.xml><?xml version="1.0" encoding="utf-8"?>
 <p:sld xmlns:a="http://schemas.openxmlformats.org/drawingml/2006/main" xmlns:r="http://schemas.openxmlformats.org/officeDocument/2006/relationships" xmlns:p="http://schemas.openxmlformats.org/presentationml/2006/main">
   <p:cSld>
     <p:spTree>
@@ -17968,108 +18205,6 @@
       </p:grpSpPr>
       <p:sp>
         <p:nvSpPr>
-          <p:cNvPr id="19458" name="Rectangle 2"/>
-          <p:cNvSpPr>
-            <a:spLocks noGrp="1" noChangeArrowheads="1"/>
-          </p:cNvSpPr>
-          <p:nvPr>
-            <p:ph type="title"/>
-            <p:custDataLst>
-              <p:tags r:id="rId1"/>
-            </p:custDataLst>
-          </p:nvPr>
-        </p:nvSpPr>
-        <p:spPr/>
-        <p:txBody>
-          <a:bodyPr/>
-          <a:lstStyle/>
-          <a:p>
-            <a:r>
-              <a:rPr lang="en-US"/>
-              <a:t>Problems: e.g. Computer Networks</a:t>
-            </a:r>
-          </a:p>
-        </p:txBody>
-      </p:sp>
-      <p:sp>
-        <p:nvSpPr>
-          <p:cNvPr id="4" name="Slide Number Placeholder 3"/>
-          <p:cNvSpPr>
-            <a:spLocks noGrp="1"/>
-          </p:cNvSpPr>
-          <p:nvPr>
-            <p:ph type="sldNum" sz="quarter" idx="12"/>
-          </p:nvPr>
-        </p:nvSpPr>
-        <p:spPr/>
-        <p:txBody>
-          <a:bodyPr/>
-          <a:lstStyle/>
-          <a:p>
-            <a:fld id="{030EE116-056E-4288-B7F7-411CB7E437A9}" type="slidenum">
-              <a:rPr lang="en-US" smtClean="0"/>
-              <a:pPr/>
-              <a:t>6</a:t>
-            </a:fld>
-            <a:endParaRPr lang="en-US"/>
-          </a:p>
-        </p:txBody>
-      </p:sp>
-      <p:pic>
-        <p:nvPicPr>
-          <p:cNvPr id="19459" name="Picture 4" descr="fig7"/>
-          <p:cNvPicPr>
-            <a:picLocks noGrp="1" noChangeAspect="1" noChangeArrowheads="1"/>
-          </p:cNvPicPr>
-          <p:nvPr>
-            <p:ph sz="quarter" idx="1"/>
-            <p:custDataLst>
-              <p:tags r:id="rId2"/>
-            </p:custDataLst>
-          </p:nvPr>
-        </p:nvPicPr>
-        <p:blipFill>
-          <a:blip r:embed="rId4"/>
-          <a:srcRect l="1846" t="5531" r="5846" b="13843"/>
-          <a:stretch>
-            <a:fillRect/>
-          </a:stretch>
-        </p:blipFill>
-        <p:spPr>
-          <a:xfrm>
-            <a:off x="0" y="1219200"/>
-            <a:ext cx="9144000" cy="5303838"/>
-          </a:xfrm>
-          <a:noFill/>
-        </p:spPr>
-      </p:pic>
-    </p:spTree>
-  </p:cSld>
-  <p:clrMapOvr>
-    <a:masterClrMapping/>
-  </p:clrMapOvr>
-</p:sld>
-</file>
-
-<file path=ppt/slides/slide60.xml><?xml version="1.0" encoding="utf-8"?>
-<p:sld xmlns:a="http://schemas.openxmlformats.org/drawingml/2006/main" xmlns:r="http://schemas.openxmlformats.org/officeDocument/2006/relationships" xmlns:p="http://schemas.openxmlformats.org/presentationml/2006/main">
-  <p:cSld>
-    <p:spTree>
-      <p:nvGrpSpPr>
-        <p:cNvPr id="1" name=""/>
-        <p:cNvGrpSpPr/>
-        <p:nvPr/>
-      </p:nvGrpSpPr>
-      <p:grpSpPr>
-        <a:xfrm>
-          <a:off x="0" y="0"/>
-          <a:ext cx="0" cy="0"/>
-          <a:chOff x="0" y="0"/>
-          <a:chExt cx="0" cy="0"/>
-        </a:xfrm>
-      </p:grpSpPr>
-      <p:sp>
-        <p:nvSpPr>
           <p:cNvPr id="35842" name="Title 1"/>
           <p:cNvSpPr>
             <a:spLocks noGrp="1"/>
@@ -18108,7 +18243,7 @@
             <a:fld id="{DACC1BBE-66B1-403A-8C7E-C57A0F3A107F}" type="slidenum">
               <a:rPr lang="en-US" smtClean="0"/>
               <a:pPr/>
-              <a:t>60</a:t>
+              <a:t>61</a:t>
             </a:fld>
             <a:endParaRPr lang="en-US"/>
           </a:p>
@@ -18156,7 +18291,7 @@
 </p:sld>
 </file>
 
-<file path=ppt/slides/slide61.xml><?xml version="1.0" encoding="utf-8"?>
+<file path=ppt/slides/slide62.xml><?xml version="1.0" encoding="utf-8"?>
 <p:sld xmlns:a="http://schemas.openxmlformats.org/drawingml/2006/main" xmlns:r="http://schemas.openxmlformats.org/officeDocument/2006/relationships" xmlns:p="http://schemas.openxmlformats.org/presentationml/2006/main">
   <p:cSld>
     <p:spTree>
@@ -18213,7 +18348,7 @@
             <a:fld id="{DACC1BBE-66B1-403A-8C7E-C57A0F3A107F}" type="slidenum">
               <a:rPr lang="en-US" smtClean="0"/>
               <a:pPr/>
-              <a:t>61</a:t>
+              <a:t>62</a:t>
             </a:fld>
             <a:endParaRPr lang="en-US"/>
           </a:p>
@@ -18317,7 +18452,7 @@
 </p:sld>
 </file>
 
-<file path=ppt/slides/slide62.xml><?xml version="1.0" encoding="utf-8"?>
+<file path=ppt/slides/slide63.xml><?xml version="1.0" encoding="utf-8"?>
 <p:sld xmlns:a="http://schemas.openxmlformats.org/drawingml/2006/main" xmlns:r="http://schemas.openxmlformats.org/officeDocument/2006/relationships" xmlns:p="http://schemas.openxmlformats.org/presentationml/2006/main">
   <p:cSld>
     <p:spTree>
@@ -18374,7 +18509,7 @@
             <a:fld id="{DACC1BBE-66B1-403A-8C7E-C57A0F3A107F}" type="slidenum">
               <a:rPr lang="en-US" smtClean="0"/>
               <a:pPr/>
-              <a:t>62</a:t>
+              <a:t>63</a:t>
             </a:fld>
             <a:endParaRPr lang="en-US"/>
           </a:p>
@@ -18423,101 +18558,6 @@
 </p:sld>
 </file>
 
-<file path=ppt/slides/slide63.xml><?xml version="1.0" encoding="utf-8"?>
-<p:sld xmlns:a="http://schemas.openxmlformats.org/drawingml/2006/main" xmlns:r="http://schemas.openxmlformats.org/officeDocument/2006/relationships" xmlns:p="http://schemas.openxmlformats.org/presentationml/2006/main">
-  <p:cSld>
-    <p:spTree>
-      <p:nvGrpSpPr>
-        <p:cNvPr id="1" name=""/>
-        <p:cNvGrpSpPr/>
-        <p:nvPr/>
-      </p:nvGrpSpPr>
-      <p:grpSpPr>
-        <a:xfrm>
-          <a:off x="0" y="0"/>
-          <a:ext cx="0" cy="0"/>
-          <a:chOff x="0" y="0"/>
-          <a:chExt cx="0" cy="0"/>
-        </a:xfrm>
-      </p:grpSpPr>
-      <p:sp>
-        <p:nvSpPr>
-          <p:cNvPr id="5" name="Title 4"/>
-          <p:cNvSpPr>
-            <a:spLocks noGrp="1"/>
-          </p:cNvSpPr>
-          <p:nvPr>
-            <p:ph type="title"/>
-          </p:nvPr>
-        </p:nvSpPr>
-        <p:spPr/>
-        <p:txBody>
-          <a:bodyPr/>
-          <a:lstStyle/>
-          <a:p>
-            <a:r>
-              <a:rPr lang="en-US" dirty="0"/>
-              <a:t>Dijkstra’s Algorithm</a:t>
-            </a:r>
-          </a:p>
-        </p:txBody>
-      </p:sp>
-      <p:sp>
-        <p:nvSpPr>
-          <p:cNvPr id="6" name="Text Placeholder 5"/>
-          <p:cNvSpPr>
-            <a:spLocks noGrp="1"/>
-          </p:cNvSpPr>
-          <p:nvPr>
-            <p:ph type="body" idx="1"/>
-          </p:nvPr>
-        </p:nvSpPr>
-        <p:spPr/>
-        <p:txBody>
-          <a:bodyPr/>
-          <a:lstStyle/>
-          <a:p>
-            <a:endParaRPr lang="en-US"/>
-          </a:p>
-        </p:txBody>
-      </p:sp>
-      <p:sp>
-        <p:nvSpPr>
-          <p:cNvPr id="4" name="Slide Number Placeholder 3"/>
-          <p:cNvSpPr>
-            <a:spLocks noGrp="1"/>
-          </p:cNvSpPr>
-          <p:nvPr>
-            <p:ph type="sldNum" sz="quarter" idx="12"/>
-          </p:nvPr>
-        </p:nvSpPr>
-        <p:spPr/>
-        <p:txBody>
-          <a:bodyPr/>
-          <a:lstStyle/>
-          <a:p>
-            <a:fld id="{030EE116-056E-4288-B7F7-411CB7E437A9}" type="slidenum">
-              <a:rPr lang="en-US" smtClean="0"/>
-              <a:pPr/>
-              <a:t>63</a:t>
-            </a:fld>
-            <a:endParaRPr lang="en-US"/>
-          </a:p>
-        </p:txBody>
-      </p:sp>
-    </p:spTree>
-    <p:extLst>
-      <p:ext uri="{BB962C8B-B14F-4D97-AF65-F5344CB8AC3E}">
-        <p14:creationId xmlns:p14="http://schemas.microsoft.com/office/powerpoint/2010/main" val="871031785"/>
-      </p:ext>
-    </p:extLst>
-  </p:cSld>
-  <p:clrMapOvr>
-    <a:masterClrMapping/>
-  </p:clrMapOvr>
-</p:sld>
-</file>
-
 <file path=ppt/slides/slide64.xml><?xml version="1.0" encoding="utf-8"?>
 <p:sld xmlns:a="http://schemas.openxmlformats.org/drawingml/2006/main" xmlns:r="http://schemas.openxmlformats.org/officeDocument/2006/relationships" xmlns:p="http://schemas.openxmlformats.org/presentationml/2006/main">
   <p:cSld>
@@ -18537,6 +18577,101 @@
       </p:grpSpPr>
       <p:sp>
         <p:nvSpPr>
+          <p:cNvPr id="5" name="Title 4"/>
+          <p:cNvSpPr>
+            <a:spLocks noGrp="1"/>
+          </p:cNvSpPr>
+          <p:nvPr>
+            <p:ph type="title"/>
+          </p:nvPr>
+        </p:nvSpPr>
+        <p:spPr/>
+        <p:txBody>
+          <a:bodyPr/>
+          <a:lstStyle/>
+          <a:p>
+            <a:r>
+              <a:rPr lang="en-US" dirty="0"/>
+              <a:t>Dijkstra’s Algorithm</a:t>
+            </a:r>
+          </a:p>
+        </p:txBody>
+      </p:sp>
+      <p:sp>
+        <p:nvSpPr>
+          <p:cNvPr id="6" name="Text Placeholder 5"/>
+          <p:cNvSpPr>
+            <a:spLocks noGrp="1"/>
+          </p:cNvSpPr>
+          <p:nvPr>
+            <p:ph type="body" idx="1"/>
+          </p:nvPr>
+        </p:nvSpPr>
+        <p:spPr/>
+        <p:txBody>
+          <a:bodyPr/>
+          <a:lstStyle/>
+          <a:p>
+            <a:endParaRPr lang="en-US"/>
+          </a:p>
+        </p:txBody>
+      </p:sp>
+      <p:sp>
+        <p:nvSpPr>
+          <p:cNvPr id="4" name="Slide Number Placeholder 3"/>
+          <p:cNvSpPr>
+            <a:spLocks noGrp="1"/>
+          </p:cNvSpPr>
+          <p:nvPr>
+            <p:ph type="sldNum" sz="quarter" idx="12"/>
+          </p:nvPr>
+        </p:nvSpPr>
+        <p:spPr/>
+        <p:txBody>
+          <a:bodyPr/>
+          <a:lstStyle/>
+          <a:p>
+            <a:fld id="{030EE116-056E-4288-B7F7-411CB7E437A9}" type="slidenum">
+              <a:rPr lang="en-US" smtClean="0"/>
+              <a:pPr/>
+              <a:t>64</a:t>
+            </a:fld>
+            <a:endParaRPr lang="en-US"/>
+          </a:p>
+        </p:txBody>
+      </p:sp>
+    </p:spTree>
+    <p:extLst>
+      <p:ext uri="{BB962C8B-B14F-4D97-AF65-F5344CB8AC3E}">
+        <p14:creationId xmlns:p14="http://schemas.microsoft.com/office/powerpoint/2010/main" val="871031785"/>
+      </p:ext>
+    </p:extLst>
+  </p:cSld>
+  <p:clrMapOvr>
+    <a:masterClrMapping/>
+  </p:clrMapOvr>
+</p:sld>
+</file>
+
+<file path=ppt/slides/slide65.xml><?xml version="1.0" encoding="utf-8"?>
+<p:sld xmlns:a="http://schemas.openxmlformats.org/drawingml/2006/main" xmlns:r="http://schemas.openxmlformats.org/officeDocument/2006/relationships" xmlns:p="http://schemas.openxmlformats.org/presentationml/2006/main">
+  <p:cSld>
+    <p:spTree>
+      <p:nvGrpSpPr>
+        <p:cNvPr id="1" name=""/>
+        <p:cNvGrpSpPr/>
+        <p:nvPr/>
+      </p:nvGrpSpPr>
+      <p:grpSpPr>
+        <a:xfrm>
+          <a:off x="0" y="0"/>
+          <a:ext cx="0" cy="0"/>
+          <a:chOff x="0" y="0"/>
+          <a:chExt cx="0" cy="0"/>
+        </a:xfrm>
+      </p:grpSpPr>
+      <p:sp>
+        <p:nvSpPr>
           <p:cNvPr id="34818" name="Rectangle 2"/>
           <p:cNvSpPr>
             <a:spLocks noGrp="1" noChangeArrowheads="1"/>
@@ -18579,7 +18714,7 @@
             <a:fld id="{DACC1BBE-66B1-403A-8C7E-C57A0F3A107F}" type="slidenum">
               <a:rPr lang="en-US" smtClean="0"/>
               <a:pPr/>
-              <a:t>64</a:t>
+              <a:t>65</a:t>
             </a:fld>
             <a:endParaRPr lang="en-US"/>
           </a:p>
@@ -20249,7 +20384,7 @@
 </p:sld>
 </file>
 
-<file path=ppt/slides/slide65.xml><?xml version="1.0" encoding="utf-8"?>
+<file path=ppt/slides/slide66.xml><?xml version="1.0" encoding="utf-8"?>
 <p:sld xmlns:a="http://schemas.openxmlformats.org/drawingml/2006/main" xmlns:r="http://schemas.openxmlformats.org/officeDocument/2006/relationships" xmlns:p="http://schemas.openxmlformats.org/presentationml/2006/main">
   <p:cSld>
     <p:spTree>
@@ -20306,7 +20441,7 @@
             <a:fld id="{DACC1BBE-66B1-403A-8C7E-C57A0F3A107F}" type="slidenum">
               <a:rPr lang="en-US" smtClean="0"/>
               <a:pPr/>
-              <a:t>65</a:t>
+              <a:t>66</a:t>
             </a:fld>
             <a:endParaRPr lang="en-US"/>
           </a:p>
@@ -20483,7 +20618,7 @@
 </p:sld>
 </file>
 
-<file path=ppt/slides/slide66.xml><?xml version="1.0" encoding="utf-8"?>
+<file path=ppt/slides/slide67.xml><?xml version="1.0" encoding="utf-8"?>
 <p:sld xmlns:a="http://schemas.openxmlformats.org/drawingml/2006/main" xmlns:r="http://schemas.openxmlformats.org/officeDocument/2006/relationships" xmlns:p="http://schemas.openxmlformats.org/presentationml/2006/main">
   <p:cSld>
     <p:spTree>
@@ -24554,347 +24689,6 @@
 </p:sld>
 </file>
 
-<file path=ppt/slides/slide67.xml><?xml version="1.0" encoding="utf-8"?>
-<p:sld xmlns:a="http://schemas.openxmlformats.org/drawingml/2006/main" xmlns:r="http://schemas.openxmlformats.org/officeDocument/2006/relationships" xmlns:p="http://schemas.openxmlformats.org/presentationml/2006/main">
-  <p:cSld>
-    <p:spTree>
-      <p:nvGrpSpPr>
-        <p:cNvPr id="1" name=""/>
-        <p:cNvGrpSpPr/>
-        <p:nvPr/>
-      </p:nvGrpSpPr>
-      <p:grpSpPr>
-        <a:xfrm>
-          <a:off x="0" y="0"/>
-          <a:ext cx="0" cy="0"/>
-          <a:chOff x="0" y="0"/>
-          <a:chExt cx="0" cy="0"/>
-        </a:xfrm>
-      </p:grpSpPr>
-      <p:sp>
-        <p:nvSpPr>
-          <p:cNvPr id="3" name="Slide Number Placeholder 2"/>
-          <p:cNvSpPr>
-            <a:spLocks noGrp="1"/>
-          </p:cNvSpPr>
-          <p:nvPr>
-            <p:ph type="sldNum" sz="quarter" idx="12"/>
-          </p:nvPr>
-        </p:nvSpPr>
-        <p:spPr/>
-        <p:txBody>
-          <a:bodyPr/>
-          <a:lstStyle/>
-          <a:p>
-            <a:fld id="{DACC1BBE-66B1-403A-8C7E-C57A0F3A107F}" type="slidenum">
-              <a:rPr lang="en-US" smtClean="0"/>
-              <a:pPr/>
-              <a:t>67</a:t>
-            </a:fld>
-            <a:endParaRPr lang="en-US"/>
-          </a:p>
-        </p:txBody>
-      </p:sp>
-      <p:sp>
-        <p:nvSpPr>
-          <p:cNvPr id="37890" name="Rectangle 2"/>
-          <p:cNvSpPr>
-            <a:spLocks noGrp="1" noChangeArrowheads="1"/>
-          </p:cNvSpPr>
-          <p:nvPr>
-            <p:ph sz="quarter" idx="1"/>
-            <p:custDataLst>
-              <p:tags r:id="rId1"/>
-            </p:custDataLst>
-          </p:nvPr>
-        </p:nvSpPr>
-        <p:spPr>
-          <a:xfrm>
-            <a:off x="228600" y="304800"/>
-            <a:ext cx="8839200" cy="6057900"/>
-          </a:xfrm>
-        </p:spPr>
-        <p:txBody>
-          <a:bodyPr/>
-          <a:lstStyle/>
-          <a:p>
-            <a:pPr eaLnBrk="1" hangingPunct="1">
-              <a:lnSpc>
-                <a:spcPct val="80000"/>
-              </a:lnSpc>
-              <a:buFontTx/>
-              <a:buNone/>
-            </a:pPr>
-            <a:r>
-              <a:rPr lang="en-US" sz="2400" b="1">
-                <a:latin typeface="Courier New" pitchFamily="49" charset="0"/>
-              </a:rPr>
-              <a:t>void Graph::dijkstra(Vertex s){</a:t>
-            </a:r>
-          </a:p>
-          <a:p>
-            <a:pPr eaLnBrk="1" hangingPunct="1">
-              <a:lnSpc>
-                <a:spcPct val="80000"/>
-              </a:lnSpc>
-              <a:buFontTx/>
-              <a:buNone/>
-            </a:pPr>
-            <a:r>
-              <a:rPr lang="en-US" sz="2400" b="1">
-                <a:latin typeface="Courier New" pitchFamily="49" charset="0"/>
-              </a:rPr>
-              <a:t>  Vertex v,w;</a:t>
-            </a:r>
-          </a:p>
-          <a:p>
-            <a:pPr eaLnBrk="1" hangingPunct="1">
-              <a:lnSpc>
-                <a:spcPct val="80000"/>
-              </a:lnSpc>
-              <a:buFontTx/>
-              <a:buNone/>
-            </a:pPr>
-            <a:r>
-              <a:rPr lang="en-US" sz="2400" b="1">
-                <a:latin typeface="Courier New" pitchFamily="49" charset="0"/>
-              </a:rPr>
-              <a:t>  s.dist = 0;</a:t>
-            </a:r>
-          </a:p>
-          <a:p>
-            <a:pPr eaLnBrk="1" hangingPunct="1">
-              <a:lnSpc>
-                <a:spcPct val="80000"/>
-              </a:lnSpc>
-              <a:buFontTx/>
-              <a:buNone/>
-            </a:pPr>
-            <a:endParaRPr lang="en-US" sz="2400" b="1">
-              <a:latin typeface="Courier New" pitchFamily="49" charset="0"/>
-            </a:endParaRPr>
-          </a:p>
-          <a:p>
-            <a:pPr eaLnBrk="1" hangingPunct="1">
-              <a:lnSpc>
-                <a:spcPct val="80000"/>
-              </a:lnSpc>
-              <a:buFontTx/>
-              <a:buNone/>
-            </a:pPr>
-            <a:r>
-              <a:rPr lang="en-US" sz="2400" b="1">
-                <a:latin typeface="Courier New" pitchFamily="49" charset="0"/>
-              </a:rPr>
-              <a:t>  while (there exist unknown vertices, find the </a:t>
-            </a:r>
-            <a:br>
-              <a:rPr lang="en-US" sz="2400" b="1">
-                <a:latin typeface="Courier New" pitchFamily="49" charset="0"/>
-              </a:rPr>
-            </a:br>
-            <a:r>
-              <a:rPr lang="en-US" sz="2400" b="1">
-                <a:latin typeface="Courier New" pitchFamily="49" charset="0"/>
-              </a:rPr>
-              <a:t>	    unknown </a:t>
-            </a:r>
-            <a:r>
-              <a:rPr lang="en-US" sz="2400" b="1">
-                <a:solidFill>
-                  <a:schemeClr val="accent2"/>
-                </a:solidFill>
-                <a:latin typeface="Courier New" pitchFamily="49" charset="0"/>
-              </a:rPr>
-              <a:t>v</a:t>
-            </a:r>
-            <a:r>
-              <a:rPr lang="en-US" sz="2400" b="1">
-                <a:latin typeface="Courier New" pitchFamily="49" charset="0"/>
-              </a:rPr>
-              <a:t> with the smallest distance)</a:t>
-            </a:r>
-          </a:p>
-          <a:p>
-            <a:pPr eaLnBrk="1" hangingPunct="1">
-              <a:lnSpc>
-                <a:spcPct val="80000"/>
-              </a:lnSpc>
-              <a:buFontTx/>
-              <a:buNone/>
-            </a:pPr>
-            <a:r>
-              <a:rPr lang="en-US" sz="2400" b="1">
-                <a:latin typeface="Courier New" pitchFamily="49" charset="0"/>
-              </a:rPr>
-              <a:t>    </a:t>
-            </a:r>
-            <a:r>
-              <a:rPr lang="en-US" sz="2400" b="1">
-                <a:solidFill>
-                  <a:schemeClr val="accent2"/>
-                </a:solidFill>
-                <a:latin typeface="Courier New" pitchFamily="49" charset="0"/>
-              </a:rPr>
-              <a:t>v.known = true;</a:t>
-            </a:r>
-          </a:p>
-          <a:p>
-            <a:pPr eaLnBrk="1" hangingPunct="1">
-              <a:lnSpc>
-                <a:spcPct val="80000"/>
-              </a:lnSpc>
-              <a:buFontTx/>
-              <a:buNone/>
-            </a:pPr>
-            <a:endParaRPr lang="en-US" sz="2400" b="1">
-              <a:latin typeface="Courier New" pitchFamily="49" charset="0"/>
-            </a:endParaRPr>
-          </a:p>
-          <a:p>
-            <a:pPr eaLnBrk="1" hangingPunct="1">
-              <a:lnSpc>
-                <a:spcPct val="80000"/>
-              </a:lnSpc>
-              <a:buFontTx/>
-              <a:buNone/>
-            </a:pPr>
-            <a:r>
-              <a:rPr lang="en-US" sz="2400" b="1">
-                <a:latin typeface="Courier New" pitchFamily="49" charset="0"/>
-              </a:rPr>
-              <a:t>    </a:t>
-            </a:r>
-            <a:r>
-              <a:rPr lang="en-US" sz="2400" b="1">
-                <a:solidFill>
-                  <a:srgbClr val="339933"/>
-                </a:solidFill>
-                <a:latin typeface="Courier New" pitchFamily="49" charset="0"/>
-              </a:rPr>
-              <a:t>for each w adjacent to v</a:t>
-            </a:r>
-          </a:p>
-          <a:p>
-            <a:pPr eaLnBrk="1" hangingPunct="1">
-              <a:lnSpc>
-                <a:spcPct val="80000"/>
-              </a:lnSpc>
-              <a:buFontTx/>
-              <a:buNone/>
-            </a:pPr>
-            <a:r>
-              <a:rPr lang="en-US" sz="2400" b="1">
-                <a:latin typeface="Courier New" pitchFamily="49" charset="0"/>
-              </a:rPr>
-              <a:t>      if (!w.known)</a:t>
-            </a:r>
-          </a:p>
-          <a:p>
-            <a:pPr eaLnBrk="1" hangingPunct="1">
-              <a:lnSpc>
-                <a:spcPct val="80000"/>
-              </a:lnSpc>
-              <a:buFontTx/>
-              <a:buNone/>
-            </a:pPr>
-            <a:r>
-              <a:rPr lang="en-US" sz="2400" b="1">
-                <a:latin typeface="Courier New" pitchFamily="49" charset="0"/>
-              </a:rPr>
-              <a:t>        if (v.dist + Cost_VW &lt; w.dist){</a:t>
-            </a:r>
-          </a:p>
-          <a:p>
-            <a:pPr eaLnBrk="1" hangingPunct="1">
-              <a:lnSpc>
-                <a:spcPct val="80000"/>
-              </a:lnSpc>
-              <a:buFontTx/>
-              <a:buNone/>
-            </a:pPr>
-            <a:r>
-              <a:rPr lang="en-US" sz="2400" b="1">
-                <a:latin typeface="Courier New" pitchFamily="49" charset="0"/>
-              </a:rPr>
-              <a:t>		     w.dist = v.dist + Cost_VW;</a:t>
-            </a:r>
-          </a:p>
-          <a:p>
-            <a:pPr eaLnBrk="1" hangingPunct="1">
-              <a:lnSpc>
-                <a:spcPct val="80000"/>
-              </a:lnSpc>
-              <a:buFontTx/>
-              <a:buNone/>
-            </a:pPr>
-            <a:r>
-              <a:rPr lang="en-US" sz="2400" b="1">
-                <a:latin typeface="Courier New" pitchFamily="49" charset="0"/>
-              </a:rPr>
-              <a:t>          w.path = v;</a:t>
-            </a:r>
-          </a:p>
-          <a:p>
-            <a:pPr eaLnBrk="1" hangingPunct="1">
-              <a:lnSpc>
-                <a:spcPct val="80000"/>
-              </a:lnSpc>
-              <a:buFontTx/>
-              <a:buNone/>
-            </a:pPr>
-            <a:r>
-              <a:rPr lang="en-US" sz="2400" b="1">
-                <a:latin typeface="Courier New" pitchFamily="49" charset="0"/>
-              </a:rPr>
-              <a:t>        }</a:t>
-            </a:r>
-          </a:p>
-          <a:p>
-            <a:pPr eaLnBrk="1" hangingPunct="1">
-              <a:lnSpc>
-                <a:spcPct val="80000"/>
-              </a:lnSpc>
-              <a:buFontTx/>
-              <a:buNone/>
-            </a:pPr>
-            <a:r>
-              <a:rPr lang="en-US" sz="2400" b="1">
-                <a:latin typeface="Courier New" pitchFamily="49" charset="0"/>
-              </a:rPr>
-              <a:t>  }</a:t>
-            </a:r>
-          </a:p>
-          <a:p>
-            <a:pPr eaLnBrk="1" hangingPunct="1">
-              <a:lnSpc>
-                <a:spcPct val="80000"/>
-              </a:lnSpc>
-              <a:buFontTx/>
-              <a:buNone/>
-            </a:pPr>
-            <a:r>
-              <a:rPr lang="en-US" sz="2400" b="1">
-                <a:latin typeface="Courier New" pitchFamily="49" charset="0"/>
-              </a:rPr>
-              <a:t>}</a:t>
-            </a:r>
-          </a:p>
-        </p:txBody>
-      </p:sp>
-    </p:spTree>
-    <p:extLst>
-      <p:ext uri="{BB962C8B-B14F-4D97-AF65-F5344CB8AC3E}">
-        <p14:creationId xmlns:p14="http://schemas.microsoft.com/office/powerpoint/2010/main" val="1209695591"/>
-      </p:ext>
-    </p:extLst>
-  </p:cSld>
-  <p:clrMapOvr>
-    <a:masterClrMapping/>
-  </p:clrMapOvr>
-</p:sld>
-</file>
-
 <file path=ppt/slides/slide68.xml><?xml version="1.0" encoding="utf-8"?>
 <p:sld xmlns:a="http://schemas.openxmlformats.org/drawingml/2006/main" xmlns:r="http://schemas.openxmlformats.org/officeDocument/2006/relationships" xmlns:p="http://schemas.openxmlformats.org/presentationml/2006/main">
   <p:cSld>
@@ -24914,6 +24708,347 @@
       </p:grpSpPr>
       <p:sp>
         <p:nvSpPr>
+          <p:cNvPr id="3" name="Slide Number Placeholder 2"/>
+          <p:cNvSpPr>
+            <a:spLocks noGrp="1"/>
+          </p:cNvSpPr>
+          <p:nvPr>
+            <p:ph type="sldNum" sz="quarter" idx="12"/>
+          </p:nvPr>
+        </p:nvSpPr>
+        <p:spPr/>
+        <p:txBody>
+          <a:bodyPr/>
+          <a:lstStyle/>
+          <a:p>
+            <a:fld id="{DACC1BBE-66B1-403A-8C7E-C57A0F3A107F}" type="slidenum">
+              <a:rPr lang="en-US" smtClean="0"/>
+              <a:pPr/>
+              <a:t>68</a:t>
+            </a:fld>
+            <a:endParaRPr lang="en-US"/>
+          </a:p>
+        </p:txBody>
+      </p:sp>
+      <p:sp>
+        <p:nvSpPr>
+          <p:cNvPr id="37890" name="Rectangle 2"/>
+          <p:cNvSpPr>
+            <a:spLocks noGrp="1" noChangeArrowheads="1"/>
+          </p:cNvSpPr>
+          <p:nvPr>
+            <p:ph sz="quarter" idx="1"/>
+            <p:custDataLst>
+              <p:tags r:id="rId1"/>
+            </p:custDataLst>
+          </p:nvPr>
+        </p:nvSpPr>
+        <p:spPr>
+          <a:xfrm>
+            <a:off x="228600" y="304800"/>
+            <a:ext cx="8839200" cy="6057900"/>
+          </a:xfrm>
+        </p:spPr>
+        <p:txBody>
+          <a:bodyPr/>
+          <a:lstStyle/>
+          <a:p>
+            <a:pPr eaLnBrk="1" hangingPunct="1">
+              <a:lnSpc>
+                <a:spcPct val="80000"/>
+              </a:lnSpc>
+              <a:buFontTx/>
+              <a:buNone/>
+            </a:pPr>
+            <a:r>
+              <a:rPr lang="en-US" sz="2400" b="1">
+                <a:latin typeface="Courier New" pitchFamily="49" charset="0"/>
+              </a:rPr>
+              <a:t>void Graph::dijkstra(Vertex s){</a:t>
+            </a:r>
+          </a:p>
+          <a:p>
+            <a:pPr eaLnBrk="1" hangingPunct="1">
+              <a:lnSpc>
+                <a:spcPct val="80000"/>
+              </a:lnSpc>
+              <a:buFontTx/>
+              <a:buNone/>
+            </a:pPr>
+            <a:r>
+              <a:rPr lang="en-US" sz="2400" b="1">
+                <a:latin typeface="Courier New" pitchFamily="49" charset="0"/>
+              </a:rPr>
+              <a:t>  Vertex v,w;</a:t>
+            </a:r>
+          </a:p>
+          <a:p>
+            <a:pPr eaLnBrk="1" hangingPunct="1">
+              <a:lnSpc>
+                <a:spcPct val="80000"/>
+              </a:lnSpc>
+              <a:buFontTx/>
+              <a:buNone/>
+            </a:pPr>
+            <a:r>
+              <a:rPr lang="en-US" sz="2400" b="1">
+                <a:latin typeface="Courier New" pitchFamily="49" charset="0"/>
+              </a:rPr>
+              <a:t>  s.dist = 0;</a:t>
+            </a:r>
+          </a:p>
+          <a:p>
+            <a:pPr eaLnBrk="1" hangingPunct="1">
+              <a:lnSpc>
+                <a:spcPct val="80000"/>
+              </a:lnSpc>
+              <a:buFontTx/>
+              <a:buNone/>
+            </a:pPr>
+            <a:endParaRPr lang="en-US" sz="2400" b="1">
+              <a:latin typeface="Courier New" pitchFamily="49" charset="0"/>
+            </a:endParaRPr>
+          </a:p>
+          <a:p>
+            <a:pPr eaLnBrk="1" hangingPunct="1">
+              <a:lnSpc>
+                <a:spcPct val="80000"/>
+              </a:lnSpc>
+              <a:buFontTx/>
+              <a:buNone/>
+            </a:pPr>
+            <a:r>
+              <a:rPr lang="en-US" sz="2400" b="1">
+                <a:latin typeface="Courier New" pitchFamily="49" charset="0"/>
+              </a:rPr>
+              <a:t>  while (there exist unknown vertices, find the </a:t>
+            </a:r>
+            <a:br>
+              <a:rPr lang="en-US" sz="2400" b="1">
+                <a:latin typeface="Courier New" pitchFamily="49" charset="0"/>
+              </a:rPr>
+            </a:br>
+            <a:r>
+              <a:rPr lang="en-US" sz="2400" b="1">
+                <a:latin typeface="Courier New" pitchFamily="49" charset="0"/>
+              </a:rPr>
+              <a:t>	    unknown </a:t>
+            </a:r>
+            <a:r>
+              <a:rPr lang="en-US" sz="2400" b="1">
+                <a:solidFill>
+                  <a:schemeClr val="accent2"/>
+                </a:solidFill>
+                <a:latin typeface="Courier New" pitchFamily="49" charset="0"/>
+              </a:rPr>
+              <a:t>v</a:t>
+            </a:r>
+            <a:r>
+              <a:rPr lang="en-US" sz="2400" b="1">
+                <a:latin typeface="Courier New" pitchFamily="49" charset="0"/>
+              </a:rPr>
+              <a:t> with the smallest distance)</a:t>
+            </a:r>
+          </a:p>
+          <a:p>
+            <a:pPr eaLnBrk="1" hangingPunct="1">
+              <a:lnSpc>
+                <a:spcPct val="80000"/>
+              </a:lnSpc>
+              <a:buFontTx/>
+              <a:buNone/>
+            </a:pPr>
+            <a:r>
+              <a:rPr lang="en-US" sz="2400" b="1">
+                <a:latin typeface="Courier New" pitchFamily="49" charset="0"/>
+              </a:rPr>
+              <a:t>    </a:t>
+            </a:r>
+            <a:r>
+              <a:rPr lang="en-US" sz="2400" b="1">
+                <a:solidFill>
+                  <a:schemeClr val="accent2"/>
+                </a:solidFill>
+                <a:latin typeface="Courier New" pitchFamily="49" charset="0"/>
+              </a:rPr>
+              <a:t>v.known = true;</a:t>
+            </a:r>
+          </a:p>
+          <a:p>
+            <a:pPr eaLnBrk="1" hangingPunct="1">
+              <a:lnSpc>
+                <a:spcPct val="80000"/>
+              </a:lnSpc>
+              <a:buFontTx/>
+              <a:buNone/>
+            </a:pPr>
+            <a:endParaRPr lang="en-US" sz="2400" b="1">
+              <a:latin typeface="Courier New" pitchFamily="49" charset="0"/>
+            </a:endParaRPr>
+          </a:p>
+          <a:p>
+            <a:pPr eaLnBrk="1" hangingPunct="1">
+              <a:lnSpc>
+                <a:spcPct val="80000"/>
+              </a:lnSpc>
+              <a:buFontTx/>
+              <a:buNone/>
+            </a:pPr>
+            <a:r>
+              <a:rPr lang="en-US" sz="2400" b="1">
+                <a:latin typeface="Courier New" pitchFamily="49" charset="0"/>
+              </a:rPr>
+              <a:t>    </a:t>
+            </a:r>
+            <a:r>
+              <a:rPr lang="en-US" sz="2400" b="1">
+                <a:solidFill>
+                  <a:srgbClr val="339933"/>
+                </a:solidFill>
+                <a:latin typeface="Courier New" pitchFamily="49" charset="0"/>
+              </a:rPr>
+              <a:t>for each w adjacent to v</a:t>
+            </a:r>
+          </a:p>
+          <a:p>
+            <a:pPr eaLnBrk="1" hangingPunct="1">
+              <a:lnSpc>
+                <a:spcPct val="80000"/>
+              </a:lnSpc>
+              <a:buFontTx/>
+              <a:buNone/>
+            </a:pPr>
+            <a:r>
+              <a:rPr lang="en-US" sz="2400" b="1">
+                <a:latin typeface="Courier New" pitchFamily="49" charset="0"/>
+              </a:rPr>
+              <a:t>      if (!w.known)</a:t>
+            </a:r>
+          </a:p>
+          <a:p>
+            <a:pPr eaLnBrk="1" hangingPunct="1">
+              <a:lnSpc>
+                <a:spcPct val="80000"/>
+              </a:lnSpc>
+              <a:buFontTx/>
+              <a:buNone/>
+            </a:pPr>
+            <a:r>
+              <a:rPr lang="en-US" sz="2400" b="1">
+                <a:latin typeface="Courier New" pitchFamily="49" charset="0"/>
+              </a:rPr>
+              <a:t>        if (v.dist + Cost_VW &lt; w.dist){</a:t>
+            </a:r>
+          </a:p>
+          <a:p>
+            <a:pPr eaLnBrk="1" hangingPunct="1">
+              <a:lnSpc>
+                <a:spcPct val="80000"/>
+              </a:lnSpc>
+              <a:buFontTx/>
+              <a:buNone/>
+            </a:pPr>
+            <a:r>
+              <a:rPr lang="en-US" sz="2400" b="1">
+                <a:latin typeface="Courier New" pitchFamily="49" charset="0"/>
+              </a:rPr>
+              <a:t>		     w.dist = v.dist + Cost_VW;</a:t>
+            </a:r>
+          </a:p>
+          <a:p>
+            <a:pPr eaLnBrk="1" hangingPunct="1">
+              <a:lnSpc>
+                <a:spcPct val="80000"/>
+              </a:lnSpc>
+              <a:buFontTx/>
+              <a:buNone/>
+            </a:pPr>
+            <a:r>
+              <a:rPr lang="en-US" sz="2400" b="1">
+                <a:latin typeface="Courier New" pitchFamily="49" charset="0"/>
+              </a:rPr>
+              <a:t>          w.path = v;</a:t>
+            </a:r>
+          </a:p>
+          <a:p>
+            <a:pPr eaLnBrk="1" hangingPunct="1">
+              <a:lnSpc>
+                <a:spcPct val="80000"/>
+              </a:lnSpc>
+              <a:buFontTx/>
+              <a:buNone/>
+            </a:pPr>
+            <a:r>
+              <a:rPr lang="en-US" sz="2400" b="1">
+                <a:latin typeface="Courier New" pitchFamily="49" charset="0"/>
+              </a:rPr>
+              <a:t>        }</a:t>
+            </a:r>
+          </a:p>
+          <a:p>
+            <a:pPr eaLnBrk="1" hangingPunct="1">
+              <a:lnSpc>
+                <a:spcPct val="80000"/>
+              </a:lnSpc>
+              <a:buFontTx/>
+              <a:buNone/>
+            </a:pPr>
+            <a:r>
+              <a:rPr lang="en-US" sz="2400" b="1">
+                <a:latin typeface="Courier New" pitchFamily="49" charset="0"/>
+              </a:rPr>
+              <a:t>  }</a:t>
+            </a:r>
+          </a:p>
+          <a:p>
+            <a:pPr eaLnBrk="1" hangingPunct="1">
+              <a:lnSpc>
+                <a:spcPct val="80000"/>
+              </a:lnSpc>
+              <a:buFontTx/>
+              <a:buNone/>
+            </a:pPr>
+            <a:r>
+              <a:rPr lang="en-US" sz="2400" b="1">
+                <a:latin typeface="Courier New" pitchFamily="49" charset="0"/>
+              </a:rPr>
+              <a:t>}</a:t>
+            </a:r>
+          </a:p>
+        </p:txBody>
+      </p:sp>
+    </p:spTree>
+    <p:extLst>
+      <p:ext uri="{BB962C8B-B14F-4D97-AF65-F5344CB8AC3E}">
+        <p14:creationId xmlns:p14="http://schemas.microsoft.com/office/powerpoint/2010/main" val="1209695591"/>
+      </p:ext>
+    </p:extLst>
+  </p:cSld>
+  <p:clrMapOvr>
+    <a:masterClrMapping/>
+  </p:clrMapOvr>
+</p:sld>
+</file>
+
+<file path=ppt/slides/slide69.xml><?xml version="1.0" encoding="utf-8"?>
+<p:sld xmlns:a="http://schemas.openxmlformats.org/drawingml/2006/main" xmlns:r="http://schemas.openxmlformats.org/officeDocument/2006/relationships" xmlns:p="http://schemas.openxmlformats.org/presentationml/2006/main">
+  <p:cSld>
+    <p:spTree>
+      <p:nvGrpSpPr>
+        <p:cNvPr id="1" name=""/>
+        <p:cNvGrpSpPr/>
+        <p:nvPr/>
+      </p:nvGrpSpPr>
+      <p:grpSpPr>
+        <a:xfrm>
+          <a:off x="0" y="0"/>
+          <a:ext cx="0" cy="0"/>
+          <a:chOff x="0" y="0"/>
+          <a:chExt cx="0" cy="0"/>
+        </a:xfrm>
+      </p:grpSpPr>
+      <p:sp>
+        <p:nvSpPr>
           <p:cNvPr id="39938" name="Rectangle 2"/>
           <p:cNvSpPr>
             <a:spLocks noGrp="1" noChangeArrowheads="1"/>
@@ -24955,7 +25090,7 @@
             <a:fld id="{DACC1BBE-66B1-403A-8C7E-C57A0F3A107F}" type="slidenum">
               <a:rPr lang="en-US" smtClean="0"/>
               <a:pPr/>
-              <a:t>68</a:t>
+              <a:t>69</a:t>
             </a:fld>
             <a:endParaRPr lang="en-US"/>
           </a:p>
@@ -25321,7 +25456,7 @@
 </p:sld>
 </file>
 
-<file path=ppt/slides/slide69.xml><?xml version="1.0" encoding="utf-8"?>
+<file path=ppt/slides/slide7.xml><?xml version="1.0" encoding="utf-8"?>
 <p:sld xmlns:a="http://schemas.openxmlformats.org/drawingml/2006/main" xmlns:r="http://schemas.openxmlformats.org/officeDocument/2006/relationships" xmlns:p="http://schemas.openxmlformats.org/presentationml/2006/main">
   <p:cSld>
     <p:spTree>
@@ -25340,7 +25475,7 @@
       </p:grpSpPr>
       <p:sp>
         <p:nvSpPr>
-          <p:cNvPr id="40962" name="Rectangle 2"/>
+          <p:cNvPr id="26626" name="Rectangle 2"/>
           <p:cNvSpPr>
             <a:spLocks noGrp="1" noChangeArrowheads="1"/>
           </p:cNvSpPr>
@@ -25358,6 +25493,175 @@
           <a:p>
             <a:r>
               <a:rPr lang="en-US"/>
+              <a:t>Definition: Directed graph</a:t>
+            </a:r>
+          </a:p>
+        </p:txBody>
+      </p:sp>
+      <p:sp>
+        <p:nvSpPr>
+          <p:cNvPr id="4" name="Slide Number Placeholder 3"/>
+          <p:cNvSpPr>
+            <a:spLocks noGrp="1"/>
+          </p:cNvSpPr>
+          <p:nvPr>
+            <p:ph type="sldNum" sz="quarter" idx="12"/>
+          </p:nvPr>
+        </p:nvSpPr>
+        <p:spPr/>
+        <p:txBody>
+          <a:bodyPr/>
+          <a:lstStyle/>
+          <a:p>
+            <a:fld id="{030EE116-056E-4288-B7F7-411CB7E437A9}" type="slidenum">
+              <a:rPr lang="en-US" smtClean="0"/>
+              <a:pPr/>
+              <a:t>7</a:t>
+            </a:fld>
+            <a:endParaRPr lang="en-US"/>
+          </a:p>
+        </p:txBody>
+      </p:sp>
+      <p:sp>
+        <p:nvSpPr>
+          <p:cNvPr id="26627" name="Rectangle 3"/>
+          <p:cNvSpPr>
+            <a:spLocks noGrp="1" noChangeArrowheads="1"/>
+          </p:cNvSpPr>
+          <p:nvPr>
+            <p:ph sz="quarter" idx="1"/>
+            <p:custDataLst>
+              <p:tags r:id="rId2"/>
+            </p:custDataLst>
+          </p:nvPr>
+        </p:nvSpPr>
+        <p:spPr/>
+        <p:txBody>
+          <a:bodyPr>
+            <a:normAutofit/>
+          </a:bodyPr>
+          <a:lstStyle/>
+          <a:p>
+            <a:r>
+              <a:rPr lang="en-US"/>
+              <a:t>Directed Graph</a:t>
+            </a:r>
+          </a:p>
+          <a:p>
+            <a:pPr lvl="1"/>
+            <a:r>
+              <a:rPr lang="en-US"/>
+              <a:t>A directed graph, or digraph, is a pair </a:t>
+            </a:r>
+          </a:p>
+          <a:p>
+            <a:pPr lvl="1"/>
+            <a:r>
+              <a:rPr lang="en-US"/>
+              <a:t>G = (V, E) </a:t>
+            </a:r>
+          </a:p>
+          <a:p>
+            <a:pPr lvl="1"/>
+            <a:r>
+              <a:rPr lang="en-US"/>
+              <a:t>where V is a set whose elements are called vertices, and</a:t>
+            </a:r>
+          </a:p>
+          <a:p>
+            <a:pPr lvl="1"/>
+            <a:r>
+              <a:rPr lang="en-US"/>
+              <a:t>E is a set of ordered pairs of elements of V. </a:t>
+            </a:r>
+          </a:p>
+          <a:p>
+            <a:pPr lvl="1"/>
+            <a:endParaRPr lang="en-US"/>
+          </a:p>
+          <a:p>
+            <a:pPr lvl="2"/>
+            <a:r>
+              <a:rPr lang="en-US"/>
+              <a:t>Vertices are often also called nodes. </a:t>
+            </a:r>
+          </a:p>
+          <a:p>
+            <a:pPr lvl="2"/>
+            <a:r>
+              <a:rPr lang="en-US"/>
+              <a:t>Elements of E are called edges, or directed edges, or arcs. </a:t>
+            </a:r>
+          </a:p>
+          <a:p>
+            <a:pPr lvl="2"/>
+            <a:r>
+              <a:rPr lang="en-US"/>
+              <a:t>For directed edge (v, w) in E, v is its tail and w its head; </a:t>
+            </a:r>
+          </a:p>
+          <a:p>
+            <a:pPr lvl="2"/>
+            <a:r>
+              <a:rPr lang="en-US"/>
+              <a:t>(v, w) is represented in the diagrams as the arrow, v -&gt; w. </a:t>
+            </a:r>
+          </a:p>
+          <a:p>
+            <a:pPr lvl="2"/>
+            <a:r>
+              <a:rPr lang="en-US"/>
+              <a:t>In text we simple write vw.</a:t>
+            </a:r>
+            <a:endParaRPr lang="en-US" dirty="0"/>
+          </a:p>
+        </p:txBody>
+      </p:sp>
+    </p:spTree>
+  </p:cSld>
+  <p:clrMapOvr>
+    <a:masterClrMapping/>
+  </p:clrMapOvr>
+</p:sld>
+</file>
+
+<file path=ppt/slides/slide70.xml><?xml version="1.0" encoding="utf-8"?>
+<p:sld xmlns:a="http://schemas.openxmlformats.org/drawingml/2006/main" xmlns:r="http://schemas.openxmlformats.org/officeDocument/2006/relationships" xmlns:p="http://schemas.openxmlformats.org/presentationml/2006/main">
+  <p:cSld>
+    <p:spTree>
+      <p:nvGrpSpPr>
+        <p:cNvPr id="1" name=""/>
+        <p:cNvGrpSpPr/>
+        <p:nvPr/>
+      </p:nvGrpSpPr>
+      <p:grpSpPr>
+        <a:xfrm>
+          <a:off x="0" y="0"/>
+          <a:ext cx="0" cy="0"/>
+          <a:chOff x="0" y="0"/>
+          <a:chExt cx="0" cy="0"/>
+        </a:xfrm>
+      </p:grpSpPr>
+      <p:sp>
+        <p:nvSpPr>
+          <p:cNvPr id="40962" name="Rectangle 2"/>
+          <p:cNvSpPr>
+            <a:spLocks noGrp="1" noChangeArrowheads="1"/>
+          </p:cNvSpPr>
+          <p:nvPr>
+            <p:ph type="title"/>
+            <p:custDataLst>
+              <p:tags r:id="rId1"/>
+            </p:custDataLst>
+          </p:nvPr>
+        </p:nvSpPr>
+        <p:spPr/>
+        <p:txBody>
+          <a:bodyPr/>
+          <a:lstStyle/>
+          <a:p>
+            <a:r>
+              <a:rPr lang="en-US"/>
               <a:t>Negative Cost Edges?</a:t>
             </a:r>
           </a:p>
@@ -25381,7 +25685,7 @@
             <a:fld id="{DACC1BBE-66B1-403A-8C7E-C57A0F3A107F}" type="slidenum">
               <a:rPr lang="en-US" smtClean="0"/>
               <a:pPr/>
-              <a:t>69</a:t>
+              <a:t>70</a:t>
             </a:fld>
             <a:endParaRPr lang="en-US"/>
           </a:p>
@@ -25620,872 +25924,6 @@
 </p:sld>
 </file>
 
-<file path=ppt/slides/slide7.xml><?xml version="1.0" encoding="utf-8"?>
-<p:sld xmlns:a="http://schemas.openxmlformats.org/drawingml/2006/main" xmlns:r="http://schemas.openxmlformats.org/officeDocument/2006/relationships" xmlns:p="http://schemas.openxmlformats.org/presentationml/2006/main">
-  <p:cSld>
-    <p:spTree>
-      <p:nvGrpSpPr>
-        <p:cNvPr id="1" name=""/>
-        <p:cNvGrpSpPr/>
-        <p:nvPr/>
-      </p:nvGrpSpPr>
-      <p:grpSpPr>
-        <a:xfrm>
-          <a:off x="0" y="0"/>
-          <a:ext cx="0" cy="0"/>
-          <a:chOff x="0" y="0"/>
-          <a:chExt cx="0" cy="0"/>
-        </a:xfrm>
-      </p:grpSpPr>
-      <p:sp>
-        <p:nvSpPr>
-          <p:cNvPr id="26626" name="Rectangle 2"/>
-          <p:cNvSpPr>
-            <a:spLocks noGrp="1" noChangeArrowheads="1"/>
-          </p:cNvSpPr>
-          <p:nvPr>
-            <p:ph type="title"/>
-            <p:custDataLst>
-              <p:tags r:id="rId1"/>
-            </p:custDataLst>
-          </p:nvPr>
-        </p:nvSpPr>
-        <p:spPr/>
-        <p:txBody>
-          <a:bodyPr/>
-          <a:lstStyle/>
-          <a:p>
-            <a:r>
-              <a:rPr lang="en-US"/>
-              <a:t>Definition: Directed graph</a:t>
-            </a:r>
-          </a:p>
-        </p:txBody>
-      </p:sp>
-      <p:sp>
-        <p:nvSpPr>
-          <p:cNvPr id="4" name="Slide Number Placeholder 3"/>
-          <p:cNvSpPr>
-            <a:spLocks noGrp="1"/>
-          </p:cNvSpPr>
-          <p:nvPr>
-            <p:ph type="sldNum" sz="quarter" idx="12"/>
-          </p:nvPr>
-        </p:nvSpPr>
-        <p:spPr/>
-        <p:txBody>
-          <a:bodyPr/>
-          <a:lstStyle/>
-          <a:p>
-            <a:fld id="{030EE116-056E-4288-B7F7-411CB7E437A9}" type="slidenum">
-              <a:rPr lang="en-US" smtClean="0"/>
-              <a:pPr/>
-              <a:t>7</a:t>
-            </a:fld>
-            <a:endParaRPr lang="en-US"/>
-          </a:p>
-        </p:txBody>
-      </p:sp>
-      <p:sp>
-        <p:nvSpPr>
-          <p:cNvPr id="26627" name="Rectangle 3"/>
-          <p:cNvSpPr>
-            <a:spLocks noGrp="1" noChangeArrowheads="1"/>
-          </p:cNvSpPr>
-          <p:nvPr>
-            <p:ph sz="quarter" idx="1"/>
-            <p:custDataLst>
-              <p:tags r:id="rId2"/>
-            </p:custDataLst>
-          </p:nvPr>
-        </p:nvSpPr>
-        <p:spPr/>
-        <p:txBody>
-          <a:bodyPr>
-            <a:normAutofit/>
-          </a:bodyPr>
-          <a:lstStyle/>
-          <a:p>
-            <a:r>
-              <a:rPr lang="en-US"/>
-              <a:t>Directed Graph</a:t>
-            </a:r>
-          </a:p>
-          <a:p>
-            <a:pPr lvl="1"/>
-            <a:r>
-              <a:rPr lang="en-US"/>
-              <a:t>A directed graph, or digraph, is a pair </a:t>
-            </a:r>
-          </a:p>
-          <a:p>
-            <a:pPr lvl="1"/>
-            <a:r>
-              <a:rPr lang="en-US"/>
-              <a:t>G = (V, E) </a:t>
-            </a:r>
-          </a:p>
-          <a:p>
-            <a:pPr lvl="1"/>
-            <a:r>
-              <a:rPr lang="en-US"/>
-              <a:t>where V is a set whose elements are called vertices, and</a:t>
-            </a:r>
-          </a:p>
-          <a:p>
-            <a:pPr lvl="1"/>
-            <a:r>
-              <a:rPr lang="en-US"/>
-              <a:t>E is a set of ordered pairs of elements of V. </a:t>
-            </a:r>
-          </a:p>
-          <a:p>
-            <a:pPr lvl="1"/>
-            <a:endParaRPr lang="en-US"/>
-          </a:p>
-          <a:p>
-            <a:pPr lvl="2"/>
-            <a:r>
-              <a:rPr lang="en-US"/>
-              <a:t>Vertices are often also called nodes. </a:t>
-            </a:r>
-          </a:p>
-          <a:p>
-            <a:pPr lvl="2"/>
-            <a:r>
-              <a:rPr lang="en-US"/>
-              <a:t>Elements of E are called edges, or directed edges, or arcs. </a:t>
-            </a:r>
-          </a:p>
-          <a:p>
-            <a:pPr lvl="2"/>
-            <a:r>
-              <a:rPr lang="en-US"/>
-              <a:t>For directed edge (v, w) in E, v is its tail and w its head; </a:t>
-            </a:r>
-          </a:p>
-          <a:p>
-            <a:pPr lvl="2"/>
-            <a:r>
-              <a:rPr lang="en-US"/>
-              <a:t>(v, w) is represented in the diagrams as the arrow, v -&gt; w. </a:t>
-            </a:r>
-          </a:p>
-          <a:p>
-            <a:pPr lvl="2"/>
-            <a:r>
-              <a:rPr lang="en-US"/>
-              <a:t>In text we simple write vw.</a:t>
-            </a:r>
-            <a:endParaRPr lang="en-US" dirty="0"/>
-          </a:p>
-        </p:txBody>
-      </p:sp>
-    </p:spTree>
-  </p:cSld>
-  <p:clrMapOvr>
-    <a:masterClrMapping/>
-  </p:clrMapOvr>
-</p:sld>
-</file>
-
-<file path=ppt/slides/slide70.xml><?xml version="1.0" encoding="utf-8"?>
-<p:sld xmlns:a="http://schemas.openxmlformats.org/drawingml/2006/main" xmlns:r="http://schemas.openxmlformats.org/officeDocument/2006/relationships" xmlns:p="http://schemas.openxmlformats.org/presentationml/2006/main">
-  <p:cSld>
-    <p:spTree>
-      <p:nvGrpSpPr>
-        <p:cNvPr id="1" name=""/>
-        <p:cNvGrpSpPr/>
-        <p:nvPr/>
-      </p:nvGrpSpPr>
-      <p:grpSpPr>
-        <a:xfrm>
-          <a:off x="0" y="0"/>
-          <a:ext cx="0" cy="0"/>
-          <a:chOff x="0" y="0"/>
-          <a:chExt cx="0" cy="0"/>
-        </a:xfrm>
-      </p:grpSpPr>
-      <p:sp>
-        <p:nvSpPr>
-          <p:cNvPr id="86020" name="Rectangle 3"/>
-          <p:cNvSpPr>
-            <a:spLocks noGrp="1" noChangeArrowheads="1"/>
-          </p:cNvSpPr>
-          <p:nvPr>
-            <p:ph type="title"/>
-            <p:custDataLst>
-              <p:tags r:id="rId1"/>
-            </p:custDataLst>
-          </p:nvPr>
-        </p:nvSpPr>
-        <p:spPr/>
-        <p:txBody>
-          <a:bodyPr/>
-          <a:lstStyle/>
-          <a:p>
-            <a:r>
-              <a:rPr lang="en-US"/>
-              <a:t>Dijkstra' Algorithm</a:t>
-            </a:r>
-          </a:p>
-        </p:txBody>
-      </p:sp>
-      <p:sp>
-        <p:nvSpPr>
-          <p:cNvPr id="4" name="Slide Number Placeholder 3"/>
-          <p:cNvSpPr>
-            <a:spLocks noGrp="1"/>
-          </p:cNvSpPr>
-          <p:nvPr>
-            <p:ph type="sldNum" sz="quarter" idx="12"/>
-          </p:nvPr>
-        </p:nvSpPr>
-        <p:spPr/>
-        <p:txBody>
-          <a:bodyPr/>
-          <a:lstStyle/>
-          <a:p>
-            <a:fld id="{DACC1BBE-66B1-403A-8C7E-C57A0F3A107F}" type="slidenum">
-              <a:rPr lang="en-US" smtClean="0"/>
-              <a:pPr/>
-              <a:t>70</a:t>
-            </a:fld>
-            <a:endParaRPr lang="en-US"/>
-          </a:p>
-        </p:txBody>
-      </p:sp>
-      <p:sp>
-        <p:nvSpPr>
-          <p:cNvPr id="86019" name="Rectangle 2"/>
-          <p:cNvSpPr>
-            <a:spLocks noGrp="1" noChangeArrowheads="1"/>
-          </p:cNvSpPr>
-          <p:nvPr>
-            <p:ph sz="quarter" idx="1"/>
-            <p:custDataLst>
-              <p:tags r:id="rId2"/>
-            </p:custDataLst>
-          </p:nvPr>
-        </p:nvSpPr>
-        <p:spPr>
-          <a:xfrm>
-            <a:off x="457200" y="1219200"/>
-            <a:ext cx="8229600" cy="5334000"/>
-          </a:xfrm>
-        </p:spPr>
-        <p:txBody>
-          <a:bodyPr>
-            <a:noAutofit/>
-          </a:bodyPr>
-          <a:lstStyle/>
-          <a:p>
-            <a:pPr>
-              <a:lnSpc>
-                <a:spcPct val="80000"/>
-              </a:lnSpc>
-              <a:buFont typeface="Monotype Sorts" charset="2"/>
-              <a:buNone/>
-            </a:pPr>
-            <a:r>
-              <a:rPr lang="en-US" sz="2000" b="1" dirty="0" err="1">
-                <a:latin typeface="Courier New" pitchFamily="49" charset="0"/>
-              </a:rPr>
-              <a:t>dijkstra</a:t>
-            </a:r>
-            <a:r>
-              <a:rPr lang="en-US" sz="2000" b="1" dirty="0">
-                <a:latin typeface="Courier New" pitchFamily="49" charset="0"/>
-              </a:rPr>
-              <a:t>(G, wt,</a:t>
-            </a:r>
-            <a:r>
-              <a:rPr lang="en-US" sz="2000" b="1" dirty="0">
-                <a:solidFill>
-                  <a:schemeClr val="accent1"/>
-                </a:solidFill>
-                <a:latin typeface="Courier New" pitchFamily="49" charset="0"/>
-              </a:rPr>
-              <a:t> s</a:t>
-            </a:r>
-            <a:r>
-              <a:rPr lang="en-US" sz="2000" b="1" dirty="0">
-                <a:latin typeface="Courier New" pitchFamily="49" charset="0"/>
-              </a:rPr>
-              <a:t>)</a:t>
-            </a:r>
-          </a:p>
-          <a:p>
-            <a:pPr>
-              <a:lnSpc>
-                <a:spcPct val="80000"/>
-              </a:lnSpc>
-              <a:buFont typeface="Monotype Sorts" charset="2"/>
-              <a:buNone/>
-            </a:pPr>
-            <a:r>
-              <a:rPr lang="en-US" sz="2000" b="1" dirty="0">
-                <a:latin typeface="Courier New" pitchFamily="49" charset="0"/>
-              </a:rPr>
-              <a:t> init PQ to be empty;</a:t>
-            </a:r>
-          </a:p>
-          <a:p>
-            <a:pPr>
-              <a:lnSpc>
-                <a:spcPct val="80000"/>
-              </a:lnSpc>
-              <a:buFont typeface="Monotype Sorts" charset="2"/>
-              <a:buNone/>
-            </a:pPr>
-            <a:r>
-              <a:rPr lang="en-US" sz="2000" b="1" dirty="0">
-                <a:latin typeface="Courier New" pitchFamily="49" charset="0"/>
-              </a:rPr>
-              <a:t> </a:t>
-            </a:r>
-            <a:r>
-              <a:rPr lang="en-US" sz="2000" b="1" dirty="0" err="1">
-                <a:latin typeface="Courier New" pitchFamily="49" charset="0"/>
-              </a:rPr>
-              <a:t>PQ.Insert</a:t>
-            </a:r>
-            <a:r>
-              <a:rPr lang="en-US" sz="2000" b="1" dirty="0">
-                <a:latin typeface="Courier New" pitchFamily="49" charset="0"/>
-              </a:rPr>
-              <a:t>(s, </a:t>
-            </a:r>
-            <a:r>
-              <a:rPr lang="en-US" sz="2000" b="1" dirty="0">
-                <a:solidFill>
-                  <a:schemeClr val="accent1"/>
-                </a:solidFill>
-                <a:latin typeface="Courier New" pitchFamily="49" charset="0"/>
-              </a:rPr>
-              <a:t>dist=0</a:t>
-            </a:r>
-            <a:r>
-              <a:rPr lang="en-US" sz="2000" b="1" dirty="0">
-                <a:latin typeface="Courier New" pitchFamily="49" charset="0"/>
-              </a:rPr>
-              <a:t>);</a:t>
-            </a:r>
-          </a:p>
-          <a:p>
-            <a:pPr>
-              <a:lnSpc>
-                <a:spcPct val="80000"/>
-              </a:lnSpc>
-              <a:buFont typeface="Monotype Sorts" charset="2"/>
-              <a:buNone/>
-            </a:pPr>
-            <a:r>
-              <a:rPr lang="en-US" sz="2000" b="1" dirty="0">
-                <a:latin typeface="Courier New" pitchFamily="49" charset="0"/>
-                <a:sym typeface="Symbol" pitchFamily="18" charset="2"/>
-              </a:rPr>
-              <a:t> parent[s] = NULL; </a:t>
-            </a:r>
-            <a:r>
-              <a:rPr lang="en-US" sz="2000" b="1" dirty="0">
-                <a:solidFill>
-                  <a:schemeClr val="accent1"/>
-                </a:solidFill>
-                <a:latin typeface="Courier New" pitchFamily="49" charset="0"/>
-                <a:sym typeface="Symbol" pitchFamily="18" charset="2"/>
-              </a:rPr>
-              <a:t>dist[s] = 0</a:t>
-            </a:r>
-            <a:r>
-              <a:rPr lang="en-US" sz="2000" b="1" dirty="0">
-                <a:latin typeface="Courier New" pitchFamily="49" charset="0"/>
-                <a:sym typeface="Symbol" pitchFamily="18" charset="2"/>
-              </a:rPr>
-              <a:t>;</a:t>
-            </a:r>
-          </a:p>
-          <a:p>
-            <a:pPr>
-              <a:lnSpc>
-                <a:spcPct val="80000"/>
-              </a:lnSpc>
-              <a:buFont typeface="Monotype Sorts" charset="2"/>
-              <a:buNone/>
-            </a:pPr>
-            <a:r>
-              <a:rPr lang="en-US" sz="2000" b="1" dirty="0">
-                <a:latin typeface="Courier New" pitchFamily="49" charset="0"/>
-                <a:sym typeface="Symbol" pitchFamily="18" charset="2"/>
-              </a:rPr>
-              <a:t> while (PQ not empty)</a:t>
-            </a:r>
-          </a:p>
-          <a:p>
-            <a:pPr>
-              <a:lnSpc>
-                <a:spcPct val="80000"/>
-              </a:lnSpc>
-              <a:buFont typeface="Monotype Sorts" charset="2"/>
-              <a:buNone/>
-            </a:pPr>
-            <a:r>
-              <a:rPr lang="en-US" sz="2000" b="1" dirty="0">
-                <a:latin typeface="Courier New" pitchFamily="49" charset="0"/>
-                <a:sym typeface="Symbol" pitchFamily="18" charset="2"/>
-              </a:rPr>
-              <a:t>   v = </a:t>
-            </a:r>
-            <a:r>
-              <a:rPr lang="en-US" sz="2000" b="1" dirty="0" err="1">
-                <a:latin typeface="Courier New" pitchFamily="49" charset="0"/>
-                <a:sym typeface="Symbol" pitchFamily="18" charset="2"/>
-              </a:rPr>
-              <a:t>PQ.ExtractMin</a:t>
-            </a:r>
-            <a:r>
-              <a:rPr lang="en-US" sz="2000" b="1" dirty="0">
-                <a:latin typeface="Courier New" pitchFamily="49" charset="0"/>
-                <a:sym typeface="Symbol" pitchFamily="18" charset="2"/>
-              </a:rPr>
-              <a:t>();</a:t>
-            </a:r>
-          </a:p>
-          <a:p>
-            <a:pPr>
-              <a:lnSpc>
-                <a:spcPct val="80000"/>
-              </a:lnSpc>
-              <a:buFont typeface="Monotype Sorts" charset="2"/>
-              <a:buNone/>
-            </a:pPr>
-            <a:r>
-              <a:rPr lang="en-US" sz="2000" b="1" dirty="0">
-                <a:latin typeface="Courier New" pitchFamily="49" charset="0"/>
-                <a:sym typeface="Symbol" pitchFamily="18" charset="2"/>
-              </a:rPr>
-              <a:t>   for each </a:t>
-            </a:r>
-            <a:r>
-              <a:rPr lang="en-US" sz="2000" b="1" i="1" dirty="0">
-                <a:latin typeface="Courier New" pitchFamily="49" charset="0"/>
-                <a:sym typeface="Symbol" pitchFamily="18" charset="2"/>
-              </a:rPr>
-              <a:t>w</a:t>
-            </a:r>
-            <a:r>
-              <a:rPr lang="en-US" sz="2000" b="1" dirty="0">
-                <a:latin typeface="Courier New" pitchFamily="49" charset="0"/>
-              </a:rPr>
-              <a:t> </a:t>
-            </a:r>
-            <a:r>
-              <a:rPr lang="en-US" sz="2000" b="1" dirty="0" err="1">
-                <a:latin typeface="Courier New" pitchFamily="49" charset="0"/>
-                <a:sym typeface="Symbol" pitchFamily="18" charset="2"/>
-              </a:rPr>
-              <a:t>adj</a:t>
-            </a:r>
-            <a:r>
-              <a:rPr lang="en-US" sz="2000" b="1" dirty="0">
-                <a:latin typeface="Courier New" pitchFamily="49" charset="0"/>
-                <a:sym typeface="Symbol" pitchFamily="18" charset="2"/>
-              </a:rPr>
-              <a:t> to v</a:t>
-            </a:r>
-          </a:p>
-          <a:p>
-            <a:pPr>
-              <a:lnSpc>
-                <a:spcPct val="80000"/>
-              </a:lnSpc>
-              <a:buFont typeface="Monotype Sorts" charset="2"/>
-              <a:buNone/>
-            </a:pPr>
-            <a:r>
-              <a:rPr lang="en-US" sz="2000" b="1" dirty="0">
-                <a:latin typeface="Courier New" pitchFamily="49" charset="0"/>
-                <a:sym typeface="Symbol" pitchFamily="18" charset="2"/>
-              </a:rPr>
-              <a:t>     if (w</a:t>
-            </a:r>
-            <a:r>
-              <a:rPr lang="en-US" sz="2000" b="1" dirty="0">
-                <a:latin typeface="Courier New" pitchFamily="49" charset="0"/>
-              </a:rPr>
-              <a:t> </a:t>
-            </a:r>
-            <a:r>
-              <a:rPr lang="en-US" sz="2000" b="1" dirty="0">
-                <a:latin typeface="Courier New" pitchFamily="49" charset="0"/>
-                <a:sym typeface="Symbol" pitchFamily="18" charset="2"/>
-              </a:rPr>
-              <a:t>is unseen) {</a:t>
-            </a:r>
-          </a:p>
-          <a:p>
-            <a:pPr>
-              <a:lnSpc>
-                <a:spcPct val="80000"/>
-              </a:lnSpc>
-              <a:buFont typeface="Monotype Sorts" charset="2"/>
-              <a:buNone/>
-            </a:pPr>
-            <a:r>
-              <a:rPr lang="en-US" sz="2000" b="1" dirty="0">
-                <a:latin typeface="Courier New" pitchFamily="49" charset="0"/>
-                <a:sym typeface="Symbol" pitchFamily="18" charset="2"/>
-              </a:rPr>
-              <a:t>        </a:t>
-            </a:r>
-            <a:r>
-              <a:rPr lang="en-US" sz="2000" b="1" dirty="0">
-                <a:solidFill>
-                  <a:schemeClr val="accent1"/>
-                </a:solidFill>
-                <a:latin typeface="Courier New" pitchFamily="49" charset="0"/>
-                <a:sym typeface="Symbol" pitchFamily="18" charset="2"/>
-              </a:rPr>
-              <a:t>dist[w] =</a:t>
-            </a:r>
-            <a:r>
-              <a:rPr lang="en-US" sz="2000" b="1" dirty="0">
-                <a:latin typeface="Courier New" pitchFamily="49" charset="0"/>
-                <a:sym typeface="Symbol" pitchFamily="18" charset="2"/>
-              </a:rPr>
-              <a:t> </a:t>
-            </a:r>
-            <a:r>
-              <a:rPr lang="en-US" sz="2000" b="1" dirty="0">
-                <a:solidFill>
-                  <a:schemeClr val="accent1"/>
-                </a:solidFill>
-                <a:latin typeface="Courier New" pitchFamily="49" charset="0"/>
-                <a:sym typeface="Symbol" pitchFamily="18" charset="2"/>
-              </a:rPr>
-              <a:t>dist[v] + wt(</a:t>
-            </a:r>
-            <a:r>
-              <a:rPr lang="en-US" sz="2000" b="1" dirty="0" err="1">
-                <a:solidFill>
-                  <a:schemeClr val="accent1"/>
-                </a:solidFill>
-                <a:latin typeface="Courier New" pitchFamily="49" charset="0"/>
-                <a:sym typeface="Symbol" pitchFamily="18" charset="2"/>
-              </a:rPr>
-              <a:t>v,w</a:t>
-            </a:r>
-            <a:r>
-              <a:rPr lang="en-US" sz="2000" b="1" dirty="0">
-                <a:solidFill>
-                  <a:schemeClr val="accent1"/>
-                </a:solidFill>
-                <a:latin typeface="Courier New" pitchFamily="49" charset="0"/>
-                <a:sym typeface="Symbol" pitchFamily="18" charset="2"/>
-              </a:rPr>
-              <a:t>)</a:t>
-            </a:r>
-            <a:r>
-              <a:rPr lang="en-US" sz="2000" b="1" dirty="0">
-                <a:latin typeface="Courier New" pitchFamily="49" charset="0"/>
-                <a:sym typeface="Symbol" pitchFamily="18" charset="2"/>
-              </a:rPr>
-              <a:t> </a:t>
-            </a:r>
-          </a:p>
-          <a:p>
-            <a:pPr>
-              <a:lnSpc>
-                <a:spcPct val="80000"/>
-              </a:lnSpc>
-              <a:buFont typeface="Monotype Sorts" charset="2"/>
-              <a:buNone/>
-            </a:pPr>
-            <a:r>
-              <a:rPr lang="en-US" sz="2000" b="1" dirty="0">
-                <a:latin typeface="Courier New" pitchFamily="49" charset="0"/>
-                <a:sym typeface="Symbol" pitchFamily="18" charset="2"/>
-              </a:rPr>
-              <a:t>        </a:t>
-            </a:r>
-            <a:r>
-              <a:rPr lang="en-US" sz="2000" b="1" dirty="0" err="1">
-                <a:latin typeface="Courier New" pitchFamily="49" charset="0"/>
-                <a:sym typeface="Symbol" pitchFamily="18" charset="2"/>
-              </a:rPr>
-              <a:t>PQ.Insert</a:t>
-            </a:r>
-            <a:r>
-              <a:rPr lang="en-US" sz="2000" b="1" dirty="0">
-                <a:latin typeface="Courier New" pitchFamily="49" charset="0"/>
-                <a:sym typeface="Symbol" pitchFamily="18" charset="2"/>
-              </a:rPr>
-              <a:t>(w, </a:t>
-            </a:r>
-            <a:r>
-              <a:rPr lang="en-US" sz="2000" b="1" dirty="0">
-                <a:solidFill>
-                  <a:schemeClr val="accent1"/>
-                </a:solidFill>
-                <a:latin typeface="Courier New" pitchFamily="49" charset="0"/>
-                <a:sym typeface="Symbol" pitchFamily="18" charset="2"/>
-              </a:rPr>
-              <a:t>dist[w] </a:t>
-            </a:r>
-            <a:r>
-              <a:rPr lang="en-US" sz="2000" b="1" dirty="0">
-                <a:latin typeface="Courier New" pitchFamily="49" charset="0"/>
-                <a:sym typeface="Symbol" pitchFamily="18" charset="2"/>
-              </a:rPr>
-              <a:t>);</a:t>
-            </a:r>
-          </a:p>
-          <a:p>
-            <a:pPr>
-              <a:lnSpc>
-                <a:spcPct val="80000"/>
-              </a:lnSpc>
-              <a:buFont typeface="Monotype Sorts" charset="2"/>
-              <a:buNone/>
-            </a:pPr>
-            <a:r>
-              <a:rPr lang="en-US" sz="2000" b="1" dirty="0">
-                <a:latin typeface="Courier New" pitchFamily="49" charset="0"/>
-                <a:sym typeface="Symbol" pitchFamily="18" charset="2"/>
-              </a:rPr>
-              <a:t>        parent[w] = v;</a:t>
-            </a:r>
-          </a:p>
-          <a:p>
-            <a:pPr>
-              <a:lnSpc>
-                <a:spcPct val="80000"/>
-              </a:lnSpc>
-              <a:buFont typeface="Monotype Sorts" charset="2"/>
-              <a:buNone/>
-            </a:pPr>
-            <a:r>
-              <a:rPr lang="en-US" sz="2000" b="1" dirty="0">
-                <a:latin typeface="Courier New" pitchFamily="49" charset="0"/>
-                <a:sym typeface="Symbol" pitchFamily="18" charset="2"/>
-              </a:rPr>
-              <a:t>	   }</a:t>
-            </a:r>
-          </a:p>
-          <a:p>
-            <a:pPr>
-              <a:lnSpc>
-                <a:spcPct val="80000"/>
-              </a:lnSpc>
-              <a:buFont typeface="Monotype Sorts" charset="2"/>
-              <a:buNone/>
-            </a:pPr>
-            <a:r>
-              <a:rPr lang="en-US" sz="2000" b="1" dirty="0">
-                <a:latin typeface="Courier New" pitchFamily="49" charset="0"/>
-                <a:sym typeface="Symbol" pitchFamily="18" charset="2"/>
-              </a:rPr>
-              <a:t>     else if (w is fringe &amp;&amp; </a:t>
-            </a:r>
-            <a:r>
-              <a:rPr lang="en-US" sz="2000" b="1" dirty="0">
-                <a:solidFill>
-                  <a:schemeClr val="accent1"/>
-                </a:solidFill>
-                <a:latin typeface="Courier New" pitchFamily="49" charset="0"/>
-                <a:sym typeface="Symbol" pitchFamily="18" charset="2"/>
-              </a:rPr>
-              <a:t>dist[v] + wt(</a:t>
-            </a:r>
-            <a:r>
-              <a:rPr lang="en-US" sz="2000" b="1" dirty="0" err="1">
-                <a:solidFill>
-                  <a:schemeClr val="accent1"/>
-                </a:solidFill>
-                <a:latin typeface="Courier New" pitchFamily="49" charset="0"/>
-                <a:sym typeface="Symbol" pitchFamily="18" charset="2"/>
-              </a:rPr>
-              <a:t>v,w</a:t>
-            </a:r>
-            <a:r>
-              <a:rPr lang="en-US" sz="2000" b="1" dirty="0">
-                <a:solidFill>
-                  <a:schemeClr val="accent1"/>
-                </a:solidFill>
-                <a:latin typeface="Courier New" pitchFamily="49" charset="0"/>
-                <a:sym typeface="Symbol" pitchFamily="18" charset="2"/>
-              </a:rPr>
-              <a:t>) &lt; dist[w]</a:t>
-            </a:r>
-            <a:r>
-              <a:rPr lang="en-US" sz="2000" b="1" dirty="0">
-                <a:latin typeface="Courier New" pitchFamily="49" charset="0"/>
-                <a:sym typeface="Symbol" pitchFamily="18" charset="2"/>
-              </a:rPr>
-              <a:t> ) {</a:t>
-            </a:r>
-          </a:p>
-          <a:p>
-            <a:pPr>
-              <a:lnSpc>
-                <a:spcPct val="80000"/>
-              </a:lnSpc>
-              <a:buFont typeface="Monotype Sorts" charset="2"/>
-              <a:buNone/>
-            </a:pPr>
-            <a:r>
-              <a:rPr lang="en-US" sz="2000" b="1" dirty="0">
-                <a:latin typeface="Courier New" pitchFamily="49" charset="0"/>
-                <a:sym typeface="Symbol" pitchFamily="18" charset="2"/>
-              </a:rPr>
-              <a:t>        </a:t>
-            </a:r>
-            <a:r>
-              <a:rPr lang="en-US" sz="2000" b="1" dirty="0">
-                <a:solidFill>
-                  <a:schemeClr val="accent1"/>
-                </a:solidFill>
-                <a:latin typeface="Courier New" pitchFamily="49" charset="0"/>
-                <a:sym typeface="Symbol" pitchFamily="18" charset="2"/>
-              </a:rPr>
-              <a:t>dist[w] =</a:t>
-            </a:r>
-            <a:r>
-              <a:rPr lang="en-US" sz="2000" b="1" dirty="0">
-                <a:latin typeface="Courier New" pitchFamily="49" charset="0"/>
-                <a:sym typeface="Symbol" pitchFamily="18" charset="2"/>
-              </a:rPr>
-              <a:t> </a:t>
-            </a:r>
-            <a:r>
-              <a:rPr lang="en-US" sz="2000" b="1" dirty="0">
-                <a:solidFill>
-                  <a:schemeClr val="accent1"/>
-                </a:solidFill>
-                <a:latin typeface="Courier New" pitchFamily="49" charset="0"/>
-                <a:sym typeface="Symbol" pitchFamily="18" charset="2"/>
-              </a:rPr>
-              <a:t>dist[v] + wt(</a:t>
-            </a:r>
-            <a:r>
-              <a:rPr lang="en-US" sz="2000" b="1" dirty="0" err="1">
-                <a:solidFill>
-                  <a:schemeClr val="accent1"/>
-                </a:solidFill>
-                <a:latin typeface="Courier New" pitchFamily="49" charset="0"/>
-                <a:sym typeface="Symbol" pitchFamily="18" charset="2"/>
-              </a:rPr>
-              <a:t>v,w</a:t>
-            </a:r>
-            <a:r>
-              <a:rPr lang="en-US" sz="2000" b="1" dirty="0">
-                <a:solidFill>
-                  <a:schemeClr val="accent1"/>
-                </a:solidFill>
-                <a:latin typeface="Courier New" pitchFamily="49" charset="0"/>
-                <a:sym typeface="Symbol" pitchFamily="18" charset="2"/>
-              </a:rPr>
-              <a:t>)</a:t>
-            </a:r>
-            <a:endParaRPr lang="en-US" sz="2000" b="1" dirty="0">
-              <a:latin typeface="Courier New" pitchFamily="49" charset="0"/>
-              <a:sym typeface="Symbol" pitchFamily="18" charset="2"/>
-            </a:endParaRPr>
-          </a:p>
-          <a:p>
-            <a:pPr>
-              <a:lnSpc>
-                <a:spcPct val="80000"/>
-              </a:lnSpc>
-              <a:buFont typeface="Monotype Sorts" charset="2"/>
-              <a:buNone/>
-            </a:pPr>
-            <a:r>
-              <a:rPr lang="en-US" sz="2000" b="1" dirty="0">
-                <a:latin typeface="Courier New" pitchFamily="49" charset="0"/>
-                <a:sym typeface="Symbol" pitchFamily="18" charset="2"/>
-              </a:rPr>
-              <a:t>        </a:t>
-            </a:r>
-            <a:r>
-              <a:rPr lang="en-US" sz="2000" b="1" dirty="0" err="1">
-                <a:latin typeface="Courier New" pitchFamily="49" charset="0"/>
-                <a:sym typeface="Symbol" pitchFamily="18" charset="2"/>
-              </a:rPr>
-              <a:t>PQ.decreaseKey</a:t>
-            </a:r>
-            <a:r>
-              <a:rPr lang="en-US" sz="2000" b="1" dirty="0">
-                <a:latin typeface="Courier New" pitchFamily="49" charset="0"/>
-                <a:sym typeface="Symbol" pitchFamily="18" charset="2"/>
-              </a:rPr>
-              <a:t>(w, </a:t>
-            </a:r>
-            <a:r>
-              <a:rPr lang="en-US" sz="2000" b="1" dirty="0">
-                <a:solidFill>
-                  <a:schemeClr val="accent1"/>
-                </a:solidFill>
-                <a:latin typeface="Courier New" pitchFamily="49" charset="0"/>
-                <a:sym typeface="Symbol" pitchFamily="18" charset="2"/>
-              </a:rPr>
-              <a:t>dist[w]</a:t>
-            </a:r>
-            <a:r>
-              <a:rPr lang="en-US" sz="2000" b="1" dirty="0">
-                <a:latin typeface="Courier New" pitchFamily="49" charset="0"/>
-                <a:sym typeface="Symbol" pitchFamily="18" charset="2"/>
-              </a:rPr>
-              <a:t>);</a:t>
-            </a:r>
-          </a:p>
-          <a:p>
-            <a:pPr>
-              <a:lnSpc>
-                <a:spcPct val="80000"/>
-              </a:lnSpc>
-              <a:buFont typeface="Monotype Sorts" charset="2"/>
-              <a:buNone/>
-            </a:pPr>
-            <a:r>
-              <a:rPr lang="en-US" sz="2000" b="1" dirty="0">
-                <a:latin typeface="Courier New" pitchFamily="49" charset="0"/>
-                <a:sym typeface="Symbol" pitchFamily="18" charset="2"/>
-              </a:rPr>
-              <a:t>        parent[w] = v;</a:t>
-            </a:r>
-          </a:p>
-          <a:p>
-            <a:pPr>
-              <a:lnSpc>
-                <a:spcPct val="80000"/>
-              </a:lnSpc>
-              <a:buFont typeface="Monotype Sorts" charset="2"/>
-              <a:buNone/>
-            </a:pPr>
-            <a:r>
-              <a:rPr lang="en-US" sz="2000" b="1" dirty="0">
-                <a:latin typeface="Courier New" pitchFamily="49" charset="0"/>
-                <a:sym typeface="Symbol" pitchFamily="18" charset="2"/>
-              </a:rPr>
-              <a:t>     }</a:t>
-            </a:r>
-          </a:p>
-        </p:txBody>
-      </p:sp>
-    </p:spTree>
-    <p:extLst>
-      <p:ext uri="{BB962C8B-B14F-4D97-AF65-F5344CB8AC3E}">
-        <p14:creationId xmlns:p14="http://schemas.microsoft.com/office/powerpoint/2010/main" val="3454196530"/>
-      </p:ext>
-    </p:extLst>
-  </p:cSld>
-  <p:clrMapOvr>
-    <a:masterClrMapping/>
-  </p:clrMapOvr>
-</p:sld>
-</file>
-
 <file path=ppt/slides/slide71.xml><?xml version="1.0" encoding="utf-8"?>
 <p:sld xmlns:a="http://schemas.openxmlformats.org/drawingml/2006/main" xmlns:r="http://schemas.openxmlformats.org/officeDocument/2006/relationships" xmlns:p="http://schemas.openxmlformats.org/presentationml/2006/main">
   <p:cSld>
@@ -26505,7 +25943,7 @@
       </p:grpSpPr>
       <p:sp>
         <p:nvSpPr>
-          <p:cNvPr id="87043" name="Rectangle 2"/>
+          <p:cNvPr id="86020" name="Rectangle 3"/>
           <p:cNvSpPr>
             <a:spLocks noGrp="1" noChangeArrowheads="1"/>
           </p:cNvSpPr>
@@ -26523,7 +25961,7 @@
           <a:p>
             <a:r>
               <a:rPr lang="en-US"/>
-              <a:t>Notes on Dijkstra’s Algorithm</a:t>
+              <a:t>Dijkstra' Algorithm</a:t>
             </a:r>
           </a:p>
         </p:txBody>
@@ -26554,7 +25992,7 @@
       </p:sp>
       <p:sp>
         <p:nvSpPr>
-          <p:cNvPr id="87044" name="Rectangle 3"/>
+          <p:cNvPr id="86019" name="Rectangle 2"/>
           <p:cNvSpPr>
             <a:spLocks noGrp="1" noChangeArrowheads="1"/>
           </p:cNvSpPr>
@@ -26565,63 +26003,607 @@
             </p:custDataLst>
           </p:nvPr>
         </p:nvSpPr>
-        <p:spPr/>
-        <p:txBody>
-          <a:bodyPr/>
-          <a:lstStyle/>
-          <a:p>
-            <a:r>
-              <a:rPr lang="en-US" dirty="0"/>
-              <a:t>Use </a:t>
-            </a:r>
-            <a:r>
-              <a:rPr lang="en-US" dirty="0" err="1"/>
-              <a:t>dist</a:t>
-            </a:r>
-            <a:r>
-              <a:rPr lang="en-US" dirty="0"/>
-              <a:t>[] to store distances from start to any fringe or tree node</a:t>
-            </a:r>
-          </a:p>
-          <a:p>
-            <a:r>
-              <a:rPr lang="en-US" dirty="0"/>
-              <a:t>Store and calculate using distances instead of edge-weights </a:t>
-            </a:r>
-          </a:p>
-          <a:p>
-            <a:r>
-              <a:rPr lang="en-US" dirty="0"/>
-              <a:t>What’s the output?</a:t>
-            </a:r>
-          </a:p>
-          <a:p>
-            <a:pPr lvl="1"/>
-            <a:r>
-              <a:rPr lang="en-US" dirty="0"/>
-              <a:t>Tree captured in the parent[] array</a:t>
-            </a:r>
-          </a:p>
-          <a:p>
-            <a:pPr lvl="1"/>
-            <a:r>
-              <a:rPr lang="en-US" dirty="0"/>
-              <a:t>Shortest distance to each node in </a:t>
-            </a:r>
-            <a:r>
-              <a:rPr lang="en-US" dirty="0" err="1"/>
-              <a:t>dist</a:t>
-            </a:r>
-            <a:r>
-              <a:rPr lang="en-US" dirty="0"/>
-              <a:t>[] array</a:t>
-            </a:r>
-          </a:p>
-          <a:p>
-            <a:pPr lvl="1"/>
-            <a:r>
-              <a:rPr lang="en-US" dirty="0"/>
-              <a:t>Trace shortest path in reverse by using parent[] to move from target back to start node, s</a:t>
+        <p:spPr>
+          <a:xfrm>
+            <a:off x="457200" y="1219200"/>
+            <a:ext cx="8229600" cy="5334000"/>
+          </a:xfrm>
+        </p:spPr>
+        <p:txBody>
+          <a:bodyPr>
+            <a:noAutofit/>
+          </a:bodyPr>
+          <a:lstStyle/>
+          <a:p>
+            <a:pPr>
+              <a:lnSpc>
+                <a:spcPct val="80000"/>
+              </a:lnSpc>
+              <a:buFont typeface="Monotype Sorts" charset="2"/>
+              <a:buNone/>
+            </a:pPr>
+            <a:r>
+              <a:rPr lang="en-US" sz="2000" b="1" dirty="0" err="1">
+                <a:latin typeface="Courier New" pitchFamily="49" charset="0"/>
+              </a:rPr>
+              <a:t>dijkstra</a:t>
+            </a:r>
+            <a:r>
+              <a:rPr lang="en-US" sz="2000" b="1" dirty="0">
+                <a:latin typeface="Courier New" pitchFamily="49" charset="0"/>
+              </a:rPr>
+              <a:t>(G, wt,</a:t>
+            </a:r>
+            <a:r>
+              <a:rPr lang="en-US" sz="2000" b="1" dirty="0">
+                <a:solidFill>
+                  <a:schemeClr val="accent1"/>
+                </a:solidFill>
+                <a:latin typeface="Courier New" pitchFamily="49" charset="0"/>
+              </a:rPr>
+              <a:t> s</a:t>
+            </a:r>
+            <a:r>
+              <a:rPr lang="en-US" sz="2000" b="1" dirty="0">
+                <a:latin typeface="Courier New" pitchFamily="49" charset="0"/>
+              </a:rPr>
+              <a:t>)</a:t>
+            </a:r>
+          </a:p>
+          <a:p>
+            <a:pPr>
+              <a:lnSpc>
+                <a:spcPct val="80000"/>
+              </a:lnSpc>
+              <a:buFont typeface="Monotype Sorts" charset="2"/>
+              <a:buNone/>
+            </a:pPr>
+            <a:r>
+              <a:rPr lang="en-US" sz="2000" b="1" dirty="0">
+                <a:latin typeface="Courier New" pitchFamily="49" charset="0"/>
+              </a:rPr>
+              <a:t> init PQ to be empty;</a:t>
+            </a:r>
+          </a:p>
+          <a:p>
+            <a:pPr>
+              <a:lnSpc>
+                <a:spcPct val="80000"/>
+              </a:lnSpc>
+              <a:buFont typeface="Monotype Sorts" charset="2"/>
+              <a:buNone/>
+            </a:pPr>
+            <a:r>
+              <a:rPr lang="en-US" sz="2000" b="1" dirty="0">
+                <a:latin typeface="Courier New" pitchFamily="49" charset="0"/>
+              </a:rPr>
+              <a:t> </a:t>
+            </a:r>
+            <a:r>
+              <a:rPr lang="en-US" sz="2000" b="1" dirty="0" err="1">
+                <a:latin typeface="Courier New" pitchFamily="49" charset="0"/>
+              </a:rPr>
+              <a:t>PQ.Insert</a:t>
+            </a:r>
+            <a:r>
+              <a:rPr lang="en-US" sz="2000" b="1" dirty="0">
+                <a:latin typeface="Courier New" pitchFamily="49" charset="0"/>
+              </a:rPr>
+              <a:t>(s, </a:t>
+            </a:r>
+            <a:r>
+              <a:rPr lang="en-US" sz="2000" b="1" dirty="0">
+                <a:solidFill>
+                  <a:schemeClr val="accent1"/>
+                </a:solidFill>
+                <a:latin typeface="Courier New" pitchFamily="49" charset="0"/>
+              </a:rPr>
+              <a:t>dist=0</a:t>
+            </a:r>
+            <a:r>
+              <a:rPr lang="en-US" sz="2000" b="1" dirty="0">
+                <a:latin typeface="Courier New" pitchFamily="49" charset="0"/>
+              </a:rPr>
+              <a:t>);</a:t>
+            </a:r>
+          </a:p>
+          <a:p>
+            <a:pPr>
+              <a:lnSpc>
+                <a:spcPct val="80000"/>
+              </a:lnSpc>
+              <a:buFont typeface="Monotype Sorts" charset="2"/>
+              <a:buNone/>
+            </a:pPr>
+            <a:r>
+              <a:rPr lang="en-US" sz="2000" b="1" dirty="0">
+                <a:latin typeface="Courier New" pitchFamily="49" charset="0"/>
+                <a:sym typeface="Symbol" pitchFamily="18" charset="2"/>
+              </a:rPr>
+              <a:t> parent[s] = NULL; </a:t>
+            </a:r>
+            <a:r>
+              <a:rPr lang="en-US" sz="2000" b="1" dirty="0">
+                <a:solidFill>
+                  <a:schemeClr val="accent1"/>
+                </a:solidFill>
+                <a:latin typeface="Courier New" pitchFamily="49" charset="0"/>
+                <a:sym typeface="Symbol" pitchFamily="18" charset="2"/>
+              </a:rPr>
+              <a:t>dist[s] = 0</a:t>
+            </a:r>
+            <a:r>
+              <a:rPr lang="en-US" sz="2000" b="1" dirty="0">
+                <a:latin typeface="Courier New" pitchFamily="49" charset="0"/>
+                <a:sym typeface="Symbol" pitchFamily="18" charset="2"/>
+              </a:rPr>
+              <a:t>;</a:t>
+            </a:r>
+          </a:p>
+          <a:p>
+            <a:pPr>
+              <a:lnSpc>
+                <a:spcPct val="80000"/>
+              </a:lnSpc>
+              <a:buFont typeface="Monotype Sorts" charset="2"/>
+              <a:buNone/>
+            </a:pPr>
+            <a:r>
+              <a:rPr lang="en-US" sz="2000" b="1" dirty="0">
+                <a:latin typeface="Courier New" pitchFamily="49" charset="0"/>
+                <a:sym typeface="Symbol" pitchFamily="18" charset="2"/>
+              </a:rPr>
+              <a:t> while (PQ not empty)</a:t>
+            </a:r>
+          </a:p>
+          <a:p>
+            <a:pPr>
+              <a:lnSpc>
+                <a:spcPct val="80000"/>
+              </a:lnSpc>
+              <a:buFont typeface="Monotype Sorts" charset="2"/>
+              <a:buNone/>
+            </a:pPr>
+            <a:r>
+              <a:rPr lang="en-US" sz="2000" b="1" dirty="0">
+                <a:latin typeface="Courier New" pitchFamily="49" charset="0"/>
+                <a:sym typeface="Symbol" pitchFamily="18" charset="2"/>
+              </a:rPr>
+              <a:t>   v = </a:t>
+            </a:r>
+            <a:r>
+              <a:rPr lang="en-US" sz="2000" b="1" dirty="0" err="1">
+                <a:latin typeface="Courier New" pitchFamily="49" charset="0"/>
+                <a:sym typeface="Symbol" pitchFamily="18" charset="2"/>
+              </a:rPr>
+              <a:t>PQ.ExtractMin</a:t>
+            </a:r>
+            <a:r>
+              <a:rPr lang="en-US" sz="2000" b="1" dirty="0">
+                <a:latin typeface="Courier New" pitchFamily="49" charset="0"/>
+                <a:sym typeface="Symbol" pitchFamily="18" charset="2"/>
+              </a:rPr>
+              <a:t>();</a:t>
+            </a:r>
+          </a:p>
+          <a:p>
+            <a:pPr>
+              <a:lnSpc>
+                <a:spcPct val="80000"/>
+              </a:lnSpc>
+              <a:buFont typeface="Monotype Sorts" charset="2"/>
+              <a:buNone/>
+            </a:pPr>
+            <a:r>
+              <a:rPr lang="en-US" sz="2000" b="1" dirty="0">
+                <a:latin typeface="Courier New" pitchFamily="49" charset="0"/>
+                <a:sym typeface="Symbol" pitchFamily="18" charset="2"/>
+              </a:rPr>
+              <a:t>   for each </a:t>
+            </a:r>
+            <a:r>
+              <a:rPr lang="en-US" sz="2000" b="1" i="1" dirty="0">
+                <a:latin typeface="Courier New" pitchFamily="49" charset="0"/>
+                <a:sym typeface="Symbol" pitchFamily="18" charset="2"/>
+              </a:rPr>
+              <a:t>w</a:t>
+            </a:r>
+            <a:r>
+              <a:rPr lang="en-US" sz="2000" b="1" dirty="0">
+                <a:latin typeface="Courier New" pitchFamily="49" charset="0"/>
+              </a:rPr>
+              <a:t> </a:t>
+            </a:r>
+            <a:r>
+              <a:rPr lang="en-US" sz="2000" b="1" dirty="0" err="1">
+                <a:latin typeface="Courier New" pitchFamily="49" charset="0"/>
+                <a:sym typeface="Symbol" pitchFamily="18" charset="2"/>
+              </a:rPr>
+              <a:t>adj</a:t>
+            </a:r>
+            <a:r>
+              <a:rPr lang="en-US" sz="2000" b="1" dirty="0">
+                <a:latin typeface="Courier New" pitchFamily="49" charset="0"/>
+                <a:sym typeface="Symbol" pitchFamily="18" charset="2"/>
+              </a:rPr>
+              <a:t> to v</a:t>
+            </a:r>
+          </a:p>
+          <a:p>
+            <a:pPr>
+              <a:lnSpc>
+                <a:spcPct val="80000"/>
+              </a:lnSpc>
+              <a:buFont typeface="Monotype Sorts" charset="2"/>
+              <a:buNone/>
+            </a:pPr>
+            <a:r>
+              <a:rPr lang="en-US" sz="2000" b="1" dirty="0">
+                <a:latin typeface="Courier New" pitchFamily="49" charset="0"/>
+                <a:sym typeface="Symbol" pitchFamily="18" charset="2"/>
+              </a:rPr>
+              <a:t>     if (w</a:t>
+            </a:r>
+            <a:r>
+              <a:rPr lang="en-US" sz="2000" b="1" dirty="0">
+                <a:latin typeface="Courier New" pitchFamily="49" charset="0"/>
+              </a:rPr>
+              <a:t> </a:t>
+            </a:r>
+            <a:r>
+              <a:rPr lang="en-US" sz="2000" b="1" dirty="0">
+                <a:latin typeface="Courier New" pitchFamily="49" charset="0"/>
+                <a:sym typeface="Symbol" pitchFamily="18" charset="2"/>
+              </a:rPr>
+              <a:t>is unseen) {</a:t>
+            </a:r>
+          </a:p>
+          <a:p>
+            <a:pPr>
+              <a:lnSpc>
+                <a:spcPct val="80000"/>
+              </a:lnSpc>
+              <a:buFont typeface="Monotype Sorts" charset="2"/>
+              <a:buNone/>
+            </a:pPr>
+            <a:r>
+              <a:rPr lang="en-US" sz="2000" b="1" dirty="0">
+                <a:latin typeface="Courier New" pitchFamily="49" charset="0"/>
+                <a:sym typeface="Symbol" pitchFamily="18" charset="2"/>
+              </a:rPr>
+              <a:t>        </a:t>
+            </a:r>
+            <a:r>
+              <a:rPr lang="en-US" sz="2000" b="1" dirty="0">
+                <a:solidFill>
+                  <a:schemeClr val="accent1"/>
+                </a:solidFill>
+                <a:latin typeface="Courier New" pitchFamily="49" charset="0"/>
+                <a:sym typeface="Symbol" pitchFamily="18" charset="2"/>
+              </a:rPr>
+              <a:t>dist[w] =</a:t>
+            </a:r>
+            <a:r>
+              <a:rPr lang="en-US" sz="2000" b="1" dirty="0">
+                <a:latin typeface="Courier New" pitchFamily="49" charset="0"/>
+                <a:sym typeface="Symbol" pitchFamily="18" charset="2"/>
+              </a:rPr>
+              <a:t> </a:t>
+            </a:r>
+            <a:r>
+              <a:rPr lang="en-US" sz="2000" b="1" dirty="0">
+                <a:solidFill>
+                  <a:schemeClr val="accent1"/>
+                </a:solidFill>
+                <a:latin typeface="Courier New" pitchFamily="49" charset="0"/>
+                <a:sym typeface="Symbol" pitchFamily="18" charset="2"/>
+              </a:rPr>
+              <a:t>dist[v] + wt(</a:t>
+            </a:r>
+            <a:r>
+              <a:rPr lang="en-US" sz="2000" b="1" dirty="0" err="1">
+                <a:solidFill>
+                  <a:schemeClr val="accent1"/>
+                </a:solidFill>
+                <a:latin typeface="Courier New" pitchFamily="49" charset="0"/>
+                <a:sym typeface="Symbol" pitchFamily="18" charset="2"/>
+              </a:rPr>
+              <a:t>v,w</a:t>
+            </a:r>
+            <a:r>
+              <a:rPr lang="en-US" sz="2000" b="1" dirty="0">
+                <a:solidFill>
+                  <a:schemeClr val="accent1"/>
+                </a:solidFill>
+                <a:latin typeface="Courier New" pitchFamily="49" charset="0"/>
+                <a:sym typeface="Symbol" pitchFamily="18" charset="2"/>
+              </a:rPr>
+              <a:t>)</a:t>
+            </a:r>
+            <a:r>
+              <a:rPr lang="en-US" sz="2000" b="1" dirty="0">
+                <a:latin typeface="Courier New" pitchFamily="49" charset="0"/>
+                <a:sym typeface="Symbol" pitchFamily="18" charset="2"/>
+              </a:rPr>
+              <a:t> </a:t>
+            </a:r>
+          </a:p>
+          <a:p>
+            <a:pPr>
+              <a:lnSpc>
+                <a:spcPct val="80000"/>
+              </a:lnSpc>
+              <a:buFont typeface="Monotype Sorts" charset="2"/>
+              <a:buNone/>
+            </a:pPr>
+            <a:r>
+              <a:rPr lang="en-US" sz="2000" b="1" dirty="0">
+                <a:latin typeface="Courier New" pitchFamily="49" charset="0"/>
+                <a:sym typeface="Symbol" pitchFamily="18" charset="2"/>
+              </a:rPr>
+              <a:t>        </a:t>
+            </a:r>
+            <a:r>
+              <a:rPr lang="en-US" sz="2000" b="1" dirty="0" err="1">
+                <a:latin typeface="Courier New" pitchFamily="49" charset="0"/>
+                <a:sym typeface="Symbol" pitchFamily="18" charset="2"/>
+              </a:rPr>
+              <a:t>PQ.Insert</a:t>
+            </a:r>
+            <a:r>
+              <a:rPr lang="en-US" sz="2000" b="1" dirty="0">
+                <a:latin typeface="Courier New" pitchFamily="49" charset="0"/>
+                <a:sym typeface="Symbol" pitchFamily="18" charset="2"/>
+              </a:rPr>
+              <a:t>(w, </a:t>
+            </a:r>
+            <a:r>
+              <a:rPr lang="en-US" sz="2000" b="1" dirty="0">
+                <a:solidFill>
+                  <a:schemeClr val="accent1"/>
+                </a:solidFill>
+                <a:latin typeface="Courier New" pitchFamily="49" charset="0"/>
+                <a:sym typeface="Symbol" pitchFamily="18" charset="2"/>
+              </a:rPr>
+              <a:t>dist[w] </a:t>
+            </a:r>
+            <a:r>
+              <a:rPr lang="en-US" sz="2000" b="1" dirty="0">
+                <a:latin typeface="Courier New" pitchFamily="49" charset="0"/>
+                <a:sym typeface="Symbol" pitchFamily="18" charset="2"/>
+              </a:rPr>
+              <a:t>);</a:t>
+            </a:r>
+          </a:p>
+          <a:p>
+            <a:pPr>
+              <a:lnSpc>
+                <a:spcPct val="80000"/>
+              </a:lnSpc>
+              <a:buFont typeface="Monotype Sorts" charset="2"/>
+              <a:buNone/>
+            </a:pPr>
+            <a:r>
+              <a:rPr lang="en-US" sz="2000" b="1" dirty="0">
+                <a:latin typeface="Courier New" pitchFamily="49" charset="0"/>
+                <a:sym typeface="Symbol" pitchFamily="18" charset="2"/>
+              </a:rPr>
+              <a:t>        parent[w] = v;</a:t>
+            </a:r>
+          </a:p>
+          <a:p>
+            <a:pPr>
+              <a:lnSpc>
+                <a:spcPct val="80000"/>
+              </a:lnSpc>
+              <a:buFont typeface="Monotype Sorts" charset="2"/>
+              <a:buNone/>
+            </a:pPr>
+            <a:r>
+              <a:rPr lang="en-US" sz="2000" b="1" dirty="0">
+                <a:latin typeface="Courier New" pitchFamily="49" charset="0"/>
+                <a:sym typeface="Symbol" pitchFamily="18" charset="2"/>
+              </a:rPr>
+              <a:t>	   }</a:t>
+            </a:r>
+          </a:p>
+          <a:p>
+            <a:pPr>
+              <a:lnSpc>
+                <a:spcPct val="80000"/>
+              </a:lnSpc>
+              <a:buFont typeface="Monotype Sorts" charset="2"/>
+              <a:buNone/>
+            </a:pPr>
+            <a:r>
+              <a:rPr lang="en-US" sz="2000" b="1" dirty="0">
+                <a:latin typeface="Courier New" pitchFamily="49" charset="0"/>
+                <a:sym typeface="Symbol" pitchFamily="18" charset="2"/>
+              </a:rPr>
+              <a:t>     else if (w is fringe &amp;&amp; </a:t>
+            </a:r>
+            <a:r>
+              <a:rPr lang="en-US" sz="2000" b="1" dirty="0">
+                <a:solidFill>
+                  <a:schemeClr val="accent1"/>
+                </a:solidFill>
+                <a:latin typeface="Courier New" pitchFamily="49" charset="0"/>
+                <a:sym typeface="Symbol" pitchFamily="18" charset="2"/>
+              </a:rPr>
+              <a:t>dist[v] + wt(</a:t>
+            </a:r>
+            <a:r>
+              <a:rPr lang="en-US" sz="2000" b="1" dirty="0" err="1">
+                <a:solidFill>
+                  <a:schemeClr val="accent1"/>
+                </a:solidFill>
+                <a:latin typeface="Courier New" pitchFamily="49" charset="0"/>
+                <a:sym typeface="Symbol" pitchFamily="18" charset="2"/>
+              </a:rPr>
+              <a:t>v,w</a:t>
+            </a:r>
+            <a:r>
+              <a:rPr lang="en-US" sz="2000" b="1" dirty="0">
+                <a:solidFill>
+                  <a:schemeClr val="accent1"/>
+                </a:solidFill>
+                <a:latin typeface="Courier New" pitchFamily="49" charset="0"/>
+                <a:sym typeface="Symbol" pitchFamily="18" charset="2"/>
+              </a:rPr>
+              <a:t>) &lt; dist[w]</a:t>
+            </a:r>
+            <a:r>
+              <a:rPr lang="en-US" sz="2000" b="1" dirty="0">
+                <a:latin typeface="Courier New" pitchFamily="49" charset="0"/>
+                <a:sym typeface="Symbol" pitchFamily="18" charset="2"/>
+              </a:rPr>
+              <a:t> ) {</a:t>
+            </a:r>
+          </a:p>
+          <a:p>
+            <a:pPr>
+              <a:lnSpc>
+                <a:spcPct val="80000"/>
+              </a:lnSpc>
+              <a:buFont typeface="Monotype Sorts" charset="2"/>
+              <a:buNone/>
+            </a:pPr>
+            <a:r>
+              <a:rPr lang="en-US" sz="2000" b="1" dirty="0">
+                <a:latin typeface="Courier New" pitchFamily="49" charset="0"/>
+                <a:sym typeface="Symbol" pitchFamily="18" charset="2"/>
+              </a:rPr>
+              <a:t>        </a:t>
+            </a:r>
+            <a:r>
+              <a:rPr lang="en-US" sz="2000" b="1" dirty="0">
+                <a:solidFill>
+                  <a:schemeClr val="accent1"/>
+                </a:solidFill>
+                <a:latin typeface="Courier New" pitchFamily="49" charset="0"/>
+                <a:sym typeface="Symbol" pitchFamily="18" charset="2"/>
+              </a:rPr>
+              <a:t>dist[w] =</a:t>
+            </a:r>
+            <a:r>
+              <a:rPr lang="en-US" sz="2000" b="1" dirty="0">
+                <a:latin typeface="Courier New" pitchFamily="49" charset="0"/>
+                <a:sym typeface="Symbol" pitchFamily="18" charset="2"/>
+              </a:rPr>
+              <a:t> </a:t>
+            </a:r>
+            <a:r>
+              <a:rPr lang="en-US" sz="2000" b="1" dirty="0">
+                <a:solidFill>
+                  <a:schemeClr val="accent1"/>
+                </a:solidFill>
+                <a:latin typeface="Courier New" pitchFamily="49" charset="0"/>
+                <a:sym typeface="Symbol" pitchFamily="18" charset="2"/>
+              </a:rPr>
+              <a:t>dist[v] + wt(</a:t>
+            </a:r>
+            <a:r>
+              <a:rPr lang="en-US" sz="2000" b="1" dirty="0" err="1">
+                <a:solidFill>
+                  <a:schemeClr val="accent1"/>
+                </a:solidFill>
+                <a:latin typeface="Courier New" pitchFamily="49" charset="0"/>
+                <a:sym typeface="Symbol" pitchFamily="18" charset="2"/>
+              </a:rPr>
+              <a:t>v,w</a:t>
+            </a:r>
+            <a:r>
+              <a:rPr lang="en-US" sz="2000" b="1" dirty="0">
+                <a:solidFill>
+                  <a:schemeClr val="accent1"/>
+                </a:solidFill>
+                <a:latin typeface="Courier New" pitchFamily="49" charset="0"/>
+                <a:sym typeface="Symbol" pitchFamily="18" charset="2"/>
+              </a:rPr>
+              <a:t>)</a:t>
+            </a:r>
+            <a:endParaRPr lang="en-US" sz="2000" b="1" dirty="0">
+              <a:latin typeface="Courier New" pitchFamily="49" charset="0"/>
+              <a:sym typeface="Symbol" pitchFamily="18" charset="2"/>
+            </a:endParaRPr>
+          </a:p>
+          <a:p>
+            <a:pPr>
+              <a:lnSpc>
+                <a:spcPct val="80000"/>
+              </a:lnSpc>
+              <a:buFont typeface="Monotype Sorts" charset="2"/>
+              <a:buNone/>
+            </a:pPr>
+            <a:r>
+              <a:rPr lang="en-US" sz="2000" b="1" dirty="0">
+                <a:latin typeface="Courier New" pitchFamily="49" charset="0"/>
+                <a:sym typeface="Symbol" pitchFamily="18" charset="2"/>
+              </a:rPr>
+              <a:t>        </a:t>
+            </a:r>
+            <a:r>
+              <a:rPr lang="en-US" sz="2000" b="1" dirty="0" err="1">
+                <a:latin typeface="Courier New" pitchFamily="49" charset="0"/>
+                <a:sym typeface="Symbol" pitchFamily="18" charset="2"/>
+              </a:rPr>
+              <a:t>PQ.decreaseKey</a:t>
+            </a:r>
+            <a:r>
+              <a:rPr lang="en-US" sz="2000" b="1" dirty="0">
+                <a:latin typeface="Courier New" pitchFamily="49" charset="0"/>
+                <a:sym typeface="Symbol" pitchFamily="18" charset="2"/>
+              </a:rPr>
+              <a:t>(w, </a:t>
+            </a:r>
+            <a:r>
+              <a:rPr lang="en-US" sz="2000" b="1" dirty="0">
+                <a:solidFill>
+                  <a:schemeClr val="accent1"/>
+                </a:solidFill>
+                <a:latin typeface="Courier New" pitchFamily="49" charset="0"/>
+                <a:sym typeface="Symbol" pitchFamily="18" charset="2"/>
+              </a:rPr>
+              <a:t>dist[w]</a:t>
+            </a:r>
+            <a:r>
+              <a:rPr lang="en-US" sz="2000" b="1" dirty="0">
+                <a:latin typeface="Courier New" pitchFamily="49" charset="0"/>
+                <a:sym typeface="Symbol" pitchFamily="18" charset="2"/>
+              </a:rPr>
+              <a:t>);</a:t>
+            </a:r>
+          </a:p>
+          <a:p>
+            <a:pPr>
+              <a:lnSpc>
+                <a:spcPct val="80000"/>
+              </a:lnSpc>
+              <a:buFont typeface="Monotype Sorts" charset="2"/>
+              <a:buNone/>
+            </a:pPr>
+            <a:r>
+              <a:rPr lang="en-US" sz="2000" b="1" dirty="0">
+                <a:latin typeface="Courier New" pitchFamily="49" charset="0"/>
+                <a:sym typeface="Symbol" pitchFamily="18" charset="2"/>
+              </a:rPr>
+              <a:t>        parent[w] = v;</a:t>
+            </a:r>
+          </a:p>
+          <a:p>
+            <a:pPr>
+              <a:lnSpc>
+                <a:spcPct val="80000"/>
+              </a:lnSpc>
+              <a:buFont typeface="Monotype Sorts" charset="2"/>
+              <a:buNone/>
+            </a:pPr>
+            <a:r>
+              <a:rPr lang="en-US" sz="2000" b="1" dirty="0">
+                <a:latin typeface="Courier New" pitchFamily="49" charset="0"/>
+                <a:sym typeface="Symbol" pitchFamily="18" charset="2"/>
+              </a:rPr>
+              <a:t>     }</a:t>
             </a:r>
           </a:p>
         </p:txBody>
@@ -26629,7 +26611,7 @@
     </p:spTree>
     <p:extLst>
       <p:ext uri="{BB962C8B-B14F-4D97-AF65-F5344CB8AC3E}">
-        <p14:creationId xmlns:p14="http://schemas.microsoft.com/office/powerpoint/2010/main" val="2458353732"/>
+        <p14:creationId xmlns:p14="http://schemas.microsoft.com/office/powerpoint/2010/main" val="3454196530"/>
       </p:ext>
     </p:extLst>
   </p:cSld>
@@ -26658,7 +26640,7 @@
       </p:grpSpPr>
       <p:sp>
         <p:nvSpPr>
-          <p:cNvPr id="89091" name="Rectangle 2"/>
+          <p:cNvPr id="87043" name="Rectangle 2"/>
           <p:cNvSpPr>
             <a:spLocks noGrp="1" noChangeArrowheads="1"/>
           </p:cNvSpPr>
@@ -26676,7 +26658,7 @@
           <a:p>
             <a:r>
               <a:rPr lang="en-US"/>
-              <a:t>Correctness of These Greedy Algorithms</a:t>
+              <a:t>Notes on Dijkstra’s Algorithm</a:t>
             </a:r>
           </a:p>
         </p:txBody>
@@ -26707,7 +26689,7 @@
       </p:sp>
       <p:sp>
         <p:nvSpPr>
-          <p:cNvPr id="89092" name="Rectangle 3"/>
+          <p:cNvPr id="87044" name="Rectangle 3"/>
           <p:cNvSpPr>
             <a:spLocks noGrp="1" noChangeArrowheads="1"/>
           </p:cNvSpPr>
@@ -26725,13 +26707,56 @@
           <a:p>
             <a:r>
               <a:rPr lang="en-US" dirty="0"/>
-              <a:t>Recall that this greedy approach may or may not guarantee an optimal result</a:t>
-            </a:r>
-          </a:p>
-          <a:p>
+              <a:t>Use </a:t>
+            </a:r>
+            <a:r>
+              <a:rPr lang="en-US" dirty="0" err="1"/>
+              <a:t>dist</a:t>
+            </a:r>
             <a:r>
               <a:rPr lang="en-US" dirty="0"/>
-              <a:t>Answer: Yes, they do.</a:t>
+              <a:t>[] to store distances from start to any fringe or tree node</a:t>
+            </a:r>
+          </a:p>
+          <a:p>
+            <a:r>
+              <a:rPr lang="en-US" dirty="0"/>
+              <a:t>Store and calculate using distances instead of edge-weights </a:t>
+            </a:r>
+          </a:p>
+          <a:p>
+            <a:r>
+              <a:rPr lang="en-US" dirty="0"/>
+              <a:t>What’s the output?</a:t>
+            </a:r>
+          </a:p>
+          <a:p>
+            <a:pPr lvl="1"/>
+            <a:r>
+              <a:rPr lang="en-US" dirty="0"/>
+              <a:t>Tree captured in the parent[] array</a:t>
+            </a:r>
+          </a:p>
+          <a:p>
+            <a:pPr lvl="1"/>
+            <a:r>
+              <a:rPr lang="en-US" dirty="0"/>
+              <a:t>Shortest distance to each node in </a:t>
+            </a:r>
+            <a:r>
+              <a:rPr lang="en-US" dirty="0" err="1"/>
+              <a:t>dist</a:t>
+            </a:r>
+            <a:r>
+              <a:rPr lang="en-US" dirty="0"/>
+              <a:t>[] array</a:t>
+            </a:r>
+          </a:p>
+          <a:p>
+            <a:pPr lvl="1"/>
+            <a:r>
+              <a:rPr lang="en-US" dirty="0"/>
+              <a:t>Trace shortest path in reverse by using parent[] to move from target back to start node, s</a:t>
             </a:r>
           </a:p>
         </p:txBody>
@@ -26739,7 +26764,7 @@
     </p:spTree>
     <p:extLst>
       <p:ext uri="{BB962C8B-B14F-4D97-AF65-F5344CB8AC3E}">
-        <p14:creationId xmlns:p14="http://schemas.microsoft.com/office/powerpoint/2010/main" val="762988292"/>
+        <p14:creationId xmlns:p14="http://schemas.microsoft.com/office/powerpoint/2010/main" val="2458353732"/>
       </p:ext>
     </p:extLst>
   </p:cSld>
@@ -26768,12 +26793,15 @@
       </p:grpSpPr>
       <p:sp>
         <p:nvSpPr>
-          <p:cNvPr id="2" name="Title 1"/>
-          <p:cNvSpPr>
-            <a:spLocks noGrp="1"/>
+          <p:cNvPr id="89091" name="Rectangle 2"/>
+          <p:cNvSpPr>
+            <a:spLocks noGrp="1" noChangeArrowheads="1"/>
           </p:cNvSpPr>
           <p:nvPr>
             <p:ph type="title"/>
+            <p:custDataLst>
+              <p:tags r:id="rId1"/>
+            </p:custDataLst>
           </p:nvPr>
         </p:nvSpPr>
         <p:spPr/>
@@ -26783,9 +26811,8 @@
           <a:p>
             <a:r>
               <a:rPr lang="en-US"/>
-              <a:t>Proof of Dijkstra’s algorithm</a:t>
-            </a:r>
-            <a:endParaRPr lang="en-US" dirty="0"/>
+              <a:t>Correctness of These Greedy Algorithms</a:t>
+            </a:r>
           </a:p>
         </p:txBody>
       </p:sp>
@@ -26815,12 +26842,15 @@
       </p:sp>
       <p:sp>
         <p:nvSpPr>
-          <p:cNvPr id="3" name="Content Placeholder 2"/>
-          <p:cNvSpPr>
-            <a:spLocks noGrp="1"/>
+          <p:cNvPr id="89092" name="Rectangle 3"/>
+          <p:cNvSpPr>
+            <a:spLocks noGrp="1" noChangeArrowheads="1"/>
           </p:cNvSpPr>
           <p:nvPr>
             <p:ph sz="quarter" idx="1"/>
+            <p:custDataLst>
+              <p:tags r:id="rId2"/>
+            </p:custDataLst>
           </p:nvPr>
         </p:nvSpPr>
         <p:spPr/>
@@ -26830,16 +26860,13 @@
           <a:p>
             <a:r>
               <a:rPr lang="en-US" dirty="0"/>
-              <a:t>Via induction and contradiction</a:t>
-            </a:r>
-          </a:p>
-          <a:p>
-            <a:endParaRPr lang="en-US" dirty="0"/>
+              <a:t>Recall that this greedy approach may or may not guarantee an optimal result</a:t>
+            </a:r>
           </a:p>
           <a:p>
             <a:r>
               <a:rPr lang="en-US" dirty="0"/>
-              <a:t>On board --&gt;</a:t>
+              <a:t>Answer: Yes, they do.</a:t>
             </a:r>
           </a:p>
         </p:txBody>
@@ -26847,7 +26874,7 @@
     </p:spTree>
     <p:extLst>
       <p:ext uri="{BB962C8B-B14F-4D97-AF65-F5344CB8AC3E}">
-        <p14:creationId xmlns:p14="http://schemas.microsoft.com/office/powerpoint/2010/main" val="1817150473"/>
+        <p14:creationId xmlns:p14="http://schemas.microsoft.com/office/powerpoint/2010/main" val="762988292"/>
       </p:ext>
     </p:extLst>
   </p:cSld>
@@ -26876,7 +26903,7 @@
       </p:grpSpPr>
       <p:sp>
         <p:nvSpPr>
-          <p:cNvPr id="5" name="Title 4"/>
+          <p:cNvPr id="2" name="Title 1"/>
           <p:cNvSpPr>
             <a:spLocks noGrp="1"/>
           </p:cNvSpPr>
@@ -26891,7 +26918,7 @@
           <a:p>
             <a:r>
               <a:rPr lang="en-US"/>
-              <a:t>Summary</a:t>
+              <a:t>Proof of Dijkstra’s algorithm</a:t>
             </a:r>
             <a:endParaRPr lang="en-US" dirty="0"/>
           </a:p>
@@ -26899,12 +26926,12 @@
       </p:sp>
       <p:sp>
         <p:nvSpPr>
-          <p:cNvPr id="6" name="Text Placeholder 5"/>
+          <p:cNvPr id="4" name="Slide Number Placeholder 3"/>
           <p:cNvSpPr>
             <a:spLocks noGrp="1"/>
           </p:cNvSpPr>
           <p:nvPr>
-            <p:ph type="body" idx="1"/>
+            <p:ph type="sldNum" sz="quarter" idx="12"/>
           </p:nvPr>
         </p:nvSpPr>
         <p:spPr/>
@@ -26912,26 +26939,7 @@
           <a:bodyPr/>
           <a:lstStyle/>
           <a:p>
-            <a:endParaRPr lang="en-US"/>
-          </a:p>
-        </p:txBody>
-      </p:sp>
-      <p:sp>
-        <p:nvSpPr>
-          <p:cNvPr id="4" name="Slide Number Placeholder 3"/>
-          <p:cNvSpPr>
-            <a:spLocks noGrp="1"/>
-          </p:cNvSpPr>
-          <p:nvPr>
-            <p:ph type="sldNum" sz="quarter" idx="12"/>
-          </p:nvPr>
-        </p:nvSpPr>
-        <p:spPr/>
-        <p:txBody>
-          <a:bodyPr/>
-          <a:lstStyle/>
-          <a:p>
-            <a:fld id="{030EE116-056E-4288-B7F7-411CB7E437A9}" type="slidenum">
+            <a:fld id="{DACC1BBE-66B1-403A-8C7E-C57A0F3A107F}" type="slidenum">
               <a:rPr lang="en-US" smtClean="0"/>
               <a:pPr/>
               <a:t>74</a:t>
@@ -26940,10 +26948,41 @@
           </a:p>
         </p:txBody>
       </p:sp>
+      <p:sp>
+        <p:nvSpPr>
+          <p:cNvPr id="3" name="Content Placeholder 2"/>
+          <p:cNvSpPr>
+            <a:spLocks noGrp="1"/>
+          </p:cNvSpPr>
+          <p:nvPr>
+            <p:ph sz="quarter" idx="1"/>
+          </p:nvPr>
+        </p:nvSpPr>
+        <p:spPr/>
+        <p:txBody>
+          <a:bodyPr/>
+          <a:lstStyle/>
+          <a:p>
+            <a:r>
+              <a:rPr lang="en-US" dirty="0"/>
+              <a:t>Via induction and contradiction</a:t>
+            </a:r>
+          </a:p>
+          <a:p>
+            <a:endParaRPr lang="en-US" dirty="0"/>
+          </a:p>
+          <a:p>
+            <a:r>
+              <a:rPr lang="en-US" dirty="0"/>
+              <a:t>On board --&gt;</a:t>
+            </a:r>
+          </a:p>
+        </p:txBody>
+      </p:sp>
     </p:spTree>
     <p:extLst>
       <p:ext uri="{BB962C8B-B14F-4D97-AF65-F5344CB8AC3E}">
-        <p14:creationId xmlns:p14="http://schemas.microsoft.com/office/powerpoint/2010/main" val="3384825226"/>
+        <p14:creationId xmlns:p14="http://schemas.microsoft.com/office/powerpoint/2010/main" val="1817150473"/>
       </p:ext>
     </p:extLst>
   </p:cSld>
@@ -26986,9 +27025,29 @@
           <a:lstStyle/>
           <a:p>
             <a:r>
-              <a:rPr lang="en-US" dirty="0"/>
-              <a:t>What Did We Learn?</a:t>
-            </a:r>
+              <a:rPr lang="en-US"/>
+              <a:t>Summary</a:t>
+            </a:r>
+            <a:endParaRPr lang="en-US" dirty="0"/>
+          </a:p>
+        </p:txBody>
+      </p:sp>
+      <p:sp>
+        <p:nvSpPr>
+          <p:cNvPr id="6" name="Text Placeholder 5"/>
+          <p:cNvSpPr>
+            <a:spLocks noGrp="1"/>
+          </p:cNvSpPr>
+          <p:nvPr>
+            <p:ph type="body" idx="1"/>
+          </p:nvPr>
+        </p:nvSpPr>
+        <p:spPr/>
+        <p:txBody>
+          <a:bodyPr/>
+          <a:lstStyle/>
+          <a:p>
+            <a:endParaRPr lang="en-US"/>
           </a:p>
         </p:txBody>
       </p:sp>
@@ -27011,6 +27070,82 @@
               <a:rPr lang="en-US" smtClean="0"/>
               <a:pPr/>
               <a:t>75</a:t>
+            </a:fld>
+            <a:endParaRPr lang="en-US"/>
+          </a:p>
+        </p:txBody>
+      </p:sp>
+    </p:spTree>
+    <p:extLst>
+      <p:ext uri="{BB962C8B-B14F-4D97-AF65-F5344CB8AC3E}">
+        <p14:creationId xmlns:p14="http://schemas.microsoft.com/office/powerpoint/2010/main" val="3384825226"/>
+      </p:ext>
+    </p:extLst>
+  </p:cSld>
+  <p:clrMapOvr>
+    <a:masterClrMapping/>
+  </p:clrMapOvr>
+</p:sld>
+</file>
+
+<file path=ppt/slides/slide76.xml><?xml version="1.0" encoding="utf-8"?>
+<p:sld xmlns:a="http://schemas.openxmlformats.org/drawingml/2006/main" xmlns:r="http://schemas.openxmlformats.org/officeDocument/2006/relationships" xmlns:p="http://schemas.openxmlformats.org/presentationml/2006/main">
+  <p:cSld>
+    <p:spTree>
+      <p:nvGrpSpPr>
+        <p:cNvPr id="1" name=""/>
+        <p:cNvGrpSpPr/>
+        <p:nvPr/>
+      </p:nvGrpSpPr>
+      <p:grpSpPr>
+        <a:xfrm>
+          <a:off x="0" y="0"/>
+          <a:ext cx="0" cy="0"/>
+          <a:chOff x="0" y="0"/>
+          <a:chExt cx="0" cy="0"/>
+        </a:xfrm>
+      </p:grpSpPr>
+      <p:sp>
+        <p:nvSpPr>
+          <p:cNvPr id="5" name="Title 4"/>
+          <p:cNvSpPr>
+            <a:spLocks noGrp="1"/>
+          </p:cNvSpPr>
+          <p:nvPr>
+            <p:ph type="title"/>
+          </p:nvPr>
+        </p:nvSpPr>
+        <p:spPr/>
+        <p:txBody>
+          <a:bodyPr/>
+          <a:lstStyle/>
+          <a:p>
+            <a:r>
+              <a:rPr lang="en-US" dirty="0"/>
+              <a:t>What Did We Learn?</a:t>
+            </a:r>
+          </a:p>
+        </p:txBody>
+      </p:sp>
+      <p:sp>
+        <p:nvSpPr>
+          <p:cNvPr id="4" name="Slide Number Placeholder 3"/>
+          <p:cNvSpPr>
+            <a:spLocks noGrp="1"/>
+          </p:cNvSpPr>
+          <p:nvPr>
+            <p:ph type="sldNum" sz="quarter" idx="12"/>
+          </p:nvPr>
+        </p:nvSpPr>
+        <p:spPr/>
+        <p:txBody>
+          <a:bodyPr/>
+          <a:lstStyle/>
+          <a:p>
+            <a:fld id="{030EE116-056E-4288-B7F7-411CB7E437A9}" type="slidenum">
+              <a:rPr lang="en-US" smtClean="0"/>
+              <a:pPr/>
+              <a:t>76</a:t>
             </a:fld>
             <a:endParaRPr lang="en-US"/>
           </a:p>
@@ -27849,6 +27984,12 @@
 </file>
 
 <file path=ppt/tags/tag127.xml><?xml version="1.0" encoding="utf-8"?>
+<p:tagLst xmlns:a="http://schemas.openxmlformats.org/drawingml/2006/main" xmlns:r="http://schemas.openxmlformats.org/officeDocument/2006/relationships" xmlns:p="http://schemas.openxmlformats.org/presentationml/2006/main">
+  <p:tag name="_INSTRUCTOR VIEW19C14C36-AC8E-43BC-9DB6-C2AAF774C7DC|PANE__TAG" val="_"/>
+</p:tagLst>
+</file>
+
+<file path=ppt/tags/tag128.xml><?xml version="1.0" encoding="utf-8"?>
 <p:tagLst xmlns:a="http://schemas.openxmlformats.org/drawingml/2006/main" xmlns:r="http://schemas.openxmlformats.org/officeDocument/2006/relationships" xmlns:p="http://schemas.openxmlformats.org/presentationml/2006/main">
   <p:tag name="_INSTRUCTOR VIEW19C14C36-AC8E-43BC-9DB6-C2AAF774C7DC|PANE__TAG" val="_"/>
 </p:tagLst>

--- a/slides/graphs-basic.pptx
+++ b/slides/graphs-basic.pptx
@@ -981,14 +981,14 @@
           <a:ln/>
           <a:extLst>
             <a:ext uri="{909E8E84-426E-40dd-AFC4-6F175D3DCCD1}">
-              <a14:hiddenFill xmlns="" xmlns:a14="http://schemas.microsoft.com/office/drawing/2010/main">
+              <a14:hiddenFill xmlns:a14="http://schemas.microsoft.com/office/drawing/2010/main" xmlns="">
                 <a:solidFill>
                   <a:srgbClr val="FFFFFF"/>
                 </a:solidFill>
               </a14:hiddenFill>
             </a:ext>
             <a:ext uri="{91240B29-F687-4f45-9708-019B960494DF}">
-              <a14:hiddenLine xmlns="" xmlns:a14="http://schemas.microsoft.com/office/drawing/2010/main" w="9525">
+              <a14:hiddenLine xmlns:a14="http://schemas.microsoft.com/office/drawing/2010/main" xmlns="" w="9525">
                 <a:solidFill>
                   <a:srgbClr val="000000"/>
                 </a:solidFill>
@@ -1024,14 +1024,14 @@
           <a:ln/>
           <a:extLst>
             <a:ext uri="{909E8E84-426E-40dd-AFC4-6F175D3DCCD1}">
-              <a14:hiddenFill xmlns="" xmlns:a14="http://schemas.microsoft.com/office/drawing/2010/main">
+              <a14:hiddenFill xmlns:a14="http://schemas.microsoft.com/office/drawing/2010/main" xmlns="">
                 <a:solidFill>
                   <a:srgbClr val="FFFFFF"/>
                 </a:solidFill>
               </a14:hiddenFill>
             </a:ext>
             <a:ext uri="{91240B29-F687-4f45-9708-019B960494DF}">
-              <a14:hiddenLine xmlns="" xmlns:a14="http://schemas.microsoft.com/office/drawing/2010/main" w="9525">
+              <a14:hiddenLine xmlns:a14="http://schemas.microsoft.com/office/drawing/2010/main" xmlns="" w="9525">
                 <a:solidFill>
                   <a:srgbClr val="000000"/>
                 </a:solidFill>
@@ -1220,14 +1220,14 @@
           <a:ln/>
           <a:extLst>
             <a:ext uri="{909E8E84-426E-40dd-AFC4-6F175D3DCCD1}">
-              <a14:hiddenFill xmlns="" xmlns:a14="http://schemas.microsoft.com/office/drawing/2010/main">
+              <a14:hiddenFill xmlns:a14="http://schemas.microsoft.com/office/drawing/2010/main" xmlns="">
                 <a:solidFill>
                   <a:srgbClr val="FFFFFF"/>
                 </a:solidFill>
               </a14:hiddenFill>
             </a:ext>
             <a:ext uri="{91240B29-F687-4f45-9708-019B960494DF}">
-              <a14:hiddenLine xmlns="" xmlns:a14="http://schemas.microsoft.com/office/drawing/2010/main" w="9525">
+              <a14:hiddenLine xmlns:a14="http://schemas.microsoft.com/office/drawing/2010/main" xmlns="" w="9525">
                 <a:solidFill>
                   <a:srgbClr val="000000"/>
                 </a:solidFill>
@@ -1263,14 +1263,14 @@
           <a:ln/>
           <a:extLst>
             <a:ext uri="{909E8E84-426E-40dd-AFC4-6F175D3DCCD1}">
-              <a14:hiddenFill xmlns="" xmlns:a14="http://schemas.microsoft.com/office/drawing/2010/main">
+              <a14:hiddenFill xmlns:a14="http://schemas.microsoft.com/office/drawing/2010/main" xmlns="">
                 <a:solidFill>
                   <a:srgbClr val="FFFFFF"/>
                 </a:solidFill>
               </a14:hiddenFill>
             </a:ext>
             <a:ext uri="{91240B29-F687-4f45-9708-019B960494DF}">
-              <a14:hiddenLine xmlns="" xmlns:a14="http://schemas.microsoft.com/office/drawing/2010/main" w="9525">
+              <a14:hiddenLine xmlns:a14="http://schemas.microsoft.com/office/drawing/2010/main" xmlns="" w="9525">
                 <a:solidFill>
                   <a:srgbClr val="000000"/>
                 </a:solidFill>
@@ -1459,14 +1459,14 @@
           <a:ln/>
           <a:extLst>
             <a:ext uri="{909E8E84-426E-40dd-AFC4-6F175D3DCCD1}">
-              <a14:hiddenFill xmlns="" xmlns:a14="http://schemas.microsoft.com/office/drawing/2010/main">
+              <a14:hiddenFill xmlns:a14="http://schemas.microsoft.com/office/drawing/2010/main" xmlns="">
                 <a:solidFill>
                   <a:srgbClr val="FFFFFF"/>
                 </a:solidFill>
               </a14:hiddenFill>
             </a:ext>
             <a:ext uri="{91240B29-F687-4f45-9708-019B960494DF}">
-              <a14:hiddenLine xmlns="" xmlns:a14="http://schemas.microsoft.com/office/drawing/2010/main" w="9525">
+              <a14:hiddenLine xmlns:a14="http://schemas.microsoft.com/office/drawing/2010/main" xmlns="" w="9525">
                 <a:solidFill>
                   <a:srgbClr val="000000"/>
                 </a:solidFill>
@@ -1502,14 +1502,14 @@
           <a:ln/>
           <a:extLst>
             <a:ext uri="{909E8E84-426E-40dd-AFC4-6F175D3DCCD1}">
-              <a14:hiddenFill xmlns="" xmlns:a14="http://schemas.microsoft.com/office/drawing/2010/main">
+              <a14:hiddenFill xmlns:a14="http://schemas.microsoft.com/office/drawing/2010/main" xmlns="">
                 <a:solidFill>
                   <a:srgbClr val="FFFFFF"/>
                 </a:solidFill>
               </a14:hiddenFill>
             </a:ext>
             <a:ext uri="{91240B29-F687-4f45-9708-019B960494DF}">
-              <a14:hiddenLine xmlns="" xmlns:a14="http://schemas.microsoft.com/office/drawing/2010/main" w="9525">
+              <a14:hiddenLine xmlns:a14="http://schemas.microsoft.com/office/drawing/2010/main" xmlns="" w="9525">
                 <a:solidFill>
                   <a:srgbClr val="000000"/>
                 </a:solidFill>
@@ -1698,14 +1698,14 @@
           <a:ln/>
           <a:extLst>
             <a:ext uri="{909E8E84-426E-40dd-AFC4-6F175D3DCCD1}">
-              <a14:hiddenFill xmlns="" xmlns:a14="http://schemas.microsoft.com/office/drawing/2010/main">
+              <a14:hiddenFill xmlns:a14="http://schemas.microsoft.com/office/drawing/2010/main" xmlns="">
                 <a:solidFill>
                   <a:srgbClr val="FFFFFF"/>
                 </a:solidFill>
               </a14:hiddenFill>
             </a:ext>
             <a:ext uri="{91240B29-F687-4f45-9708-019B960494DF}">
-              <a14:hiddenLine xmlns="" xmlns:a14="http://schemas.microsoft.com/office/drawing/2010/main" w="9525">
+              <a14:hiddenLine xmlns:a14="http://schemas.microsoft.com/office/drawing/2010/main" xmlns="" w="9525">
                 <a:solidFill>
                   <a:srgbClr val="000000"/>
                 </a:solidFill>
@@ -1741,14 +1741,14 @@
           <a:ln/>
           <a:extLst>
             <a:ext uri="{909E8E84-426E-40dd-AFC4-6F175D3DCCD1}">
-              <a14:hiddenFill xmlns="" xmlns:a14="http://schemas.microsoft.com/office/drawing/2010/main">
+              <a14:hiddenFill xmlns:a14="http://schemas.microsoft.com/office/drawing/2010/main" xmlns="">
                 <a:solidFill>
                   <a:srgbClr val="FFFFFF"/>
                 </a:solidFill>
               </a14:hiddenFill>
             </a:ext>
             <a:ext uri="{91240B29-F687-4f45-9708-019B960494DF}">
-              <a14:hiddenLine xmlns="" xmlns:a14="http://schemas.microsoft.com/office/drawing/2010/main" w="9525">
+              <a14:hiddenLine xmlns:a14="http://schemas.microsoft.com/office/drawing/2010/main" xmlns="" w="9525">
                 <a:solidFill>
                   <a:srgbClr val="000000"/>
                 </a:solidFill>
@@ -1937,14 +1937,14 @@
           <a:ln/>
           <a:extLst>
             <a:ext uri="{909E8E84-426E-40dd-AFC4-6F175D3DCCD1}">
-              <a14:hiddenFill xmlns="" xmlns:a14="http://schemas.microsoft.com/office/drawing/2010/main">
+              <a14:hiddenFill xmlns:a14="http://schemas.microsoft.com/office/drawing/2010/main" xmlns="">
                 <a:solidFill>
                   <a:srgbClr val="FFFFFF"/>
                 </a:solidFill>
               </a14:hiddenFill>
             </a:ext>
             <a:ext uri="{91240B29-F687-4f45-9708-019B960494DF}">
-              <a14:hiddenLine xmlns="" xmlns:a14="http://schemas.microsoft.com/office/drawing/2010/main" w="9525">
+              <a14:hiddenLine xmlns:a14="http://schemas.microsoft.com/office/drawing/2010/main" xmlns="" w="9525">
                 <a:solidFill>
                   <a:srgbClr val="000000"/>
                 </a:solidFill>
@@ -1980,14 +1980,14 @@
           <a:ln/>
           <a:extLst>
             <a:ext uri="{909E8E84-426E-40dd-AFC4-6F175D3DCCD1}">
-              <a14:hiddenFill xmlns="" xmlns:a14="http://schemas.microsoft.com/office/drawing/2010/main">
+              <a14:hiddenFill xmlns:a14="http://schemas.microsoft.com/office/drawing/2010/main" xmlns="">
                 <a:solidFill>
                   <a:srgbClr val="FFFFFF"/>
                 </a:solidFill>
               </a14:hiddenFill>
             </a:ext>
             <a:ext uri="{91240B29-F687-4f45-9708-019B960494DF}">
-              <a14:hiddenLine xmlns="" xmlns:a14="http://schemas.microsoft.com/office/drawing/2010/main" w="9525">
+              <a14:hiddenLine xmlns:a14="http://schemas.microsoft.com/office/drawing/2010/main" xmlns="" w="9525">
                 <a:solidFill>
                   <a:srgbClr val="000000"/>
                 </a:solidFill>
@@ -2176,14 +2176,14 @@
           <a:ln/>
           <a:extLst>
             <a:ext uri="{909E8E84-426E-40dd-AFC4-6F175D3DCCD1}">
-              <a14:hiddenFill xmlns="" xmlns:a14="http://schemas.microsoft.com/office/drawing/2010/main">
+              <a14:hiddenFill xmlns:a14="http://schemas.microsoft.com/office/drawing/2010/main" xmlns="">
                 <a:solidFill>
                   <a:srgbClr val="FFFFFF"/>
                 </a:solidFill>
               </a14:hiddenFill>
             </a:ext>
             <a:ext uri="{91240B29-F687-4f45-9708-019B960494DF}">
-              <a14:hiddenLine xmlns="" xmlns:a14="http://schemas.microsoft.com/office/drawing/2010/main" w="9525">
+              <a14:hiddenLine xmlns:a14="http://schemas.microsoft.com/office/drawing/2010/main" xmlns="" w="9525">
                 <a:solidFill>
                   <a:srgbClr val="000000"/>
                 </a:solidFill>
@@ -2219,14 +2219,14 @@
           <a:ln/>
           <a:extLst>
             <a:ext uri="{909E8E84-426E-40dd-AFC4-6F175D3DCCD1}">
-              <a14:hiddenFill xmlns="" xmlns:a14="http://schemas.microsoft.com/office/drawing/2010/main">
+              <a14:hiddenFill xmlns:a14="http://schemas.microsoft.com/office/drawing/2010/main" xmlns="">
                 <a:solidFill>
                   <a:srgbClr val="FFFFFF"/>
                 </a:solidFill>
               </a14:hiddenFill>
             </a:ext>
             <a:ext uri="{91240B29-F687-4f45-9708-019B960494DF}">
-              <a14:hiddenLine xmlns="" xmlns:a14="http://schemas.microsoft.com/office/drawing/2010/main" w="9525">
+              <a14:hiddenLine xmlns:a14="http://schemas.microsoft.com/office/drawing/2010/main" xmlns="" w="9525">
                 <a:solidFill>
                   <a:srgbClr val="000000"/>
                 </a:solidFill>
@@ -2520,14 +2520,14 @@
           <a:ln/>
           <a:extLst>
             <a:ext uri="{909E8E84-426E-40dd-AFC4-6F175D3DCCD1}">
-              <a14:hiddenFill xmlns="" xmlns:a14="http://schemas.microsoft.com/office/drawing/2010/main">
+              <a14:hiddenFill xmlns:a14="http://schemas.microsoft.com/office/drawing/2010/main" xmlns="">
                 <a:solidFill>
                   <a:srgbClr val="FFFFFF"/>
                 </a:solidFill>
               </a14:hiddenFill>
             </a:ext>
             <a:ext uri="{91240B29-F687-4f45-9708-019B960494DF}">
-              <a14:hiddenLine xmlns="" xmlns:a14="http://schemas.microsoft.com/office/drawing/2010/main" w="9525">
+              <a14:hiddenLine xmlns:a14="http://schemas.microsoft.com/office/drawing/2010/main" xmlns="" w="9525">
                 <a:solidFill>
                   <a:srgbClr val="000000"/>
                 </a:solidFill>
@@ -2563,14 +2563,14 @@
           <a:ln/>
           <a:extLst>
             <a:ext uri="{909E8E84-426E-40dd-AFC4-6F175D3DCCD1}">
-              <a14:hiddenFill xmlns="" xmlns:a14="http://schemas.microsoft.com/office/drawing/2010/main">
+              <a14:hiddenFill xmlns:a14="http://schemas.microsoft.com/office/drawing/2010/main" xmlns="">
                 <a:solidFill>
                   <a:srgbClr val="FFFFFF"/>
                 </a:solidFill>
               </a14:hiddenFill>
             </a:ext>
             <a:ext uri="{91240B29-F687-4f45-9708-019B960494DF}">
-              <a14:hiddenLine xmlns="" xmlns:a14="http://schemas.microsoft.com/office/drawing/2010/main" w="9525">
+              <a14:hiddenLine xmlns:a14="http://schemas.microsoft.com/office/drawing/2010/main" xmlns="" w="9525">
                 <a:solidFill>
                   <a:srgbClr val="000000"/>
                 </a:solidFill>
@@ -2759,14 +2759,14 @@
           <a:ln/>
           <a:extLst>
             <a:ext uri="{909E8E84-426E-40dd-AFC4-6F175D3DCCD1}">
-              <a14:hiddenFill xmlns="" xmlns:a14="http://schemas.microsoft.com/office/drawing/2010/main">
+              <a14:hiddenFill xmlns:a14="http://schemas.microsoft.com/office/drawing/2010/main" xmlns="">
                 <a:solidFill>
                   <a:srgbClr val="FFFFFF"/>
                 </a:solidFill>
               </a14:hiddenFill>
             </a:ext>
             <a:ext uri="{91240B29-F687-4f45-9708-019B960494DF}">
-              <a14:hiddenLine xmlns="" xmlns:a14="http://schemas.microsoft.com/office/drawing/2010/main" w="9525">
+              <a14:hiddenLine xmlns:a14="http://schemas.microsoft.com/office/drawing/2010/main" xmlns="" w="9525">
                 <a:solidFill>
                   <a:srgbClr val="000000"/>
                 </a:solidFill>
@@ -2802,14 +2802,14 @@
           <a:ln/>
           <a:extLst>
             <a:ext uri="{909E8E84-426E-40dd-AFC4-6F175D3DCCD1}">
-              <a14:hiddenFill xmlns="" xmlns:a14="http://schemas.microsoft.com/office/drawing/2010/main">
+              <a14:hiddenFill xmlns:a14="http://schemas.microsoft.com/office/drawing/2010/main" xmlns="">
                 <a:solidFill>
                   <a:srgbClr val="FFFFFF"/>
                 </a:solidFill>
               </a14:hiddenFill>
             </a:ext>
             <a:ext uri="{91240B29-F687-4f45-9708-019B960494DF}">
-              <a14:hiddenLine xmlns="" xmlns:a14="http://schemas.microsoft.com/office/drawing/2010/main" w="9525">
+              <a14:hiddenLine xmlns:a14="http://schemas.microsoft.com/office/drawing/2010/main" xmlns="" w="9525">
                 <a:solidFill>
                   <a:srgbClr val="000000"/>
                 </a:solidFill>
@@ -2998,14 +2998,14 @@
           <a:ln/>
           <a:extLst>
             <a:ext uri="{909E8E84-426E-40dd-AFC4-6F175D3DCCD1}">
-              <a14:hiddenFill xmlns="" xmlns:a14="http://schemas.microsoft.com/office/drawing/2010/main">
+              <a14:hiddenFill xmlns:a14="http://schemas.microsoft.com/office/drawing/2010/main" xmlns="">
                 <a:solidFill>
                   <a:srgbClr val="FFFFFF"/>
                 </a:solidFill>
               </a14:hiddenFill>
             </a:ext>
             <a:ext uri="{91240B29-F687-4f45-9708-019B960494DF}">
-              <a14:hiddenLine xmlns="" xmlns:a14="http://schemas.microsoft.com/office/drawing/2010/main" w="9525">
+              <a14:hiddenLine xmlns:a14="http://schemas.microsoft.com/office/drawing/2010/main" xmlns="" w="9525">
                 <a:solidFill>
                   <a:srgbClr val="000000"/>
                 </a:solidFill>
@@ -3041,14 +3041,14 @@
           <a:ln/>
           <a:extLst>
             <a:ext uri="{909E8E84-426E-40dd-AFC4-6F175D3DCCD1}">
-              <a14:hiddenFill xmlns="" xmlns:a14="http://schemas.microsoft.com/office/drawing/2010/main">
+              <a14:hiddenFill xmlns:a14="http://schemas.microsoft.com/office/drawing/2010/main" xmlns="">
                 <a:solidFill>
                   <a:srgbClr val="FFFFFF"/>
                 </a:solidFill>
               </a14:hiddenFill>
             </a:ext>
             <a:ext uri="{91240B29-F687-4f45-9708-019B960494DF}">
-              <a14:hiddenLine xmlns="" xmlns:a14="http://schemas.microsoft.com/office/drawing/2010/main" w="9525">
+              <a14:hiddenLine xmlns:a14="http://schemas.microsoft.com/office/drawing/2010/main" xmlns="" w="9525">
                 <a:solidFill>
                   <a:srgbClr val="000000"/>
                 </a:solidFill>
@@ -3237,14 +3237,14 @@
           <a:ln/>
           <a:extLst>
             <a:ext uri="{909E8E84-426E-40dd-AFC4-6F175D3DCCD1}">
-              <a14:hiddenFill xmlns="" xmlns:a14="http://schemas.microsoft.com/office/drawing/2010/main">
+              <a14:hiddenFill xmlns:a14="http://schemas.microsoft.com/office/drawing/2010/main" xmlns="">
                 <a:solidFill>
                   <a:srgbClr val="FFFFFF"/>
                 </a:solidFill>
               </a14:hiddenFill>
             </a:ext>
             <a:ext uri="{91240B29-F687-4f45-9708-019B960494DF}">
-              <a14:hiddenLine xmlns="" xmlns:a14="http://schemas.microsoft.com/office/drawing/2010/main" w="9525">
+              <a14:hiddenLine xmlns:a14="http://schemas.microsoft.com/office/drawing/2010/main" xmlns="" w="9525">
                 <a:solidFill>
                   <a:srgbClr val="000000"/>
                 </a:solidFill>
@@ -3280,14 +3280,14 @@
           <a:ln/>
           <a:extLst>
             <a:ext uri="{909E8E84-426E-40dd-AFC4-6F175D3DCCD1}">
-              <a14:hiddenFill xmlns="" xmlns:a14="http://schemas.microsoft.com/office/drawing/2010/main">
+              <a14:hiddenFill xmlns:a14="http://schemas.microsoft.com/office/drawing/2010/main" xmlns="">
                 <a:solidFill>
                   <a:srgbClr val="FFFFFF"/>
                 </a:solidFill>
               </a14:hiddenFill>
             </a:ext>
             <a:ext uri="{91240B29-F687-4f45-9708-019B960494DF}">
-              <a14:hiddenLine xmlns="" xmlns:a14="http://schemas.microsoft.com/office/drawing/2010/main" w="9525">
+              <a14:hiddenLine xmlns:a14="http://schemas.microsoft.com/office/drawing/2010/main" xmlns="" w="9525">
                 <a:solidFill>
                   <a:srgbClr val="000000"/>
                 </a:solidFill>
@@ -3476,14 +3476,14 @@
           <a:ln/>
           <a:extLst>
             <a:ext uri="{909E8E84-426E-40dd-AFC4-6F175D3DCCD1}">
-              <a14:hiddenFill xmlns="" xmlns:a14="http://schemas.microsoft.com/office/drawing/2010/main">
+              <a14:hiddenFill xmlns:a14="http://schemas.microsoft.com/office/drawing/2010/main" xmlns="">
                 <a:solidFill>
                   <a:srgbClr val="FFFFFF"/>
                 </a:solidFill>
               </a14:hiddenFill>
             </a:ext>
             <a:ext uri="{91240B29-F687-4f45-9708-019B960494DF}">
-              <a14:hiddenLine xmlns="" xmlns:a14="http://schemas.microsoft.com/office/drawing/2010/main" w="9525">
+              <a14:hiddenLine xmlns:a14="http://schemas.microsoft.com/office/drawing/2010/main" xmlns="" w="9525">
                 <a:solidFill>
                   <a:srgbClr val="000000"/>
                 </a:solidFill>
@@ -3519,14 +3519,14 @@
           <a:ln/>
           <a:extLst>
             <a:ext uri="{909E8E84-426E-40dd-AFC4-6F175D3DCCD1}">
-              <a14:hiddenFill xmlns="" xmlns:a14="http://schemas.microsoft.com/office/drawing/2010/main">
+              <a14:hiddenFill xmlns:a14="http://schemas.microsoft.com/office/drawing/2010/main" xmlns="">
                 <a:solidFill>
                   <a:srgbClr val="FFFFFF"/>
                 </a:solidFill>
               </a14:hiddenFill>
             </a:ext>
             <a:ext uri="{91240B29-F687-4f45-9708-019B960494DF}">
-              <a14:hiddenLine xmlns="" xmlns:a14="http://schemas.microsoft.com/office/drawing/2010/main" w="9525">
+              <a14:hiddenLine xmlns:a14="http://schemas.microsoft.com/office/drawing/2010/main" xmlns="" w="9525">
                 <a:solidFill>
                   <a:srgbClr val="000000"/>
                 </a:solidFill>
@@ -3715,14 +3715,14 @@
           <a:ln/>
           <a:extLst>
             <a:ext uri="{909E8E84-426E-40dd-AFC4-6F175D3DCCD1}">
-              <a14:hiddenFill xmlns="" xmlns:a14="http://schemas.microsoft.com/office/drawing/2010/main">
+              <a14:hiddenFill xmlns:a14="http://schemas.microsoft.com/office/drawing/2010/main" xmlns="">
                 <a:solidFill>
                   <a:srgbClr val="FFFFFF"/>
                 </a:solidFill>
               </a14:hiddenFill>
             </a:ext>
             <a:ext uri="{91240B29-F687-4f45-9708-019B960494DF}">
-              <a14:hiddenLine xmlns="" xmlns:a14="http://schemas.microsoft.com/office/drawing/2010/main" w="9525">
+              <a14:hiddenLine xmlns:a14="http://schemas.microsoft.com/office/drawing/2010/main" xmlns="" w="9525">
                 <a:solidFill>
                   <a:srgbClr val="000000"/>
                 </a:solidFill>
@@ -3758,14 +3758,14 @@
           <a:ln/>
           <a:extLst>
             <a:ext uri="{909E8E84-426E-40dd-AFC4-6F175D3DCCD1}">
-              <a14:hiddenFill xmlns="" xmlns:a14="http://schemas.microsoft.com/office/drawing/2010/main">
+              <a14:hiddenFill xmlns:a14="http://schemas.microsoft.com/office/drawing/2010/main" xmlns="">
                 <a:solidFill>
                   <a:srgbClr val="FFFFFF"/>
                 </a:solidFill>
               </a14:hiddenFill>
             </a:ext>
             <a:ext uri="{91240B29-F687-4f45-9708-019B960494DF}">
-              <a14:hiddenLine xmlns="" xmlns:a14="http://schemas.microsoft.com/office/drawing/2010/main" w="9525">
+              <a14:hiddenLine xmlns:a14="http://schemas.microsoft.com/office/drawing/2010/main" xmlns="" w="9525">
                 <a:solidFill>
                   <a:srgbClr val="000000"/>
                 </a:solidFill>
@@ -3954,14 +3954,14 @@
           <a:ln/>
           <a:extLst>
             <a:ext uri="{909E8E84-426E-40dd-AFC4-6F175D3DCCD1}">
-              <a14:hiddenFill xmlns="" xmlns:a14="http://schemas.microsoft.com/office/drawing/2010/main">
+              <a14:hiddenFill xmlns:a14="http://schemas.microsoft.com/office/drawing/2010/main" xmlns="">
                 <a:solidFill>
                   <a:srgbClr val="FFFFFF"/>
                 </a:solidFill>
               </a14:hiddenFill>
             </a:ext>
             <a:ext uri="{91240B29-F687-4f45-9708-019B960494DF}">
-              <a14:hiddenLine xmlns="" xmlns:a14="http://schemas.microsoft.com/office/drawing/2010/main" w="9525">
+              <a14:hiddenLine xmlns:a14="http://schemas.microsoft.com/office/drawing/2010/main" xmlns="" w="9525">
                 <a:solidFill>
                   <a:srgbClr val="000000"/>
                 </a:solidFill>
@@ -3997,14 +3997,14 @@
           <a:ln/>
           <a:extLst>
             <a:ext uri="{909E8E84-426E-40dd-AFC4-6F175D3DCCD1}">
-              <a14:hiddenFill xmlns="" xmlns:a14="http://schemas.microsoft.com/office/drawing/2010/main">
+              <a14:hiddenFill xmlns:a14="http://schemas.microsoft.com/office/drawing/2010/main" xmlns="">
                 <a:solidFill>
                   <a:srgbClr val="FFFFFF"/>
                 </a:solidFill>
               </a14:hiddenFill>
             </a:ext>
             <a:ext uri="{91240B29-F687-4f45-9708-019B960494DF}">
-              <a14:hiddenLine xmlns="" xmlns:a14="http://schemas.microsoft.com/office/drawing/2010/main" w="9525">
+              <a14:hiddenLine xmlns:a14="http://schemas.microsoft.com/office/drawing/2010/main" xmlns="" w="9525">
                 <a:solidFill>
                   <a:srgbClr val="000000"/>
                 </a:solidFill>
@@ -4193,14 +4193,14 @@
           <a:ln/>
           <a:extLst>
             <a:ext uri="{909E8E84-426E-40dd-AFC4-6F175D3DCCD1}">
-              <a14:hiddenFill xmlns="" xmlns:a14="http://schemas.microsoft.com/office/drawing/2010/main">
+              <a14:hiddenFill xmlns:a14="http://schemas.microsoft.com/office/drawing/2010/main" xmlns="">
                 <a:solidFill>
                   <a:srgbClr val="FFFFFF"/>
                 </a:solidFill>
               </a14:hiddenFill>
             </a:ext>
             <a:ext uri="{91240B29-F687-4f45-9708-019B960494DF}">
-              <a14:hiddenLine xmlns="" xmlns:a14="http://schemas.microsoft.com/office/drawing/2010/main" w="9525">
+              <a14:hiddenLine xmlns:a14="http://schemas.microsoft.com/office/drawing/2010/main" xmlns="" w="9525">
                 <a:solidFill>
                   <a:srgbClr val="000000"/>
                 </a:solidFill>
@@ -4236,14 +4236,14 @@
           <a:ln/>
           <a:extLst>
             <a:ext uri="{909E8E84-426E-40dd-AFC4-6F175D3DCCD1}">
-              <a14:hiddenFill xmlns="" xmlns:a14="http://schemas.microsoft.com/office/drawing/2010/main">
+              <a14:hiddenFill xmlns:a14="http://schemas.microsoft.com/office/drawing/2010/main" xmlns="">
                 <a:solidFill>
                   <a:srgbClr val="FFFFFF"/>
                 </a:solidFill>
               </a14:hiddenFill>
             </a:ext>
             <a:ext uri="{91240B29-F687-4f45-9708-019B960494DF}">
-              <a14:hiddenLine xmlns="" xmlns:a14="http://schemas.microsoft.com/office/drawing/2010/main" w="9525">
+              <a14:hiddenLine xmlns:a14="http://schemas.microsoft.com/office/drawing/2010/main" xmlns="" w="9525">
                 <a:solidFill>
                   <a:srgbClr val="000000"/>
                 </a:solidFill>
@@ -11507,6 +11507,27 @@
             </a:pPr>
             <a:r>
               <a:rPr lang="en-US" dirty="0"/>
+              <a:t>Total: </a:t>
+            </a:r>
+            <a:r>
+              <a:rPr lang="en-US" dirty="0">
+                <a:sym typeface="Symbol" pitchFamily="18" charset="2"/>
+              </a:rPr>
+              <a:t></a:t>
+            </a:r>
+            <a:r>
+              <a:rPr lang="en-US" dirty="0"/>
+              <a:t>(V+E)</a:t>
+            </a:r>
+          </a:p>
+          <a:p>
+            <a:pPr lvl="1">
+              <a:lnSpc>
+                <a:spcPct val="90000"/>
+              </a:lnSpc>
+            </a:pPr>
+            <a:r>
+              <a:rPr lang="en-US" dirty="0"/>
               <a:t>Extra space is used for color array and queue, there are  </a:t>
             </a:r>
             <a:r>
@@ -15031,14 +15052,14 @@
           </a:ln>
           <a:extLst>
             <a:ext uri="{909E8E84-426E-40dd-AFC4-6F175D3DCCD1}">
-              <a14:hiddenFill xmlns="" xmlns:a14="http://schemas.microsoft.com/office/drawing/2010/main">
+              <a14:hiddenFill xmlns:a14="http://schemas.microsoft.com/office/drawing/2010/main" xmlns="">
                 <a:solidFill>
                   <a:srgbClr val="FFFFFF"/>
                 </a:solidFill>
               </a14:hiddenFill>
             </a:ext>
             <a:ext uri="{91240B29-F687-4f45-9708-019B960494DF}">
-              <a14:hiddenLine xmlns="" xmlns:a14="http://schemas.microsoft.com/office/drawing/2010/main" w="9525">
+              <a14:hiddenLine xmlns:a14="http://schemas.microsoft.com/office/drawing/2010/main" xmlns="" w="9525">
                 <a:solidFill>
                   <a:srgbClr val="000000"/>
                 </a:solidFill>
@@ -15085,14 +15106,14 @@
           </a:ln>
           <a:extLst>
             <a:ext uri="{909E8E84-426E-40dd-AFC4-6F175D3DCCD1}">
-              <a14:hiddenFill xmlns="" xmlns:a14="http://schemas.microsoft.com/office/drawing/2010/main">
+              <a14:hiddenFill xmlns:a14="http://schemas.microsoft.com/office/drawing/2010/main" xmlns="">
                 <a:solidFill>
                   <a:srgbClr val="FFFFFF"/>
                 </a:solidFill>
               </a14:hiddenFill>
             </a:ext>
             <a:ext uri="{91240B29-F687-4f45-9708-019B960494DF}">
-              <a14:hiddenLine xmlns="" xmlns:a14="http://schemas.microsoft.com/office/drawing/2010/main" w="9525">
+              <a14:hiddenLine xmlns:a14="http://schemas.microsoft.com/office/drawing/2010/main" xmlns="" w="9525">
                 <a:solidFill>
                   <a:srgbClr val="000000"/>
                 </a:solidFill>
@@ -15126,14 +15147,14 @@
           </a:ln>
           <a:extLst>
             <a:ext uri="{909E8E84-426E-40dd-AFC4-6F175D3DCCD1}">
-              <a14:hiddenFill xmlns="" xmlns:a14="http://schemas.microsoft.com/office/drawing/2010/main">
+              <a14:hiddenFill xmlns:a14="http://schemas.microsoft.com/office/drawing/2010/main" xmlns="">
                 <a:solidFill>
                   <a:srgbClr val="FFFFFF"/>
                 </a:solidFill>
               </a14:hiddenFill>
             </a:ext>
             <a:ext uri="{91240B29-F687-4f45-9708-019B960494DF}">
-              <a14:hiddenLine xmlns="" xmlns:a14="http://schemas.microsoft.com/office/drawing/2010/main" w="9525">
+              <a14:hiddenLine xmlns:a14="http://schemas.microsoft.com/office/drawing/2010/main" xmlns="" w="9525">
                 <a:solidFill>
                   <a:srgbClr val="000000"/>
                 </a:solidFill>
@@ -15287,14 +15308,14 @@
           </a:ln>
           <a:extLst>
             <a:ext uri="{909E8E84-426E-40dd-AFC4-6F175D3DCCD1}">
-              <a14:hiddenFill xmlns="" xmlns:a14="http://schemas.microsoft.com/office/drawing/2010/main">
+              <a14:hiddenFill xmlns:a14="http://schemas.microsoft.com/office/drawing/2010/main" xmlns="">
                 <a:solidFill>
                   <a:srgbClr val="FFFFFF"/>
                 </a:solidFill>
               </a14:hiddenFill>
             </a:ext>
             <a:ext uri="{91240B29-F687-4f45-9708-019B960494DF}">
-              <a14:hiddenLine xmlns="" xmlns:a14="http://schemas.microsoft.com/office/drawing/2010/main" w="9525">
+              <a14:hiddenLine xmlns:a14="http://schemas.microsoft.com/office/drawing/2010/main" xmlns="" w="9525">
                 <a:solidFill>
                   <a:srgbClr val="000000"/>
                 </a:solidFill>
@@ -15576,14 +15597,14 @@
           </a:ln>
           <a:extLst>
             <a:ext uri="{909E8E84-426E-40dd-AFC4-6F175D3DCCD1}">
-              <a14:hiddenFill xmlns="" xmlns:a14="http://schemas.microsoft.com/office/drawing/2010/main">
+              <a14:hiddenFill xmlns:a14="http://schemas.microsoft.com/office/drawing/2010/main" xmlns="">
                 <a:solidFill>
                   <a:srgbClr val="FFFFFF"/>
                 </a:solidFill>
               </a14:hiddenFill>
             </a:ext>
             <a:ext uri="{91240B29-F687-4f45-9708-019B960494DF}">
-              <a14:hiddenLine xmlns="" xmlns:a14="http://schemas.microsoft.com/office/drawing/2010/main" w="9525">
+              <a14:hiddenLine xmlns:a14="http://schemas.microsoft.com/office/drawing/2010/main" xmlns="" w="9525">
                 <a:solidFill>
                   <a:srgbClr val="000000"/>
                 </a:solidFill>
@@ -15660,14 +15681,14 @@
           </a:ln>
           <a:extLst>
             <a:ext uri="{909E8E84-426E-40dd-AFC4-6F175D3DCCD1}">
-              <a14:hiddenFill xmlns="" xmlns:a14="http://schemas.microsoft.com/office/drawing/2010/main">
+              <a14:hiddenFill xmlns:a14="http://schemas.microsoft.com/office/drawing/2010/main" xmlns="">
                 <a:solidFill>
                   <a:srgbClr val="FFFFFF"/>
                 </a:solidFill>
               </a14:hiddenFill>
             </a:ext>
             <a:ext uri="{91240B29-F687-4f45-9708-019B960494DF}">
-              <a14:hiddenLine xmlns="" xmlns:a14="http://schemas.microsoft.com/office/drawing/2010/main" w="9525">
+              <a14:hiddenLine xmlns:a14="http://schemas.microsoft.com/office/drawing/2010/main" xmlns="" w="9525">
                 <a:solidFill>
                   <a:srgbClr val="000000"/>
                 </a:solidFill>
@@ -15701,14 +15722,14 @@
           </a:ln>
           <a:extLst>
             <a:ext uri="{909E8E84-426E-40dd-AFC4-6F175D3DCCD1}">
-              <a14:hiddenFill xmlns="" xmlns:a14="http://schemas.microsoft.com/office/drawing/2010/main">
+              <a14:hiddenFill xmlns:a14="http://schemas.microsoft.com/office/drawing/2010/main" xmlns="">
                 <a:solidFill>
                   <a:srgbClr val="FFFFFF"/>
                 </a:solidFill>
               </a14:hiddenFill>
             </a:ext>
             <a:ext uri="{91240B29-F687-4f45-9708-019B960494DF}">
-              <a14:hiddenLine xmlns="" xmlns:a14="http://schemas.microsoft.com/office/drawing/2010/main" w="9525">
+              <a14:hiddenLine xmlns:a14="http://schemas.microsoft.com/office/drawing/2010/main" xmlns="" w="9525">
                 <a:solidFill>
                   <a:srgbClr val="000000"/>
                 </a:solidFill>
@@ -15906,14 +15927,14 @@
           </a:ln>
           <a:extLst>
             <a:ext uri="{909E8E84-426E-40dd-AFC4-6F175D3DCCD1}">
-              <a14:hiddenFill xmlns="" xmlns:a14="http://schemas.microsoft.com/office/drawing/2010/main">
+              <a14:hiddenFill xmlns:a14="http://schemas.microsoft.com/office/drawing/2010/main" xmlns="">
                 <a:solidFill>
                   <a:srgbClr val="FFFFFF"/>
                 </a:solidFill>
               </a14:hiddenFill>
             </a:ext>
             <a:ext uri="{91240B29-F687-4f45-9708-019B960494DF}">
-              <a14:hiddenLine xmlns="" xmlns:a14="http://schemas.microsoft.com/office/drawing/2010/main" w="9525">
+              <a14:hiddenLine xmlns:a14="http://schemas.microsoft.com/office/drawing/2010/main" xmlns="" w="9525">
                 <a:solidFill>
                   <a:srgbClr val="000000"/>
                 </a:solidFill>
@@ -16148,14 +16169,14 @@
           </a:ln>
           <a:extLst>
             <a:ext uri="{909E8E84-426E-40dd-AFC4-6F175D3DCCD1}">
-              <a14:hiddenFill xmlns="" xmlns:a14="http://schemas.microsoft.com/office/drawing/2010/main">
+              <a14:hiddenFill xmlns:a14="http://schemas.microsoft.com/office/drawing/2010/main" xmlns="">
                 <a:solidFill>
                   <a:srgbClr val="FFFFFF"/>
                 </a:solidFill>
               </a14:hiddenFill>
             </a:ext>
             <a:ext uri="{91240B29-F687-4f45-9708-019B960494DF}">
-              <a14:hiddenLine xmlns="" xmlns:a14="http://schemas.microsoft.com/office/drawing/2010/main" w="9525">
+              <a14:hiddenLine xmlns:a14="http://schemas.microsoft.com/office/drawing/2010/main" xmlns="" w="9525">
                 <a:solidFill>
                   <a:srgbClr val="000000"/>
                 </a:solidFill>
@@ -16189,14 +16210,14 @@
           </a:ln>
           <a:extLst>
             <a:ext uri="{909E8E84-426E-40dd-AFC4-6F175D3DCCD1}">
-              <a14:hiddenFill xmlns="" xmlns:a14="http://schemas.microsoft.com/office/drawing/2010/main">
+              <a14:hiddenFill xmlns:a14="http://schemas.microsoft.com/office/drawing/2010/main" xmlns="">
                 <a:solidFill>
                   <a:srgbClr val="FFFFFF"/>
                 </a:solidFill>
               </a14:hiddenFill>
             </a:ext>
             <a:ext uri="{91240B29-F687-4f45-9708-019B960494DF}">
-              <a14:hiddenLine xmlns="" xmlns:a14="http://schemas.microsoft.com/office/drawing/2010/main" w="9525">
+              <a14:hiddenLine xmlns:a14="http://schemas.microsoft.com/office/drawing/2010/main" xmlns="" w="9525">
                 <a:solidFill>
                   <a:srgbClr val="000000"/>
                 </a:solidFill>
@@ -16788,14 +16809,14 @@
           </a:ln>
           <a:extLst>
             <a:ext uri="{909E8E84-426E-40dd-AFC4-6F175D3DCCD1}">
-              <a14:hiddenFill xmlns="" xmlns:a14="http://schemas.microsoft.com/office/drawing/2010/main">
+              <a14:hiddenFill xmlns:a14="http://schemas.microsoft.com/office/drawing/2010/main" xmlns="">
                 <a:solidFill>
                   <a:srgbClr val="FFFFFF"/>
                 </a:solidFill>
               </a14:hiddenFill>
             </a:ext>
             <a:ext uri="{91240B29-F687-4f45-9708-019B960494DF}">
-              <a14:hiddenLine xmlns="" xmlns:a14="http://schemas.microsoft.com/office/drawing/2010/main" w="9525">
+              <a14:hiddenLine xmlns:a14="http://schemas.microsoft.com/office/drawing/2010/main" xmlns="" w="9525">
                 <a:solidFill>
                   <a:srgbClr val="000000"/>
                 </a:solidFill>

--- a/slides/graphs-basic.pptx
+++ b/slides/graphs-basic.pptx
@@ -981,14 +981,14 @@
           <a:ln/>
           <a:extLst>
             <a:ext uri="{909E8E84-426E-40dd-AFC4-6F175D3DCCD1}">
-              <a14:hiddenFill xmlns:a14="http://schemas.microsoft.com/office/drawing/2010/main" xmlns="">
+              <a14:hiddenFill xmlns="" xmlns:a14="http://schemas.microsoft.com/office/drawing/2010/main">
                 <a:solidFill>
                   <a:srgbClr val="FFFFFF"/>
                 </a:solidFill>
               </a14:hiddenFill>
             </a:ext>
             <a:ext uri="{91240B29-F687-4f45-9708-019B960494DF}">
-              <a14:hiddenLine xmlns:a14="http://schemas.microsoft.com/office/drawing/2010/main" xmlns="" w="9525">
+              <a14:hiddenLine xmlns="" xmlns:a14="http://schemas.microsoft.com/office/drawing/2010/main" w="9525">
                 <a:solidFill>
                   <a:srgbClr val="000000"/>
                 </a:solidFill>
@@ -1024,14 +1024,14 @@
           <a:ln/>
           <a:extLst>
             <a:ext uri="{909E8E84-426E-40dd-AFC4-6F175D3DCCD1}">
-              <a14:hiddenFill xmlns:a14="http://schemas.microsoft.com/office/drawing/2010/main" xmlns="">
+              <a14:hiddenFill xmlns="" xmlns:a14="http://schemas.microsoft.com/office/drawing/2010/main">
                 <a:solidFill>
                   <a:srgbClr val="FFFFFF"/>
                 </a:solidFill>
               </a14:hiddenFill>
             </a:ext>
             <a:ext uri="{91240B29-F687-4f45-9708-019B960494DF}">
-              <a14:hiddenLine xmlns:a14="http://schemas.microsoft.com/office/drawing/2010/main" xmlns="" w="9525">
+              <a14:hiddenLine xmlns="" xmlns:a14="http://schemas.microsoft.com/office/drawing/2010/main" w="9525">
                 <a:solidFill>
                   <a:srgbClr val="000000"/>
                 </a:solidFill>
@@ -1220,14 +1220,14 @@
           <a:ln/>
           <a:extLst>
             <a:ext uri="{909E8E84-426E-40dd-AFC4-6F175D3DCCD1}">
-              <a14:hiddenFill xmlns:a14="http://schemas.microsoft.com/office/drawing/2010/main" xmlns="">
+              <a14:hiddenFill xmlns="" xmlns:a14="http://schemas.microsoft.com/office/drawing/2010/main">
                 <a:solidFill>
                   <a:srgbClr val="FFFFFF"/>
                 </a:solidFill>
               </a14:hiddenFill>
             </a:ext>
             <a:ext uri="{91240B29-F687-4f45-9708-019B960494DF}">
-              <a14:hiddenLine xmlns:a14="http://schemas.microsoft.com/office/drawing/2010/main" xmlns="" w="9525">
+              <a14:hiddenLine xmlns="" xmlns:a14="http://schemas.microsoft.com/office/drawing/2010/main" w="9525">
                 <a:solidFill>
                   <a:srgbClr val="000000"/>
                 </a:solidFill>
@@ -1263,14 +1263,14 @@
           <a:ln/>
           <a:extLst>
             <a:ext uri="{909E8E84-426E-40dd-AFC4-6F175D3DCCD1}">
-              <a14:hiddenFill xmlns:a14="http://schemas.microsoft.com/office/drawing/2010/main" xmlns="">
+              <a14:hiddenFill xmlns="" xmlns:a14="http://schemas.microsoft.com/office/drawing/2010/main">
                 <a:solidFill>
                   <a:srgbClr val="FFFFFF"/>
                 </a:solidFill>
               </a14:hiddenFill>
             </a:ext>
             <a:ext uri="{91240B29-F687-4f45-9708-019B960494DF}">
-              <a14:hiddenLine xmlns:a14="http://schemas.microsoft.com/office/drawing/2010/main" xmlns="" w="9525">
+              <a14:hiddenLine xmlns="" xmlns:a14="http://schemas.microsoft.com/office/drawing/2010/main" w="9525">
                 <a:solidFill>
                   <a:srgbClr val="000000"/>
                 </a:solidFill>
@@ -1459,14 +1459,14 @@
           <a:ln/>
           <a:extLst>
             <a:ext uri="{909E8E84-426E-40dd-AFC4-6F175D3DCCD1}">
-              <a14:hiddenFill xmlns:a14="http://schemas.microsoft.com/office/drawing/2010/main" xmlns="">
+              <a14:hiddenFill xmlns="" xmlns:a14="http://schemas.microsoft.com/office/drawing/2010/main">
                 <a:solidFill>
                   <a:srgbClr val="FFFFFF"/>
                 </a:solidFill>
               </a14:hiddenFill>
             </a:ext>
             <a:ext uri="{91240B29-F687-4f45-9708-019B960494DF}">
-              <a14:hiddenLine xmlns:a14="http://schemas.microsoft.com/office/drawing/2010/main" xmlns="" w="9525">
+              <a14:hiddenLine xmlns="" xmlns:a14="http://schemas.microsoft.com/office/drawing/2010/main" w="9525">
                 <a:solidFill>
                   <a:srgbClr val="000000"/>
                 </a:solidFill>
@@ -1502,14 +1502,14 @@
           <a:ln/>
           <a:extLst>
             <a:ext uri="{909E8E84-426E-40dd-AFC4-6F175D3DCCD1}">
-              <a14:hiddenFill xmlns:a14="http://schemas.microsoft.com/office/drawing/2010/main" xmlns="">
+              <a14:hiddenFill xmlns="" xmlns:a14="http://schemas.microsoft.com/office/drawing/2010/main">
                 <a:solidFill>
                   <a:srgbClr val="FFFFFF"/>
                 </a:solidFill>
               </a14:hiddenFill>
             </a:ext>
             <a:ext uri="{91240B29-F687-4f45-9708-019B960494DF}">
-              <a14:hiddenLine xmlns:a14="http://schemas.microsoft.com/office/drawing/2010/main" xmlns="" w="9525">
+              <a14:hiddenLine xmlns="" xmlns:a14="http://schemas.microsoft.com/office/drawing/2010/main" w="9525">
                 <a:solidFill>
                   <a:srgbClr val="000000"/>
                 </a:solidFill>
@@ -1698,14 +1698,14 @@
           <a:ln/>
           <a:extLst>
             <a:ext uri="{909E8E84-426E-40dd-AFC4-6F175D3DCCD1}">
-              <a14:hiddenFill xmlns:a14="http://schemas.microsoft.com/office/drawing/2010/main" xmlns="">
+              <a14:hiddenFill xmlns="" xmlns:a14="http://schemas.microsoft.com/office/drawing/2010/main">
                 <a:solidFill>
                   <a:srgbClr val="FFFFFF"/>
                 </a:solidFill>
               </a14:hiddenFill>
             </a:ext>
             <a:ext uri="{91240B29-F687-4f45-9708-019B960494DF}">
-              <a14:hiddenLine xmlns:a14="http://schemas.microsoft.com/office/drawing/2010/main" xmlns="" w="9525">
+              <a14:hiddenLine xmlns="" xmlns:a14="http://schemas.microsoft.com/office/drawing/2010/main" w="9525">
                 <a:solidFill>
                   <a:srgbClr val="000000"/>
                 </a:solidFill>
@@ -1741,14 +1741,14 @@
           <a:ln/>
           <a:extLst>
             <a:ext uri="{909E8E84-426E-40dd-AFC4-6F175D3DCCD1}">
-              <a14:hiddenFill xmlns:a14="http://schemas.microsoft.com/office/drawing/2010/main" xmlns="">
+              <a14:hiddenFill xmlns="" xmlns:a14="http://schemas.microsoft.com/office/drawing/2010/main">
                 <a:solidFill>
                   <a:srgbClr val="FFFFFF"/>
                 </a:solidFill>
               </a14:hiddenFill>
             </a:ext>
             <a:ext uri="{91240B29-F687-4f45-9708-019B960494DF}">
-              <a14:hiddenLine xmlns:a14="http://schemas.microsoft.com/office/drawing/2010/main" xmlns="" w="9525">
+              <a14:hiddenLine xmlns="" xmlns:a14="http://schemas.microsoft.com/office/drawing/2010/main" w="9525">
                 <a:solidFill>
                   <a:srgbClr val="000000"/>
                 </a:solidFill>
@@ -1937,14 +1937,14 @@
           <a:ln/>
           <a:extLst>
             <a:ext uri="{909E8E84-426E-40dd-AFC4-6F175D3DCCD1}">
-              <a14:hiddenFill xmlns:a14="http://schemas.microsoft.com/office/drawing/2010/main" xmlns="">
+              <a14:hiddenFill xmlns="" xmlns:a14="http://schemas.microsoft.com/office/drawing/2010/main">
                 <a:solidFill>
                   <a:srgbClr val="FFFFFF"/>
                 </a:solidFill>
               </a14:hiddenFill>
             </a:ext>
             <a:ext uri="{91240B29-F687-4f45-9708-019B960494DF}">
-              <a14:hiddenLine xmlns:a14="http://schemas.microsoft.com/office/drawing/2010/main" xmlns="" w="9525">
+              <a14:hiddenLine xmlns="" xmlns:a14="http://schemas.microsoft.com/office/drawing/2010/main" w="9525">
                 <a:solidFill>
                   <a:srgbClr val="000000"/>
                 </a:solidFill>
@@ -1980,14 +1980,14 @@
           <a:ln/>
           <a:extLst>
             <a:ext uri="{909E8E84-426E-40dd-AFC4-6F175D3DCCD1}">
-              <a14:hiddenFill xmlns:a14="http://schemas.microsoft.com/office/drawing/2010/main" xmlns="">
+              <a14:hiddenFill xmlns="" xmlns:a14="http://schemas.microsoft.com/office/drawing/2010/main">
                 <a:solidFill>
                   <a:srgbClr val="FFFFFF"/>
                 </a:solidFill>
               </a14:hiddenFill>
             </a:ext>
             <a:ext uri="{91240B29-F687-4f45-9708-019B960494DF}">
-              <a14:hiddenLine xmlns:a14="http://schemas.microsoft.com/office/drawing/2010/main" xmlns="" w="9525">
+              <a14:hiddenLine xmlns="" xmlns:a14="http://schemas.microsoft.com/office/drawing/2010/main" w="9525">
                 <a:solidFill>
                   <a:srgbClr val="000000"/>
                 </a:solidFill>
@@ -2176,14 +2176,14 @@
           <a:ln/>
           <a:extLst>
             <a:ext uri="{909E8E84-426E-40dd-AFC4-6F175D3DCCD1}">
-              <a14:hiddenFill xmlns:a14="http://schemas.microsoft.com/office/drawing/2010/main" xmlns="">
+              <a14:hiddenFill xmlns="" xmlns:a14="http://schemas.microsoft.com/office/drawing/2010/main">
                 <a:solidFill>
                   <a:srgbClr val="FFFFFF"/>
                 </a:solidFill>
               </a14:hiddenFill>
             </a:ext>
             <a:ext uri="{91240B29-F687-4f45-9708-019B960494DF}">
-              <a14:hiddenLine xmlns:a14="http://schemas.microsoft.com/office/drawing/2010/main" xmlns="" w="9525">
+              <a14:hiddenLine xmlns="" xmlns:a14="http://schemas.microsoft.com/office/drawing/2010/main" w="9525">
                 <a:solidFill>
                   <a:srgbClr val="000000"/>
                 </a:solidFill>
@@ -2219,14 +2219,14 @@
           <a:ln/>
           <a:extLst>
             <a:ext uri="{909E8E84-426E-40dd-AFC4-6F175D3DCCD1}">
-              <a14:hiddenFill xmlns:a14="http://schemas.microsoft.com/office/drawing/2010/main" xmlns="">
+              <a14:hiddenFill xmlns="" xmlns:a14="http://schemas.microsoft.com/office/drawing/2010/main">
                 <a:solidFill>
                   <a:srgbClr val="FFFFFF"/>
                 </a:solidFill>
               </a14:hiddenFill>
             </a:ext>
             <a:ext uri="{91240B29-F687-4f45-9708-019B960494DF}">
-              <a14:hiddenLine xmlns:a14="http://schemas.microsoft.com/office/drawing/2010/main" xmlns="" w="9525">
+              <a14:hiddenLine xmlns="" xmlns:a14="http://schemas.microsoft.com/office/drawing/2010/main" w="9525">
                 <a:solidFill>
                   <a:srgbClr val="000000"/>
                 </a:solidFill>
@@ -2520,14 +2520,14 @@
           <a:ln/>
           <a:extLst>
             <a:ext uri="{909E8E84-426E-40dd-AFC4-6F175D3DCCD1}">
-              <a14:hiddenFill xmlns:a14="http://schemas.microsoft.com/office/drawing/2010/main" xmlns="">
+              <a14:hiddenFill xmlns="" xmlns:a14="http://schemas.microsoft.com/office/drawing/2010/main">
                 <a:solidFill>
                   <a:srgbClr val="FFFFFF"/>
                 </a:solidFill>
               </a14:hiddenFill>
             </a:ext>
             <a:ext uri="{91240B29-F687-4f45-9708-019B960494DF}">
-              <a14:hiddenLine xmlns:a14="http://schemas.microsoft.com/office/drawing/2010/main" xmlns="" w="9525">
+              <a14:hiddenLine xmlns="" xmlns:a14="http://schemas.microsoft.com/office/drawing/2010/main" w="9525">
                 <a:solidFill>
                   <a:srgbClr val="000000"/>
                 </a:solidFill>
@@ -2563,14 +2563,14 @@
           <a:ln/>
           <a:extLst>
             <a:ext uri="{909E8E84-426E-40dd-AFC4-6F175D3DCCD1}">
-              <a14:hiddenFill xmlns:a14="http://schemas.microsoft.com/office/drawing/2010/main" xmlns="">
+              <a14:hiddenFill xmlns="" xmlns:a14="http://schemas.microsoft.com/office/drawing/2010/main">
                 <a:solidFill>
                   <a:srgbClr val="FFFFFF"/>
                 </a:solidFill>
               </a14:hiddenFill>
             </a:ext>
             <a:ext uri="{91240B29-F687-4f45-9708-019B960494DF}">
-              <a14:hiddenLine xmlns:a14="http://schemas.microsoft.com/office/drawing/2010/main" xmlns="" w="9525">
+              <a14:hiddenLine xmlns="" xmlns:a14="http://schemas.microsoft.com/office/drawing/2010/main" w="9525">
                 <a:solidFill>
                   <a:srgbClr val="000000"/>
                 </a:solidFill>
@@ -2759,14 +2759,14 @@
           <a:ln/>
           <a:extLst>
             <a:ext uri="{909E8E84-426E-40dd-AFC4-6F175D3DCCD1}">
-              <a14:hiddenFill xmlns:a14="http://schemas.microsoft.com/office/drawing/2010/main" xmlns="">
+              <a14:hiddenFill xmlns="" xmlns:a14="http://schemas.microsoft.com/office/drawing/2010/main">
                 <a:solidFill>
                   <a:srgbClr val="FFFFFF"/>
                 </a:solidFill>
               </a14:hiddenFill>
             </a:ext>
             <a:ext uri="{91240B29-F687-4f45-9708-019B960494DF}">
-              <a14:hiddenLine xmlns:a14="http://schemas.microsoft.com/office/drawing/2010/main" xmlns="" w="9525">
+              <a14:hiddenLine xmlns="" xmlns:a14="http://schemas.microsoft.com/office/drawing/2010/main" w="9525">
                 <a:solidFill>
                   <a:srgbClr val="000000"/>
                 </a:solidFill>
@@ -2802,14 +2802,14 @@
           <a:ln/>
           <a:extLst>
             <a:ext uri="{909E8E84-426E-40dd-AFC4-6F175D3DCCD1}">
-              <a14:hiddenFill xmlns:a14="http://schemas.microsoft.com/office/drawing/2010/main" xmlns="">
+              <a14:hiddenFill xmlns="" xmlns:a14="http://schemas.microsoft.com/office/drawing/2010/main">
                 <a:solidFill>
                   <a:srgbClr val="FFFFFF"/>
                 </a:solidFill>
               </a14:hiddenFill>
             </a:ext>
             <a:ext uri="{91240B29-F687-4f45-9708-019B960494DF}">
-              <a14:hiddenLine xmlns:a14="http://schemas.microsoft.com/office/drawing/2010/main" xmlns="" w="9525">
+              <a14:hiddenLine xmlns="" xmlns:a14="http://schemas.microsoft.com/office/drawing/2010/main" w="9525">
                 <a:solidFill>
                   <a:srgbClr val="000000"/>
                 </a:solidFill>
@@ -2998,14 +2998,14 @@
           <a:ln/>
           <a:extLst>
             <a:ext uri="{909E8E84-426E-40dd-AFC4-6F175D3DCCD1}">
-              <a14:hiddenFill xmlns:a14="http://schemas.microsoft.com/office/drawing/2010/main" xmlns="">
+              <a14:hiddenFill xmlns="" xmlns:a14="http://schemas.microsoft.com/office/drawing/2010/main">
                 <a:solidFill>
                   <a:srgbClr val="FFFFFF"/>
                 </a:solidFill>
               </a14:hiddenFill>
             </a:ext>
             <a:ext uri="{91240B29-F687-4f45-9708-019B960494DF}">
-              <a14:hiddenLine xmlns:a14="http://schemas.microsoft.com/office/drawing/2010/main" xmlns="" w="9525">
+              <a14:hiddenLine xmlns="" xmlns:a14="http://schemas.microsoft.com/office/drawing/2010/main" w="9525">
                 <a:solidFill>
                   <a:srgbClr val="000000"/>
                 </a:solidFill>
@@ -3041,14 +3041,14 @@
           <a:ln/>
           <a:extLst>
             <a:ext uri="{909E8E84-426E-40dd-AFC4-6F175D3DCCD1}">
-              <a14:hiddenFill xmlns:a14="http://schemas.microsoft.com/office/drawing/2010/main" xmlns="">
+              <a14:hiddenFill xmlns="" xmlns:a14="http://schemas.microsoft.com/office/drawing/2010/main">
                 <a:solidFill>
                   <a:srgbClr val="FFFFFF"/>
                 </a:solidFill>
               </a14:hiddenFill>
             </a:ext>
             <a:ext uri="{91240B29-F687-4f45-9708-019B960494DF}">
-              <a14:hiddenLine xmlns:a14="http://schemas.microsoft.com/office/drawing/2010/main" xmlns="" w="9525">
+              <a14:hiddenLine xmlns="" xmlns:a14="http://schemas.microsoft.com/office/drawing/2010/main" w="9525">
                 <a:solidFill>
                   <a:srgbClr val="000000"/>
                 </a:solidFill>
@@ -3237,14 +3237,14 @@
           <a:ln/>
           <a:extLst>
             <a:ext uri="{909E8E84-426E-40dd-AFC4-6F175D3DCCD1}">
-              <a14:hiddenFill xmlns:a14="http://schemas.microsoft.com/office/drawing/2010/main" xmlns="">
+              <a14:hiddenFill xmlns="" xmlns:a14="http://schemas.microsoft.com/office/drawing/2010/main">
                 <a:solidFill>
                   <a:srgbClr val="FFFFFF"/>
                 </a:solidFill>
               </a14:hiddenFill>
             </a:ext>
             <a:ext uri="{91240B29-F687-4f45-9708-019B960494DF}">
-              <a14:hiddenLine xmlns:a14="http://schemas.microsoft.com/office/drawing/2010/main" xmlns="" w="9525">
+              <a14:hiddenLine xmlns="" xmlns:a14="http://schemas.microsoft.com/office/drawing/2010/main" w="9525">
                 <a:solidFill>
                   <a:srgbClr val="000000"/>
                 </a:solidFill>
@@ -3280,14 +3280,14 @@
           <a:ln/>
           <a:extLst>
             <a:ext uri="{909E8E84-426E-40dd-AFC4-6F175D3DCCD1}">
-              <a14:hiddenFill xmlns:a14="http://schemas.microsoft.com/office/drawing/2010/main" xmlns="">
+              <a14:hiddenFill xmlns="" xmlns:a14="http://schemas.microsoft.com/office/drawing/2010/main">
                 <a:solidFill>
                   <a:srgbClr val="FFFFFF"/>
                 </a:solidFill>
               </a14:hiddenFill>
             </a:ext>
             <a:ext uri="{91240B29-F687-4f45-9708-019B960494DF}">
-              <a14:hiddenLine xmlns:a14="http://schemas.microsoft.com/office/drawing/2010/main" xmlns="" w="9525">
+              <a14:hiddenLine xmlns="" xmlns:a14="http://schemas.microsoft.com/office/drawing/2010/main" w="9525">
                 <a:solidFill>
                   <a:srgbClr val="000000"/>
                 </a:solidFill>
@@ -3476,14 +3476,14 @@
           <a:ln/>
           <a:extLst>
             <a:ext uri="{909E8E84-426E-40dd-AFC4-6F175D3DCCD1}">
-              <a14:hiddenFill xmlns:a14="http://schemas.microsoft.com/office/drawing/2010/main" xmlns="">
+              <a14:hiddenFill xmlns="" xmlns:a14="http://schemas.microsoft.com/office/drawing/2010/main">
                 <a:solidFill>
                   <a:srgbClr val="FFFFFF"/>
                 </a:solidFill>
               </a14:hiddenFill>
             </a:ext>
             <a:ext uri="{91240B29-F687-4f45-9708-019B960494DF}">
-              <a14:hiddenLine xmlns:a14="http://schemas.microsoft.com/office/drawing/2010/main" xmlns="" w="9525">
+              <a14:hiddenLine xmlns="" xmlns:a14="http://schemas.microsoft.com/office/drawing/2010/main" w="9525">
                 <a:solidFill>
                   <a:srgbClr val="000000"/>
                 </a:solidFill>
@@ -3519,14 +3519,14 @@
           <a:ln/>
           <a:extLst>
             <a:ext uri="{909E8E84-426E-40dd-AFC4-6F175D3DCCD1}">
-              <a14:hiddenFill xmlns:a14="http://schemas.microsoft.com/office/drawing/2010/main" xmlns="">
+              <a14:hiddenFill xmlns="" xmlns:a14="http://schemas.microsoft.com/office/drawing/2010/main">
                 <a:solidFill>
                   <a:srgbClr val="FFFFFF"/>
                 </a:solidFill>
               </a14:hiddenFill>
             </a:ext>
             <a:ext uri="{91240B29-F687-4f45-9708-019B960494DF}">
-              <a14:hiddenLine xmlns:a14="http://schemas.microsoft.com/office/drawing/2010/main" xmlns="" w="9525">
+              <a14:hiddenLine xmlns="" xmlns:a14="http://schemas.microsoft.com/office/drawing/2010/main" w="9525">
                 <a:solidFill>
                   <a:srgbClr val="000000"/>
                 </a:solidFill>
@@ -3715,14 +3715,14 @@
           <a:ln/>
           <a:extLst>
             <a:ext uri="{909E8E84-426E-40dd-AFC4-6F175D3DCCD1}">
-              <a14:hiddenFill xmlns:a14="http://schemas.microsoft.com/office/drawing/2010/main" xmlns="">
+              <a14:hiddenFill xmlns="" xmlns:a14="http://schemas.microsoft.com/office/drawing/2010/main">
                 <a:solidFill>
                   <a:srgbClr val="FFFFFF"/>
                 </a:solidFill>
               </a14:hiddenFill>
             </a:ext>
             <a:ext uri="{91240B29-F687-4f45-9708-019B960494DF}">
-              <a14:hiddenLine xmlns:a14="http://schemas.microsoft.com/office/drawing/2010/main" xmlns="" w="9525">
+              <a14:hiddenLine xmlns="" xmlns:a14="http://schemas.microsoft.com/office/drawing/2010/main" w="9525">
                 <a:solidFill>
                   <a:srgbClr val="000000"/>
                 </a:solidFill>
@@ -3758,14 +3758,14 @@
           <a:ln/>
           <a:extLst>
             <a:ext uri="{909E8E84-426E-40dd-AFC4-6F175D3DCCD1}">
-              <a14:hiddenFill xmlns:a14="http://schemas.microsoft.com/office/drawing/2010/main" xmlns="">
+              <a14:hiddenFill xmlns="" xmlns:a14="http://schemas.microsoft.com/office/drawing/2010/main">
                 <a:solidFill>
                   <a:srgbClr val="FFFFFF"/>
                 </a:solidFill>
               </a14:hiddenFill>
             </a:ext>
             <a:ext uri="{91240B29-F687-4f45-9708-019B960494DF}">
-              <a14:hiddenLine xmlns:a14="http://schemas.microsoft.com/office/drawing/2010/main" xmlns="" w="9525">
+              <a14:hiddenLine xmlns="" xmlns:a14="http://schemas.microsoft.com/office/drawing/2010/main" w="9525">
                 <a:solidFill>
                   <a:srgbClr val="000000"/>
                 </a:solidFill>
@@ -3954,14 +3954,14 @@
           <a:ln/>
           <a:extLst>
             <a:ext uri="{909E8E84-426E-40dd-AFC4-6F175D3DCCD1}">
-              <a14:hiddenFill xmlns:a14="http://schemas.microsoft.com/office/drawing/2010/main" xmlns="">
+              <a14:hiddenFill xmlns="" xmlns:a14="http://schemas.microsoft.com/office/drawing/2010/main">
                 <a:solidFill>
                   <a:srgbClr val="FFFFFF"/>
                 </a:solidFill>
               </a14:hiddenFill>
             </a:ext>
             <a:ext uri="{91240B29-F687-4f45-9708-019B960494DF}">
-              <a14:hiddenLine xmlns:a14="http://schemas.microsoft.com/office/drawing/2010/main" xmlns="" w="9525">
+              <a14:hiddenLine xmlns="" xmlns:a14="http://schemas.microsoft.com/office/drawing/2010/main" w="9525">
                 <a:solidFill>
                   <a:srgbClr val="000000"/>
                 </a:solidFill>
@@ -3997,14 +3997,14 @@
           <a:ln/>
           <a:extLst>
             <a:ext uri="{909E8E84-426E-40dd-AFC4-6F175D3DCCD1}">
-              <a14:hiddenFill xmlns:a14="http://schemas.microsoft.com/office/drawing/2010/main" xmlns="">
+              <a14:hiddenFill xmlns="" xmlns:a14="http://schemas.microsoft.com/office/drawing/2010/main">
                 <a:solidFill>
                   <a:srgbClr val="FFFFFF"/>
                 </a:solidFill>
               </a14:hiddenFill>
             </a:ext>
             <a:ext uri="{91240B29-F687-4f45-9708-019B960494DF}">
-              <a14:hiddenLine xmlns:a14="http://schemas.microsoft.com/office/drawing/2010/main" xmlns="" w="9525">
+              <a14:hiddenLine xmlns="" xmlns:a14="http://schemas.microsoft.com/office/drawing/2010/main" w="9525">
                 <a:solidFill>
                   <a:srgbClr val="000000"/>
                 </a:solidFill>
@@ -4193,14 +4193,14 @@
           <a:ln/>
           <a:extLst>
             <a:ext uri="{909E8E84-426E-40dd-AFC4-6F175D3DCCD1}">
-              <a14:hiddenFill xmlns:a14="http://schemas.microsoft.com/office/drawing/2010/main" xmlns="">
+              <a14:hiddenFill xmlns="" xmlns:a14="http://schemas.microsoft.com/office/drawing/2010/main">
                 <a:solidFill>
                   <a:srgbClr val="FFFFFF"/>
                 </a:solidFill>
               </a14:hiddenFill>
             </a:ext>
             <a:ext uri="{91240B29-F687-4f45-9708-019B960494DF}">
-              <a14:hiddenLine xmlns:a14="http://schemas.microsoft.com/office/drawing/2010/main" xmlns="" w="9525">
+              <a14:hiddenLine xmlns="" xmlns:a14="http://schemas.microsoft.com/office/drawing/2010/main" w="9525">
                 <a:solidFill>
                   <a:srgbClr val="000000"/>
                 </a:solidFill>
@@ -4236,14 +4236,14 @@
           <a:ln/>
           <a:extLst>
             <a:ext uri="{909E8E84-426E-40dd-AFC4-6F175D3DCCD1}">
-              <a14:hiddenFill xmlns:a14="http://schemas.microsoft.com/office/drawing/2010/main" xmlns="">
+              <a14:hiddenFill xmlns="" xmlns:a14="http://schemas.microsoft.com/office/drawing/2010/main">
                 <a:solidFill>
                   <a:srgbClr val="FFFFFF"/>
                 </a:solidFill>
               </a14:hiddenFill>
             </a:ext>
             <a:ext uri="{91240B29-F687-4f45-9708-019B960494DF}">
-              <a14:hiddenLine xmlns:a14="http://schemas.microsoft.com/office/drawing/2010/main" xmlns="" w="9525">
+              <a14:hiddenLine xmlns="" xmlns:a14="http://schemas.microsoft.com/office/drawing/2010/main" w="9525">
                 <a:solidFill>
                   <a:srgbClr val="000000"/>
                 </a:solidFill>
@@ -15052,14 +15052,14 @@
           </a:ln>
           <a:extLst>
             <a:ext uri="{909E8E84-426E-40dd-AFC4-6F175D3DCCD1}">
-              <a14:hiddenFill xmlns:a14="http://schemas.microsoft.com/office/drawing/2010/main" xmlns="">
+              <a14:hiddenFill xmlns="" xmlns:a14="http://schemas.microsoft.com/office/drawing/2010/main">
                 <a:solidFill>
                   <a:srgbClr val="FFFFFF"/>
                 </a:solidFill>
               </a14:hiddenFill>
             </a:ext>
             <a:ext uri="{91240B29-F687-4f45-9708-019B960494DF}">
-              <a14:hiddenLine xmlns:a14="http://schemas.microsoft.com/office/drawing/2010/main" xmlns="" w="9525">
+              <a14:hiddenLine xmlns="" xmlns:a14="http://schemas.microsoft.com/office/drawing/2010/main" w="9525">
                 <a:solidFill>
                   <a:srgbClr val="000000"/>
                 </a:solidFill>
@@ -15106,14 +15106,14 @@
           </a:ln>
           <a:extLst>
             <a:ext uri="{909E8E84-426E-40dd-AFC4-6F175D3DCCD1}">
-              <a14:hiddenFill xmlns:a14="http://schemas.microsoft.com/office/drawing/2010/main" xmlns="">
+              <a14:hiddenFill xmlns="" xmlns:a14="http://schemas.microsoft.com/office/drawing/2010/main">
                 <a:solidFill>
                   <a:srgbClr val="FFFFFF"/>
                 </a:solidFill>
               </a14:hiddenFill>
             </a:ext>
             <a:ext uri="{91240B29-F687-4f45-9708-019B960494DF}">
-              <a14:hiddenLine xmlns:a14="http://schemas.microsoft.com/office/drawing/2010/main" xmlns="" w="9525">
+              <a14:hiddenLine xmlns="" xmlns:a14="http://schemas.microsoft.com/office/drawing/2010/main" w="9525">
                 <a:solidFill>
                   <a:srgbClr val="000000"/>
                 </a:solidFill>
@@ -15147,14 +15147,14 @@
           </a:ln>
           <a:extLst>
             <a:ext uri="{909E8E84-426E-40dd-AFC4-6F175D3DCCD1}">
-              <a14:hiddenFill xmlns:a14="http://schemas.microsoft.com/office/drawing/2010/main" xmlns="">
+              <a14:hiddenFill xmlns="" xmlns:a14="http://schemas.microsoft.com/office/drawing/2010/main">
                 <a:solidFill>
                   <a:srgbClr val="FFFFFF"/>
                 </a:solidFill>
               </a14:hiddenFill>
             </a:ext>
             <a:ext uri="{91240B29-F687-4f45-9708-019B960494DF}">
-              <a14:hiddenLine xmlns:a14="http://schemas.microsoft.com/office/drawing/2010/main" xmlns="" w="9525">
+              <a14:hiddenLine xmlns="" xmlns:a14="http://schemas.microsoft.com/office/drawing/2010/main" w="9525">
                 <a:solidFill>
                   <a:srgbClr val="000000"/>
                 </a:solidFill>
@@ -15308,14 +15308,14 @@
           </a:ln>
           <a:extLst>
             <a:ext uri="{909E8E84-426E-40dd-AFC4-6F175D3DCCD1}">
-              <a14:hiddenFill xmlns:a14="http://schemas.microsoft.com/office/drawing/2010/main" xmlns="">
+              <a14:hiddenFill xmlns="" xmlns:a14="http://schemas.microsoft.com/office/drawing/2010/main">
                 <a:solidFill>
                   <a:srgbClr val="FFFFFF"/>
                 </a:solidFill>
               </a14:hiddenFill>
             </a:ext>
             <a:ext uri="{91240B29-F687-4f45-9708-019B960494DF}">
-              <a14:hiddenLine xmlns:a14="http://schemas.microsoft.com/office/drawing/2010/main" xmlns="" w="9525">
+              <a14:hiddenLine xmlns="" xmlns:a14="http://schemas.microsoft.com/office/drawing/2010/main" w="9525">
                 <a:solidFill>
                   <a:srgbClr val="000000"/>
                 </a:solidFill>
@@ -15597,14 +15597,14 @@
           </a:ln>
           <a:extLst>
             <a:ext uri="{909E8E84-426E-40dd-AFC4-6F175D3DCCD1}">
-              <a14:hiddenFill xmlns:a14="http://schemas.microsoft.com/office/drawing/2010/main" xmlns="">
+              <a14:hiddenFill xmlns="" xmlns:a14="http://schemas.microsoft.com/office/drawing/2010/main">
                 <a:solidFill>
                   <a:srgbClr val="FFFFFF"/>
                 </a:solidFill>
               </a14:hiddenFill>
             </a:ext>
             <a:ext uri="{91240B29-F687-4f45-9708-019B960494DF}">
-              <a14:hiddenLine xmlns:a14="http://schemas.microsoft.com/office/drawing/2010/main" xmlns="" w="9525">
+              <a14:hiddenLine xmlns="" xmlns:a14="http://schemas.microsoft.com/office/drawing/2010/main" w="9525">
                 <a:solidFill>
                   <a:srgbClr val="000000"/>
                 </a:solidFill>
@@ -15681,14 +15681,14 @@
           </a:ln>
           <a:extLst>
             <a:ext uri="{909E8E84-426E-40dd-AFC4-6F175D3DCCD1}">
-              <a14:hiddenFill xmlns:a14="http://schemas.microsoft.com/office/drawing/2010/main" xmlns="">
+              <a14:hiddenFill xmlns="" xmlns:a14="http://schemas.microsoft.com/office/drawing/2010/main">
                 <a:solidFill>
                   <a:srgbClr val="FFFFFF"/>
                 </a:solidFill>
               </a14:hiddenFill>
             </a:ext>
             <a:ext uri="{91240B29-F687-4f45-9708-019B960494DF}">
-              <a14:hiddenLine xmlns:a14="http://schemas.microsoft.com/office/drawing/2010/main" xmlns="" w="9525">
+              <a14:hiddenLine xmlns="" xmlns:a14="http://schemas.microsoft.com/office/drawing/2010/main" w="9525">
                 <a:solidFill>
                   <a:srgbClr val="000000"/>
                 </a:solidFill>
@@ -15722,14 +15722,14 @@
           </a:ln>
           <a:extLst>
             <a:ext uri="{909E8E84-426E-40dd-AFC4-6F175D3DCCD1}">
-              <a14:hiddenFill xmlns:a14="http://schemas.microsoft.com/office/drawing/2010/main" xmlns="">
+              <a14:hiddenFill xmlns="" xmlns:a14="http://schemas.microsoft.com/office/drawing/2010/main">
                 <a:solidFill>
                   <a:srgbClr val="FFFFFF"/>
                 </a:solidFill>
               </a14:hiddenFill>
             </a:ext>
             <a:ext uri="{91240B29-F687-4f45-9708-019B960494DF}">
-              <a14:hiddenLine xmlns:a14="http://schemas.microsoft.com/office/drawing/2010/main" xmlns="" w="9525">
+              <a14:hiddenLine xmlns="" xmlns:a14="http://schemas.microsoft.com/office/drawing/2010/main" w="9525">
                 <a:solidFill>
                   <a:srgbClr val="000000"/>
                 </a:solidFill>
@@ -15927,14 +15927,14 @@
           </a:ln>
           <a:extLst>
             <a:ext uri="{909E8E84-426E-40dd-AFC4-6F175D3DCCD1}">
-              <a14:hiddenFill xmlns:a14="http://schemas.microsoft.com/office/drawing/2010/main" xmlns="">
+              <a14:hiddenFill xmlns="" xmlns:a14="http://schemas.microsoft.com/office/drawing/2010/main">
                 <a:solidFill>
                   <a:srgbClr val="FFFFFF"/>
                 </a:solidFill>
               </a14:hiddenFill>
             </a:ext>
             <a:ext uri="{91240B29-F687-4f45-9708-019B960494DF}">
-              <a14:hiddenLine xmlns:a14="http://schemas.microsoft.com/office/drawing/2010/main" xmlns="" w="9525">
+              <a14:hiddenLine xmlns="" xmlns:a14="http://schemas.microsoft.com/office/drawing/2010/main" w="9525">
                 <a:solidFill>
                   <a:srgbClr val="000000"/>
                 </a:solidFill>
@@ -16169,14 +16169,14 @@
           </a:ln>
           <a:extLst>
             <a:ext uri="{909E8E84-426E-40dd-AFC4-6F175D3DCCD1}">
-              <a14:hiddenFill xmlns:a14="http://schemas.microsoft.com/office/drawing/2010/main" xmlns="">
+              <a14:hiddenFill xmlns="" xmlns:a14="http://schemas.microsoft.com/office/drawing/2010/main">
                 <a:solidFill>
                   <a:srgbClr val="FFFFFF"/>
                 </a:solidFill>
               </a14:hiddenFill>
             </a:ext>
             <a:ext uri="{91240B29-F687-4f45-9708-019B960494DF}">
-              <a14:hiddenLine xmlns:a14="http://schemas.microsoft.com/office/drawing/2010/main" xmlns="" w="9525">
+              <a14:hiddenLine xmlns="" xmlns:a14="http://schemas.microsoft.com/office/drawing/2010/main" w="9525">
                 <a:solidFill>
                   <a:srgbClr val="000000"/>
                 </a:solidFill>
@@ -16210,14 +16210,14 @@
           </a:ln>
           <a:extLst>
             <a:ext uri="{909E8E84-426E-40dd-AFC4-6F175D3DCCD1}">
-              <a14:hiddenFill xmlns:a14="http://schemas.microsoft.com/office/drawing/2010/main" xmlns="">
+              <a14:hiddenFill xmlns="" xmlns:a14="http://schemas.microsoft.com/office/drawing/2010/main">
                 <a:solidFill>
                   <a:srgbClr val="FFFFFF"/>
                 </a:solidFill>
               </a14:hiddenFill>
             </a:ext>
             <a:ext uri="{91240B29-F687-4f45-9708-019B960494DF}">
-              <a14:hiddenLine xmlns:a14="http://schemas.microsoft.com/office/drawing/2010/main" xmlns="" w="9525">
+              <a14:hiddenLine xmlns="" xmlns:a14="http://schemas.microsoft.com/office/drawing/2010/main" w="9525">
                 <a:solidFill>
                   <a:srgbClr val="000000"/>
                 </a:solidFill>
@@ -16809,14 +16809,14 @@
           </a:ln>
           <a:extLst>
             <a:ext uri="{909E8E84-426E-40dd-AFC4-6F175D3DCCD1}">
-              <a14:hiddenFill xmlns:a14="http://schemas.microsoft.com/office/drawing/2010/main" xmlns="">
+              <a14:hiddenFill xmlns="" xmlns:a14="http://schemas.microsoft.com/office/drawing/2010/main">
                 <a:solidFill>
                   <a:srgbClr val="FFFFFF"/>
                 </a:solidFill>
               </a14:hiddenFill>
             </a:ext>
             <a:ext uri="{91240B29-F687-4f45-9708-019B960494DF}">
-              <a14:hiddenLine xmlns:a14="http://schemas.microsoft.com/office/drawing/2010/main" xmlns="" w="9525">
+              <a14:hiddenLine xmlns="" xmlns:a14="http://schemas.microsoft.com/office/drawing/2010/main" w="9525">
                 <a:solidFill>
                   <a:srgbClr val="000000"/>
                 </a:solidFill>
@@ -26831,8 +26831,8 @@
           <a:lstStyle/>
           <a:p>
             <a:r>
-              <a:rPr lang="en-US"/>
-              <a:t>Correctness of These Greedy Algorithms</a:t>
+              <a:rPr lang="en-US" dirty="0"/>
+              <a:t>Correctness of These Algorithms</a:t>
             </a:r>
           </a:p>
         </p:txBody>
